--- a/Courses/Software-Sciences/Module-4-Information-Systems-New/12-Implementation-of-Information-System/12-Implementation-of-Information-System-First-Part.pptx
+++ b/Courses/Software-Sciences/Module-4-Information-Systems-New/12-Implementation-of-Information-System/12-Implementation-of-Information-System-First-Part.pptx
@@ -332,7 +332,7 @@
           <a:p>
             <a:fld id="{4E087215-0C8F-4762-A664-737A353EC9A4}" type="datetimeFigureOut">
               <a:rPr lang="bg-BG" smtClean="0"/>
-              <a:t>18.10.24 г.</a:t>
+              <a:t>21.10.24 г.</a:t>
             </a:fld>
             <a:endParaRPr lang="bg-BG"/>
           </a:p>
@@ -528,7 +528,7 @@
           <a:p>
             <a:fld id="{72D84649-876A-46C9-8472-14CB09C070D8}" type="datetimeFigureOut">
               <a:rPr lang="en-US" smtClean="0"/>
-              <a:t>10/18/24</a:t>
+              <a:t>10/21/24</a:t>
             </a:fld>
             <a:endParaRPr lang="en-US"/>
           </a:p>
@@ -19038,20 +19038,6 @@
               <a:rPr lang="bg-BG" sz="2800" b="1" dirty="0"/>
               <a:t> пускане на приложението</a:t>
             </a:r>
-          </a:p>
-          <a:p>
-            <a:r>
-              <a:rPr lang="bg-BG" sz="2800" dirty="0"/>
-              <a:t>Можем да </a:t>
-            </a:r>
-            <a:r>
-              <a:rPr lang="bg-BG" sz="2800" b="1" dirty="0"/>
-              <a:t>изтрием</a:t>
-            </a:r>
-            <a:r>
-              <a:rPr lang="bg-BG" sz="2800" dirty="0"/>
-              <a:t> формата за регистрация</a:t>
-            </a:r>
             <a:endParaRPr lang="en-BG" sz="2800" dirty="0"/>
           </a:p>
         </p:txBody>
@@ -19113,7 +19099,7 @@
         </p:blipFill>
         <p:spPr>
           <a:xfrm>
-            <a:off x="2916800" y="2684078"/>
+            <a:off x="2721000" y="2214000"/>
             <a:ext cx="6358400" cy="3822922"/>
           </a:xfrm>
           <a:prstGeom prst="rect">
@@ -19144,7 +19130,7 @@
         </p:nvSpPr>
         <p:spPr bwMode="auto">
           <a:xfrm>
-            <a:off x="7777102" y="4391241"/>
+            <a:off x="7581302" y="3921163"/>
             <a:ext cx="3975928" cy="408596"/>
           </a:xfrm>
           <a:prstGeom prst="wedgeRoundRectCallout">
@@ -19278,55 +19264,6 @@
                                         </p:cTn>
                                         <p:tgtEl>
                                           <p:spTgt spid="7"/>
-                                        </p:tgtEl>
-                                        <p:attrNameLst>
-                                          <p:attrName>style.visibility</p:attrName>
-                                        </p:attrNameLst>
-                                      </p:cBhvr>
-                                      <p:to>
-                                        <p:strVal val="visible"/>
-                                      </p:to>
-                                    </p:set>
-                                  </p:childTnLst>
-                                </p:cTn>
-                              </p:par>
-                            </p:childTnLst>
-                          </p:cTn>
-                        </p:par>
-                      </p:childTnLst>
-                    </p:cTn>
-                  </p:par>
-                  <p:par>
-                    <p:cTn id="7" fill="hold">
-                      <p:stCondLst>
-                        <p:cond delay="indefinite"/>
-                      </p:stCondLst>
-                      <p:childTnLst>
-                        <p:par>
-                          <p:cTn id="8" fill="hold">
-                            <p:stCondLst>
-                              <p:cond delay="0"/>
-                            </p:stCondLst>
-                            <p:childTnLst>
-                              <p:par>
-                                <p:cTn id="9" presetID="1" presetClass="entr" presetSubtype="0" fill="hold" nodeType="clickEffect">
-                                  <p:stCondLst>
-                                    <p:cond delay="0"/>
-                                  </p:stCondLst>
-                                  <p:childTnLst>
-                                    <p:set>
-                                      <p:cBhvr>
-                                        <p:cTn id="10" dur="1" fill="hold">
-                                          <p:stCondLst>
-                                            <p:cond delay="0"/>
-                                          </p:stCondLst>
-                                        </p:cTn>
-                                        <p:tgtEl>
-                                          <p:spTgt spid="3">
-                                            <p:txEl>
-                                              <p:pRg st="1" end="1"/>
-                                            </p:txEl>
-                                          </p:spTgt>
                                         </p:tgtEl>
                                         <p:attrNameLst>
                                           <p:attrName>style.visibility</p:attrName>

--- a/Courses/Software-Sciences/Module-4-Information-Systems-New/12-Implementation-of-Information-System/12-Implementation-of-Information-System-First-Part.pptx
+++ b/Courses/Software-Sciences/Module-4-Information-Systems-New/12-Implementation-of-Information-System/12-Implementation-of-Information-System-First-Part.pptx
@@ -14739,7 +14739,7 @@
                                         <p:tgtEl>
                                           <p:spTgt spid="444419">
                                             <p:txEl>
-                                              <p:pRg st="0" end="0"/>
+                                              <p:pRg st="1" end="1"/>
                                             </p:txEl>
                                           </p:spTgt>
                                         </p:tgtEl>
@@ -14788,7 +14788,7 @@
                                         <p:tgtEl>
                                           <p:spTgt spid="444419">
                                             <p:txEl>
-                                              <p:pRg st="1" end="1"/>
+                                              <p:pRg st="2" end="2"/>
                                             </p:txEl>
                                           </p:spTgt>
                                         </p:tgtEl>
@@ -14837,7 +14837,7 @@
                                         <p:tgtEl>
                                           <p:spTgt spid="444419">
                                             <p:txEl>
-                                              <p:pRg st="2" end="2"/>
+                                              <p:pRg st="3" end="3"/>
                                             </p:txEl>
                                           </p:spTgt>
                                         </p:tgtEl>
@@ -14886,7 +14886,7 @@
                                         <p:tgtEl>
                                           <p:spTgt spid="444419">
                                             <p:txEl>
-                                              <p:pRg st="3" end="3"/>
+                                              <p:pRg st="4" end="4"/>
                                             </p:txEl>
                                           </p:spTgt>
                                         </p:tgtEl>
@@ -14935,7 +14935,7 @@
                                         <p:tgtEl>
                                           <p:spTgt spid="444419">
                                             <p:txEl>
-                                              <p:pRg st="4" end="4"/>
+                                              <p:pRg st="5" end="5"/>
                                             </p:txEl>
                                           </p:spTgt>
                                         </p:tgtEl>
@@ -14984,7 +14984,7 @@
                                         <p:tgtEl>
                                           <p:spTgt spid="444419">
                                             <p:txEl>
-                                              <p:pRg st="5" end="5"/>
+                                              <p:pRg st="6" end="6"/>
                                             </p:txEl>
                                           </p:spTgt>
                                         </p:tgtEl>
@@ -15033,7 +15033,7 @@
                                         <p:tgtEl>
                                           <p:spTgt spid="444419">
                                             <p:txEl>
-                                              <p:pRg st="6" end="6"/>
+                                              <p:pRg st="7" end="7"/>
                                             </p:txEl>
                                           </p:spTgt>
                                         </p:tgtEl>
@@ -15075,55 +15075,6 @@
                                     <p:set>
                                       <p:cBhvr>
                                         <p:cTn id="34" dur="1" fill="hold">
-                                          <p:stCondLst>
-                                            <p:cond delay="0"/>
-                                          </p:stCondLst>
-                                        </p:cTn>
-                                        <p:tgtEl>
-                                          <p:spTgt spid="444419">
-                                            <p:txEl>
-                                              <p:pRg st="7" end="7"/>
-                                            </p:txEl>
-                                          </p:spTgt>
-                                        </p:tgtEl>
-                                        <p:attrNameLst>
-                                          <p:attrName>style.visibility</p:attrName>
-                                        </p:attrNameLst>
-                                      </p:cBhvr>
-                                      <p:to>
-                                        <p:strVal val="visible"/>
-                                      </p:to>
-                                    </p:set>
-                                  </p:childTnLst>
-                                </p:cTn>
-                              </p:par>
-                            </p:childTnLst>
-                          </p:cTn>
-                        </p:par>
-                      </p:childTnLst>
-                    </p:cTn>
-                  </p:par>
-                  <p:par>
-                    <p:cTn id="35" fill="hold">
-                      <p:stCondLst>
-                        <p:cond delay="indefinite"/>
-                      </p:stCondLst>
-                      <p:childTnLst>
-                        <p:par>
-                          <p:cTn id="36" fill="hold">
-                            <p:stCondLst>
-                              <p:cond delay="0"/>
-                            </p:stCondLst>
-                            <p:childTnLst>
-                              <p:par>
-                                <p:cTn id="37" presetID="1" presetClass="entr" presetSubtype="0" fill="hold" nodeType="clickEffect">
-                                  <p:stCondLst>
-                                    <p:cond delay="0"/>
-                                  </p:stCondLst>
-                                  <p:childTnLst>
-                                    <p:set>
-                                      <p:cBhvr>
-                                        <p:cTn id="38" dur="1" fill="hold">
                                           <p:stCondLst>
                                             <p:cond delay="0"/>
                                           </p:stCondLst>
@@ -20528,7 +20479,7 @@
                                         <p:tgtEl>
                                           <p:spTgt spid="14">
                                             <p:txEl>
-                                              <p:pRg st="0" end="0"/>
+                                              <p:pRg st="1" end="1"/>
                                             </p:txEl>
                                           </p:spTgt>
                                         </p:tgtEl>
@@ -20577,7 +20528,7 @@
                                         <p:tgtEl>
                                           <p:spTgt spid="14">
                                             <p:txEl>
-                                              <p:pRg st="1" end="1"/>
+                                              <p:pRg st="2" end="2"/>
                                             </p:txEl>
                                           </p:spTgt>
                                         </p:tgtEl>
@@ -20626,7 +20577,7 @@
                                         <p:tgtEl>
                                           <p:spTgt spid="14">
                                             <p:txEl>
-                                              <p:pRg st="2" end="2"/>
+                                              <p:pRg st="3" end="3"/>
                                             </p:txEl>
                                           </p:spTgt>
                                         </p:tgtEl>
@@ -20675,7 +20626,7 @@
                                         <p:tgtEl>
                                           <p:spTgt spid="14">
                                             <p:txEl>
-                                              <p:pRg st="3" end="3"/>
+                                              <p:pRg st="4" end="4"/>
                                             </p:txEl>
                                           </p:spTgt>
                                         </p:tgtEl>
@@ -20724,7 +20675,7 @@
                                         <p:tgtEl>
                                           <p:spTgt spid="14">
                                             <p:txEl>
-                                              <p:pRg st="4" end="4"/>
+                                              <p:pRg st="5" end="5"/>
                                             </p:txEl>
                                           </p:spTgt>
                                         </p:tgtEl>
@@ -20773,7 +20724,7 @@
                                         <p:tgtEl>
                                           <p:spTgt spid="14">
                                             <p:txEl>
-                                              <p:pRg st="5" end="5"/>
+                                              <p:pRg st="6" end="6"/>
                                             </p:txEl>
                                           </p:spTgt>
                                         </p:tgtEl>
@@ -20822,7 +20773,7 @@
                                         <p:tgtEl>
                                           <p:spTgt spid="14">
                                             <p:txEl>
-                                              <p:pRg st="6" end="6"/>
+                                              <p:pRg st="7" end="7"/>
                                             </p:txEl>
                                           </p:spTgt>
                                         </p:tgtEl>
@@ -20871,7 +20822,7 @@
                                         <p:tgtEl>
                                           <p:spTgt spid="14">
                                             <p:txEl>
-                                              <p:pRg st="7" end="7"/>
+                                              <p:pRg st="8" end="8"/>
                                             </p:txEl>
                                           </p:spTgt>
                                         </p:tgtEl>
@@ -20913,55 +20864,6 @@
                                     <p:set>
                                       <p:cBhvr>
                                         <p:cTn id="38" dur="1" fill="hold">
-                                          <p:stCondLst>
-                                            <p:cond delay="0"/>
-                                          </p:stCondLst>
-                                        </p:cTn>
-                                        <p:tgtEl>
-                                          <p:spTgt spid="14">
-                                            <p:txEl>
-                                              <p:pRg st="8" end="8"/>
-                                            </p:txEl>
-                                          </p:spTgt>
-                                        </p:tgtEl>
-                                        <p:attrNameLst>
-                                          <p:attrName>style.visibility</p:attrName>
-                                        </p:attrNameLst>
-                                      </p:cBhvr>
-                                      <p:to>
-                                        <p:strVal val="visible"/>
-                                      </p:to>
-                                    </p:set>
-                                  </p:childTnLst>
-                                </p:cTn>
-                              </p:par>
-                            </p:childTnLst>
-                          </p:cTn>
-                        </p:par>
-                      </p:childTnLst>
-                    </p:cTn>
-                  </p:par>
-                  <p:par>
-                    <p:cTn id="39" fill="hold">
-                      <p:stCondLst>
-                        <p:cond delay="indefinite"/>
-                      </p:stCondLst>
-                      <p:childTnLst>
-                        <p:par>
-                          <p:cTn id="40" fill="hold">
-                            <p:stCondLst>
-                              <p:cond delay="0"/>
-                            </p:stCondLst>
-                            <p:childTnLst>
-                              <p:par>
-                                <p:cTn id="41" presetID="1" presetClass="entr" presetSubtype="0" fill="hold" nodeType="clickEffect">
-                                  <p:stCondLst>
-                                    <p:cond delay="0"/>
-                                  </p:stCondLst>
-                                  <p:childTnLst>
-                                    <p:set>
-                                      <p:cBhvr>
-                                        <p:cTn id="42" dur="1" fill="hold">
                                           <p:stCondLst>
                                             <p:cond delay="0"/>
                                           </p:stCondLst>

--- a/Courses/Software-Sciences/Module-4-Information-Systems-New/12-Implementation-of-Information-System/12-Implementation-of-Information-System-First-Part.pptx
+++ b/Courses/Software-Sciences/Module-4-Information-Systems-New/12-Implementation-of-Information-System/12-Implementation-of-Information-System-First-Part.pptx
@@ -332,7 +332,7 @@
           <a:p>
             <a:fld id="{4E087215-0C8F-4762-A664-737A353EC9A4}" type="datetimeFigureOut">
               <a:rPr lang="bg-BG" smtClean="0"/>
-              <a:t>21.10.24 г.</a:t>
+              <a:t>23.10.24 г.</a:t>
             </a:fld>
             <a:endParaRPr lang="bg-BG"/>
           </a:p>
@@ -528,7 +528,7 @@
           <a:p>
             <a:fld id="{72D84649-876A-46C9-8472-14CB09C070D8}" type="datetimeFigureOut">
               <a:rPr lang="en-US" smtClean="0"/>
-              <a:t>10/21/24</a:t>
+              <a:t>10/23/24</a:t>
             </a:fld>
             <a:endParaRPr lang="en-US"/>
           </a:p>
@@ -16356,7 +16356,7 @@
         <p:spPr>
           <a:xfrm>
             <a:off x="291000" y="2599111"/>
-            <a:ext cx="11103200" cy="4185761"/>
+            <a:ext cx="11462030" cy="4185761"/>
           </a:xfrm>
           <a:prstGeom prst="rect">
             <a:avLst/>
@@ -17042,8 +17042,8 @@
         </p:nvSpPr>
         <p:spPr>
           <a:xfrm>
-            <a:off x="190406" y="1539000"/>
-            <a:ext cx="11103200" cy="4770537"/>
+            <a:off x="291000" y="1254021"/>
+            <a:ext cx="11462030" cy="5401479"/>
           </a:xfrm>
           <a:prstGeom prst="rect">
             <a:avLst/>
@@ -17071,14 +17071,14 @@
           <a:lstStyle/>
           <a:p>
             <a:r>
-              <a:rPr lang="en-US" sz="1600" b="1" dirty="0">
+              <a:rPr lang="en-US" sz="1500" b="1" dirty="0">
                 <a:effectLst/>
                 <a:latin typeface="Consolas" panose="020B0609020204030204" pitchFamily="49" charset="0"/>
                 <a:cs typeface="Consolas" panose="020B0609020204030204" pitchFamily="49" charset="0"/>
               </a:rPr>
               <a:t>...</a:t>
             </a:r>
-            <a:endParaRPr lang="en-GB" sz="1600" b="1" dirty="0">
+            <a:endParaRPr lang="en-GB" sz="1500" b="1" dirty="0">
               <a:effectLst/>
               <a:latin typeface="Consolas" panose="020B0609020204030204" pitchFamily="49" charset="0"/>
               <a:cs typeface="Consolas" panose="020B0609020204030204" pitchFamily="49" charset="0"/>
@@ -17086,7 +17086,7 @@
           </a:p>
           <a:p>
             <a:r>
-              <a:rPr lang="en-GB" sz="1600" b="1" dirty="0">
+              <a:rPr lang="en-GB" sz="1500" b="1" dirty="0">
                 <a:effectLst/>
                 <a:latin typeface="Consolas" panose="020B0609020204030204" pitchFamily="49" charset="0"/>
                 <a:cs typeface="Consolas" panose="020B0609020204030204" pitchFamily="49" charset="0"/>
@@ -17094,7 +17094,7 @@
               <a:t>    public static void </a:t>
             </a:r>
             <a:r>
-              <a:rPr lang="en-GB" sz="1600" b="1" dirty="0">
+              <a:rPr lang="en-GB" sz="1500" b="1" dirty="0">
                 <a:solidFill>
                   <a:schemeClr val="bg1"/>
                 </a:solidFill>
@@ -17105,7 +17105,7 @@
               <a:t>EditUser</a:t>
             </a:r>
             <a:r>
-              <a:rPr lang="en-GB" sz="1600" b="1" dirty="0">
+              <a:rPr lang="en-GB" sz="1500" b="1" dirty="0">
                 <a:effectLst/>
                 <a:latin typeface="Consolas" panose="020B0609020204030204" pitchFamily="49" charset="0"/>
                 <a:cs typeface="Consolas" panose="020B0609020204030204" pitchFamily="49" charset="0"/>
@@ -17115,7 +17115,7 @@
           </a:p>
           <a:p>
             <a:r>
-              <a:rPr lang="en-GB" sz="1600" b="1" dirty="0">
+              <a:rPr lang="en-GB" sz="1500" b="1" dirty="0">
                 <a:effectLst/>
                 <a:latin typeface="Consolas" panose="020B0609020204030204" pitchFamily="49" charset="0"/>
                 <a:cs typeface="Consolas" panose="020B0609020204030204" pitchFamily="49" charset="0"/>
@@ -17125,7 +17125,7 @@
           </a:p>
           <a:p>
             <a:r>
-              <a:rPr lang="en-GB" sz="1600" b="1" dirty="0">
+              <a:rPr lang="en-GB" sz="1500" b="1" dirty="0">
                 <a:effectLst/>
                 <a:latin typeface="Consolas" panose="020B0609020204030204" pitchFamily="49" charset="0"/>
                 <a:cs typeface="Consolas" panose="020B0609020204030204" pitchFamily="49" charset="0"/>
@@ -17135,7 +17135,7 @@
           </a:p>
           <a:p>
             <a:r>
-              <a:rPr lang="en-GB" sz="1600" b="1" dirty="0">
+              <a:rPr lang="en-GB" sz="1500" b="1" dirty="0">
                 <a:effectLst/>
                 <a:latin typeface="Consolas" panose="020B0609020204030204" pitchFamily="49" charset="0"/>
                 <a:cs typeface="Consolas" panose="020B0609020204030204" pitchFamily="49" charset="0"/>
@@ -17145,7 +17145,7 @@
           </a:p>
           <a:p>
             <a:r>
-              <a:rPr lang="en-GB" sz="1600" b="1" dirty="0">
+              <a:rPr lang="en-GB" sz="1500" b="1" dirty="0">
                 <a:effectLst/>
                 <a:latin typeface="Consolas" panose="020B0609020204030204" pitchFamily="49" charset="0"/>
                 <a:cs typeface="Consolas" panose="020B0609020204030204" pitchFamily="49" charset="0"/>
@@ -17153,7 +17153,7 @@
               <a:t>            var </a:t>
             </a:r>
             <a:r>
-              <a:rPr lang="en-GB" sz="1600" b="1" dirty="0">
+              <a:rPr lang="en-GB" sz="1500" b="1" dirty="0">
                 <a:solidFill>
                   <a:schemeClr val="bg1"/>
                 </a:solidFill>
@@ -17164,7 +17164,7 @@
               <a:t>updatedUser</a:t>
             </a:r>
             <a:r>
-              <a:rPr lang="en-GB" sz="1600" b="1" dirty="0">
+              <a:rPr lang="en-GB" sz="1500" b="1" dirty="0">
                 <a:effectLst/>
                 <a:latin typeface="Consolas" panose="020B0609020204030204" pitchFamily="49" charset="0"/>
                 <a:cs typeface="Consolas" panose="020B0609020204030204" pitchFamily="49" charset="0"/>
@@ -17172,13 +17172,13 @@
               <a:t> = dbContext.Users.FirstOrDefault(u =&gt; u.UserId == user.UserId);</a:t>
             </a:r>
             <a:br>
-              <a:rPr lang="en-GB" sz="1600" b="1" dirty="0">
+              <a:rPr lang="en-GB" sz="1500" b="1" dirty="0">
                 <a:effectLst/>
                 <a:latin typeface="Consolas" panose="020B0609020204030204" pitchFamily="49" charset="0"/>
                 <a:cs typeface="Consolas" panose="020B0609020204030204" pitchFamily="49" charset="0"/>
               </a:rPr>
             </a:br>
-            <a:endParaRPr lang="en-GB" sz="1600" b="1" dirty="0">
+            <a:endParaRPr lang="en-GB" sz="1500" b="1" dirty="0">
               <a:effectLst/>
               <a:latin typeface="Consolas" panose="020B0609020204030204" pitchFamily="49" charset="0"/>
               <a:cs typeface="Consolas" panose="020B0609020204030204" pitchFamily="49" charset="0"/>
@@ -17186,35 +17186,22 @@
           </a:p>
           <a:p>
             <a:r>
-              <a:rPr lang="en-GB" sz="1600" b="1" dirty="0">
-                <a:effectLst/>
-                <a:latin typeface="Consolas" panose="020B0609020204030204" pitchFamily="49" charset="0"/>
-                <a:cs typeface="Consolas" panose="020B0609020204030204" pitchFamily="49" charset="0"/>
-              </a:rPr>
-              <a:t>            if (updatedUser != null)</a:t>
-            </a:r>
-          </a:p>
-          <a:p>
-            <a:r>
-              <a:rPr lang="en-GB" sz="1600" b="1" dirty="0">
-                <a:effectLst/>
-                <a:latin typeface="Consolas" panose="020B0609020204030204" pitchFamily="49" charset="0"/>
-                <a:cs typeface="Consolas" panose="020B0609020204030204" pitchFamily="49" charset="0"/>
-              </a:rPr>
-              <a:t>            {</a:t>
-            </a:r>
-          </a:p>
-          <a:p>
-            <a:r>
-              <a:rPr lang="en-GB" sz="1600" b="1" dirty="0">
-                <a:effectLst/>
-                <a:latin typeface="Consolas" panose="020B0609020204030204" pitchFamily="49" charset="0"/>
-                <a:cs typeface="Consolas" panose="020B0609020204030204" pitchFamily="49" charset="0"/>
-              </a:rPr>
-              <a:t>                updatedUser.Username = </a:t>
-            </a:r>
-            <a:r>
-              <a:rPr lang="en-GB" sz="1600" b="1" dirty="0">
+              <a:rPr lang="bg-BG" sz="1500" b="1" dirty="0">
+                <a:latin typeface="Consolas" panose="020B0609020204030204" pitchFamily="49" charset="0"/>
+                <a:cs typeface="Consolas" panose="020B0609020204030204" pitchFamily="49" charset="0"/>
+              </a:rPr>
+              <a:t>            </a:t>
+            </a:r>
+            <a:r>
+              <a:rPr lang="en-GB" sz="1500" b="1" dirty="0">
+                <a:effectLst/>
+                <a:latin typeface="Consolas" panose="020B0609020204030204" pitchFamily="49" charset="0"/>
+                <a:cs typeface="Consolas" panose="020B0609020204030204" pitchFamily="49" charset="0"/>
+              </a:rPr>
+              <a:t>if (</a:t>
+            </a:r>
+            <a:r>
+              <a:rPr lang="en-GB" sz="1500" b="1" dirty="0">
                 <a:solidFill>
                   <a:schemeClr val="bg1"/>
                 </a:solidFill>
@@ -17222,10 +17209,369 @@
                 <a:latin typeface="Consolas" panose="020B0609020204030204" pitchFamily="49" charset="0"/>
                 <a:cs typeface="Consolas" panose="020B0609020204030204" pitchFamily="49" charset="0"/>
               </a:rPr>
+              <a:t>updatedUser</a:t>
+            </a:r>
+            <a:r>
+              <a:rPr lang="en-GB" sz="1500" b="1" dirty="0">
+                <a:effectLst/>
+                <a:latin typeface="Consolas" panose="020B0609020204030204" pitchFamily="49" charset="0"/>
+                <a:cs typeface="Consolas" panose="020B0609020204030204" pitchFamily="49" charset="0"/>
+              </a:rPr>
+              <a:t> != null)</a:t>
+            </a:r>
+          </a:p>
+          <a:p>
+            <a:r>
+              <a:rPr lang="en-GB" sz="1500" b="1" dirty="0">
+                <a:effectLst/>
+                <a:latin typeface="Consolas" panose="020B0609020204030204" pitchFamily="49" charset="0"/>
+                <a:cs typeface="Consolas" panose="020B0609020204030204" pitchFamily="49" charset="0"/>
+              </a:rPr>
+              <a:t> </a:t>
+            </a:r>
+            <a:r>
+              <a:rPr lang="bg-BG" sz="1500" b="1" dirty="0">
+                <a:effectLst/>
+                <a:latin typeface="Consolas" panose="020B0609020204030204" pitchFamily="49" charset="0"/>
+                <a:cs typeface="Consolas" panose="020B0609020204030204" pitchFamily="49" charset="0"/>
+              </a:rPr>
+              <a:t>           </a:t>
+            </a:r>
+            <a:r>
+              <a:rPr lang="en-GB" sz="1500" b="1" dirty="0">
+                <a:effectLst/>
+                <a:latin typeface="Consolas" panose="020B0609020204030204" pitchFamily="49" charset="0"/>
+                <a:cs typeface="Consolas" panose="020B0609020204030204" pitchFamily="49" charset="0"/>
+              </a:rPr>
+              <a:t>{</a:t>
+            </a:r>
+          </a:p>
+          <a:p>
+            <a:r>
+              <a:rPr lang="en-GB" sz="1500" b="1" dirty="0">
+                <a:effectLst/>
+                <a:latin typeface="Consolas" panose="020B0609020204030204" pitchFamily="49" charset="0"/>
+                <a:cs typeface="Consolas" panose="020B0609020204030204" pitchFamily="49" charset="0"/>
+              </a:rPr>
+              <a:t>     </a:t>
+            </a:r>
+            <a:r>
+              <a:rPr lang="bg-BG" sz="1500" b="1" dirty="0">
+                <a:effectLst/>
+                <a:latin typeface="Consolas" panose="020B0609020204030204" pitchFamily="49" charset="0"/>
+                <a:cs typeface="Consolas" panose="020B0609020204030204" pitchFamily="49" charset="0"/>
+              </a:rPr>
+              <a:t>           </a:t>
+            </a:r>
+            <a:r>
+              <a:rPr lang="en-GB" sz="1500" b="1" dirty="0">
+                <a:solidFill>
+                  <a:schemeClr val="bg1"/>
+                </a:solidFill>
+                <a:effectLst/>
+                <a:latin typeface="Consolas" panose="020B0609020204030204" pitchFamily="49" charset="0"/>
+                <a:cs typeface="Consolas" panose="020B0609020204030204" pitchFamily="49" charset="0"/>
+              </a:rPr>
+              <a:t>updatedUser</a:t>
+            </a:r>
+            <a:r>
+              <a:rPr lang="en-GB" sz="1500" b="1" dirty="0">
+                <a:effectLst/>
+                <a:latin typeface="Consolas" panose="020B0609020204030204" pitchFamily="49" charset="0"/>
+                <a:cs typeface="Consolas" panose="020B0609020204030204" pitchFamily="49" charset="0"/>
+              </a:rPr>
+              <a:t>.</a:t>
+            </a:r>
+            <a:r>
+              <a:rPr lang="en-GB" sz="1500" b="1" dirty="0">
+                <a:solidFill>
+                  <a:schemeClr val="bg1"/>
+                </a:solidFill>
+                <a:effectLst/>
+                <a:latin typeface="Consolas" panose="020B0609020204030204" pitchFamily="49" charset="0"/>
+                <a:cs typeface="Consolas" panose="020B0609020204030204" pitchFamily="49" charset="0"/>
+              </a:rPr>
+              <a:t>Username</a:t>
+            </a:r>
+            <a:r>
+              <a:rPr lang="en-GB" sz="1500" b="1" dirty="0">
+                <a:effectLst/>
+                <a:latin typeface="Consolas" panose="020B0609020204030204" pitchFamily="49" charset="0"/>
+                <a:cs typeface="Consolas" panose="020B0609020204030204" pitchFamily="49" charset="0"/>
+              </a:rPr>
+              <a:t> = user.Username;</a:t>
+            </a:r>
+          </a:p>
+          <a:p>
+            <a:r>
+              <a:rPr lang="en-GB" sz="1500" b="1" dirty="0">
+                <a:effectLst/>
+                <a:latin typeface="Consolas" panose="020B0609020204030204" pitchFamily="49" charset="0"/>
+                <a:cs typeface="Consolas" panose="020B0609020204030204" pitchFamily="49" charset="0"/>
+              </a:rPr>
+              <a:t>             </a:t>
+            </a:r>
+          </a:p>
+          <a:p>
+            <a:r>
+              <a:rPr lang="en-GB" sz="1500" b="1" dirty="0">
+                <a:effectLst/>
+                <a:latin typeface="Consolas" panose="020B0609020204030204" pitchFamily="49" charset="0"/>
+                <a:cs typeface="Consolas" panose="020B0609020204030204" pitchFamily="49" charset="0"/>
+              </a:rPr>
+              <a:t>     </a:t>
+            </a:r>
+            <a:r>
+              <a:rPr lang="bg-BG" sz="1500" b="1" dirty="0">
+                <a:effectLst/>
+                <a:latin typeface="Consolas" panose="020B0609020204030204" pitchFamily="49" charset="0"/>
+                <a:cs typeface="Consolas" panose="020B0609020204030204" pitchFamily="49" charset="0"/>
+              </a:rPr>
+              <a:t>           </a:t>
+            </a:r>
+            <a:r>
+              <a:rPr lang="en-GB" sz="1500" b="1" dirty="0">
+                <a:solidFill>
+                  <a:schemeClr val="accent2"/>
+                </a:solidFill>
+                <a:effectLst/>
+                <a:latin typeface="Consolas" panose="020B0609020204030204" pitchFamily="49" charset="0"/>
+                <a:cs typeface="Consolas" panose="020B0609020204030204" pitchFamily="49" charset="0"/>
+              </a:rPr>
+              <a:t>// </a:t>
+            </a:r>
+            <a:r>
+              <a:rPr lang="bg-BG" sz="1500" b="1" dirty="0">
+                <a:solidFill>
+                  <a:schemeClr val="accent2"/>
+                </a:solidFill>
+                <a:effectLst/>
+                <a:latin typeface="Consolas" panose="020B0609020204030204" pitchFamily="49" charset="0"/>
+                <a:cs typeface="Consolas" panose="020B0609020204030204" pitchFamily="49" charset="0"/>
+              </a:rPr>
+              <a:t>Ако паролата е променена при редакция</a:t>
+            </a:r>
+          </a:p>
+          <a:p>
+            <a:r>
+              <a:rPr lang="bg-BG" sz="1500" b="1" dirty="0">
+                <a:effectLst/>
+                <a:latin typeface="Consolas" panose="020B0609020204030204" pitchFamily="49" charset="0"/>
+                <a:cs typeface="Consolas" panose="020B0609020204030204" pitchFamily="49" charset="0"/>
+              </a:rPr>
+              <a:t>                </a:t>
+            </a:r>
+            <a:r>
+              <a:rPr lang="en-GB" sz="1500" b="1" dirty="0">
+                <a:effectLst/>
+                <a:latin typeface="Consolas" panose="020B0609020204030204" pitchFamily="49" charset="0"/>
+                <a:cs typeface="Consolas" panose="020B0609020204030204" pitchFamily="49" charset="0"/>
+              </a:rPr>
+              <a:t>if (</a:t>
+            </a:r>
+            <a:r>
+              <a:rPr lang="en-GB" sz="1500" b="1" dirty="0">
+                <a:solidFill>
+                  <a:schemeClr val="bg1"/>
+                </a:solidFill>
+                <a:effectLst/>
+                <a:latin typeface="Consolas" panose="020B0609020204030204" pitchFamily="49" charset="0"/>
+                <a:cs typeface="Consolas" panose="020B0609020204030204" pitchFamily="49" charset="0"/>
+              </a:rPr>
+              <a:t>updatedUser</a:t>
+            </a:r>
+            <a:r>
+              <a:rPr lang="en-GB" sz="1500" b="1" dirty="0">
+                <a:effectLst/>
+                <a:latin typeface="Consolas" panose="020B0609020204030204" pitchFamily="49" charset="0"/>
+                <a:cs typeface="Consolas" panose="020B0609020204030204" pitchFamily="49" charset="0"/>
+              </a:rPr>
+              <a:t>.</a:t>
+            </a:r>
+            <a:r>
+              <a:rPr lang="en-GB" sz="1500" b="1" dirty="0">
+                <a:solidFill>
+                  <a:schemeClr val="bg1"/>
+                </a:solidFill>
+                <a:effectLst/>
+                <a:latin typeface="Consolas" panose="020B0609020204030204" pitchFamily="49" charset="0"/>
+                <a:cs typeface="Consolas" panose="020B0609020204030204" pitchFamily="49" charset="0"/>
+              </a:rPr>
+              <a:t>PasswordHash</a:t>
+            </a:r>
+            <a:r>
+              <a:rPr lang="en-GB" sz="1500" b="1" dirty="0">
+                <a:effectLst/>
+                <a:latin typeface="Consolas" panose="020B0609020204030204" pitchFamily="49" charset="0"/>
+                <a:cs typeface="Consolas" panose="020B0609020204030204" pitchFamily="49" charset="0"/>
+              </a:rPr>
+              <a:t> != user.PasswordHash)</a:t>
+            </a:r>
+          </a:p>
+          <a:p>
+            <a:r>
+              <a:rPr lang="en-GB" sz="1500" b="1" dirty="0">
+                <a:effectLst/>
+                <a:latin typeface="Consolas" panose="020B0609020204030204" pitchFamily="49" charset="0"/>
+                <a:cs typeface="Consolas" panose="020B0609020204030204" pitchFamily="49" charset="0"/>
+              </a:rPr>
+              <a:t>     </a:t>
+            </a:r>
+            <a:r>
+              <a:rPr lang="bg-BG" sz="1500" b="1" dirty="0">
+                <a:effectLst/>
+                <a:latin typeface="Consolas" panose="020B0609020204030204" pitchFamily="49" charset="0"/>
+                <a:cs typeface="Consolas" panose="020B0609020204030204" pitchFamily="49" charset="0"/>
+              </a:rPr>
+              <a:t>           </a:t>
+            </a:r>
+            <a:r>
+              <a:rPr lang="en-GB" sz="1500" b="1" dirty="0">
+                <a:effectLst/>
+                <a:latin typeface="Consolas" panose="020B0609020204030204" pitchFamily="49" charset="0"/>
+                <a:cs typeface="Consolas" panose="020B0609020204030204" pitchFamily="49" charset="0"/>
+              </a:rPr>
+              <a:t>{</a:t>
+            </a:r>
+          </a:p>
+          <a:p>
+            <a:r>
+              <a:rPr lang="en-GB" sz="1500" b="1" dirty="0">
+                <a:effectLst/>
+                <a:latin typeface="Consolas" panose="020B0609020204030204" pitchFamily="49" charset="0"/>
+                <a:cs typeface="Consolas" panose="020B0609020204030204" pitchFamily="49" charset="0"/>
+              </a:rPr>
+              <a:t>         </a:t>
+            </a:r>
+            <a:r>
+              <a:rPr lang="bg-BG" sz="1500" b="1" dirty="0">
+                <a:effectLst/>
+                <a:latin typeface="Consolas" panose="020B0609020204030204" pitchFamily="49" charset="0"/>
+                <a:cs typeface="Consolas" panose="020B0609020204030204" pitchFamily="49" charset="0"/>
+              </a:rPr>
+              <a:t>           </a:t>
+            </a:r>
+            <a:r>
+              <a:rPr lang="en-GB" sz="1500" b="1" dirty="0">
+                <a:solidFill>
+                  <a:schemeClr val="accent2"/>
+                </a:solidFill>
+                <a:effectLst/>
+                <a:latin typeface="Consolas" panose="020B0609020204030204" pitchFamily="49" charset="0"/>
+                <a:cs typeface="Consolas" panose="020B0609020204030204" pitchFamily="49" charset="0"/>
+              </a:rPr>
+              <a:t>// </a:t>
+            </a:r>
+            <a:r>
+              <a:rPr lang="bg-BG" sz="1500" b="1" dirty="0">
+                <a:solidFill>
+                  <a:schemeClr val="accent2"/>
+                </a:solidFill>
+                <a:effectLst/>
+                <a:latin typeface="Consolas" panose="020B0609020204030204" pitchFamily="49" charset="0"/>
+                <a:cs typeface="Consolas" panose="020B0609020204030204" pitchFamily="49" charset="0"/>
+              </a:rPr>
+              <a:t>Хеширане на новата парола</a:t>
+            </a:r>
+          </a:p>
+          <a:p>
+            <a:r>
+              <a:rPr lang="bg-BG" sz="1500" b="1" dirty="0">
+                <a:effectLst/>
+                <a:latin typeface="Consolas" panose="020B0609020204030204" pitchFamily="49" charset="0"/>
+                <a:cs typeface="Consolas" panose="020B0609020204030204" pitchFamily="49" charset="0"/>
+              </a:rPr>
+              <a:t>                    </a:t>
+            </a:r>
+            <a:r>
+              <a:rPr lang="en-GB" sz="1500" b="1" dirty="0">
+                <a:solidFill>
+                  <a:schemeClr val="bg1"/>
+                </a:solidFill>
+                <a:effectLst/>
+                <a:latin typeface="Consolas" panose="020B0609020204030204" pitchFamily="49" charset="0"/>
+                <a:cs typeface="Consolas" panose="020B0609020204030204" pitchFamily="49" charset="0"/>
+              </a:rPr>
+              <a:t>updatedUser</a:t>
+            </a:r>
+            <a:r>
+              <a:rPr lang="en-GB" sz="1500" b="1" dirty="0">
+                <a:effectLst/>
+                <a:latin typeface="Consolas" panose="020B0609020204030204" pitchFamily="49" charset="0"/>
+                <a:cs typeface="Consolas" panose="020B0609020204030204" pitchFamily="49" charset="0"/>
+              </a:rPr>
+              <a:t>.</a:t>
+            </a:r>
+            <a:r>
+              <a:rPr lang="en-GB" sz="1500" b="1" dirty="0">
+                <a:solidFill>
+                  <a:schemeClr val="bg1"/>
+                </a:solidFill>
+                <a:effectLst/>
+                <a:latin typeface="Consolas" panose="020B0609020204030204" pitchFamily="49" charset="0"/>
+                <a:cs typeface="Consolas" panose="020B0609020204030204" pitchFamily="49" charset="0"/>
+              </a:rPr>
+              <a:t>PasswordHash</a:t>
+            </a:r>
+            <a:r>
+              <a:rPr lang="en-GB" sz="1500" b="1" dirty="0">
+                <a:effectLst/>
+                <a:latin typeface="Consolas" panose="020B0609020204030204" pitchFamily="49" charset="0"/>
+                <a:cs typeface="Consolas" panose="020B0609020204030204" pitchFamily="49" charset="0"/>
+              </a:rPr>
+              <a:t> = </a:t>
+            </a:r>
+            <a:r>
+              <a:rPr lang="en-GB" sz="1500" b="1" dirty="0">
+                <a:solidFill>
+                  <a:schemeClr val="bg1"/>
+                </a:solidFill>
+                <a:effectLst/>
+                <a:latin typeface="Consolas" panose="020B0609020204030204" pitchFamily="49" charset="0"/>
+                <a:cs typeface="Consolas" panose="020B0609020204030204" pitchFamily="49" charset="0"/>
+              </a:rPr>
+              <a:t>PasswordHelper</a:t>
+            </a:r>
+            <a:r>
+              <a:rPr lang="en-GB" sz="1500" b="1" dirty="0">
+                <a:effectLst/>
+                <a:latin typeface="Consolas" panose="020B0609020204030204" pitchFamily="49" charset="0"/>
+                <a:cs typeface="Consolas" panose="020B0609020204030204" pitchFamily="49" charset="0"/>
+              </a:rPr>
+              <a:t>.</a:t>
+            </a:r>
+            <a:r>
+              <a:rPr lang="en-GB" sz="1500" b="1" dirty="0">
+                <a:solidFill>
+                  <a:schemeClr val="bg1"/>
+                </a:solidFill>
+                <a:effectLst/>
+                <a:latin typeface="Consolas" panose="020B0609020204030204" pitchFamily="49" charset="0"/>
+                <a:cs typeface="Consolas" panose="020B0609020204030204" pitchFamily="49" charset="0"/>
+              </a:rPr>
+              <a:t>HashPassword</a:t>
+            </a:r>
+            <a:r>
+              <a:rPr lang="en-GB" sz="1500" b="1" dirty="0">
+                <a:effectLst/>
+                <a:latin typeface="Consolas" panose="020B0609020204030204" pitchFamily="49" charset="0"/>
+                <a:cs typeface="Consolas" panose="020B0609020204030204" pitchFamily="49" charset="0"/>
+              </a:rPr>
+              <a:t>(</a:t>
+            </a:r>
+            <a:r>
+              <a:rPr lang="en-GB" sz="1500" b="1" dirty="0">
+                <a:solidFill>
+                  <a:schemeClr val="bg1"/>
+                </a:solidFill>
+                <a:effectLst/>
+                <a:latin typeface="Consolas" panose="020B0609020204030204" pitchFamily="49" charset="0"/>
+                <a:cs typeface="Consolas" panose="020B0609020204030204" pitchFamily="49" charset="0"/>
+              </a:rPr>
               <a:t>user</a:t>
             </a:r>
             <a:r>
-              <a:rPr lang="en-GB" sz="1600" b="1" dirty="0">
+              <a:rPr lang="en-GB" sz="1500" b="1" dirty="0">
                 <a:effectLst/>
                 <a:latin typeface="Consolas" panose="020B0609020204030204" pitchFamily="49" charset="0"/>
                 <a:cs typeface="Consolas" panose="020B0609020204030204" pitchFamily="49" charset="0"/>
@@ -17233,7 +17579,7 @@
               <a:t>.</a:t>
             </a:r>
             <a:r>
-              <a:rPr lang="en-GB" sz="1600" b="1" dirty="0">
+              <a:rPr lang="en-GB" sz="1500" b="1" dirty="0">
                 <a:solidFill>
                   <a:schemeClr val="bg1"/>
                 </a:solidFill>
@@ -17241,211 +17587,50 @@
                 <a:latin typeface="Consolas" panose="020B0609020204030204" pitchFamily="49" charset="0"/>
                 <a:cs typeface="Consolas" panose="020B0609020204030204" pitchFamily="49" charset="0"/>
               </a:rPr>
-              <a:t>Username</a:t>
-            </a:r>
-            <a:r>
-              <a:rPr lang="en-GB" sz="1600" b="1" dirty="0">
-                <a:effectLst/>
-                <a:latin typeface="Consolas" panose="020B0609020204030204" pitchFamily="49" charset="0"/>
-                <a:cs typeface="Consolas" panose="020B0609020204030204" pitchFamily="49" charset="0"/>
-              </a:rPr>
-              <a:t>;</a:t>
-            </a:r>
-          </a:p>
-          <a:p>
-            <a:endParaRPr lang="en-GB" sz="1600" b="1" dirty="0">
+              <a:t>PasswordHash</a:t>
+            </a:r>
+            <a:r>
+              <a:rPr lang="en-GB" sz="1500" b="1" dirty="0">
+                <a:effectLst/>
+                <a:latin typeface="Consolas" panose="020B0609020204030204" pitchFamily="49" charset="0"/>
+                <a:cs typeface="Consolas" panose="020B0609020204030204" pitchFamily="49" charset="0"/>
+              </a:rPr>
+              <a:t>);</a:t>
+            </a:r>
+          </a:p>
+          <a:p>
+            <a:r>
+              <a:rPr lang="en-GB" sz="1500" b="1" dirty="0">
+                <a:effectLst/>
+                <a:latin typeface="Consolas" panose="020B0609020204030204" pitchFamily="49" charset="0"/>
+                <a:cs typeface="Consolas" panose="020B0609020204030204" pitchFamily="49" charset="0"/>
+              </a:rPr>
+              <a:t>     </a:t>
+            </a:r>
+            <a:r>
+              <a:rPr lang="bg-BG" sz="1500" b="1" dirty="0">
+                <a:effectLst/>
+                <a:latin typeface="Consolas" panose="020B0609020204030204" pitchFamily="49" charset="0"/>
+                <a:cs typeface="Consolas" panose="020B0609020204030204" pitchFamily="49" charset="0"/>
+              </a:rPr>
+              <a:t>           </a:t>
+            </a:r>
+            <a:r>
+              <a:rPr lang="en-GB" sz="1500" b="1" dirty="0">
+                <a:effectLst/>
+                <a:latin typeface="Consolas" panose="020B0609020204030204" pitchFamily="49" charset="0"/>
+                <a:cs typeface="Consolas" panose="020B0609020204030204" pitchFamily="49" charset="0"/>
+              </a:rPr>
+              <a:t>}</a:t>
+            </a:r>
+            <a:endParaRPr lang="bg-BG" sz="1500" b="1" dirty="0">
               <a:effectLst/>
               <a:latin typeface="Consolas" panose="020B0609020204030204" pitchFamily="49" charset="0"/>
               <a:cs typeface="Consolas" panose="020B0609020204030204" pitchFamily="49" charset="0"/>
             </a:endParaRPr>
           </a:p>
           <a:p>
-            <a:r>
-              <a:rPr lang="en-GB" sz="1600" b="1" dirty="0">
-                <a:effectLst/>
-                <a:latin typeface="Consolas" panose="020B0609020204030204" pitchFamily="49" charset="0"/>
-                <a:cs typeface="Consolas" panose="020B0609020204030204" pitchFamily="49" charset="0"/>
-              </a:rPr>
-              <a:t>                </a:t>
-            </a:r>
-            <a:r>
-              <a:rPr lang="en-GB" sz="1600" b="1" dirty="0">
-                <a:solidFill>
-                  <a:schemeClr val="accent2"/>
-                </a:solidFill>
-                <a:effectLst/>
-                <a:latin typeface="Consolas" panose="020B0609020204030204" pitchFamily="49" charset="0"/>
-                <a:cs typeface="Consolas" panose="020B0609020204030204" pitchFamily="49" charset="0"/>
-              </a:rPr>
-              <a:t>// </a:t>
-            </a:r>
-            <a:r>
-              <a:rPr lang="bg-BG" sz="1600" b="1" dirty="0">
-                <a:solidFill>
-                  <a:schemeClr val="accent2"/>
-                </a:solidFill>
-                <a:effectLst/>
-                <a:latin typeface="Consolas" panose="020B0609020204030204" pitchFamily="49" charset="0"/>
-                <a:cs typeface="Consolas" panose="020B0609020204030204" pitchFamily="49" charset="0"/>
-              </a:rPr>
-              <a:t>Хеширане на парола</a:t>
-            </a:r>
-          </a:p>
-          <a:p>
-            <a:r>
-              <a:rPr lang="bg-BG" sz="1600" b="1" dirty="0">
-                <a:effectLst/>
-                <a:latin typeface="Consolas" panose="020B0609020204030204" pitchFamily="49" charset="0"/>
-                <a:cs typeface="Consolas" panose="020B0609020204030204" pitchFamily="49" charset="0"/>
-              </a:rPr>
-              <a:t>                </a:t>
-            </a:r>
-            <a:r>
-              <a:rPr lang="en-GB" sz="1600" b="1" dirty="0">
-                <a:effectLst/>
-                <a:latin typeface="Consolas" panose="020B0609020204030204" pitchFamily="49" charset="0"/>
-                <a:cs typeface="Consolas" panose="020B0609020204030204" pitchFamily="49" charset="0"/>
-              </a:rPr>
-              <a:t>updatedUser.PasswordHash = </a:t>
-            </a:r>
-            <a:r>
-              <a:rPr lang="en-GB" sz="1600" b="1" dirty="0">
-                <a:solidFill>
-                  <a:schemeClr val="bg1"/>
-                </a:solidFill>
-                <a:effectLst/>
-                <a:latin typeface="Consolas" panose="020B0609020204030204" pitchFamily="49" charset="0"/>
-                <a:cs typeface="Consolas" panose="020B0609020204030204" pitchFamily="49" charset="0"/>
-              </a:rPr>
-              <a:t>PasswordHelper</a:t>
-            </a:r>
-            <a:r>
-              <a:rPr lang="en-GB" sz="1600" b="1" dirty="0">
-                <a:effectLst/>
-                <a:latin typeface="Consolas" panose="020B0609020204030204" pitchFamily="49" charset="0"/>
-                <a:cs typeface="Consolas" panose="020B0609020204030204" pitchFamily="49" charset="0"/>
-              </a:rPr>
-              <a:t>.</a:t>
-            </a:r>
-            <a:r>
-              <a:rPr lang="en-GB" sz="1600" b="1" dirty="0">
-                <a:solidFill>
-                  <a:schemeClr val="bg1"/>
-                </a:solidFill>
-                <a:effectLst/>
-                <a:latin typeface="Consolas" panose="020B0609020204030204" pitchFamily="49" charset="0"/>
-                <a:cs typeface="Consolas" panose="020B0609020204030204" pitchFamily="49" charset="0"/>
-              </a:rPr>
-              <a:t>HashPassword</a:t>
-            </a:r>
-            <a:r>
-              <a:rPr lang="en-GB" sz="1600" b="1" dirty="0">
-                <a:effectLst/>
-                <a:latin typeface="Consolas" panose="020B0609020204030204" pitchFamily="49" charset="0"/>
-                <a:cs typeface="Consolas" panose="020B0609020204030204" pitchFamily="49" charset="0"/>
-              </a:rPr>
-              <a:t>(</a:t>
-            </a:r>
-            <a:r>
-              <a:rPr lang="en-GB" sz="1600" b="1" dirty="0">
-                <a:solidFill>
-                  <a:schemeClr val="bg1"/>
-                </a:solidFill>
-                <a:effectLst/>
-                <a:latin typeface="Consolas" panose="020B0609020204030204" pitchFamily="49" charset="0"/>
-                <a:cs typeface="Consolas" panose="020B0609020204030204" pitchFamily="49" charset="0"/>
-              </a:rPr>
-              <a:t>user</a:t>
-            </a:r>
-            <a:r>
-              <a:rPr lang="en-GB" sz="1600" b="1" dirty="0">
-                <a:effectLst/>
-                <a:latin typeface="Consolas" panose="020B0609020204030204" pitchFamily="49" charset="0"/>
-                <a:cs typeface="Consolas" panose="020B0609020204030204" pitchFamily="49" charset="0"/>
-              </a:rPr>
-              <a:t>.</a:t>
-            </a:r>
-            <a:r>
-              <a:rPr lang="en-GB" sz="1600" b="1" dirty="0">
-                <a:solidFill>
-                  <a:schemeClr val="bg1"/>
-                </a:solidFill>
-                <a:effectLst/>
-                <a:latin typeface="Consolas" panose="020B0609020204030204" pitchFamily="49" charset="0"/>
-                <a:cs typeface="Consolas" panose="020B0609020204030204" pitchFamily="49" charset="0"/>
-              </a:rPr>
-              <a:t>PasswordHash</a:t>
-            </a:r>
-            <a:r>
-              <a:rPr lang="en-GB" sz="1600" b="1" dirty="0">
-                <a:effectLst/>
-                <a:latin typeface="Consolas" panose="020B0609020204030204" pitchFamily="49" charset="0"/>
-                <a:cs typeface="Consolas" panose="020B0609020204030204" pitchFamily="49" charset="0"/>
-              </a:rPr>
-              <a:t>);</a:t>
-            </a:r>
-          </a:p>
-          <a:p>
-            <a:r>
-              <a:rPr lang="en-GB" sz="1600" b="1" dirty="0">
-                <a:effectLst/>
-                <a:latin typeface="Consolas" panose="020B0609020204030204" pitchFamily="49" charset="0"/>
-                <a:cs typeface="Consolas" panose="020B0609020204030204" pitchFamily="49" charset="0"/>
-              </a:rPr>
-              <a:t>                dbContext.</a:t>
-            </a:r>
-            <a:r>
-              <a:rPr lang="en-GB" sz="1600" b="1" dirty="0">
-                <a:solidFill>
-                  <a:schemeClr val="bg1"/>
-                </a:solidFill>
-                <a:effectLst/>
-                <a:latin typeface="Consolas" panose="020B0609020204030204" pitchFamily="49" charset="0"/>
-                <a:cs typeface="Consolas" panose="020B0609020204030204" pitchFamily="49" charset="0"/>
-              </a:rPr>
-              <a:t>SaveChanges</a:t>
-            </a:r>
-            <a:r>
-              <a:rPr lang="en-GB" sz="1600" b="1" dirty="0">
-                <a:effectLst/>
-                <a:latin typeface="Consolas" panose="020B0609020204030204" pitchFamily="49" charset="0"/>
-                <a:cs typeface="Consolas" panose="020B0609020204030204" pitchFamily="49" charset="0"/>
-              </a:rPr>
-              <a:t>();</a:t>
-            </a:r>
-          </a:p>
-          <a:p>
-            <a:r>
-              <a:rPr lang="en-GB" sz="1600" b="1" dirty="0">
-                <a:effectLst/>
-                <a:latin typeface="Consolas" panose="020B0609020204030204" pitchFamily="49" charset="0"/>
-                <a:cs typeface="Consolas" panose="020B0609020204030204" pitchFamily="49" charset="0"/>
-              </a:rPr>
-              <a:t>            }</a:t>
-            </a:r>
-          </a:p>
-          <a:p>
-            <a:r>
-              <a:rPr lang="en-GB" sz="1600" b="1" dirty="0">
-                <a:effectLst/>
-                <a:latin typeface="Consolas" panose="020B0609020204030204" pitchFamily="49" charset="0"/>
-                <a:cs typeface="Consolas" panose="020B0609020204030204" pitchFamily="49" charset="0"/>
-              </a:rPr>
-              <a:t>        }</a:t>
-            </a:r>
-          </a:p>
-          <a:p>
-            <a:r>
-              <a:rPr lang="en-GB" sz="1600" b="1" dirty="0">
-                <a:effectLst/>
-                <a:latin typeface="Consolas" panose="020B0609020204030204" pitchFamily="49" charset="0"/>
-                <a:cs typeface="Consolas" panose="020B0609020204030204" pitchFamily="49" charset="0"/>
-              </a:rPr>
-              <a:t>    }</a:t>
-            </a:r>
-          </a:p>
-          <a:p>
-            <a:endParaRPr lang="en-GB" sz="1600" b="1" dirty="0">
+            <a:endParaRPr lang="en-GB" sz="1500" b="1" dirty="0">
               <a:effectLst/>
               <a:latin typeface="Consolas" panose="020B0609020204030204" pitchFamily="49" charset="0"/>
               <a:cs typeface="Consolas" panose="020B0609020204030204" pitchFamily="49" charset="0"/>
@@ -17453,18 +17638,112 @@
           </a:p>
           <a:p>
             <a:r>
-              <a:rPr lang="en-GB" sz="1600" b="1" dirty="0">
+              <a:rPr lang="en-GB" sz="1500" b="1" dirty="0">
+                <a:effectLst/>
+                <a:latin typeface="Consolas" panose="020B0609020204030204" pitchFamily="49" charset="0"/>
+                <a:cs typeface="Consolas" panose="020B0609020204030204" pitchFamily="49" charset="0"/>
+              </a:rPr>
+              <a:t>     </a:t>
+            </a:r>
+            <a:r>
+              <a:rPr lang="bg-BG" sz="1500" b="1" dirty="0">
+                <a:effectLst/>
+                <a:latin typeface="Consolas" panose="020B0609020204030204" pitchFamily="49" charset="0"/>
+                <a:cs typeface="Consolas" panose="020B0609020204030204" pitchFamily="49" charset="0"/>
+              </a:rPr>
+              <a:t>           </a:t>
+            </a:r>
+            <a:r>
+              <a:rPr lang="en-GB" sz="1500" b="1" dirty="0">
+                <a:effectLst/>
+                <a:latin typeface="Consolas" panose="020B0609020204030204" pitchFamily="49" charset="0"/>
+                <a:cs typeface="Consolas" panose="020B0609020204030204" pitchFamily="49" charset="0"/>
+              </a:rPr>
+              <a:t>dbContext.</a:t>
+            </a:r>
+            <a:r>
+              <a:rPr lang="en-GB" sz="1500" b="1" dirty="0">
+                <a:solidFill>
+                  <a:schemeClr val="bg1"/>
+                </a:solidFill>
+                <a:effectLst/>
+                <a:latin typeface="Consolas" panose="020B0609020204030204" pitchFamily="49" charset="0"/>
+                <a:cs typeface="Consolas" panose="020B0609020204030204" pitchFamily="49" charset="0"/>
+              </a:rPr>
+              <a:t>SaveChanges</a:t>
+            </a:r>
+            <a:r>
+              <a:rPr lang="en-GB" sz="1500" b="1" dirty="0">
+                <a:effectLst/>
+                <a:latin typeface="Consolas" panose="020B0609020204030204" pitchFamily="49" charset="0"/>
+                <a:cs typeface="Consolas" panose="020B0609020204030204" pitchFamily="49" charset="0"/>
+              </a:rPr>
+              <a:t>();</a:t>
+            </a:r>
+          </a:p>
+          <a:p>
+            <a:r>
+              <a:rPr lang="bg-BG" sz="1500" b="1" dirty="0">
+                <a:effectLst/>
+                <a:latin typeface="Consolas" panose="020B0609020204030204" pitchFamily="49" charset="0"/>
+                <a:cs typeface="Consolas" panose="020B0609020204030204" pitchFamily="49" charset="0"/>
+              </a:rPr>
+              <a:t>          </a:t>
+            </a:r>
+            <a:r>
+              <a:rPr lang="en-GB" sz="1500" b="1" dirty="0">
+                <a:effectLst/>
+                <a:latin typeface="Consolas" panose="020B0609020204030204" pitchFamily="49" charset="0"/>
+                <a:cs typeface="Consolas" panose="020B0609020204030204" pitchFamily="49" charset="0"/>
+              </a:rPr>
+              <a:t> }</a:t>
+            </a:r>
+          </a:p>
+          <a:p>
+            <a:r>
+              <a:rPr lang="bg-BG" sz="1500" b="1" dirty="0">
+                <a:effectLst/>
+                <a:latin typeface="Consolas" panose="020B0609020204030204" pitchFamily="49" charset="0"/>
+                <a:cs typeface="Consolas" panose="020B0609020204030204" pitchFamily="49" charset="0"/>
+              </a:rPr>
+              <a:t>        </a:t>
+            </a:r>
+            <a:r>
+              <a:rPr lang="en-GB" sz="1500" b="1" dirty="0">
+                <a:effectLst/>
+                <a:latin typeface="Consolas" panose="020B0609020204030204" pitchFamily="49" charset="0"/>
+                <a:cs typeface="Consolas" panose="020B0609020204030204" pitchFamily="49" charset="0"/>
+              </a:rPr>
+              <a:t>}</a:t>
+            </a:r>
+          </a:p>
+          <a:p>
+            <a:r>
+              <a:rPr lang="bg-BG" sz="1500" b="1" dirty="0">
+                <a:effectLst/>
+                <a:latin typeface="Consolas" panose="020B0609020204030204" pitchFamily="49" charset="0"/>
+                <a:cs typeface="Consolas" panose="020B0609020204030204" pitchFamily="49" charset="0"/>
+              </a:rPr>
+              <a:t>    </a:t>
+            </a:r>
+            <a:r>
+              <a:rPr lang="en-GB" sz="1500" b="1" dirty="0">
+                <a:effectLst/>
+                <a:latin typeface="Consolas" panose="020B0609020204030204" pitchFamily="49" charset="0"/>
+                <a:cs typeface="Consolas" panose="020B0609020204030204" pitchFamily="49" charset="0"/>
+              </a:rPr>
+              <a:t>}</a:t>
+            </a:r>
+          </a:p>
+          <a:p>
+            <a:r>
+              <a:rPr lang="en-GB" sz="1500" b="1" dirty="0">
                 <a:effectLst/>
                 <a:latin typeface="Consolas" panose="020B0609020204030204" pitchFamily="49" charset="0"/>
                 <a:cs typeface="Consolas" panose="020B0609020204030204" pitchFamily="49" charset="0"/>
               </a:rPr>
               <a:t>...</a:t>
             </a:r>
-            <a:endParaRPr lang="en-GB" b="1" dirty="0">
-              <a:effectLst/>
-              <a:latin typeface="Consolas" panose="020B0609020204030204" pitchFamily="49" charset="0"/>
-              <a:cs typeface="Consolas" panose="020B0609020204030204" pitchFamily="49" charset="0"/>
-            </a:endParaRPr>
           </a:p>
         </p:txBody>
       </p:sp>
@@ -17585,8 +17864,8 @@
         </p:nvSpPr>
         <p:spPr>
           <a:xfrm>
-            <a:off x="190406" y="1674000"/>
-            <a:ext cx="11103200" cy="4524315"/>
+            <a:off x="190406" y="1314000"/>
+            <a:ext cx="11562624" cy="4524315"/>
           </a:xfrm>
           <a:prstGeom prst="rect">
             <a:avLst/>

--- a/Courses/Software-Sciences/Module-4-Information-Systems-New/12-Implementation-of-Information-System/12-Implementation-of-Information-System-First-Part.pptx
+++ b/Courses/Software-Sciences/Module-4-Information-Systems-New/12-Implementation-of-Information-System/12-Implementation-of-Information-System-First-Part.pptx
@@ -332,7 +332,7 @@
           <a:p>
             <a:fld id="{4E087215-0C8F-4762-A664-737A353EC9A4}" type="datetimeFigureOut">
               <a:rPr lang="bg-BG" smtClean="0"/>
-              <a:t>23.10.24 г.</a:t>
+              <a:t>1.11.24 г.</a:t>
             </a:fld>
             <a:endParaRPr lang="bg-BG"/>
           </a:p>
@@ -528,7 +528,7 @@
           <a:p>
             <a:fld id="{72D84649-876A-46C9-8472-14CB09C070D8}" type="datetimeFigureOut">
               <a:rPr lang="en-US" smtClean="0"/>
-              <a:t>10/23/24</a:t>
+              <a:t>11/1/24</a:t>
             </a:fld>
             <a:endParaRPr lang="en-US"/>
           </a:p>
@@ -8771,7 +8771,7 @@
                   <a:schemeClr val="bg1"/>
                 </a:solidFill>
               </a:rPr>
-              <a:t>Солене</a:t>
+              <a:t>солене</a:t>
             </a:r>
             <a:r>
               <a:rPr lang="bg-BG" sz="2800" dirty="0"/>
@@ -10293,8 +10293,8 @@
         </p:nvSpPr>
         <p:spPr>
           <a:xfrm>
-            <a:off x="194791" y="1629000"/>
-            <a:ext cx="11103200" cy="4616648"/>
+            <a:off x="190406" y="1392521"/>
+            <a:ext cx="11562624" cy="5262979"/>
           </a:xfrm>
           <a:prstGeom prst="rect">
             <a:avLst/>
@@ -10322,7 +10322,7 @@
           <a:lstStyle/>
           <a:p>
             <a:r>
-              <a:rPr lang="en-GB" sz="1400" b="1" dirty="0">
+              <a:rPr lang="en-GB" sz="1600" b="1" dirty="0">
                 <a:effectLst/>
                 <a:latin typeface="Consolas" panose="020B0609020204030204" pitchFamily="49" charset="0"/>
                 <a:cs typeface="Consolas" panose="020B0609020204030204" pitchFamily="49" charset="0"/>
@@ -10330,7 +10330,7 @@
               <a:t>public partial class </a:t>
             </a:r>
             <a:r>
-              <a:rPr lang="en-GB" sz="1400" b="1" dirty="0">
+              <a:rPr lang="en-GB" sz="1600" b="1" dirty="0">
                 <a:solidFill>
                   <a:schemeClr val="bg1"/>
                 </a:solidFill>
@@ -10341,7 +10341,7 @@
               <a:t>FormLogin</a:t>
             </a:r>
             <a:r>
-              <a:rPr lang="en-GB" sz="1400" b="1" dirty="0">
+              <a:rPr lang="en-GB" sz="1600" b="1" dirty="0">
                 <a:effectLst/>
                 <a:latin typeface="Consolas" panose="020B0609020204030204" pitchFamily="49" charset="0"/>
                 <a:cs typeface="Consolas" panose="020B0609020204030204" pitchFamily="49" charset="0"/>
@@ -10351,14 +10351,14 @@
           </a:p>
           <a:p>
             <a:r>
-              <a:rPr lang="en-GB" sz="1400" b="1" dirty="0">
+              <a:rPr lang="en-GB" sz="1600" b="1" dirty="0">
                 <a:effectLst/>
                 <a:latin typeface="Consolas" panose="020B0609020204030204" pitchFamily="49" charset="0"/>
                 <a:cs typeface="Consolas" panose="020B0609020204030204" pitchFamily="49" charset="0"/>
               </a:rPr>
               <a:t>{</a:t>
             </a:r>
-            <a:endParaRPr lang="bg-BG" sz="1400" b="1" dirty="0">
+            <a:endParaRPr lang="bg-BG" sz="1600" b="1" dirty="0">
               <a:effectLst/>
               <a:latin typeface="Consolas" panose="020B0609020204030204" pitchFamily="49" charset="0"/>
               <a:cs typeface="Consolas" panose="020B0609020204030204" pitchFamily="49" charset="0"/>
@@ -10366,20 +10366,238 @@
           </a:p>
           <a:p>
             <a:r>
-              <a:rPr lang="en-US" sz="1400" b="1" dirty="0">
+              <a:rPr lang="en-US" sz="1600" b="1" dirty="0">
                 <a:latin typeface="Consolas" panose="020B0609020204030204" pitchFamily="49" charset="0"/>
                 <a:cs typeface="Consolas" panose="020B0609020204030204" pitchFamily="49" charset="0"/>
               </a:rPr>
               <a:t>    ...</a:t>
             </a:r>
-            <a:endParaRPr lang="en-GB" sz="1400" b="1" dirty="0">
+            <a:endParaRPr lang="bg-BG" sz="1600" b="1" dirty="0">
+              <a:latin typeface="Consolas" panose="020B0609020204030204" pitchFamily="49" charset="0"/>
+              <a:cs typeface="Consolas" panose="020B0609020204030204" pitchFamily="49" charset="0"/>
+            </a:endParaRPr>
+          </a:p>
+          <a:p>
+            <a:endParaRPr lang="bg-BG" sz="1600" b="1" dirty="0">
               <a:effectLst/>
               <a:latin typeface="Consolas" panose="020B0609020204030204" pitchFamily="49" charset="0"/>
               <a:cs typeface="Consolas" panose="020B0609020204030204" pitchFamily="49" charset="0"/>
             </a:endParaRPr>
           </a:p>
           <a:p>
-            <a:endParaRPr lang="bg-BG" sz="1400" b="1" dirty="0">
+            <a:r>
+              <a:rPr lang="en-GB" sz="1600" b="1" dirty="0">
+                <a:effectLst/>
+                <a:latin typeface="Consolas" panose="020B0609020204030204" pitchFamily="49" charset="0"/>
+                <a:cs typeface="Consolas" panose="020B0609020204030204" pitchFamily="49" charset="0"/>
+              </a:rPr>
+              <a:t>    private User </a:t>
+            </a:r>
+            <a:r>
+              <a:rPr lang="en-GB" sz="1600" b="1" dirty="0">
+                <a:solidFill>
+                  <a:schemeClr val="bg1"/>
+                </a:solidFill>
+                <a:effectLst/>
+                <a:latin typeface="Consolas" panose="020B0609020204030204" pitchFamily="49" charset="0"/>
+                <a:cs typeface="Consolas" panose="020B0609020204030204" pitchFamily="49" charset="0"/>
+              </a:rPr>
+              <a:t>AuthenticateUser</a:t>
+            </a:r>
+            <a:r>
+              <a:rPr lang="en-GB" sz="1600" b="1" dirty="0">
+                <a:effectLst/>
+                <a:latin typeface="Consolas" panose="020B0609020204030204" pitchFamily="49" charset="0"/>
+                <a:cs typeface="Consolas" panose="020B0609020204030204" pitchFamily="49" charset="0"/>
+              </a:rPr>
+              <a:t>(string username, string password)</a:t>
+            </a:r>
+          </a:p>
+          <a:p>
+            <a:r>
+              <a:rPr lang="en-GB" sz="1600" b="1" dirty="0">
+                <a:effectLst/>
+                <a:latin typeface="Consolas" panose="020B0609020204030204" pitchFamily="49" charset="0"/>
+                <a:cs typeface="Consolas" panose="020B0609020204030204" pitchFamily="49" charset="0"/>
+              </a:rPr>
+              <a:t>    {</a:t>
+            </a:r>
+          </a:p>
+          <a:p>
+            <a:r>
+              <a:rPr lang="en-GB" sz="1600" b="1" dirty="0">
+                <a:effectLst/>
+                <a:latin typeface="Consolas" panose="020B0609020204030204" pitchFamily="49" charset="0"/>
+                <a:cs typeface="Consolas" panose="020B0609020204030204" pitchFamily="49" charset="0"/>
+              </a:rPr>
+              <a:t>        using (var dbContext = new HospitalDbContext())</a:t>
+            </a:r>
+          </a:p>
+          <a:p>
+            <a:r>
+              <a:rPr lang="en-GB" sz="1600" b="1" dirty="0">
+                <a:effectLst/>
+                <a:latin typeface="Consolas" panose="020B0609020204030204" pitchFamily="49" charset="0"/>
+                <a:cs typeface="Consolas" panose="020B0609020204030204" pitchFamily="49" charset="0"/>
+              </a:rPr>
+              <a:t>        {</a:t>
+            </a:r>
+          </a:p>
+          <a:p>
+            <a:r>
+              <a:rPr lang="en-GB" sz="1600" b="1" dirty="0">
+                <a:effectLst/>
+                <a:latin typeface="Consolas" panose="020B0609020204030204" pitchFamily="49" charset="0"/>
+                <a:cs typeface="Consolas" panose="020B0609020204030204" pitchFamily="49" charset="0"/>
+              </a:rPr>
+              <a:t>            </a:t>
+            </a:r>
+            <a:r>
+              <a:rPr lang="en-GB" sz="1600" b="1" dirty="0">
+                <a:solidFill>
+                  <a:schemeClr val="accent2"/>
+                </a:solidFill>
+                <a:effectLst/>
+                <a:latin typeface="Consolas" panose="020B0609020204030204" pitchFamily="49" charset="0"/>
+                <a:cs typeface="Consolas" panose="020B0609020204030204" pitchFamily="49" charset="0"/>
+              </a:rPr>
+              <a:t>// </a:t>
+            </a:r>
+            <a:r>
+              <a:rPr lang="bg-BG" sz="1600" b="1" dirty="0">
+                <a:solidFill>
+                  <a:schemeClr val="accent2"/>
+                </a:solidFill>
+                <a:effectLst/>
+                <a:latin typeface="Consolas" panose="020B0609020204030204" pitchFamily="49" charset="0"/>
+                <a:cs typeface="Consolas" panose="020B0609020204030204" pitchFamily="49" charset="0"/>
+              </a:rPr>
+              <a:t>Намери потребителя по потребителско име</a:t>
+            </a:r>
+          </a:p>
+          <a:p>
+            <a:r>
+              <a:rPr lang="bg-BG" sz="1600" b="1" dirty="0">
+                <a:effectLst/>
+                <a:latin typeface="Consolas" panose="020B0609020204030204" pitchFamily="49" charset="0"/>
+                <a:cs typeface="Consolas" panose="020B0609020204030204" pitchFamily="49" charset="0"/>
+              </a:rPr>
+              <a:t>        </a:t>
+            </a:r>
+            <a:r>
+              <a:rPr lang="en-US" sz="1600" b="1" dirty="0">
+                <a:effectLst/>
+                <a:latin typeface="Consolas" panose="020B0609020204030204" pitchFamily="49" charset="0"/>
+                <a:cs typeface="Consolas" panose="020B0609020204030204" pitchFamily="49" charset="0"/>
+              </a:rPr>
+              <a:t>    </a:t>
+            </a:r>
+            <a:r>
+              <a:rPr lang="en-GB" sz="1600" b="1" dirty="0">
+                <a:effectLst/>
+                <a:latin typeface="Consolas" panose="020B0609020204030204" pitchFamily="49" charset="0"/>
+                <a:cs typeface="Consolas" panose="020B0609020204030204" pitchFamily="49" charset="0"/>
+              </a:rPr>
+              <a:t>var </a:t>
+            </a:r>
+            <a:r>
+              <a:rPr lang="en-GB" sz="1600" b="1" dirty="0">
+                <a:solidFill>
+                  <a:schemeClr val="bg1"/>
+                </a:solidFill>
+                <a:effectLst/>
+                <a:latin typeface="Consolas" panose="020B0609020204030204" pitchFamily="49" charset="0"/>
+                <a:cs typeface="Consolas" panose="020B0609020204030204" pitchFamily="49" charset="0"/>
+              </a:rPr>
+              <a:t>user</a:t>
+            </a:r>
+            <a:r>
+              <a:rPr lang="en-GB" sz="1600" b="1" dirty="0">
+                <a:effectLst/>
+                <a:latin typeface="Consolas" panose="020B0609020204030204" pitchFamily="49" charset="0"/>
+                <a:cs typeface="Consolas" panose="020B0609020204030204" pitchFamily="49" charset="0"/>
+              </a:rPr>
+              <a:t> = dbContext.</a:t>
+            </a:r>
+            <a:r>
+              <a:rPr lang="en-GB" sz="1600" b="1" dirty="0">
+                <a:solidFill>
+                  <a:schemeClr val="bg1"/>
+                </a:solidFill>
+                <a:effectLst/>
+                <a:latin typeface="Consolas" panose="020B0609020204030204" pitchFamily="49" charset="0"/>
+                <a:cs typeface="Consolas" panose="020B0609020204030204" pitchFamily="49" charset="0"/>
+              </a:rPr>
+              <a:t>Users</a:t>
+            </a:r>
+            <a:r>
+              <a:rPr lang="en-GB" sz="1600" b="1" dirty="0">
+                <a:effectLst/>
+                <a:latin typeface="Consolas" panose="020B0609020204030204" pitchFamily="49" charset="0"/>
+                <a:cs typeface="Consolas" panose="020B0609020204030204" pitchFamily="49" charset="0"/>
+              </a:rPr>
+              <a:t>.</a:t>
+            </a:r>
+            <a:r>
+              <a:rPr lang="en-GB" sz="1600" b="1" dirty="0">
+                <a:solidFill>
+                  <a:schemeClr val="bg1"/>
+                </a:solidFill>
+                <a:effectLst/>
+                <a:latin typeface="Consolas" panose="020B0609020204030204" pitchFamily="49" charset="0"/>
+                <a:cs typeface="Consolas" panose="020B0609020204030204" pitchFamily="49" charset="0"/>
+              </a:rPr>
+              <a:t>FirstOrDefault</a:t>
+            </a:r>
+            <a:r>
+              <a:rPr lang="en-GB" sz="1600" b="1" dirty="0">
+                <a:effectLst/>
+                <a:latin typeface="Consolas" panose="020B0609020204030204" pitchFamily="49" charset="0"/>
+                <a:cs typeface="Consolas" panose="020B0609020204030204" pitchFamily="49" charset="0"/>
+              </a:rPr>
+              <a:t>(u =&gt; u.</a:t>
+            </a:r>
+            <a:r>
+              <a:rPr lang="en-GB" sz="1600" b="1" dirty="0">
+                <a:solidFill>
+                  <a:schemeClr val="bg1"/>
+                </a:solidFill>
+                <a:effectLst/>
+                <a:latin typeface="Consolas" panose="020B0609020204030204" pitchFamily="49" charset="0"/>
+                <a:cs typeface="Consolas" panose="020B0609020204030204" pitchFamily="49" charset="0"/>
+              </a:rPr>
+              <a:t>Username</a:t>
+            </a:r>
+            <a:r>
+              <a:rPr lang="en-GB" sz="1600" b="1" dirty="0">
+                <a:effectLst/>
+                <a:latin typeface="Consolas" panose="020B0609020204030204" pitchFamily="49" charset="0"/>
+                <a:cs typeface="Consolas" panose="020B0609020204030204" pitchFamily="49" charset="0"/>
+              </a:rPr>
+              <a:t> == </a:t>
+            </a:r>
+            <a:r>
+              <a:rPr lang="en-GB" sz="1600" b="1" dirty="0">
+                <a:solidFill>
+                  <a:schemeClr val="bg1"/>
+                </a:solidFill>
+                <a:effectLst/>
+                <a:latin typeface="Consolas" panose="020B0609020204030204" pitchFamily="49" charset="0"/>
+                <a:cs typeface="Consolas" panose="020B0609020204030204" pitchFamily="49" charset="0"/>
+              </a:rPr>
+              <a:t>username</a:t>
+            </a:r>
+            <a:r>
+              <a:rPr lang="en-GB" sz="1600" b="1" dirty="0">
+                <a:effectLst/>
+                <a:latin typeface="Consolas" panose="020B0609020204030204" pitchFamily="49" charset="0"/>
+                <a:cs typeface="Consolas" panose="020B0609020204030204" pitchFamily="49" charset="0"/>
+              </a:rPr>
+              <a:t>);</a:t>
+            </a:r>
+          </a:p>
+          <a:p>
+            <a:endParaRPr lang="en-GB" sz="1600" b="1" dirty="0">
               <a:effectLst/>
               <a:latin typeface="Consolas" panose="020B0609020204030204" pitchFamily="49" charset="0"/>
               <a:cs typeface="Consolas" panose="020B0609020204030204" pitchFamily="49" charset="0"/>
@@ -10387,15 +10605,63 @@
           </a:p>
           <a:p>
             <a:r>
-              <a:rPr lang="en-GB" sz="1400" b="1" dirty="0">
-                <a:effectLst/>
-                <a:latin typeface="Consolas" panose="020B0609020204030204" pitchFamily="49" charset="0"/>
-                <a:cs typeface="Consolas" panose="020B0609020204030204" pitchFamily="49" charset="0"/>
-              </a:rPr>
-              <a:t>    private User </a:t>
-            </a:r>
-            <a:r>
-              <a:rPr lang="en-GB" sz="1400" b="1" dirty="0">
+              <a:rPr lang="en-GB" sz="1600" b="1" dirty="0">
+                <a:effectLst/>
+                <a:latin typeface="Consolas" panose="020B0609020204030204" pitchFamily="49" charset="0"/>
+                <a:cs typeface="Consolas" panose="020B0609020204030204" pitchFamily="49" charset="0"/>
+              </a:rPr>
+              <a:t>            </a:t>
+            </a:r>
+            <a:r>
+              <a:rPr lang="en-GB" sz="1600" b="1" dirty="0">
+                <a:solidFill>
+                  <a:schemeClr val="accent2"/>
+                </a:solidFill>
+                <a:effectLst/>
+                <a:latin typeface="Consolas" panose="020B0609020204030204" pitchFamily="49" charset="0"/>
+                <a:cs typeface="Consolas" panose="020B0609020204030204" pitchFamily="49" charset="0"/>
+              </a:rPr>
+              <a:t>// </a:t>
+            </a:r>
+            <a:r>
+              <a:rPr lang="bg-BG" sz="1600" b="1" dirty="0">
+                <a:solidFill>
+                  <a:schemeClr val="accent2"/>
+                </a:solidFill>
+                <a:effectLst/>
+                <a:latin typeface="Consolas" panose="020B0609020204030204" pitchFamily="49" charset="0"/>
+                <a:cs typeface="Consolas" panose="020B0609020204030204" pitchFamily="49" charset="0"/>
+              </a:rPr>
+              <a:t>Ако съществува такъв потребител, провери дали въведената парола съответства на хеша</a:t>
+            </a:r>
+          </a:p>
+          <a:p>
+            <a:r>
+              <a:rPr lang="bg-BG" sz="1600" b="1" dirty="0">
+                <a:effectLst/>
+                <a:latin typeface="Consolas" panose="020B0609020204030204" pitchFamily="49" charset="0"/>
+                <a:cs typeface="Consolas" panose="020B0609020204030204" pitchFamily="49" charset="0"/>
+              </a:rPr>
+              <a:t>        </a:t>
+            </a:r>
+            <a:r>
+              <a:rPr lang="en-US" sz="1600" b="1" dirty="0">
+                <a:effectLst/>
+                <a:latin typeface="Consolas" panose="020B0609020204030204" pitchFamily="49" charset="0"/>
+                <a:cs typeface="Consolas" panose="020B0609020204030204" pitchFamily="49" charset="0"/>
+              </a:rPr>
+              <a:t>    </a:t>
+            </a:r>
+            <a:r>
+              <a:rPr lang="en-GB" sz="1600" b="1" dirty="0">
+                <a:effectLst/>
+                <a:latin typeface="Consolas" panose="020B0609020204030204" pitchFamily="49" charset="0"/>
+                <a:cs typeface="Consolas" panose="020B0609020204030204" pitchFamily="49" charset="0"/>
+              </a:rPr>
+              <a:t>if (</a:t>
+            </a:r>
+            <a:r>
+              <a:rPr lang="en-GB" sz="1600" b="1" dirty="0">
                 <a:solidFill>
                   <a:schemeClr val="bg1"/>
                 </a:solidFill>
@@ -10403,106 +10669,18 @@
                 <a:latin typeface="Consolas" panose="020B0609020204030204" pitchFamily="49" charset="0"/>
                 <a:cs typeface="Consolas" panose="020B0609020204030204" pitchFamily="49" charset="0"/>
               </a:rPr>
-              <a:t>AuthenticateUser</a:t>
-            </a:r>
-            <a:r>
-              <a:rPr lang="en-GB" sz="1400" b="1" dirty="0">
-                <a:effectLst/>
-                <a:latin typeface="Consolas" panose="020B0609020204030204" pitchFamily="49" charset="0"/>
-                <a:cs typeface="Consolas" panose="020B0609020204030204" pitchFamily="49" charset="0"/>
-              </a:rPr>
-              <a:t>(string username, string password)</a:t>
-            </a:r>
-          </a:p>
-          <a:p>
-            <a:r>
-              <a:rPr lang="en-GB" sz="1400" b="1" dirty="0">
-                <a:effectLst/>
-                <a:latin typeface="Consolas" panose="020B0609020204030204" pitchFamily="49" charset="0"/>
-                <a:cs typeface="Consolas" panose="020B0609020204030204" pitchFamily="49" charset="0"/>
-              </a:rPr>
-              <a:t>    {</a:t>
-            </a:r>
-          </a:p>
-          <a:p>
-            <a:r>
-              <a:rPr lang="en-GB" sz="1400" b="1" dirty="0">
-                <a:effectLst/>
-                <a:latin typeface="Consolas" panose="020B0609020204030204" pitchFamily="49" charset="0"/>
-                <a:cs typeface="Consolas" panose="020B0609020204030204" pitchFamily="49" charset="0"/>
-              </a:rPr>
-              <a:t>        using (var dbContext = new HospitalDbContext())</a:t>
-            </a:r>
-          </a:p>
-          <a:p>
-            <a:r>
-              <a:rPr lang="en-GB" sz="1400" b="1" dirty="0">
-                <a:effectLst/>
-                <a:latin typeface="Consolas" panose="020B0609020204030204" pitchFamily="49" charset="0"/>
-                <a:cs typeface="Consolas" panose="020B0609020204030204" pitchFamily="49" charset="0"/>
-              </a:rPr>
-              <a:t>        {</a:t>
-            </a:r>
-          </a:p>
-          <a:p>
-            <a:r>
-              <a:rPr lang="en-GB" sz="1400" b="1" dirty="0">
-                <a:effectLst/>
-                <a:latin typeface="Consolas" panose="020B0609020204030204" pitchFamily="49" charset="0"/>
-                <a:cs typeface="Consolas" panose="020B0609020204030204" pitchFamily="49" charset="0"/>
-              </a:rPr>
-              <a:t>            </a:t>
-            </a:r>
-            <a:r>
-              <a:rPr lang="en-GB" sz="1400" b="1" dirty="0">
-                <a:solidFill>
-                  <a:schemeClr val="accent2"/>
-                </a:solidFill>
-                <a:effectLst/>
-                <a:latin typeface="Consolas" panose="020B0609020204030204" pitchFamily="49" charset="0"/>
-                <a:cs typeface="Consolas" panose="020B0609020204030204" pitchFamily="49" charset="0"/>
-              </a:rPr>
-              <a:t>// </a:t>
-            </a:r>
-            <a:r>
-              <a:rPr lang="bg-BG" sz="1400" b="1" dirty="0">
-                <a:solidFill>
-                  <a:schemeClr val="accent2"/>
-                </a:solidFill>
-                <a:effectLst/>
-                <a:latin typeface="Consolas" panose="020B0609020204030204" pitchFamily="49" charset="0"/>
-                <a:cs typeface="Consolas" panose="020B0609020204030204" pitchFamily="49" charset="0"/>
-              </a:rPr>
-              <a:t>Намери потребителя по потребителско име</a:t>
-            </a:r>
-          </a:p>
-          <a:p>
-            <a:r>
-              <a:rPr lang="bg-BG" sz="1400" b="1" dirty="0">
-                <a:effectLst/>
-                <a:latin typeface="Consolas" panose="020B0609020204030204" pitchFamily="49" charset="0"/>
-                <a:cs typeface="Consolas" panose="020B0609020204030204" pitchFamily="49" charset="0"/>
-              </a:rPr>
-              <a:t>        </a:t>
-            </a:r>
-            <a:r>
-              <a:rPr lang="en-US" sz="1400" b="1" dirty="0">
-                <a:effectLst/>
-                <a:latin typeface="Consolas" panose="020B0609020204030204" pitchFamily="49" charset="0"/>
-                <a:cs typeface="Consolas" panose="020B0609020204030204" pitchFamily="49" charset="0"/>
-              </a:rPr>
-              <a:t>    </a:t>
-            </a:r>
-            <a:r>
-              <a:rPr lang="en-GB" sz="1400" b="1" dirty="0">
-                <a:effectLst/>
-                <a:latin typeface="Consolas" panose="020B0609020204030204" pitchFamily="49" charset="0"/>
-                <a:cs typeface="Consolas" panose="020B0609020204030204" pitchFamily="49" charset="0"/>
-              </a:rPr>
-              <a:t>var user = dbContext.</a:t>
-            </a:r>
-            <a:r>
-              <a:rPr lang="en-GB" sz="1400" b="1" dirty="0">
+              <a:t>user</a:t>
+            </a:r>
+            <a:r>
+              <a:rPr lang="en-GB" sz="1600" b="1" dirty="0">
+                <a:effectLst/>
+                <a:latin typeface="Consolas" panose="020B0609020204030204" pitchFamily="49" charset="0"/>
+                <a:cs typeface="Consolas" panose="020B0609020204030204" pitchFamily="49" charset="0"/>
+              </a:rPr>
+              <a:t> != null &amp;&amp; </a:t>
+            </a:r>
+            <a:r>
+              <a:rPr lang="en-GB" sz="1600" b="1" dirty="0">
                 <a:solidFill>
                   <a:schemeClr val="bg1"/>
                 </a:solidFill>
@@ -10510,10 +10688,10 @@
                 <a:latin typeface="Consolas" panose="020B0609020204030204" pitchFamily="49" charset="0"/>
                 <a:cs typeface="Consolas" panose="020B0609020204030204" pitchFamily="49" charset="0"/>
               </a:rPr>
-              <a:t>Users</a:t>
-            </a:r>
-            <a:r>
-              <a:rPr lang="en-GB" sz="1400" b="1" dirty="0">
+              <a:t>PasswordHelper</a:t>
+            </a:r>
+            <a:r>
+              <a:rPr lang="en-GB" sz="1600" b="1" dirty="0">
                 <a:effectLst/>
                 <a:latin typeface="Consolas" panose="020B0609020204030204" pitchFamily="49" charset="0"/>
                 <a:cs typeface="Consolas" panose="020B0609020204030204" pitchFamily="49" charset="0"/>
@@ -10521,7 +10699,7 @@
               <a:t>.</a:t>
             </a:r>
             <a:r>
-              <a:rPr lang="en-GB" sz="1400" b="1" dirty="0">
+              <a:rPr lang="en-GB" sz="1600" b="1" dirty="0">
                 <a:solidFill>
                   <a:schemeClr val="bg1"/>
                 </a:solidFill>
@@ -10529,18 +10707,18 @@
                 <a:latin typeface="Consolas" panose="020B0609020204030204" pitchFamily="49" charset="0"/>
                 <a:cs typeface="Consolas" panose="020B0609020204030204" pitchFamily="49" charset="0"/>
               </a:rPr>
-              <a:t>FirstOrDefault</a:t>
-            </a:r>
-            <a:r>
-              <a:rPr lang="en-GB" sz="1400" b="1" dirty="0">
-                <a:effectLst/>
-                <a:latin typeface="Consolas" panose="020B0609020204030204" pitchFamily="49" charset="0"/>
-                <a:cs typeface="Consolas" panose="020B0609020204030204" pitchFamily="49" charset="0"/>
-              </a:rPr>
-              <a:t>(u =&gt; u.</a:t>
-            </a:r>
-            <a:r>
-              <a:rPr lang="en-GB" sz="1400" b="1" dirty="0">
+              <a:t>VerifyPassword</a:t>
+            </a:r>
+            <a:r>
+              <a:rPr lang="en-GB" sz="1600" b="1" dirty="0">
+                <a:effectLst/>
+                <a:latin typeface="Consolas" panose="020B0609020204030204" pitchFamily="49" charset="0"/>
+                <a:cs typeface="Consolas" panose="020B0609020204030204" pitchFamily="49" charset="0"/>
+              </a:rPr>
+              <a:t>(</a:t>
+            </a:r>
+            <a:r>
+              <a:rPr lang="en-GB" sz="1600" b="1" dirty="0">
                 <a:solidFill>
                   <a:schemeClr val="bg1"/>
                 </a:solidFill>
@@ -10548,18 +10726,18 @@
                 <a:latin typeface="Consolas" panose="020B0609020204030204" pitchFamily="49" charset="0"/>
                 <a:cs typeface="Consolas" panose="020B0609020204030204" pitchFamily="49" charset="0"/>
               </a:rPr>
-              <a:t>Username</a:t>
-            </a:r>
-            <a:r>
-              <a:rPr lang="en-GB" sz="1400" b="1" dirty="0">
-                <a:effectLst/>
-                <a:latin typeface="Consolas" panose="020B0609020204030204" pitchFamily="49" charset="0"/>
-                <a:cs typeface="Consolas" panose="020B0609020204030204" pitchFamily="49" charset="0"/>
-              </a:rPr>
-              <a:t> == </a:t>
-            </a:r>
-            <a:r>
-              <a:rPr lang="en-GB" sz="1400" b="1" dirty="0">
+              <a:t>password</a:t>
+            </a:r>
+            <a:r>
+              <a:rPr lang="en-GB" sz="1600" b="1" dirty="0">
+                <a:effectLst/>
+                <a:latin typeface="Consolas" panose="020B0609020204030204" pitchFamily="49" charset="0"/>
+                <a:cs typeface="Consolas" panose="020B0609020204030204" pitchFamily="49" charset="0"/>
+              </a:rPr>
+              <a:t>, </a:t>
+            </a:r>
+            <a:r>
+              <a:rPr lang="en-GB" sz="1600" b="1" dirty="0">
                 <a:solidFill>
                   <a:schemeClr val="bg1"/>
                 </a:solidFill>
@@ -10567,19 +10745,97 @@
                 <a:latin typeface="Consolas" panose="020B0609020204030204" pitchFamily="49" charset="0"/>
                 <a:cs typeface="Consolas" panose="020B0609020204030204" pitchFamily="49" charset="0"/>
               </a:rPr>
-              <a:t>username</a:t>
-            </a:r>
-            <a:r>
-              <a:rPr lang="en-GB" sz="1400" b="1" dirty="0">
-                <a:effectLst/>
-                <a:latin typeface="Consolas" panose="020B0609020204030204" pitchFamily="49" charset="0"/>
-                <a:cs typeface="Consolas" panose="020B0609020204030204" pitchFamily="49" charset="0"/>
-              </a:rPr>
-              <a:t>);</a:t>
-            </a:r>
-          </a:p>
-          <a:p>
-            <a:endParaRPr lang="en-GB" sz="1400" b="1" dirty="0">
+              <a:t>user</a:t>
+            </a:r>
+            <a:r>
+              <a:rPr lang="en-GB" sz="1600" b="1" dirty="0">
+                <a:effectLst/>
+                <a:latin typeface="Consolas" panose="020B0609020204030204" pitchFamily="49" charset="0"/>
+                <a:cs typeface="Consolas" panose="020B0609020204030204" pitchFamily="49" charset="0"/>
+              </a:rPr>
+              <a:t>.</a:t>
+            </a:r>
+            <a:r>
+              <a:rPr lang="en-GB" sz="1600" b="1" dirty="0">
+                <a:solidFill>
+                  <a:schemeClr val="bg1"/>
+                </a:solidFill>
+                <a:effectLst/>
+                <a:latin typeface="Consolas" panose="020B0609020204030204" pitchFamily="49" charset="0"/>
+                <a:cs typeface="Consolas" panose="020B0609020204030204" pitchFamily="49" charset="0"/>
+              </a:rPr>
+              <a:t>PasswordHash</a:t>
+            </a:r>
+            <a:r>
+              <a:rPr lang="en-GB" sz="1600" b="1" dirty="0">
+                <a:effectLst/>
+                <a:latin typeface="Consolas" panose="020B0609020204030204" pitchFamily="49" charset="0"/>
+                <a:cs typeface="Consolas" panose="020B0609020204030204" pitchFamily="49" charset="0"/>
+              </a:rPr>
+              <a:t>))</a:t>
+            </a:r>
+          </a:p>
+          <a:p>
+            <a:r>
+              <a:rPr lang="en-GB" sz="1600" b="1" dirty="0">
+                <a:effectLst/>
+                <a:latin typeface="Consolas" panose="020B0609020204030204" pitchFamily="49" charset="0"/>
+                <a:cs typeface="Consolas" panose="020B0609020204030204" pitchFamily="49" charset="0"/>
+              </a:rPr>
+              <a:t>            {</a:t>
+            </a:r>
+          </a:p>
+          <a:p>
+            <a:r>
+              <a:rPr lang="en-GB" sz="1600" b="1" dirty="0">
+                <a:effectLst/>
+                <a:latin typeface="Consolas" panose="020B0609020204030204" pitchFamily="49" charset="0"/>
+                <a:cs typeface="Consolas" panose="020B0609020204030204" pitchFamily="49" charset="0"/>
+              </a:rPr>
+              <a:t>                return </a:t>
+            </a:r>
+            <a:r>
+              <a:rPr lang="en-GB" sz="1600" b="1" dirty="0">
+                <a:solidFill>
+                  <a:schemeClr val="bg1"/>
+                </a:solidFill>
+                <a:effectLst/>
+                <a:latin typeface="Consolas" panose="020B0609020204030204" pitchFamily="49" charset="0"/>
+                <a:cs typeface="Consolas" panose="020B0609020204030204" pitchFamily="49" charset="0"/>
+              </a:rPr>
+              <a:t>user</a:t>
+            </a:r>
+            <a:r>
+              <a:rPr lang="en-GB" sz="1600" b="1" dirty="0">
+                <a:effectLst/>
+                <a:latin typeface="Consolas" panose="020B0609020204030204" pitchFamily="49" charset="0"/>
+                <a:cs typeface="Consolas" panose="020B0609020204030204" pitchFamily="49" charset="0"/>
+              </a:rPr>
+              <a:t>;</a:t>
+            </a:r>
+          </a:p>
+          <a:p>
+            <a:r>
+              <a:rPr lang="en-GB" sz="1600" b="1" dirty="0">
+                <a:effectLst/>
+                <a:latin typeface="Consolas" panose="020B0609020204030204" pitchFamily="49" charset="0"/>
+                <a:cs typeface="Consolas" panose="020B0609020204030204" pitchFamily="49" charset="0"/>
+              </a:rPr>
+              <a:t>            }</a:t>
+            </a:r>
+          </a:p>
+          <a:p>
+            <a:r>
+              <a:rPr lang="en-GB" sz="1600" b="1" dirty="0">
+                <a:effectLst/>
+                <a:latin typeface="Consolas" panose="020B0609020204030204" pitchFamily="49" charset="0"/>
+                <a:cs typeface="Consolas" panose="020B0609020204030204" pitchFamily="49" charset="0"/>
+              </a:rPr>
+              <a:t>        }</a:t>
+            </a:r>
+          </a:p>
+          <a:p>
+            <a:endParaRPr lang="en-GB" sz="1600" b="1" dirty="0">
               <a:effectLst/>
               <a:latin typeface="Consolas" panose="020B0609020204030204" pitchFamily="49" charset="0"/>
               <a:cs typeface="Consolas" panose="020B0609020204030204" pitchFamily="49" charset="0"/>
@@ -10587,226 +10843,7 @@
           </a:p>
           <a:p>
             <a:r>
-              <a:rPr lang="en-GB" sz="1400" b="1" dirty="0">
-                <a:effectLst/>
-                <a:latin typeface="Consolas" panose="020B0609020204030204" pitchFamily="49" charset="0"/>
-                <a:cs typeface="Consolas" panose="020B0609020204030204" pitchFamily="49" charset="0"/>
-              </a:rPr>
-              <a:t>            </a:t>
-            </a:r>
-            <a:r>
-              <a:rPr lang="en-GB" sz="1400" b="1" dirty="0">
-                <a:solidFill>
-                  <a:schemeClr val="accent2"/>
-                </a:solidFill>
-                <a:effectLst/>
-                <a:latin typeface="Consolas" panose="020B0609020204030204" pitchFamily="49" charset="0"/>
-                <a:cs typeface="Consolas" panose="020B0609020204030204" pitchFamily="49" charset="0"/>
-              </a:rPr>
-              <a:t>// </a:t>
-            </a:r>
-            <a:r>
-              <a:rPr lang="bg-BG" sz="1400" b="1" dirty="0">
-                <a:solidFill>
-                  <a:schemeClr val="accent2"/>
-                </a:solidFill>
-                <a:effectLst/>
-                <a:latin typeface="Consolas" panose="020B0609020204030204" pitchFamily="49" charset="0"/>
-                <a:cs typeface="Consolas" panose="020B0609020204030204" pitchFamily="49" charset="0"/>
-              </a:rPr>
-              <a:t>Ако съществува такъв потребител, провери дали въведената парола съответства на хеша</a:t>
-            </a:r>
-          </a:p>
-          <a:p>
-            <a:r>
-              <a:rPr lang="bg-BG" sz="1400" b="1" dirty="0">
-                <a:effectLst/>
-                <a:latin typeface="Consolas" panose="020B0609020204030204" pitchFamily="49" charset="0"/>
-                <a:cs typeface="Consolas" panose="020B0609020204030204" pitchFamily="49" charset="0"/>
-              </a:rPr>
-              <a:t>        </a:t>
-            </a:r>
-            <a:r>
-              <a:rPr lang="en-US" sz="1400" b="1" dirty="0">
-                <a:effectLst/>
-                <a:latin typeface="Consolas" panose="020B0609020204030204" pitchFamily="49" charset="0"/>
-                <a:cs typeface="Consolas" panose="020B0609020204030204" pitchFamily="49" charset="0"/>
-              </a:rPr>
-              <a:t>    </a:t>
-            </a:r>
-            <a:r>
-              <a:rPr lang="en-GB" sz="1400" b="1" dirty="0">
-                <a:effectLst/>
-                <a:latin typeface="Consolas" panose="020B0609020204030204" pitchFamily="49" charset="0"/>
-                <a:cs typeface="Consolas" panose="020B0609020204030204" pitchFamily="49" charset="0"/>
-              </a:rPr>
-              <a:t>if (user != null &amp;&amp; </a:t>
-            </a:r>
-            <a:r>
-              <a:rPr lang="en-GB" sz="1400" b="1" dirty="0">
-                <a:solidFill>
-                  <a:schemeClr val="bg1"/>
-                </a:solidFill>
-                <a:effectLst/>
-                <a:latin typeface="Consolas" panose="020B0609020204030204" pitchFamily="49" charset="0"/>
-                <a:cs typeface="Consolas" panose="020B0609020204030204" pitchFamily="49" charset="0"/>
-              </a:rPr>
-              <a:t>PasswordHelper</a:t>
-            </a:r>
-            <a:r>
-              <a:rPr lang="en-GB" sz="1400" b="1" dirty="0">
-                <a:effectLst/>
-                <a:latin typeface="Consolas" panose="020B0609020204030204" pitchFamily="49" charset="0"/>
-                <a:cs typeface="Consolas" panose="020B0609020204030204" pitchFamily="49" charset="0"/>
-              </a:rPr>
-              <a:t>.</a:t>
-            </a:r>
-            <a:r>
-              <a:rPr lang="en-GB" sz="1400" b="1" dirty="0">
-                <a:solidFill>
-                  <a:schemeClr val="bg1"/>
-                </a:solidFill>
-                <a:effectLst/>
-                <a:latin typeface="Consolas" panose="020B0609020204030204" pitchFamily="49" charset="0"/>
-                <a:cs typeface="Consolas" panose="020B0609020204030204" pitchFamily="49" charset="0"/>
-              </a:rPr>
-              <a:t>VerifyPassword</a:t>
-            </a:r>
-            <a:r>
-              <a:rPr lang="en-GB" sz="1400" b="1" dirty="0">
-                <a:effectLst/>
-                <a:latin typeface="Consolas" panose="020B0609020204030204" pitchFamily="49" charset="0"/>
-                <a:cs typeface="Consolas" panose="020B0609020204030204" pitchFamily="49" charset="0"/>
-              </a:rPr>
-              <a:t>(</a:t>
-            </a:r>
-            <a:r>
-              <a:rPr lang="en-GB" sz="1400" b="1" dirty="0">
-                <a:solidFill>
-                  <a:schemeClr val="bg1"/>
-                </a:solidFill>
-                <a:effectLst/>
-                <a:latin typeface="Consolas" panose="020B0609020204030204" pitchFamily="49" charset="0"/>
-                <a:cs typeface="Consolas" panose="020B0609020204030204" pitchFamily="49" charset="0"/>
-              </a:rPr>
-              <a:t>password</a:t>
-            </a:r>
-            <a:r>
-              <a:rPr lang="en-GB" sz="1400" b="1" dirty="0">
-                <a:effectLst/>
-                <a:latin typeface="Consolas" panose="020B0609020204030204" pitchFamily="49" charset="0"/>
-                <a:cs typeface="Consolas" panose="020B0609020204030204" pitchFamily="49" charset="0"/>
-              </a:rPr>
-              <a:t>, </a:t>
-            </a:r>
-            <a:r>
-              <a:rPr lang="en-GB" sz="1400" b="1" dirty="0">
-                <a:solidFill>
-                  <a:schemeClr val="bg1"/>
-                </a:solidFill>
-                <a:effectLst/>
-                <a:latin typeface="Consolas" panose="020B0609020204030204" pitchFamily="49" charset="0"/>
-                <a:cs typeface="Consolas" panose="020B0609020204030204" pitchFamily="49" charset="0"/>
-              </a:rPr>
-              <a:t>user</a:t>
-            </a:r>
-            <a:r>
-              <a:rPr lang="en-GB" sz="1400" b="1" dirty="0">
-                <a:effectLst/>
-                <a:latin typeface="Consolas" panose="020B0609020204030204" pitchFamily="49" charset="0"/>
-                <a:cs typeface="Consolas" panose="020B0609020204030204" pitchFamily="49" charset="0"/>
-              </a:rPr>
-              <a:t>.</a:t>
-            </a:r>
-            <a:r>
-              <a:rPr lang="en-GB" sz="1400" b="1" dirty="0">
-                <a:solidFill>
-                  <a:schemeClr val="bg1"/>
-                </a:solidFill>
-                <a:effectLst/>
-                <a:latin typeface="Consolas" panose="020B0609020204030204" pitchFamily="49" charset="0"/>
-                <a:cs typeface="Consolas" panose="020B0609020204030204" pitchFamily="49" charset="0"/>
-              </a:rPr>
-              <a:t>PasswordHash</a:t>
-            </a:r>
-            <a:r>
-              <a:rPr lang="en-GB" sz="1400" b="1" dirty="0">
-                <a:effectLst/>
-                <a:latin typeface="Consolas" panose="020B0609020204030204" pitchFamily="49" charset="0"/>
-                <a:cs typeface="Consolas" panose="020B0609020204030204" pitchFamily="49" charset="0"/>
-              </a:rPr>
-              <a:t>))</a:t>
-            </a:r>
-          </a:p>
-          <a:p>
-            <a:r>
-              <a:rPr lang="en-GB" sz="1400" b="1" dirty="0">
-                <a:effectLst/>
-                <a:latin typeface="Consolas" panose="020B0609020204030204" pitchFamily="49" charset="0"/>
-                <a:cs typeface="Consolas" panose="020B0609020204030204" pitchFamily="49" charset="0"/>
-              </a:rPr>
-              <a:t>            {</a:t>
-            </a:r>
-          </a:p>
-          <a:p>
-            <a:r>
-              <a:rPr lang="en-GB" sz="1400" b="1" dirty="0">
-                <a:effectLst/>
-                <a:latin typeface="Consolas" panose="020B0609020204030204" pitchFamily="49" charset="0"/>
-                <a:cs typeface="Consolas" panose="020B0609020204030204" pitchFamily="49" charset="0"/>
-              </a:rPr>
-              <a:t>                return </a:t>
-            </a:r>
-            <a:r>
-              <a:rPr lang="en-GB" sz="1400" b="1" dirty="0">
-                <a:solidFill>
-                  <a:schemeClr val="bg1"/>
-                </a:solidFill>
-                <a:effectLst/>
-                <a:latin typeface="Consolas" panose="020B0609020204030204" pitchFamily="49" charset="0"/>
-                <a:cs typeface="Consolas" panose="020B0609020204030204" pitchFamily="49" charset="0"/>
-              </a:rPr>
-              <a:t>user</a:t>
-            </a:r>
-            <a:r>
-              <a:rPr lang="en-GB" sz="1400" b="1" dirty="0">
-                <a:effectLst/>
-                <a:latin typeface="Consolas" panose="020B0609020204030204" pitchFamily="49" charset="0"/>
-                <a:cs typeface="Consolas" panose="020B0609020204030204" pitchFamily="49" charset="0"/>
-              </a:rPr>
-              <a:t>;</a:t>
-            </a:r>
-          </a:p>
-          <a:p>
-            <a:r>
-              <a:rPr lang="en-GB" sz="1400" b="1" dirty="0">
-                <a:effectLst/>
-                <a:latin typeface="Consolas" panose="020B0609020204030204" pitchFamily="49" charset="0"/>
-                <a:cs typeface="Consolas" panose="020B0609020204030204" pitchFamily="49" charset="0"/>
-              </a:rPr>
-              <a:t>            }</a:t>
-            </a:r>
-          </a:p>
-          <a:p>
-            <a:r>
-              <a:rPr lang="en-GB" sz="1400" b="1" dirty="0">
-                <a:effectLst/>
-                <a:latin typeface="Consolas" panose="020B0609020204030204" pitchFamily="49" charset="0"/>
-                <a:cs typeface="Consolas" panose="020B0609020204030204" pitchFamily="49" charset="0"/>
-              </a:rPr>
-              <a:t>        }</a:t>
-            </a:r>
-          </a:p>
-          <a:p>
-            <a:endParaRPr lang="en-GB" sz="1400" b="1" dirty="0">
-              <a:effectLst/>
-              <a:latin typeface="Consolas" panose="020B0609020204030204" pitchFamily="49" charset="0"/>
-              <a:cs typeface="Consolas" panose="020B0609020204030204" pitchFamily="49" charset="0"/>
-            </a:endParaRPr>
-          </a:p>
-          <a:p>
-            <a:r>
-              <a:rPr lang="en-GB" sz="1400" b="1" dirty="0">
+              <a:rPr lang="en-GB" sz="1600" b="1" dirty="0">
                 <a:effectLst/>
                 <a:latin typeface="Consolas" panose="020B0609020204030204" pitchFamily="49" charset="0"/>
                 <a:cs typeface="Consolas" panose="020B0609020204030204" pitchFamily="49" charset="0"/>
@@ -10816,7 +10853,7 @@
           </a:p>
           <a:p>
             <a:r>
-              <a:rPr lang="en-GB" sz="1400" b="1" dirty="0">
+              <a:rPr lang="en-GB" sz="1600" b="1" dirty="0">
                 <a:effectLst/>
                 <a:latin typeface="Consolas" panose="020B0609020204030204" pitchFamily="49" charset="0"/>
                 <a:cs typeface="Consolas" panose="020B0609020204030204" pitchFamily="49" charset="0"/>
@@ -10826,7 +10863,7 @@
           </a:p>
           <a:p>
             <a:r>
-              <a:rPr lang="en-GB" sz="1400" b="1" dirty="0">
+              <a:rPr lang="en-GB" sz="1600" b="1" dirty="0">
                 <a:effectLst/>
                 <a:latin typeface="Consolas" panose="020B0609020204030204" pitchFamily="49" charset="0"/>
                 <a:cs typeface="Consolas" panose="020B0609020204030204" pitchFamily="49" charset="0"/>
@@ -12363,12 +12400,24 @@
               <a:t>При </a:t>
             </a:r>
             <a:r>
+              <a:rPr lang="bg-BG" sz="3200" b="1" dirty="0">
+                <a:solidFill>
+                  <a:schemeClr val="bg1"/>
+                </a:solidFill>
+              </a:rPr>
+              <a:t>невалидни данни </a:t>
+            </a:r>
+            <a:r>
+              <a:rPr lang="bg-BG" sz="3200" dirty="0"/>
+              <a:t>показваме </a:t>
+            </a:r>
+            <a:r>
               <a:rPr lang="bg-BG" sz="3200" b="1" dirty="0"/>
-              <a:t>невалидни данни </a:t>
+              <a:t>съобщение</a:t>
             </a:r>
             <a:r>
               <a:rPr lang="bg-BG" sz="3200" dirty="0"/>
-              <a:t>показваме съобщение за </a:t>
+              <a:t> за </a:t>
             </a:r>
             <a:r>
               <a:rPr lang="bg-BG" sz="3200" b="1" dirty="0"/>
@@ -12804,7 +12853,7 @@
         <p:spPr>
           <a:xfrm>
             <a:off x="190406" y="1428687"/>
-            <a:ext cx="11103200" cy="5078313"/>
+            <a:ext cx="11562624" cy="5078313"/>
           </a:xfrm>
           <a:prstGeom prst="rect">
             <a:avLst/>
@@ -15224,7 +15273,7 @@
         <p:spPr>
           <a:xfrm>
             <a:off x="190406" y="1629000"/>
-            <a:ext cx="11103200" cy="4524315"/>
+            <a:ext cx="11562624" cy="4524315"/>
           </a:xfrm>
           <a:prstGeom prst="rect">
             <a:avLst/>
@@ -16235,7 +16284,15 @@
             </a:r>
             <a:r>
               <a:rPr lang="bg-BG" sz="2400" b="1" dirty="0"/>
-              <a:t>потребител и </a:t>
+              <a:t>потребител </a:t>
+            </a:r>
+            <a:r>
+              <a:rPr lang="bg-BG" sz="2400" dirty="0"/>
+              <a:t>и</a:t>
+            </a:r>
+            <a:r>
+              <a:rPr lang="bg-BG" sz="2400" b="1" dirty="0"/>
+              <a:t> </a:t>
             </a:r>
             <a:r>
               <a:rPr lang="bg-BG" sz="2400" b="1" dirty="0">

--- a/Courses/Software-Sciences/Module-4-Information-Systems-New/12-Implementation-of-Information-System/12-Implementation-of-Information-System-First-Part.pptx
+++ b/Courses/Software-Sciences/Module-4-Information-Systems-New/12-Implementation-of-Information-System/12-Implementation-of-Information-System-First-Part.pptx
@@ -332,7 +332,7 @@
           <a:p>
             <a:fld id="{4E087215-0C8F-4762-A664-737A353EC9A4}" type="datetimeFigureOut">
               <a:rPr lang="bg-BG" smtClean="0"/>
-              <a:t>1.11.24 г.</a:t>
+              <a:t>4.11.24 г.</a:t>
             </a:fld>
             <a:endParaRPr lang="bg-BG"/>
           </a:p>
@@ -528,7 +528,7 @@
           <a:p>
             <a:fld id="{72D84649-876A-46C9-8472-14CB09C070D8}" type="datetimeFigureOut">
               <a:rPr lang="en-US" smtClean="0"/>
-              <a:t>11/1/24</a:t>
+              <a:t>11/4/24</a:t>
             </a:fld>
             <a:endParaRPr lang="en-US"/>
           </a:p>
@@ -7915,8 +7915,8 @@
         </p:blipFill>
         <p:spPr>
           <a:xfrm>
-            <a:off x="642407" y="3070787"/>
-            <a:ext cx="1757160" cy="819755"/>
+            <a:off x="642407" y="3086623"/>
+            <a:ext cx="1757160" cy="788082"/>
           </a:xfrm>
           <a:prstGeom prst="rect">
             <a:avLst/>

--- a/Courses/Software-Sciences/Module-4-Information-Systems-New/12-Implementation-of-Information-System/12-Implementation-of-Information-System-First-Part.pptx
+++ b/Courses/Software-Sciences/Module-4-Information-Systems-New/12-Implementation-of-Information-System/12-Implementation-of-Information-System-First-Part.pptx
@@ -332,7 +332,7 @@
           <a:p>
             <a:fld id="{4E087215-0C8F-4762-A664-737A353EC9A4}" type="datetimeFigureOut">
               <a:rPr lang="bg-BG" smtClean="0"/>
-              <a:t>4.11.24 г.</a:t>
+              <a:t>5.12.24 г.</a:t>
             </a:fld>
             <a:endParaRPr lang="bg-BG"/>
           </a:p>
@@ -528,7 +528,7 @@
           <a:p>
             <a:fld id="{72D84649-876A-46C9-8472-14CB09C070D8}" type="datetimeFigureOut">
               <a:rPr lang="en-US" smtClean="0"/>
-              <a:t>11/4/24</a:t>
+              <a:t>12/5/24</a:t>
             </a:fld>
             <a:endParaRPr lang="en-US"/>
           </a:p>
@@ -10293,8 +10293,8 @@
         </p:nvSpPr>
         <p:spPr>
           <a:xfrm>
-            <a:off x="190406" y="1392521"/>
-            <a:ext cx="11562624" cy="5262979"/>
+            <a:off x="196033" y="1237299"/>
+            <a:ext cx="11562624" cy="5509200"/>
           </a:xfrm>
           <a:prstGeom prst="rect">
             <a:avLst/>
@@ -10358,6 +10358,21 @@
               </a:rPr>
               <a:t>{</a:t>
             </a:r>
+            <a:r>
+              <a:rPr lang="en-US" sz="1600" b="1" dirty="0">
+                <a:effectLst/>
+                <a:latin typeface="Consolas" panose="020B0609020204030204" pitchFamily="49" charset="0"/>
+                <a:cs typeface="Consolas" panose="020B0609020204030204" pitchFamily="49" charset="0"/>
+              </a:rPr>
+              <a:t>   </a:t>
+            </a:r>
+            <a:r>
+              <a:rPr lang="en-US" sz="1600" b="1" dirty="0">
+                <a:latin typeface="Consolas" panose="020B0609020204030204" pitchFamily="49" charset="0"/>
+                <a:cs typeface="Consolas" panose="020B0609020204030204" pitchFamily="49" charset="0"/>
+              </a:rPr>
+              <a:t>...</a:t>
+            </a:r>
             <a:endParaRPr lang="bg-BG" sz="1600" b="1" dirty="0">
               <a:effectLst/>
               <a:latin typeface="Consolas" panose="020B0609020204030204" pitchFamily="49" charset="0"/>
@@ -10366,26 +10381,6 @@
           </a:p>
           <a:p>
             <a:r>
-              <a:rPr lang="en-US" sz="1600" b="1" dirty="0">
-                <a:latin typeface="Consolas" panose="020B0609020204030204" pitchFamily="49" charset="0"/>
-                <a:cs typeface="Consolas" panose="020B0609020204030204" pitchFamily="49" charset="0"/>
-              </a:rPr>
-              <a:t>    ...</a:t>
-            </a:r>
-            <a:endParaRPr lang="bg-BG" sz="1600" b="1" dirty="0">
-              <a:latin typeface="Consolas" panose="020B0609020204030204" pitchFamily="49" charset="0"/>
-              <a:cs typeface="Consolas" panose="020B0609020204030204" pitchFamily="49" charset="0"/>
-            </a:endParaRPr>
-          </a:p>
-          <a:p>
-            <a:endParaRPr lang="bg-BG" sz="1600" b="1" dirty="0">
-              <a:effectLst/>
-              <a:latin typeface="Consolas" panose="020B0609020204030204" pitchFamily="49" charset="0"/>
-              <a:cs typeface="Consolas" panose="020B0609020204030204" pitchFamily="49" charset="0"/>
-            </a:endParaRPr>
-          </a:p>
-          <a:p>
-            <a:r>
               <a:rPr lang="en-GB" sz="1600" b="1" dirty="0">
                 <a:effectLst/>
                 <a:latin typeface="Consolas" panose="020B0609020204030204" pitchFamily="49" charset="0"/>
@@ -10677,10 +10672,51 @@
                 <a:latin typeface="Consolas" panose="020B0609020204030204" pitchFamily="49" charset="0"/>
                 <a:cs typeface="Consolas" panose="020B0609020204030204" pitchFamily="49" charset="0"/>
               </a:rPr>
-              <a:t> != null &amp;&amp; </a:t>
-            </a:r>
+              <a:t> != null)</a:t>
+            </a:r>
+          </a:p>
+          <a:p>
             <a:r>
               <a:rPr lang="en-GB" sz="1600" b="1" dirty="0">
+                <a:effectLst/>
+                <a:latin typeface="Consolas" panose="020B0609020204030204" pitchFamily="49" charset="0"/>
+                <a:cs typeface="Consolas" panose="020B0609020204030204" pitchFamily="49" charset="0"/>
+              </a:rPr>
+              <a:t>            {</a:t>
+            </a:r>
+          </a:p>
+          <a:p>
+            <a:r>
+              <a:rPr lang="en-GB" sz="1600" b="1" dirty="0">
+                <a:effectLst/>
+                <a:latin typeface="Consolas" panose="020B0609020204030204" pitchFamily="49" charset="0"/>
+                <a:cs typeface="Consolas" panose="020B0609020204030204" pitchFamily="49" charset="0"/>
+              </a:rPr>
+              <a:t>                </a:t>
+            </a:r>
+            <a:r>
+              <a:rPr lang="bg-BG" sz="1600" b="1" dirty="0">
+                <a:solidFill>
+                  <a:schemeClr val="accent2"/>
+                </a:solidFill>
+                <a:effectLst/>
+                <a:latin typeface="Consolas" panose="020B0609020204030204" pitchFamily="49" charset="0"/>
+                <a:cs typeface="Consolas" panose="020B0609020204030204" pitchFamily="49" charset="0"/>
+              </a:rPr>
+              <a:t>// Зареди ролята на потребителя</a:t>
+            </a:r>
+          </a:p>
+          <a:p>
+            <a:r>
+              <a:rPr lang="en-GB" sz="1600" b="1" dirty="0">
+                <a:effectLst/>
+                <a:latin typeface="Consolas" panose="020B0609020204030204" pitchFamily="49" charset="0"/>
+                <a:cs typeface="Consolas" panose="020B0609020204030204" pitchFamily="49" charset="0"/>
+              </a:rPr>
+              <a:t>                dbContext.Entry(</a:t>
+            </a:r>
+            <a:r>
+              <a:rPr lang="en-GB" sz="1600" b="1" dirty="0">
                 <a:solidFill>
                   <a:schemeClr val="bg1"/>
                 </a:solidFill>
@@ -10688,7 +10724,7 @@
                 <a:latin typeface="Consolas" panose="020B0609020204030204" pitchFamily="49" charset="0"/>
                 <a:cs typeface="Consolas" panose="020B0609020204030204" pitchFamily="49" charset="0"/>
               </a:rPr>
-              <a:t>PasswordHelper</a:t>
+              <a:t>user</a:t>
             </a:r>
             <a:r>
               <a:rPr lang="en-GB" sz="1600" b="1" dirty="0">
@@ -10696,7 +10732,7 @@
                 <a:latin typeface="Consolas" panose="020B0609020204030204" pitchFamily="49" charset="0"/>
                 <a:cs typeface="Consolas" panose="020B0609020204030204" pitchFamily="49" charset="0"/>
               </a:rPr>
-              <a:t>.</a:t>
+              <a:t>).Reference(u =&gt; u.</a:t>
             </a:r>
             <a:r>
               <a:rPr lang="en-GB" sz="1600" b="1" dirty="0">
@@ -10707,7 +10743,7 @@
                 <a:latin typeface="Consolas" panose="020B0609020204030204" pitchFamily="49" charset="0"/>
                 <a:cs typeface="Consolas" panose="020B0609020204030204" pitchFamily="49" charset="0"/>
               </a:rPr>
-              <a:t>VerifyPassword</a:t>
+              <a:t>Role</a:t>
             </a:r>
             <a:r>
               <a:rPr lang="en-GB" sz="1600" b="1" dirty="0">
@@ -10715,7 +10751,7 @@
                 <a:latin typeface="Consolas" panose="020B0609020204030204" pitchFamily="49" charset="0"/>
                 <a:cs typeface="Consolas" panose="020B0609020204030204" pitchFamily="49" charset="0"/>
               </a:rPr>
-              <a:t>(</a:t>
+              <a:t>).</a:t>
             </a:r>
             <a:r>
               <a:rPr lang="en-GB" sz="1600" b="1" dirty="0">
@@ -10726,7 +10762,7 @@
                 <a:latin typeface="Consolas" panose="020B0609020204030204" pitchFamily="49" charset="0"/>
                 <a:cs typeface="Consolas" panose="020B0609020204030204" pitchFamily="49" charset="0"/>
               </a:rPr>
-              <a:t>password</a:t>
+              <a:t>Load</a:t>
             </a:r>
             <a:r>
               <a:rPr lang="en-GB" sz="1600" b="1" dirty="0">
@@ -10734,112 +10770,188 @@
                 <a:latin typeface="Consolas" panose="020B0609020204030204" pitchFamily="49" charset="0"/>
                 <a:cs typeface="Consolas" panose="020B0609020204030204" pitchFamily="49" charset="0"/>
               </a:rPr>
-              <a:t>, </a:t>
-            </a:r>
-            <a:r>
+              <a:t>();</a:t>
+            </a:r>
+            <a:br>
               <a:rPr lang="en-GB" sz="1600" b="1" dirty="0">
-                <a:solidFill>
-                  <a:schemeClr val="bg1"/>
-                </a:solidFill>
-                <a:effectLst/>
-                <a:latin typeface="Consolas" panose="020B0609020204030204" pitchFamily="49" charset="0"/>
-                <a:cs typeface="Consolas" panose="020B0609020204030204" pitchFamily="49" charset="0"/>
-              </a:rPr>
-              <a:t>user</a:t>
-            </a:r>
-            <a:r>
-              <a:rPr lang="en-GB" sz="1600" b="1" dirty="0">
-                <a:effectLst/>
-                <a:latin typeface="Consolas" panose="020B0609020204030204" pitchFamily="49" charset="0"/>
-                <a:cs typeface="Consolas" panose="020B0609020204030204" pitchFamily="49" charset="0"/>
-              </a:rPr>
-              <a:t>.</a:t>
-            </a:r>
-            <a:r>
-              <a:rPr lang="en-GB" sz="1600" b="1" dirty="0">
-                <a:solidFill>
-                  <a:schemeClr val="bg1"/>
-                </a:solidFill>
-                <a:effectLst/>
-                <a:latin typeface="Consolas" panose="020B0609020204030204" pitchFamily="49" charset="0"/>
-                <a:cs typeface="Consolas" panose="020B0609020204030204" pitchFamily="49" charset="0"/>
-              </a:rPr>
-              <a:t>PasswordHash</a:t>
-            </a:r>
-            <a:r>
-              <a:rPr lang="en-GB" sz="1600" b="1" dirty="0">
-                <a:effectLst/>
-                <a:latin typeface="Consolas" panose="020B0609020204030204" pitchFamily="49" charset="0"/>
-                <a:cs typeface="Consolas" panose="020B0609020204030204" pitchFamily="49" charset="0"/>
-              </a:rPr>
-              <a:t>))</a:t>
-            </a:r>
-          </a:p>
-          <a:p>
-            <a:r>
-              <a:rPr lang="en-GB" sz="1600" b="1" dirty="0">
-                <a:effectLst/>
-                <a:latin typeface="Consolas" panose="020B0609020204030204" pitchFamily="49" charset="0"/>
-                <a:cs typeface="Consolas" panose="020B0609020204030204" pitchFamily="49" charset="0"/>
-              </a:rPr>
-              <a:t>            {</a:t>
-            </a:r>
-          </a:p>
-          <a:p>
-            <a:r>
-              <a:rPr lang="en-GB" sz="1600" b="1" dirty="0">
-                <a:effectLst/>
-                <a:latin typeface="Consolas" panose="020B0609020204030204" pitchFamily="49" charset="0"/>
-                <a:cs typeface="Consolas" panose="020B0609020204030204" pitchFamily="49" charset="0"/>
-              </a:rPr>
-              <a:t>                return </a:t>
-            </a:r>
-            <a:r>
-              <a:rPr lang="en-GB" sz="1600" b="1" dirty="0">
-                <a:solidFill>
-                  <a:schemeClr val="bg1"/>
-                </a:solidFill>
-                <a:effectLst/>
-                <a:latin typeface="Consolas" panose="020B0609020204030204" pitchFamily="49" charset="0"/>
-                <a:cs typeface="Consolas" panose="020B0609020204030204" pitchFamily="49" charset="0"/>
-              </a:rPr>
-              <a:t>user</a:t>
-            </a:r>
-            <a:r>
-              <a:rPr lang="en-GB" sz="1600" b="1" dirty="0">
-                <a:effectLst/>
-                <a:latin typeface="Consolas" panose="020B0609020204030204" pitchFamily="49" charset="0"/>
-                <a:cs typeface="Consolas" panose="020B0609020204030204" pitchFamily="49" charset="0"/>
-              </a:rPr>
-              <a:t>;</a:t>
-            </a:r>
-          </a:p>
-          <a:p>
-            <a:r>
-              <a:rPr lang="en-GB" sz="1600" b="1" dirty="0">
-                <a:effectLst/>
-                <a:latin typeface="Consolas" panose="020B0609020204030204" pitchFamily="49" charset="0"/>
-                <a:cs typeface="Consolas" panose="020B0609020204030204" pitchFamily="49" charset="0"/>
-              </a:rPr>
-              <a:t>            }</a:t>
-            </a:r>
-          </a:p>
-          <a:p>
-            <a:r>
-              <a:rPr lang="en-GB" sz="1600" b="1" dirty="0">
-                <a:effectLst/>
-                <a:latin typeface="Consolas" panose="020B0609020204030204" pitchFamily="49" charset="0"/>
-                <a:cs typeface="Consolas" panose="020B0609020204030204" pitchFamily="49" charset="0"/>
-              </a:rPr>
-              <a:t>        }</a:t>
-            </a:r>
-          </a:p>
-          <a:p>
+                <a:effectLst/>
+                <a:latin typeface="Consolas" panose="020B0609020204030204" pitchFamily="49" charset="0"/>
+                <a:cs typeface="Consolas" panose="020B0609020204030204" pitchFamily="49" charset="0"/>
+              </a:rPr>
+            </a:br>
             <a:endParaRPr lang="en-GB" sz="1600" b="1" dirty="0">
               <a:effectLst/>
               <a:latin typeface="Consolas" panose="020B0609020204030204" pitchFamily="49" charset="0"/>
               <a:cs typeface="Consolas" panose="020B0609020204030204" pitchFamily="49" charset="0"/>
             </a:endParaRPr>
+          </a:p>
+          <a:p>
+            <a:r>
+              <a:rPr lang="en-GB" sz="1600" b="1" dirty="0">
+                <a:solidFill>
+                  <a:schemeClr val="accent2"/>
+                </a:solidFill>
+                <a:effectLst/>
+                <a:latin typeface="Consolas" panose="020B0609020204030204" pitchFamily="49" charset="0"/>
+                <a:cs typeface="Consolas" panose="020B0609020204030204" pitchFamily="49" charset="0"/>
+              </a:rPr>
+              <a:t>                // </a:t>
+            </a:r>
+            <a:r>
+              <a:rPr lang="bg-BG" sz="1600" b="1" dirty="0">
+                <a:solidFill>
+                  <a:schemeClr val="accent2"/>
+                </a:solidFill>
+                <a:effectLst/>
+                <a:latin typeface="Consolas" panose="020B0609020204030204" pitchFamily="49" charset="0"/>
+                <a:cs typeface="Consolas" panose="020B0609020204030204" pitchFamily="49" charset="0"/>
+              </a:rPr>
+              <a:t>Провери хеша на паролата</a:t>
+            </a:r>
+          </a:p>
+          <a:p>
+            <a:r>
+              <a:rPr lang="en-GB" sz="1600" b="1" dirty="0">
+                <a:effectLst/>
+                <a:latin typeface="Consolas" panose="020B0609020204030204" pitchFamily="49" charset="0"/>
+                <a:cs typeface="Consolas" panose="020B0609020204030204" pitchFamily="49" charset="0"/>
+              </a:rPr>
+              <a:t>                if (</a:t>
+            </a:r>
+            <a:r>
+              <a:rPr lang="en-GB" sz="1600" b="1" dirty="0">
+                <a:solidFill>
+                  <a:schemeClr val="bg1"/>
+                </a:solidFill>
+                <a:effectLst/>
+                <a:latin typeface="Consolas" panose="020B0609020204030204" pitchFamily="49" charset="0"/>
+                <a:cs typeface="Consolas" panose="020B0609020204030204" pitchFamily="49" charset="0"/>
+              </a:rPr>
+              <a:t>PasswordHelper</a:t>
+            </a:r>
+            <a:r>
+              <a:rPr lang="en-GB" sz="1600" b="1" dirty="0">
+                <a:effectLst/>
+                <a:latin typeface="Consolas" panose="020B0609020204030204" pitchFamily="49" charset="0"/>
+                <a:cs typeface="Consolas" panose="020B0609020204030204" pitchFamily="49" charset="0"/>
+              </a:rPr>
+              <a:t>.</a:t>
+            </a:r>
+            <a:r>
+              <a:rPr lang="en-GB" sz="1600" b="1" dirty="0">
+                <a:solidFill>
+                  <a:schemeClr val="bg1"/>
+                </a:solidFill>
+                <a:effectLst/>
+                <a:latin typeface="Consolas" panose="020B0609020204030204" pitchFamily="49" charset="0"/>
+                <a:cs typeface="Consolas" panose="020B0609020204030204" pitchFamily="49" charset="0"/>
+              </a:rPr>
+              <a:t>VerifyPassword</a:t>
+            </a:r>
+            <a:r>
+              <a:rPr lang="en-GB" sz="1600" b="1" dirty="0">
+                <a:effectLst/>
+                <a:latin typeface="Consolas" panose="020B0609020204030204" pitchFamily="49" charset="0"/>
+                <a:cs typeface="Consolas" panose="020B0609020204030204" pitchFamily="49" charset="0"/>
+              </a:rPr>
+              <a:t>(</a:t>
+            </a:r>
+            <a:r>
+              <a:rPr lang="en-GB" sz="1600" b="1" dirty="0">
+                <a:solidFill>
+                  <a:schemeClr val="bg1"/>
+                </a:solidFill>
+                <a:effectLst/>
+                <a:latin typeface="Consolas" panose="020B0609020204030204" pitchFamily="49" charset="0"/>
+                <a:cs typeface="Consolas" panose="020B0609020204030204" pitchFamily="49" charset="0"/>
+              </a:rPr>
+              <a:t>password</a:t>
+            </a:r>
+            <a:r>
+              <a:rPr lang="en-GB" sz="1600" b="1" dirty="0">
+                <a:effectLst/>
+                <a:latin typeface="Consolas" panose="020B0609020204030204" pitchFamily="49" charset="0"/>
+                <a:cs typeface="Consolas" panose="020B0609020204030204" pitchFamily="49" charset="0"/>
+              </a:rPr>
+              <a:t>, </a:t>
+            </a:r>
+            <a:r>
+              <a:rPr lang="en-GB" sz="1600" b="1" dirty="0">
+                <a:solidFill>
+                  <a:schemeClr val="bg1"/>
+                </a:solidFill>
+                <a:effectLst/>
+                <a:latin typeface="Consolas" panose="020B0609020204030204" pitchFamily="49" charset="0"/>
+                <a:cs typeface="Consolas" panose="020B0609020204030204" pitchFamily="49" charset="0"/>
+              </a:rPr>
+              <a:t>user</a:t>
+            </a:r>
+            <a:r>
+              <a:rPr lang="en-GB" sz="1600" b="1" dirty="0">
+                <a:effectLst/>
+                <a:latin typeface="Consolas" panose="020B0609020204030204" pitchFamily="49" charset="0"/>
+                <a:cs typeface="Consolas" panose="020B0609020204030204" pitchFamily="49" charset="0"/>
+              </a:rPr>
+              <a:t>.</a:t>
+            </a:r>
+            <a:r>
+              <a:rPr lang="en-GB" sz="1600" b="1" dirty="0">
+                <a:solidFill>
+                  <a:schemeClr val="bg1"/>
+                </a:solidFill>
+                <a:effectLst/>
+                <a:latin typeface="Consolas" panose="020B0609020204030204" pitchFamily="49" charset="0"/>
+                <a:cs typeface="Consolas" panose="020B0609020204030204" pitchFamily="49" charset="0"/>
+              </a:rPr>
+              <a:t>PasswordHash</a:t>
+            </a:r>
+            <a:r>
+              <a:rPr lang="en-GB" sz="1600" b="1" dirty="0">
+                <a:effectLst/>
+                <a:latin typeface="Consolas" panose="020B0609020204030204" pitchFamily="49" charset="0"/>
+                <a:cs typeface="Consolas" panose="020B0609020204030204" pitchFamily="49" charset="0"/>
+              </a:rPr>
+              <a:t>)) return </a:t>
+            </a:r>
+            <a:r>
+              <a:rPr lang="en-GB" sz="1600" b="1" dirty="0">
+                <a:solidFill>
+                  <a:schemeClr val="bg1"/>
+                </a:solidFill>
+                <a:effectLst/>
+                <a:latin typeface="Consolas" panose="020B0609020204030204" pitchFamily="49" charset="0"/>
+                <a:cs typeface="Consolas" panose="020B0609020204030204" pitchFamily="49" charset="0"/>
+              </a:rPr>
+              <a:t>user</a:t>
+            </a:r>
+            <a:r>
+              <a:rPr lang="en-GB" sz="1600" b="1" dirty="0">
+                <a:effectLst/>
+                <a:latin typeface="Consolas" panose="020B0609020204030204" pitchFamily="49" charset="0"/>
+                <a:cs typeface="Consolas" panose="020B0609020204030204" pitchFamily="49" charset="0"/>
+              </a:rPr>
+              <a:t>;</a:t>
+            </a:r>
+          </a:p>
+          <a:p>
+            <a:r>
+              <a:rPr lang="en-GB" sz="1600" b="1" dirty="0">
+                <a:effectLst/>
+                <a:latin typeface="Consolas" panose="020B0609020204030204" pitchFamily="49" charset="0"/>
+                <a:cs typeface="Consolas" panose="020B0609020204030204" pitchFamily="49" charset="0"/>
+              </a:rPr>
+              <a:t>            }</a:t>
+            </a:r>
+          </a:p>
+          <a:p>
+            <a:r>
+              <a:rPr lang="en-GB" sz="1600" b="1" dirty="0">
+                <a:effectLst/>
+                <a:latin typeface="Consolas" panose="020B0609020204030204" pitchFamily="49" charset="0"/>
+                <a:cs typeface="Consolas" panose="020B0609020204030204" pitchFamily="49" charset="0"/>
+              </a:rPr>
+              <a:t>        }</a:t>
+            </a:r>
           </a:p>
           <a:p>
             <a:r>
@@ -24333,14 +24445,13 @@
               </a:ext>
             </a:extLst>
           </a:blip>
-          <a:stretch>
-            <a:fillRect/>
-          </a:stretch>
+          <a:srcRect/>
+          <a:stretch/>
         </p:blipFill>
         <p:spPr>
           <a:xfrm>
-            <a:off x="3569300" y="1775876"/>
-            <a:ext cx="5053400" cy="4729732"/>
+            <a:off x="3572192" y="1775876"/>
+            <a:ext cx="5047616" cy="4729732"/>
           </a:xfrm>
           <a:prstGeom prst="rect">
             <a:avLst/>
@@ -24370,7 +24481,7 @@
         </p:nvSpPr>
         <p:spPr bwMode="auto">
           <a:xfrm>
-            <a:off x="6058629" y="3020404"/>
+            <a:off x="6591000" y="2889000"/>
             <a:ext cx="2745000" cy="408596"/>
           </a:xfrm>
           <a:prstGeom prst="wedgeRoundRectCallout">

--- a/Courses/Software-Sciences/Module-4-Information-Systems-New/12-Implementation-of-Information-System/12-Implementation-of-Information-System-First-Part.pptx
+++ b/Courses/Software-Sciences/Module-4-Information-Systems-New/12-Implementation-of-Information-System/12-Implementation-of-Information-System-First-Part.pptx
@@ -35,8 +35,8 @@
     <p:sldId id="747" r:id="rId23"/>
     <p:sldId id="746" r:id="rId24"/>
     <p:sldId id="734" r:id="rId25"/>
-    <p:sldId id="667" r:id="rId26"/>
-    <p:sldId id="736" r:id="rId27"/>
+    <p:sldId id="748" r:id="rId26"/>
+    <p:sldId id="667" r:id="rId27"/>
     <p:sldId id="742" r:id="rId28"/>
     <p:sldId id="633" r:id="rId29"/>
     <p:sldId id="504" r:id="rId30"/>
@@ -184,8 +184,8 @@
             <p14:sldId id="747"/>
             <p14:sldId id="746"/>
             <p14:sldId id="734"/>
+            <p14:sldId id="748"/>
             <p14:sldId id="667"/>
-            <p14:sldId id="736"/>
             <p14:sldId id="742"/>
           </p14:sldIdLst>
         </p14:section>
@@ -1965,7 +1965,7 @@
           <a:p>
             <a:fld id="{2BF067CD-8E6B-4360-9AA8-C5DF2A48A6D1}" type="slidenum">
               <a:rPr lang="en-US" smtClean="0"/>
-              <a:t>25</a:t>
+              <a:t>26</a:t>
             </a:fld>
             <a:endParaRPr lang="en-US" dirty="0"/>
           </a:p>
@@ -11964,7 +11964,7 @@
                   <a:schemeClr val="bg1"/>
                 </a:solidFill>
               </a:rPr>
-              <a:t>CenterScreen</a:t>
+              <a:t>CenterParent</a:t>
             </a:r>
             <a:endParaRPr lang="bg-BG" sz="3000" b="1" dirty="0">
               <a:solidFill>
@@ -18536,7 +18536,12 @@
             <p:ph type="body" sz="quarter" idx="10"/>
           </p:nvPr>
         </p:nvSpPr>
-        <p:spPr/>
+        <p:spPr>
+          <a:xfrm>
+            <a:off x="190402" y="1196125"/>
+            <a:ext cx="7975598" cy="5528766"/>
+          </a:xfrm>
+        </p:spPr>
         <p:txBody>
           <a:bodyPr>
             <a:normAutofit/>
@@ -18544,40 +18549,90 @@
           <a:lstStyle/>
           <a:p>
             <a:r>
-              <a:rPr lang="bg-BG" sz="2800" dirty="0"/>
-              <a:t>Настройваме да се отваря </a:t>
-            </a:r>
-            <a:r>
-              <a:rPr lang="bg-BG" sz="2800" b="1" dirty="0"/>
-              <a:t>формата за регистрация </a:t>
-            </a:r>
-            <a:r>
-              <a:rPr lang="bg-BG" sz="2800" dirty="0"/>
-              <a:t>при </a:t>
-            </a:r>
-            <a:r>
-              <a:rPr lang="bg-BG" sz="2800" b="1" dirty="0"/>
-              <a:t>пускане на приложението</a:t>
-            </a:r>
-          </a:p>
-          <a:p>
-            <a:r>
-              <a:rPr lang="bg-BG" sz="2800" dirty="0"/>
-              <a:t>Регистрираме </a:t>
-            </a:r>
-            <a:r>
-              <a:rPr lang="bg-BG" sz="2800" b="1" dirty="0">
+              <a:rPr lang="bg-BG" sz="3000" dirty="0"/>
+              <a:t>Добавяме </a:t>
+            </a:r>
+            <a:r>
+              <a:rPr lang="bg-BG" sz="3000" b="1" dirty="0"/>
+              <a:t>бутон</a:t>
+            </a:r>
+            <a:r>
+              <a:rPr lang="bg-BG" sz="3000" dirty="0"/>
+              <a:t> за </a:t>
+            </a:r>
+            <a:r>
+              <a:rPr lang="bg-BG" sz="3000" b="1" dirty="0">
                 <a:solidFill>
                   <a:schemeClr val="bg1"/>
                 </a:solidFill>
               </a:rPr>
-              <a:t>администратор</a:t>
-            </a:r>
-            <a:endParaRPr lang="en-BG" sz="2800" b="1" dirty="0">
-              <a:solidFill>
-                <a:schemeClr val="bg1"/>
-              </a:solidFill>
-            </a:endParaRPr>
+              <a:t>регистрация</a:t>
+            </a:r>
+            <a:r>
+              <a:rPr lang="bg-BG" sz="3000" dirty="0"/>
+              <a:t> във </a:t>
+            </a:r>
+            <a:r>
+              <a:rPr lang="bg-BG" sz="3000" b="1" dirty="0"/>
+              <a:t>входната форма</a:t>
+            </a:r>
+          </a:p>
+          <a:p>
+            <a:r>
+              <a:rPr lang="bg-BG" sz="3000" dirty="0"/>
+              <a:t>Добавяме </a:t>
+            </a:r>
+            <a:r>
+              <a:rPr lang="bg-BG" sz="3000" b="1" dirty="0">
+                <a:solidFill>
+                  <a:schemeClr val="bg1"/>
+                </a:solidFill>
+              </a:rPr>
+              <a:t>метод-обработчик</a:t>
+            </a:r>
+            <a:r>
+              <a:rPr lang="bg-BG" sz="3000" dirty="0"/>
+              <a:t> за </a:t>
+            </a:r>
+            <a:r>
+              <a:rPr lang="bg-BG" sz="3000" b="1" dirty="0"/>
+              <a:t>показване</a:t>
+            </a:r>
+            <a:r>
+              <a:rPr lang="bg-BG" sz="3000" dirty="0"/>
+              <a:t> на </a:t>
+            </a:r>
+            <a:r>
+              <a:rPr lang="bg-BG" sz="3000" b="1" dirty="0"/>
+              <a:t>формата</a:t>
+            </a:r>
+            <a:r>
+              <a:rPr lang="bg-BG" sz="3000" dirty="0"/>
+              <a:t>, когато </a:t>
+            </a:r>
+            <a:r>
+              <a:rPr lang="bg-BG" sz="3000" b="1" dirty="0">
+                <a:solidFill>
+                  <a:schemeClr val="bg1"/>
+                </a:solidFill>
+              </a:rPr>
+              <a:t>няма админ</a:t>
+            </a:r>
+            <a:r>
+              <a:rPr lang="bg-BG" sz="3000" b="1" dirty="0"/>
+              <a:t> </a:t>
+            </a:r>
+            <a:r>
+              <a:rPr lang="bg-BG" sz="3000" dirty="0"/>
+              <a:t>в </a:t>
+            </a:r>
+            <a:r>
+              <a:rPr lang="bg-BG" sz="3000" b="1" dirty="0"/>
+              <a:t>БД</a:t>
+            </a:r>
+          </a:p>
+          <a:p>
+            <a:endParaRPr lang="bg-BG" sz="2800" b="1" dirty="0"/>
           </a:p>
         </p:txBody>
       </p:sp>
@@ -18604,7 +18659,11 @@
           <a:p>
             <a:r>
               <a:rPr lang="bg-BG" dirty="0"/>
-              <a:t>Отваряне на формата</a:t>
+              <a:t>Отваряне на формата за регистрация </a:t>
+            </a:r>
+            <a:r>
+              <a:rPr lang="en-US" dirty="0"/>
+              <a:t>(1)</a:t>
             </a:r>
             <a:endParaRPr lang="en-BG" dirty="0"/>
           </a:p>
@@ -18612,10 +18671,10 @@
       </p:sp>
       <p:pic>
         <p:nvPicPr>
-          <p:cNvPr id="10" name="Picture 9">
+          <p:cNvPr id="6" name="Picture 5">
             <a:extLst>
               <a:ext uri="{FF2B5EF4-FFF2-40B4-BE49-F238E27FC236}">
-                <a16:creationId xmlns:a16="http://schemas.microsoft.com/office/drawing/2014/main" id="{71725040-62B9-44CE-7DD2-D93C71A2E457}"/>
+                <a16:creationId xmlns:a16="http://schemas.microsoft.com/office/drawing/2014/main" id="{6EB0FC8C-3972-D683-6F19-29D84EA856EC}"/>
               </a:ext>
             </a:extLst>
           </p:cNvPr>
@@ -18638,8 +18697,8 @@
         </p:blipFill>
         <p:spPr>
           <a:xfrm>
-            <a:off x="2915105" y="2842056"/>
-            <a:ext cx="6361790" cy="3664944"/>
+            <a:off x="8526000" y="1359000"/>
+            <a:ext cx="2880000" cy="2821225"/>
           </a:xfrm>
           <a:prstGeom prst="rect">
             <a:avLst/>
@@ -18653,103 +18712,49 @@
           </a:ln>
         </p:spPr>
       </p:pic>
-      <p:sp>
-        <p:nvSpPr>
-          <p:cNvPr id="11" name="AutoShape 7">
+      <p:pic>
+        <p:nvPicPr>
+          <p:cNvPr id="8" name="Picture 7">
             <a:extLst>
               <a:ext uri="{FF2B5EF4-FFF2-40B4-BE49-F238E27FC236}">
-                <a16:creationId xmlns:a16="http://schemas.microsoft.com/office/drawing/2014/main" id="{5C7BB9D6-8FD9-ACFD-54B3-A04A06D5388F}"/>
+                <a16:creationId xmlns:a16="http://schemas.microsoft.com/office/drawing/2014/main" id="{E6158A8A-A7CF-26F8-90FE-9DFDD4446D19}"/>
               </a:ext>
             </a:extLst>
           </p:cNvPr>
-          <p:cNvSpPr>
-            <a:spLocks noChangeArrowheads="1"/>
-          </p:cNvSpPr>
+          <p:cNvPicPr>
+            <a:picLocks noChangeAspect="1"/>
+          </p:cNvPicPr>
           <p:nvPr/>
-        </p:nvSpPr>
-        <p:spPr bwMode="auto">
+        </p:nvPicPr>
+        <p:blipFill>
+          <a:blip r:embed="rId3">
+            <a:extLst>
+              <a:ext uri="{28A0092B-C50C-407E-A947-70E740481C1C}">
+                <a14:useLocalDpi xmlns:a14="http://schemas.microsoft.com/office/drawing/2010/main" val="0"/>
+              </a:ext>
+            </a:extLst>
+          </a:blip>
+          <a:stretch>
+            <a:fillRect/>
+          </a:stretch>
+        </p:blipFill>
+        <p:spPr>
           <a:xfrm>
-            <a:off x="7763398" y="4470230"/>
-            <a:ext cx="3975928" cy="408596"/>
+            <a:off x="6640181" y="4336231"/>
+            <a:ext cx="4767700" cy="2312572"/>
           </a:xfrm>
-          <a:prstGeom prst="wedgeRoundRectCallout">
-            <a:avLst>
-              <a:gd name="adj1" fmla="val -55690"/>
-              <a:gd name="adj2" fmla="val 198140"/>
-              <a:gd name="adj3" fmla="val 16667"/>
-            </a:avLst>
+          <a:prstGeom prst="rect">
+            <a:avLst/>
           </a:prstGeom>
-          <a:solidFill>
-            <a:schemeClr val="dk2">
-              <a:alpha val="80000"/>
-            </a:schemeClr>
-          </a:solidFill>
-          <a:ln w="19050">
+          <a:ln>
             <a:solidFill>
-              <a:schemeClr val="tx1">
+              <a:schemeClr val="bg2">
                 <a:lumMod val="75000"/>
-                <a:alpha val="80000"/>
               </a:schemeClr>
             </a:solidFill>
           </a:ln>
-          <a:effectLst/>
         </p:spPr>
-        <p:style>
-          <a:lnRef idx="2">
-            <a:schemeClr val="accent1">
-              <a:shade val="50000"/>
-            </a:schemeClr>
-          </a:lnRef>
-          <a:fillRef idx="1001">
-            <a:schemeClr val="dk2"/>
-          </a:fillRef>
-          <a:effectRef idx="0">
-            <a:schemeClr val="accent1"/>
-          </a:effectRef>
-          <a:fontRef idx="minor">
-            <a:schemeClr val="lt1"/>
-          </a:fontRef>
-        </p:style>
-        <p:txBody>
-          <a:bodyPr rot="0" spcFirstLastPara="0" vertOverflow="overflow" horzOverflow="overflow" vert="horz" wrap="square" lIns="91416" tIns="45708" rIns="91416" bIns="45708" numCol="1" spcCol="0" rtlCol="0" fromWordArt="0" anchor="ctr" anchorCtr="0" forceAA="0" compatLnSpc="1">
-            <a:prstTxWarp prst="textNoShape">
-              <a:avLst/>
-            </a:prstTxWarp>
-            <a:spAutoFit/>
-          </a:bodyPr>
-          <a:lstStyle/>
-          <a:p>
-            <a:pPr algn="ctr" eaLnBrk="0" hangingPunct="0"/>
-            <a:r>
-              <a:rPr lang="bg-BG" b="1" noProof="1">
-                <a:solidFill>
-                  <a:schemeClr val="bg2"/>
-                </a:solidFill>
-              </a:rPr>
-              <a:t>Зареждаме </a:t>
-            </a:r>
-            <a:r>
-              <a:rPr lang="bg-BG" b="1" noProof="1">
-                <a:solidFill>
-                  <a:schemeClr val="accent1">
-                    <a:lumMod val="60000"/>
-                    <a:lumOff val="40000"/>
-                  </a:schemeClr>
-                </a:solidFill>
-              </a:rPr>
-              <a:t>формата за регистрация</a:t>
-            </a:r>
-            <a:endParaRPr lang="en-US" b="1" noProof="1">
-              <a:solidFill>
-                <a:schemeClr val="accent1">
-                  <a:lumMod val="60000"/>
-                  <a:lumOff val="40000"/>
-                </a:schemeClr>
-              </a:solidFill>
-            </a:endParaRPr>
-          </a:p>
-        </p:txBody>
-      </p:sp>
+      </p:pic>
     </p:spTree>
     <p:extLst>
       <p:ext uri="{BB962C8B-B14F-4D97-AF65-F5344CB8AC3E}">
@@ -18789,7 +18794,7 @@
                             </p:stCondLst>
                             <p:childTnLst>
                               <p:par>
-                                <p:cTn id="5" presetID="1" presetClass="entr" presetSubtype="0" fill="hold" grpId="0" nodeType="clickEffect">
+                                <p:cTn id="5" presetID="1" presetClass="entr" presetSubtype="0" fill="hold" nodeType="clickEffect">
                                   <p:stCondLst>
                                     <p:cond delay="0"/>
                                   </p:stCondLst>
@@ -18802,7 +18807,11 @@
                                           </p:stCondLst>
                                         </p:cTn>
                                         <p:tgtEl>
-                                          <p:spTgt spid="11"/>
+                                          <p:spTgt spid="3">
+                                            <p:txEl>
+                                              <p:pRg st="0" end="0"/>
+                                            </p:txEl>
+                                          </p:spTgt>
                                         </p:tgtEl>
                                         <p:attrNameLst>
                                           <p:attrName>style.visibility</p:attrName>
@@ -18891,14 +18900,731 @@
         </p:cTn>
       </p:par>
     </p:tnLst>
+  </p:timing>
+</p:sld>
+</file>
+
+<file path=ppt/slides/slide25.xml><?xml version="1.0" encoding="utf-8"?>
+<p:sld xmlns:a="http://schemas.openxmlformats.org/drawingml/2006/main" xmlns:r="http://schemas.openxmlformats.org/officeDocument/2006/relationships" xmlns:p="http://schemas.openxmlformats.org/presentationml/2006/main">
+  <p:cSld>
+    <p:spTree>
+      <p:nvGrpSpPr>
+        <p:cNvPr id="1" name=""/>
+        <p:cNvGrpSpPr/>
+        <p:nvPr/>
+      </p:nvGrpSpPr>
+      <p:grpSpPr>
+        <a:xfrm>
+          <a:off x="0" y="0"/>
+          <a:ext cx="0" cy="0"/>
+          <a:chOff x="0" y="0"/>
+          <a:chExt cx="0" cy="0"/>
+        </a:xfrm>
+      </p:grpSpPr>
+      <p:sp>
+        <p:nvSpPr>
+          <p:cNvPr id="2" name="Slide Number Placeholder 1">
+            <a:extLst>
+              <a:ext uri="{FF2B5EF4-FFF2-40B4-BE49-F238E27FC236}">
+                <a16:creationId xmlns:a16="http://schemas.microsoft.com/office/drawing/2014/main" id="{15C62D3F-2A0E-6261-53FC-10417795E54F}"/>
+              </a:ext>
+            </a:extLst>
+          </p:cNvPr>
+          <p:cNvSpPr>
+            <a:spLocks noGrp="1"/>
+          </p:cNvSpPr>
+          <p:nvPr>
+            <p:ph type="sldNum" sz="quarter" idx="5"/>
+          </p:nvPr>
+        </p:nvSpPr>
+        <p:spPr/>
+        <p:txBody>
+          <a:bodyPr/>
+          <a:lstStyle/>
+          <a:p>
+            <a:fld id="{2BF067CD-8E6B-4360-9AA8-C5DF2A48A6D1}" type="slidenum">
+              <a:rPr lang="en-US" noProof="0" smtClean="0"/>
+              <a:pPr/>
+              <a:t>25</a:t>
+            </a:fld>
+            <a:endParaRPr lang="en-US" noProof="0" dirty="0"/>
+          </a:p>
+        </p:txBody>
+      </p:sp>
+      <p:sp>
+        <p:nvSpPr>
+          <p:cNvPr id="4" name="Title 3">
+            <a:extLst>
+              <a:ext uri="{FF2B5EF4-FFF2-40B4-BE49-F238E27FC236}">
+                <a16:creationId xmlns:a16="http://schemas.microsoft.com/office/drawing/2014/main" id="{81D9DC57-A5F9-EE95-FC95-3531D1E74C5B}"/>
+              </a:ext>
+            </a:extLst>
+          </p:cNvPr>
+          <p:cNvSpPr>
+            <a:spLocks noGrp="1"/>
+          </p:cNvSpPr>
+          <p:nvPr>
+            <p:ph type="title"/>
+          </p:nvPr>
+        </p:nvSpPr>
+        <p:spPr/>
+        <p:txBody>
+          <a:bodyPr/>
+          <a:lstStyle/>
+          <a:p>
+            <a:r>
+              <a:rPr lang="bg-BG" dirty="0"/>
+              <a:t>Отваряне на формата</a:t>
+            </a:r>
+            <a:r>
+              <a:rPr lang="en-US" dirty="0"/>
+              <a:t> </a:t>
+            </a:r>
+            <a:r>
+              <a:rPr lang="bg-BG" dirty="0"/>
+              <a:t>за регистрация (</a:t>
+            </a:r>
+            <a:r>
+              <a:rPr lang="en-US" dirty="0"/>
+              <a:t>2)</a:t>
+            </a:r>
+            <a:endParaRPr lang="en-BG" dirty="0"/>
+          </a:p>
+        </p:txBody>
+      </p:sp>
+      <p:sp>
+        <p:nvSpPr>
+          <p:cNvPr id="6" name="Text Placeholder 4">
+            <a:extLst>
+              <a:ext uri="{FF2B5EF4-FFF2-40B4-BE49-F238E27FC236}">
+                <a16:creationId xmlns:a16="http://schemas.microsoft.com/office/drawing/2014/main" id="{B1AA5AA0-86CF-D154-F843-064C5174567E}"/>
+              </a:ext>
+            </a:extLst>
+          </p:cNvPr>
+          <p:cNvSpPr txBox="1">
+            <a:spLocks/>
+          </p:cNvSpPr>
+          <p:nvPr/>
+        </p:nvSpPr>
+        <p:spPr>
+          <a:xfrm>
+            <a:off x="193844" y="1269000"/>
+            <a:ext cx="11562624" cy="5078313"/>
+          </a:xfrm>
+          <a:prstGeom prst="rect">
+            <a:avLst/>
+          </a:prstGeom>
+          <a:solidFill>
+            <a:schemeClr val="accent5">
+              <a:lumMod val="40000"/>
+              <a:lumOff val="60000"/>
+              <a:alpha val="15000"/>
+            </a:schemeClr>
+          </a:solidFill>
+          <a:ln w="12700">
+            <a:solidFill>
+              <a:schemeClr val="accent5">
+                <a:lumMod val="60000"/>
+                <a:lumOff val="40000"/>
+              </a:schemeClr>
+            </a:solidFill>
+          </a:ln>
+        </p:spPr>
+        <p:txBody>
+          <a:bodyPr wrap="square">
+            <a:spAutoFit/>
+          </a:bodyPr>
+          <a:lstStyle/>
+          <a:p>
+            <a:r>
+              <a:rPr lang="en-GB" b="1" dirty="0">
+                <a:effectLst/>
+                <a:latin typeface="Consolas" panose="020B0609020204030204" pitchFamily="49" charset="0"/>
+                <a:cs typeface="Consolas" panose="020B0609020204030204" pitchFamily="49" charset="0"/>
+              </a:rPr>
+              <a:t> private void </a:t>
+            </a:r>
+            <a:r>
+              <a:rPr lang="en-GB" b="1" dirty="0">
+                <a:solidFill>
+                  <a:schemeClr val="bg1"/>
+                </a:solidFill>
+                <a:effectLst/>
+                <a:latin typeface="Consolas" panose="020B0609020204030204" pitchFamily="49" charset="0"/>
+                <a:cs typeface="Consolas" panose="020B0609020204030204" pitchFamily="49" charset="0"/>
+              </a:rPr>
+              <a:t>buttonRegister_Click</a:t>
+            </a:r>
+            <a:r>
+              <a:rPr lang="en-GB" b="1" dirty="0">
+                <a:effectLst/>
+                <a:latin typeface="Consolas" panose="020B0609020204030204" pitchFamily="49" charset="0"/>
+                <a:cs typeface="Consolas" panose="020B0609020204030204" pitchFamily="49" charset="0"/>
+              </a:rPr>
+              <a:t>(object sender, EventArgs e)</a:t>
+            </a:r>
+          </a:p>
+          <a:p>
+            <a:r>
+              <a:rPr lang="en-GB" b="1" dirty="0">
+                <a:effectLst/>
+                <a:latin typeface="Consolas" panose="020B0609020204030204" pitchFamily="49" charset="0"/>
+                <a:cs typeface="Consolas" panose="020B0609020204030204" pitchFamily="49" charset="0"/>
+              </a:rPr>
+              <a:t> {</a:t>
+            </a:r>
+          </a:p>
+          <a:p>
+            <a:r>
+              <a:rPr lang="en-GB" b="1" dirty="0">
+                <a:effectLst/>
+                <a:latin typeface="Consolas" panose="020B0609020204030204" pitchFamily="49" charset="0"/>
+                <a:cs typeface="Consolas" panose="020B0609020204030204" pitchFamily="49" charset="0"/>
+              </a:rPr>
+              <a:t>     using (var dbContext = new HospitalDbContext())</a:t>
+            </a:r>
+          </a:p>
+          <a:p>
+            <a:r>
+              <a:rPr lang="en-GB" b="1" dirty="0">
+                <a:effectLst/>
+                <a:latin typeface="Consolas" panose="020B0609020204030204" pitchFamily="49" charset="0"/>
+                <a:cs typeface="Consolas" panose="020B0609020204030204" pitchFamily="49" charset="0"/>
+              </a:rPr>
+              <a:t>     {</a:t>
+            </a:r>
+          </a:p>
+          <a:p>
+            <a:r>
+              <a:rPr lang="en-GB" b="1" dirty="0">
+                <a:effectLst/>
+                <a:latin typeface="Consolas" panose="020B0609020204030204" pitchFamily="49" charset="0"/>
+                <a:cs typeface="Consolas" panose="020B0609020204030204" pitchFamily="49" charset="0"/>
+              </a:rPr>
+              <a:t>         var </a:t>
+            </a:r>
+            <a:r>
+              <a:rPr lang="en-GB" b="1" dirty="0">
+                <a:solidFill>
+                  <a:schemeClr val="bg1"/>
+                </a:solidFill>
+                <a:effectLst/>
+                <a:latin typeface="Consolas" panose="020B0609020204030204" pitchFamily="49" charset="0"/>
+                <a:cs typeface="Consolas" panose="020B0609020204030204" pitchFamily="49" charset="0"/>
+              </a:rPr>
+              <a:t>hasAdmin</a:t>
+            </a:r>
+            <a:r>
+              <a:rPr lang="en-GB" b="1" dirty="0">
+                <a:effectLst/>
+                <a:latin typeface="Consolas" panose="020B0609020204030204" pitchFamily="49" charset="0"/>
+                <a:cs typeface="Consolas" panose="020B0609020204030204" pitchFamily="49" charset="0"/>
+              </a:rPr>
+              <a:t> = dbContext.</a:t>
+            </a:r>
+            <a:r>
+              <a:rPr lang="en-GB" b="1" dirty="0">
+                <a:solidFill>
+                  <a:schemeClr val="bg1"/>
+                </a:solidFill>
+                <a:effectLst/>
+                <a:latin typeface="Consolas" panose="020B0609020204030204" pitchFamily="49" charset="0"/>
+                <a:cs typeface="Consolas" panose="020B0609020204030204" pitchFamily="49" charset="0"/>
+              </a:rPr>
+              <a:t>Administrators</a:t>
+            </a:r>
+            <a:r>
+              <a:rPr lang="en-GB" b="1" dirty="0">
+                <a:effectLst/>
+                <a:latin typeface="Consolas" panose="020B0609020204030204" pitchFamily="49" charset="0"/>
+                <a:cs typeface="Consolas" panose="020B0609020204030204" pitchFamily="49" charset="0"/>
+              </a:rPr>
+              <a:t>.</a:t>
+            </a:r>
+            <a:r>
+              <a:rPr lang="en-GB" b="1" dirty="0">
+                <a:solidFill>
+                  <a:schemeClr val="bg1"/>
+                </a:solidFill>
+                <a:effectLst/>
+                <a:latin typeface="Consolas" panose="020B0609020204030204" pitchFamily="49" charset="0"/>
+                <a:cs typeface="Consolas" panose="020B0609020204030204" pitchFamily="49" charset="0"/>
+              </a:rPr>
+              <a:t>Any</a:t>
+            </a:r>
+            <a:r>
+              <a:rPr lang="en-GB" b="1" dirty="0">
+                <a:effectLst/>
+                <a:latin typeface="Consolas" panose="020B0609020204030204" pitchFamily="49" charset="0"/>
+                <a:cs typeface="Consolas" panose="020B0609020204030204" pitchFamily="49" charset="0"/>
+              </a:rPr>
+              <a:t>();</a:t>
+            </a:r>
+          </a:p>
+          <a:p>
+            <a:endParaRPr lang="en-GB" b="1" dirty="0">
+              <a:effectLst/>
+              <a:latin typeface="Consolas" panose="020B0609020204030204" pitchFamily="49" charset="0"/>
+              <a:cs typeface="Consolas" panose="020B0609020204030204" pitchFamily="49" charset="0"/>
+            </a:endParaRPr>
+          </a:p>
+          <a:p>
+            <a:r>
+              <a:rPr lang="en-GB" b="1" dirty="0">
+                <a:effectLst/>
+                <a:latin typeface="Consolas" panose="020B0609020204030204" pitchFamily="49" charset="0"/>
+                <a:cs typeface="Consolas" panose="020B0609020204030204" pitchFamily="49" charset="0"/>
+              </a:rPr>
+              <a:t>         if (</a:t>
+            </a:r>
+            <a:r>
+              <a:rPr lang="en-GB" b="1" dirty="0">
+                <a:solidFill>
+                  <a:schemeClr val="bg1"/>
+                </a:solidFill>
+                <a:effectLst/>
+                <a:latin typeface="Consolas" panose="020B0609020204030204" pitchFamily="49" charset="0"/>
+                <a:cs typeface="Consolas" panose="020B0609020204030204" pitchFamily="49" charset="0"/>
+              </a:rPr>
+              <a:t>hasAdmin</a:t>
+            </a:r>
+            <a:r>
+              <a:rPr lang="en-GB" b="1" dirty="0">
+                <a:effectLst/>
+                <a:latin typeface="Consolas" panose="020B0609020204030204" pitchFamily="49" charset="0"/>
+                <a:cs typeface="Consolas" panose="020B0609020204030204" pitchFamily="49" charset="0"/>
+              </a:rPr>
+              <a:t>)</a:t>
+            </a:r>
+          </a:p>
+          <a:p>
+            <a:r>
+              <a:rPr lang="en-GB" b="1" dirty="0">
+                <a:effectLst/>
+                <a:latin typeface="Consolas" panose="020B0609020204030204" pitchFamily="49" charset="0"/>
+                <a:cs typeface="Consolas" panose="020B0609020204030204" pitchFamily="49" charset="0"/>
+              </a:rPr>
+              <a:t>         {</a:t>
+            </a:r>
+          </a:p>
+          <a:p>
+            <a:r>
+              <a:rPr lang="en-GB" b="1" dirty="0">
+                <a:effectLst/>
+                <a:latin typeface="Consolas" panose="020B0609020204030204" pitchFamily="49" charset="0"/>
+                <a:cs typeface="Consolas" panose="020B0609020204030204" pitchFamily="49" charset="0"/>
+              </a:rPr>
+              <a:t>             </a:t>
+            </a:r>
+            <a:r>
+              <a:rPr lang="en-GB" b="1" dirty="0">
+                <a:solidFill>
+                  <a:schemeClr val="accent2"/>
+                </a:solidFill>
+                <a:effectLst/>
+                <a:latin typeface="Consolas" panose="020B0609020204030204" pitchFamily="49" charset="0"/>
+                <a:cs typeface="Consolas" panose="020B0609020204030204" pitchFamily="49" charset="0"/>
+              </a:rPr>
+              <a:t>// </a:t>
+            </a:r>
+            <a:r>
+              <a:rPr lang="bg-BG" b="1" dirty="0">
+                <a:solidFill>
+                  <a:schemeClr val="accent2"/>
+                </a:solidFill>
+                <a:effectLst/>
+                <a:latin typeface="Consolas" panose="020B0609020204030204" pitchFamily="49" charset="0"/>
+                <a:cs typeface="Consolas" panose="020B0609020204030204" pitchFamily="49" charset="0"/>
+              </a:rPr>
+              <a:t>Вече има регистриран админ</a:t>
+            </a:r>
+          </a:p>
+          <a:p>
+            <a:r>
+              <a:rPr lang="bg-BG" b="1" dirty="0">
+                <a:effectLst/>
+                <a:latin typeface="Consolas" panose="020B0609020204030204" pitchFamily="49" charset="0"/>
+                <a:cs typeface="Consolas" panose="020B0609020204030204" pitchFamily="49" charset="0"/>
+              </a:rPr>
+              <a:t>             </a:t>
+            </a:r>
+            <a:r>
+              <a:rPr lang="en-GB" b="1" dirty="0">
+                <a:effectLst/>
+                <a:latin typeface="Consolas" panose="020B0609020204030204" pitchFamily="49" charset="0"/>
+                <a:cs typeface="Consolas" panose="020B0609020204030204" pitchFamily="49" charset="0"/>
+              </a:rPr>
+              <a:t>MessageBox.Show("</a:t>
+            </a:r>
+            <a:r>
+              <a:rPr lang="bg-BG" b="1" dirty="0">
+                <a:effectLst/>
+                <a:latin typeface="Consolas" panose="020B0609020204030204" pitchFamily="49" charset="0"/>
+                <a:cs typeface="Consolas" panose="020B0609020204030204" pitchFamily="49" charset="0"/>
+              </a:rPr>
+              <a:t>Вече има админ, не може да регистрирате втори.", "Грешка",</a:t>
+            </a:r>
+          </a:p>
+          <a:p>
+            <a:r>
+              <a:rPr lang="bg-BG" b="1" dirty="0">
+                <a:effectLst/>
+                <a:latin typeface="Consolas" panose="020B0609020204030204" pitchFamily="49" charset="0"/>
+                <a:cs typeface="Consolas" panose="020B0609020204030204" pitchFamily="49" charset="0"/>
+              </a:rPr>
+              <a:t>             </a:t>
+            </a:r>
+            <a:r>
+              <a:rPr lang="en-GB" b="1" dirty="0">
+                <a:effectLst/>
+                <a:latin typeface="Consolas" panose="020B0609020204030204" pitchFamily="49" charset="0"/>
+                <a:cs typeface="Consolas" panose="020B0609020204030204" pitchFamily="49" charset="0"/>
+              </a:rPr>
+              <a:t>MessageBoxButtons.OK, MessageBoxIcon.Error);</a:t>
+            </a:r>
+          </a:p>
+          <a:p>
+            <a:r>
+              <a:rPr lang="en-GB" b="1" dirty="0">
+                <a:effectLst/>
+                <a:latin typeface="Consolas" panose="020B0609020204030204" pitchFamily="49" charset="0"/>
+                <a:cs typeface="Consolas" panose="020B0609020204030204" pitchFamily="49" charset="0"/>
+              </a:rPr>
+              <a:t>             return;</a:t>
+            </a:r>
+          </a:p>
+          <a:p>
+            <a:r>
+              <a:rPr lang="en-GB" b="1" dirty="0">
+                <a:effectLst/>
+                <a:latin typeface="Consolas" panose="020B0609020204030204" pitchFamily="49" charset="0"/>
+                <a:cs typeface="Consolas" panose="020B0609020204030204" pitchFamily="49" charset="0"/>
+              </a:rPr>
+              <a:t>         }</a:t>
+            </a:r>
+          </a:p>
+          <a:p>
+            <a:endParaRPr lang="en-GB" b="1" dirty="0">
+              <a:effectLst/>
+              <a:latin typeface="Consolas" panose="020B0609020204030204" pitchFamily="49" charset="0"/>
+              <a:cs typeface="Consolas" panose="020B0609020204030204" pitchFamily="49" charset="0"/>
+            </a:endParaRPr>
+          </a:p>
+          <a:p>
+            <a:r>
+              <a:rPr lang="en-GB" b="1" dirty="0">
+                <a:effectLst/>
+                <a:latin typeface="Consolas" panose="020B0609020204030204" pitchFamily="49" charset="0"/>
+                <a:cs typeface="Consolas" panose="020B0609020204030204" pitchFamily="49" charset="0"/>
+              </a:rPr>
+              <a:t>         var </a:t>
+            </a:r>
+            <a:r>
+              <a:rPr lang="en-GB" b="1" dirty="0">
+                <a:solidFill>
+                  <a:schemeClr val="bg1"/>
+                </a:solidFill>
+                <a:effectLst/>
+                <a:latin typeface="Consolas" panose="020B0609020204030204" pitchFamily="49" charset="0"/>
+                <a:cs typeface="Consolas" panose="020B0609020204030204" pitchFamily="49" charset="0"/>
+              </a:rPr>
+              <a:t>formRegistration</a:t>
+            </a:r>
+            <a:r>
+              <a:rPr lang="en-GB" b="1" dirty="0">
+                <a:effectLst/>
+                <a:latin typeface="Consolas" panose="020B0609020204030204" pitchFamily="49" charset="0"/>
+                <a:cs typeface="Consolas" panose="020B0609020204030204" pitchFamily="49" charset="0"/>
+              </a:rPr>
+              <a:t> = new </a:t>
+            </a:r>
+            <a:r>
+              <a:rPr lang="en-GB" b="1" dirty="0">
+                <a:solidFill>
+                  <a:schemeClr val="bg1"/>
+                </a:solidFill>
+                <a:effectLst/>
+                <a:latin typeface="Consolas" panose="020B0609020204030204" pitchFamily="49" charset="0"/>
+                <a:cs typeface="Consolas" panose="020B0609020204030204" pitchFamily="49" charset="0"/>
+              </a:rPr>
+              <a:t>FormRegistration</a:t>
+            </a:r>
+            <a:r>
+              <a:rPr lang="en-GB" b="1" dirty="0">
+                <a:effectLst/>
+                <a:latin typeface="Consolas" panose="020B0609020204030204" pitchFamily="49" charset="0"/>
+                <a:cs typeface="Consolas" panose="020B0609020204030204" pitchFamily="49" charset="0"/>
+              </a:rPr>
+              <a:t>();</a:t>
+            </a:r>
+          </a:p>
+          <a:p>
+            <a:r>
+              <a:rPr lang="en-GB" b="1" dirty="0">
+                <a:effectLst/>
+                <a:latin typeface="Consolas" panose="020B0609020204030204" pitchFamily="49" charset="0"/>
+                <a:cs typeface="Consolas" panose="020B0609020204030204" pitchFamily="49" charset="0"/>
+              </a:rPr>
+              <a:t>         </a:t>
+            </a:r>
+            <a:r>
+              <a:rPr lang="en-GB" b="1" dirty="0">
+                <a:solidFill>
+                  <a:schemeClr val="bg1"/>
+                </a:solidFill>
+                <a:effectLst/>
+                <a:latin typeface="Consolas" panose="020B0609020204030204" pitchFamily="49" charset="0"/>
+                <a:cs typeface="Consolas" panose="020B0609020204030204" pitchFamily="49" charset="0"/>
+              </a:rPr>
+              <a:t>formRegistration</a:t>
+            </a:r>
+            <a:r>
+              <a:rPr lang="en-GB" b="1" dirty="0">
+                <a:effectLst/>
+                <a:latin typeface="Consolas" panose="020B0609020204030204" pitchFamily="49" charset="0"/>
+                <a:cs typeface="Consolas" panose="020B0609020204030204" pitchFamily="49" charset="0"/>
+              </a:rPr>
+              <a:t>.</a:t>
+            </a:r>
+            <a:r>
+              <a:rPr lang="en-GB" b="1" dirty="0">
+                <a:solidFill>
+                  <a:schemeClr val="bg1"/>
+                </a:solidFill>
+                <a:effectLst/>
+                <a:latin typeface="Consolas" panose="020B0609020204030204" pitchFamily="49" charset="0"/>
+                <a:cs typeface="Consolas" panose="020B0609020204030204" pitchFamily="49" charset="0"/>
+              </a:rPr>
+              <a:t>ShowDialog</a:t>
+            </a:r>
+            <a:r>
+              <a:rPr lang="en-GB" b="1" dirty="0">
+                <a:effectLst/>
+                <a:latin typeface="Consolas" panose="020B0609020204030204" pitchFamily="49" charset="0"/>
+                <a:cs typeface="Consolas" panose="020B0609020204030204" pitchFamily="49" charset="0"/>
+              </a:rPr>
+              <a:t>();</a:t>
+            </a:r>
+          </a:p>
+          <a:p>
+            <a:r>
+              <a:rPr lang="en-GB" b="1" dirty="0">
+                <a:effectLst/>
+                <a:latin typeface="Consolas" panose="020B0609020204030204" pitchFamily="49" charset="0"/>
+                <a:cs typeface="Consolas" panose="020B0609020204030204" pitchFamily="49" charset="0"/>
+              </a:rPr>
+              <a:t>     }</a:t>
+            </a:r>
+          </a:p>
+          <a:p>
+            <a:r>
+              <a:rPr lang="en-GB" b="1" dirty="0">
+                <a:effectLst/>
+                <a:latin typeface="Consolas" panose="020B0609020204030204" pitchFamily="49" charset="0"/>
+                <a:cs typeface="Consolas" panose="020B0609020204030204" pitchFamily="49" charset="0"/>
+              </a:rPr>
+              <a:t> }</a:t>
+            </a:r>
+          </a:p>
+        </p:txBody>
+      </p:sp>
+      <p:sp>
+        <p:nvSpPr>
+          <p:cNvPr id="5" name="AutoShape 7">
+            <a:extLst>
+              <a:ext uri="{FF2B5EF4-FFF2-40B4-BE49-F238E27FC236}">
+                <a16:creationId xmlns:a16="http://schemas.microsoft.com/office/drawing/2014/main" id="{9D4FE241-0735-E597-257D-B1FFD2C3A5B7}"/>
+              </a:ext>
+            </a:extLst>
+          </p:cNvPr>
+          <p:cNvSpPr>
+            <a:spLocks noChangeArrowheads="1"/>
+          </p:cNvSpPr>
+          <p:nvPr/>
+        </p:nvSpPr>
+        <p:spPr bwMode="auto">
+          <a:xfrm>
+            <a:off x="7534193" y="4509000"/>
+            <a:ext cx="4397030" cy="442648"/>
+          </a:xfrm>
+          <a:prstGeom prst="wedgeRoundRectCallout">
+            <a:avLst>
+              <a:gd name="adj1" fmla="val -64964"/>
+              <a:gd name="adj2" fmla="val 175808"/>
+              <a:gd name="adj3" fmla="val 16667"/>
+            </a:avLst>
+          </a:prstGeom>
+          <a:solidFill>
+            <a:schemeClr val="dk2">
+              <a:alpha val="80000"/>
+            </a:schemeClr>
+          </a:solidFill>
+          <a:ln w="19050">
+            <a:solidFill>
+              <a:schemeClr val="tx1">
+                <a:lumMod val="75000"/>
+                <a:alpha val="80000"/>
+              </a:schemeClr>
+            </a:solidFill>
+          </a:ln>
+          <a:effectLst/>
+        </p:spPr>
+        <p:style>
+          <a:lnRef idx="2">
+            <a:schemeClr val="accent1">
+              <a:shade val="50000"/>
+            </a:schemeClr>
+          </a:lnRef>
+          <a:fillRef idx="1001">
+            <a:schemeClr val="dk2"/>
+          </a:fillRef>
+          <a:effectRef idx="0">
+            <a:schemeClr val="accent1"/>
+          </a:effectRef>
+          <a:fontRef idx="minor">
+            <a:schemeClr val="lt1"/>
+          </a:fontRef>
+        </p:style>
+        <p:txBody>
+          <a:bodyPr rot="0" spcFirstLastPara="0" vertOverflow="overflow" horzOverflow="overflow" vert="horz" wrap="square" lIns="91416" tIns="45708" rIns="91416" bIns="45708" numCol="1" spcCol="0" rtlCol="0" fromWordArt="0" anchor="ctr" anchorCtr="0" forceAA="0" compatLnSpc="1">
+            <a:prstTxWarp prst="textNoShape">
+              <a:avLst/>
+            </a:prstTxWarp>
+            <a:spAutoFit/>
+          </a:bodyPr>
+          <a:lstStyle/>
+          <a:p>
+            <a:pPr algn="ctr" eaLnBrk="0" hangingPunct="0"/>
+            <a:r>
+              <a:rPr lang="bg-BG" sz="2000" b="1" noProof="1">
+                <a:solidFill>
+                  <a:schemeClr val="bg2"/>
+                </a:solidFill>
+              </a:rPr>
+              <a:t>Зареждаме </a:t>
+            </a:r>
+            <a:r>
+              <a:rPr lang="bg-BG" sz="2000" b="1" noProof="1">
+                <a:solidFill>
+                  <a:schemeClr val="accent1">
+                    <a:lumMod val="60000"/>
+                    <a:lumOff val="40000"/>
+                  </a:schemeClr>
+                </a:solidFill>
+              </a:rPr>
+              <a:t>формата за регистрация</a:t>
+            </a:r>
+            <a:endParaRPr lang="en-US" sz="2000" b="1" noProof="1">
+              <a:solidFill>
+                <a:schemeClr val="accent1">
+                  <a:lumMod val="60000"/>
+                  <a:lumOff val="40000"/>
+                </a:schemeClr>
+              </a:solidFill>
+            </a:endParaRPr>
+          </a:p>
+        </p:txBody>
+      </p:sp>
+    </p:spTree>
+    <p:extLst>
+      <p:ext uri="{BB962C8B-B14F-4D97-AF65-F5344CB8AC3E}">
+        <p14:creationId xmlns:p14="http://schemas.microsoft.com/office/powerpoint/2010/main" val="3960268669"/>
+      </p:ext>
+    </p:extLst>
+  </p:cSld>
+  <p:clrMapOvr>
+    <a:masterClrMapping/>
+  </p:clrMapOvr>
+  <mc:AlternateContent xmlns:mc="http://schemas.openxmlformats.org/markup-compatibility/2006" xmlns:p14="http://schemas.microsoft.com/office/powerpoint/2010/main">
+    <mc:Choice Requires="p14">
+      <p:transition spd="slow" p14:dur="2000" advClick="0" advTm="5000"/>
+    </mc:Choice>
+    <mc:Fallback xmlns="">
+      <p:transition spd="slow" advClick="0" advTm="5000"/>
+    </mc:Fallback>
+  </mc:AlternateContent>
+  <p:timing>
+    <p:tnLst>
+      <p:par>
+        <p:cTn id="1" dur="indefinite" restart="never" nodeType="tmRoot">
+          <p:childTnLst>
+            <p:seq concurrent="1" nextAc="seek">
+              <p:cTn id="2" dur="indefinite" nodeType="mainSeq">
+                <p:childTnLst>
+                  <p:par>
+                    <p:cTn id="3" fill="hold">
+                      <p:stCondLst>
+                        <p:cond delay="indefinite"/>
+                      </p:stCondLst>
+                      <p:childTnLst>
+                        <p:par>
+                          <p:cTn id="4" fill="hold">
+                            <p:stCondLst>
+                              <p:cond delay="0"/>
+                            </p:stCondLst>
+                            <p:childTnLst>
+                              <p:par>
+                                <p:cTn id="5" presetID="1" presetClass="entr" presetSubtype="0" fill="hold" grpId="0" nodeType="clickEffect">
+                                  <p:stCondLst>
+                                    <p:cond delay="0"/>
+                                  </p:stCondLst>
+                                  <p:childTnLst>
+                                    <p:set>
+                                      <p:cBhvr>
+                                        <p:cTn id="6" dur="1" fill="hold">
+                                          <p:stCondLst>
+                                            <p:cond delay="0"/>
+                                          </p:stCondLst>
+                                        </p:cTn>
+                                        <p:tgtEl>
+                                          <p:spTgt spid="5"/>
+                                        </p:tgtEl>
+                                        <p:attrNameLst>
+                                          <p:attrName>style.visibility</p:attrName>
+                                        </p:attrNameLst>
+                                      </p:cBhvr>
+                                      <p:to>
+                                        <p:strVal val="visible"/>
+                                      </p:to>
+                                    </p:set>
+                                  </p:childTnLst>
+                                </p:cTn>
+                              </p:par>
+                            </p:childTnLst>
+                          </p:cTn>
+                        </p:par>
+                      </p:childTnLst>
+                    </p:cTn>
+                  </p:par>
+                </p:childTnLst>
+              </p:cTn>
+              <p:prevCondLst>
+                <p:cond evt="onPrev" delay="0">
+                  <p:tgtEl>
+                    <p:sldTgt/>
+                  </p:tgtEl>
+                </p:cond>
+              </p:prevCondLst>
+              <p:nextCondLst>
+                <p:cond evt="onNext" delay="0">
+                  <p:tgtEl>
+                    <p:sldTgt/>
+                  </p:tgtEl>
+                </p:cond>
+              </p:nextCondLst>
+            </p:seq>
+          </p:childTnLst>
+        </p:cTn>
+      </p:par>
+    </p:tnLst>
     <p:bldLst>
-      <p:bldP spid="11" grpId="0" animBg="1"/>
+      <p:bldP spid="5" grpId="0" animBg="1"/>
     </p:bldLst>
   </p:timing>
 </p:sld>
 </file>
 
-<file path=ppt/slides/slide25.xml><?xml version="1.0" encoding="utf-8"?>
+<file path=ppt/slides/slide26.xml><?xml version="1.0" encoding="utf-8"?>
 <p:sld xmlns:a="http://schemas.openxmlformats.org/drawingml/2006/main" xmlns:r="http://schemas.openxmlformats.org/officeDocument/2006/relationships" xmlns:p="http://schemas.openxmlformats.org/presentationml/2006/main">
   <p:cSld>
     <p:spTree>
@@ -18939,9 +19665,50 @@
             <a:fld id="{2BF067CD-8E6B-4360-9AA8-C5DF2A48A6D1}" type="slidenum">
               <a:rPr lang="en-US" noProof="0" smtClean="0"/>
               <a:pPr/>
-              <a:t>25</a:t>
+              <a:t>26</a:t>
             </a:fld>
             <a:endParaRPr lang="en-US" noProof="0" dirty="0"/>
+          </a:p>
+        </p:txBody>
+      </p:sp>
+      <p:sp>
+        <p:nvSpPr>
+          <p:cNvPr id="10" name="Text Placeholder 9">
+            <a:extLst>
+              <a:ext uri="{FF2B5EF4-FFF2-40B4-BE49-F238E27FC236}">
+                <a16:creationId xmlns:a16="http://schemas.microsoft.com/office/drawing/2014/main" id="{A5D4E05F-6521-07B5-8DB8-0A607D39111F}"/>
+              </a:ext>
+            </a:extLst>
+          </p:cNvPr>
+          <p:cNvSpPr>
+            <a:spLocks noGrp="1"/>
+          </p:cNvSpPr>
+          <p:nvPr>
+            <p:ph type="body" sz="quarter" idx="10"/>
+          </p:nvPr>
+        </p:nvSpPr>
+        <p:spPr/>
+        <p:txBody>
+          <a:bodyPr/>
+          <a:lstStyle/>
+          <a:p>
+            <a:r>
+              <a:rPr lang="bg-BG" sz="3600" dirty="0"/>
+              <a:t>Регистрираме </a:t>
+            </a:r>
+            <a:r>
+              <a:rPr lang="bg-BG" sz="3600" b="1" dirty="0">
+                <a:solidFill>
+                  <a:schemeClr val="bg1"/>
+                </a:solidFill>
+              </a:rPr>
+              <a:t>администратор</a:t>
+            </a:r>
+            <a:endParaRPr lang="en-BG" sz="3600" b="1" dirty="0">
+              <a:solidFill>
+                <a:schemeClr val="bg1"/>
+              </a:solidFill>
+            </a:endParaRPr>
           </a:p>
         </p:txBody>
       </p:sp>
@@ -19351,364 +20118,6 @@
 </p:sld>
 </file>
 
-<file path=ppt/slides/slide26.xml><?xml version="1.0" encoding="utf-8"?>
-<p:sld xmlns:a="http://schemas.openxmlformats.org/drawingml/2006/main" xmlns:r="http://schemas.openxmlformats.org/officeDocument/2006/relationships" xmlns:p="http://schemas.openxmlformats.org/presentationml/2006/main">
-  <p:cSld>
-    <p:spTree>
-      <p:nvGrpSpPr>
-        <p:cNvPr id="1" name=""/>
-        <p:cNvGrpSpPr/>
-        <p:nvPr/>
-      </p:nvGrpSpPr>
-      <p:grpSpPr>
-        <a:xfrm>
-          <a:off x="0" y="0"/>
-          <a:ext cx="0" cy="0"/>
-          <a:chOff x="0" y="0"/>
-          <a:chExt cx="0" cy="0"/>
-        </a:xfrm>
-      </p:grpSpPr>
-      <p:sp>
-        <p:nvSpPr>
-          <p:cNvPr id="2" name="Slide Number Placeholder 1">
-            <a:extLst>
-              <a:ext uri="{FF2B5EF4-FFF2-40B4-BE49-F238E27FC236}">
-                <a16:creationId xmlns:a16="http://schemas.microsoft.com/office/drawing/2014/main" id="{A9468868-378B-0831-136A-F55DBA9BBAA1}"/>
-              </a:ext>
-            </a:extLst>
-          </p:cNvPr>
-          <p:cNvSpPr>
-            <a:spLocks noGrp="1"/>
-          </p:cNvSpPr>
-          <p:nvPr>
-            <p:ph type="sldNum" sz="quarter" idx="5"/>
-          </p:nvPr>
-        </p:nvSpPr>
-        <p:spPr/>
-        <p:txBody>
-          <a:bodyPr/>
-          <a:lstStyle/>
-          <a:p>
-            <a:fld id="{2BF067CD-8E6B-4360-9AA8-C5DF2A48A6D1}" type="slidenum">
-              <a:rPr lang="en-US" noProof="0" smtClean="0"/>
-              <a:pPr/>
-              <a:t>26</a:t>
-            </a:fld>
-            <a:endParaRPr lang="en-US" noProof="0" dirty="0"/>
-          </a:p>
-        </p:txBody>
-      </p:sp>
-      <p:sp>
-        <p:nvSpPr>
-          <p:cNvPr id="3" name="Text Placeholder 2">
-            <a:extLst>
-              <a:ext uri="{FF2B5EF4-FFF2-40B4-BE49-F238E27FC236}">
-                <a16:creationId xmlns:a16="http://schemas.microsoft.com/office/drawing/2014/main" id="{DD5DAFFA-ADC1-048F-CF30-607571BFDF10}"/>
-              </a:ext>
-            </a:extLst>
-          </p:cNvPr>
-          <p:cNvSpPr>
-            <a:spLocks noGrp="1"/>
-          </p:cNvSpPr>
-          <p:nvPr>
-            <p:ph type="body" sz="quarter" idx="10"/>
-          </p:nvPr>
-        </p:nvSpPr>
-        <p:spPr/>
-        <p:txBody>
-          <a:bodyPr>
-            <a:normAutofit/>
-          </a:bodyPr>
-          <a:lstStyle/>
-          <a:p>
-            <a:r>
-              <a:rPr lang="bg-BG" sz="2800" dirty="0"/>
-              <a:t>Връщаме да се отваря </a:t>
-            </a:r>
-            <a:r>
-              <a:rPr lang="bg-BG" sz="2800" b="1" dirty="0"/>
-              <a:t>формата за вход </a:t>
-            </a:r>
-            <a:r>
-              <a:rPr lang="bg-BG" sz="2800" dirty="0"/>
-              <a:t>при</a:t>
-            </a:r>
-            <a:r>
-              <a:rPr lang="bg-BG" sz="2800" b="1" dirty="0"/>
-              <a:t> пускане на приложението</a:t>
-            </a:r>
-            <a:endParaRPr lang="en-BG" sz="2800" dirty="0"/>
-          </a:p>
-        </p:txBody>
-      </p:sp>
-      <p:sp>
-        <p:nvSpPr>
-          <p:cNvPr id="4" name="Title 3">
-            <a:extLst>
-              <a:ext uri="{FF2B5EF4-FFF2-40B4-BE49-F238E27FC236}">
-                <a16:creationId xmlns:a16="http://schemas.microsoft.com/office/drawing/2014/main" id="{D55632C4-93AF-818E-83C6-1E21E615CABD}"/>
-              </a:ext>
-            </a:extLst>
-          </p:cNvPr>
-          <p:cNvSpPr>
-            <a:spLocks noGrp="1"/>
-          </p:cNvSpPr>
-          <p:nvPr>
-            <p:ph type="title"/>
-          </p:nvPr>
-        </p:nvSpPr>
-        <p:spPr/>
-        <p:txBody>
-          <a:bodyPr/>
-          <a:lstStyle/>
-          <a:p>
-            <a:r>
-              <a:rPr lang="bg-BG" dirty="0"/>
-              <a:t>Връщане на формата за вход</a:t>
-            </a:r>
-            <a:endParaRPr lang="en-BG" dirty="0"/>
-          </a:p>
-        </p:txBody>
-      </p:sp>
-      <p:pic>
-        <p:nvPicPr>
-          <p:cNvPr id="6" name="Picture 5">
-            <a:extLst>
-              <a:ext uri="{FF2B5EF4-FFF2-40B4-BE49-F238E27FC236}">
-                <a16:creationId xmlns:a16="http://schemas.microsoft.com/office/drawing/2014/main" id="{C0559B77-69CA-AAC8-3A19-FBA0AE90F7F9}"/>
-              </a:ext>
-            </a:extLst>
-          </p:cNvPr>
-          <p:cNvPicPr>
-            <a:picLocks noChangeAspect="1"/>
-          </p:cNvPicPr>
-          <p:nvPr/>
-        </p:nvPicPr>
-        <p:blipFill>
-          <a:blip r:embed="rId2">
-            <a:extLst>
-              <a:ext uri="{28A0092B-C50C-407E-A947-70E740481C1C}">
-                <a14:useLocalDpi xmlns:a14="http://schemas.microsoft.com/office/drawing/2010/main" val="0"/>
-              </a:ext>
-            </a:extLst>
-          </a:blip>
-          <a:stretch>
-            <a:fillRect/>
-          </a:stretch>
-        </p:blipFill>
-        <p:spPr>
-          <a:xfrm>
-            <a:off x="2721000" y="2214000"/>
-            <a:ext cx="6358400" cy="3822922"/>
-          </a:xfrm>
-          <a:prstGeom prst="rect">
-            <a:avLst/>
-          </a:prstGeom>
-          <a:ln>
-            <a:solidFill>
-              <a:schemeClr val="bg2">
-                <a:lumMod val="75000"/>
-              </a:schemeClr>
-            </a:solidFill>
-          </a:ln>
-        </p:spPr>
-      </p:pic>
-      <p:sp>
-        <p:nvSpPr>
-          <p:cNvPr id="7" name="AutoShape 7">
-            <a:extLst>
-              <a:ext uri="{FF2B5EF4-FFF2-40B4-BE49-F238E27FC236}">
-                <a16:creationId xmlns:a16="http://schemas.microsoft.com/office/drawing/2014/main" id="{5E8E473A-811A-0FFC-FA18-FDED5BBA1FC1}"/>
-              </a:ext>
-            </a:extLst>
-          </p:cNvPr>
-          <p:cNvSpPr>
-            <a:spLocks noChangeArrowheads="1"/>
-          </p:cNvSpPr>
-          <p:nvPr/>
-        </p:nvSpPr>
-        <p:spPr bwMode="auto">
-          <a:xfrm>
-            <a:off x="7581302" y="3921163"/>
-            <a:ext cx="3975928" cy="408596"/>
-          </a:xfrm>
-          <a:prstGeom prst="wedgeRoundRectCallout">
-            <a:avLst>
-              <a:gd name="adj1" fmla="val -55690"/>
-              <a:gd name="adj2" fmla="val 198140"/>
-              <a:gd name="adj3" fmla="val 16667"/>
-            </a:avLst>
-          </a:prstGeom>
-          <a:solidFill>
-            <a:schemeClr val="dk2">
-              <a:alpha val="80000"/>
-            </a:schemeClr>
-          </a:solidFill>
-          <a:ln w="19050">
-            <a:solidFill>
-              <a:schemeClr val="tx1">
-                <a:lumMod val="75000"/>
-                <a:alpha val="80000"/>
-              </a:schemeClr>
-            </a:solidFill>
-          </a:ln>
-          <a:effectLst/>
-        </p:spPr>
-        <p:style>
-          <a:lnRef idx="2">
-            <a:schemeClr val="accent1">
-              <a:shade val="50000"/>
-            </a:schemeClr>
-          </a:lnRef>
-          <a:fillRef idx="1001">
-            <a:schemeClr val="dk2"/>
-          </a:fillRef>
-          <a:effectRef idx="0">
-            <a:schemeClr val="accent1"/>
-          </a:effectRef>
-          <a:fontRef idx="minor">
-            <a:schemeClr val="lt1"/>
-          </a:fontRef>
-        </p:style>
-        <p:txBody>
-          <a:bodyPr rot="0" spcFirstLastPara="0" vertOverflow="overflow" horzOverflow="overflow" vert="horz" wrap="square" lIns="91416" tIns="45708" rIns="91416" bIns="45708" numCol="1" spcCol="0" rtlCol="0" fromWordArt="0" anchor="ctr" anchorCtr="0" forceAA="0" compatLnSpc="1">
-            <a:prstTxWarp prst="textNoShape">
-              <a:avLst/>
-            </a:prstTxWarp>
-            <a:spAutoFit/>
-          </a:bodyPr>
-          <a:lstStyle/>
-          <a:p>
-            <a:pPr algn="ctr" eaLnBrk="0" hangingPunct="0"/>
-            <a:r>
-              <a:rPr lang="bg-BG" b="1" noProof="1">
-                <a:solidFill>
-                  <a:schemeClr val="bg2"/>
-                </a:solidFill>
-              </a:rPr>
-              <a:t>Зареждаме </a:t>
-            </a:r>
-            <a:r>
-              <a:rPr lang="bg-BG" b="1" noProof="1">
-                <a:solidFill>
-                  <a:schemeClr val="accent1">
-                    <a:lumMod val="60000"/>
-                    <a:lumOff val="40000"/>
-                  </a:schemeClr>
-                </a:solidFill>
-              </a:rPr>
-              <a:t>формата за вход</a:t>
-            </a:r>
-            <a:endParaRPr lang="en-US" b="1" noProof="1">
-              <a:solidFill>
-                <a:schemeClr val="accent1">
-                  <a:lumMod val="60000"/>
-                  <a:lumOff val="40000"/>
-                </a:schemeClr>
-              </a:solidFill>
-            </a:endParaRPr>
-          </a:p>
-        </p:txBody>
-      </p:sp>
-    </p:spTree>
-    <p:extLst>
-      <p:ext uri="{BB962C8B-B14F-4D97-AF65-F5344CB8AC3E}">
-        <p14:creationId xmlns:p14="http://schemas.microsoft.com/office/powerpoint/2010/main" val="4145945707"/>
-      </p:ext>
-    </p:extLst>
-  </p:cSld>
-  <p:clrMapOvr>
-    <a:masterClrMapping/>
-  </p:clrMapOvr>
-  <mc:AlternateContent xmlns:mc="http://schemas.openxmlformats.org/markup-compatibility/2006" xmlns:p14="http://schemas.microsoft.com/office/powerpoint/2010/main">
-    <mc:Choice Requires="p14">
-      <p:transition spd="slow" p14:dur="2000" advClick="0" advTm="5000"/>
-    </mc:Choice>
-    <mc:Fallback xmlns="">
-      <p:transition spd="slow" advClick="0" advTm="5000"/>
-    </mc:Fallback>
-  </mc:AlternateContent>
-  <p:timing>
-    <p:tnLst>
-      <p:par>
-        <p:cTn id="1" dur="indefinite" restart="never" nodeType="tmRoot">
-          <p:childTnLst>
-            <p:seq concurrent="1" nextAc="seek">
-              <p:cTn id="2" dur="indefinite" nodeType="mainSeq">
-                <p:childTnLst>
-                  <p:par>
-                    <p:cTn id="3" fill="hold">
-                      <p:stCondLst>
-                        <p:cond delay="indefinite"/>
-                      </p:stCondLst>
-                      <p:childTnLst>
-                        <p:par>
-                          <p:cTn id="4" fill="hold">
-                            <p:stCondLst>
-                              <p:cond delay="0"/>
-                            </p:stCondLst>
-                            <p:childTnLst>
-                              <p:par>
-                                <p:cTn id="5" presetID="1" presetClass="entr" presetSubtype="0" fill="hold" grpId="0" nodeType="clickEffect">
-                                  <p:stCondLst>
-                                    <p:cond delay="0"/>
-                                  </p:stCondLst>
-                                  <p:childTnLst>
-                                    <p:set>
-                                      <p:cBhvr>
-                                        <p:cTn id="6" dur="1" fill="hold">
-                                          <p:stCondLst>
-                                            <p:cond delay="0"/>
-                                          </p:stCondLst>
-                                        </p:cTn>
-                                        <p:tgtEl>
-                                          <p:spTgt spid="7"/>
-                                        </p:tgtEl>
-                                        <p:attrNameLst>
-                                          <p:attrName>style.visibility</p:attrName>
-                                        </p:attrNameLst>
-                                      </p:cBhvr>
-                                      <p:to>
-                                        <p:strVal val="visible"/>
-                                      </p:to>
-                                    </p:set>
-                                  </p:childTnLst>
-                                </p:cTn>
-                              </p:par>
-                            </p:childTnLst>
-                          </p:cTn>
-                        </p:par>
-                      </p:childTnLst>
-                    </p:cTn>
-                  </p:par>
-                </p:childTnLst>
-              </p:cTn>
-              <p:prevCondLst>
-                <p:cond evt="onPrev" delay="0">
-                  <p:tgtEl>
-                    <p:sldTgt/>
-                  </p:tgtEl>
-                </p:cond>
-              </p:prevCondLst>
-              <p:nextCondLst>
-                <p:cond evt="onNext" delay="0">
-                  <p:tgtEl>
-                    <p:sldTgt/>
-                  </p:tgtEl>
-                </p:cond>
-              </p:nextCondLst>
-            </p:seq>
-          </p:childTnLst>
-        </p:cTn>
-      </p:par>
-    </p:tnLst>
-    <p:bldLst>
-      <p:bldP spid="7" grpId="0" animBg="1"/>
-    </p:bldLst>
-  </p:timing>
-</p:sld>
-</file>
-
 <file path=ppt/slides/slide27.xml><?xml version="1.0" encoding="utf-8"?>
 <p:sld xmlns:a="http://schemas.openxmlformats.org/drawingml/2006/main" xmlns:r="http://schemas.openxmlformats.org/officeDocument/2006/relationships" xmlns:p="http://schemas.openxmlformats.org/presentationml/2006/main">
   <p:cSld>
@@ -19812,8 +20221,8 @@
         </p:blipFill>
         <p:spPr>
           <a:xfrm>
-            <a:off x="190406" y="2124000"/>
-            <a:ext cx="4318207" cy="3450115"/>
+            <a:off x="439918" y="1944000"/>
+            <a:ext cx="4068694" cy="3883754"/>
           </a:xfrm>
           <a:prstGeom prst="rect">
             <a:avLst/>

--- a/Courses/Software-Sciences/Module-4-Information-Systems-New/12-Implementation-of-Information-System/12-Implementation-of-Information-System-First-Part.pptx
+++ b/Courses/Software-Sciences/Module-4-Information-Systems-New/12-Implementation-of-Information-System/12-Implementation-of-Information-System-First-Part.pptx
@@ -5,10 +5,10 @@
     <p:sldMasterId id="2147483675" r:id="rId1"/>
   </p:sldMasterIdLst>
   <p:notesMasterIdLst>
-    <p:notesMasterId r:id="rId32"/>
+    <p:notesMasterId r:id="rId33"/>
   </p:notesMasterIdLst>
   <p:handoutMasterIdLst>
-    <p:handoutMasterId r:id="rId33"/>
+    <p:handoutMasterId r:id="rId34"/>
   </p:handoutMasterIdLst>
   <p:sldIdLst>
     <p:sldId id="503" r:id="rId2"/>
@@ -30,17 +30,18 @@
     <p:sldId id="737" r:id="rId18"/>
     <p:sldId id="735" r:id="rId19"/>
     <p:sldId id="743" r:id="rId20"/>
-    <p:sldId id="745" r:id="rId21"/>
-    <p:sldId id="741" r:id="rId22"/>
-    <p:sldId id="747" r:id="rId23"/>
-    <p:sldId id="746" r:id="rId24"/>
-    <p:sldId id="734" r:id="rId25"/>
-    <p:sldId id="748" r:id="rId26"/>
-    <p:sldId id="667" r:id="rId27"/>
-    <p:sldId id="742" r:id="rId28"/>
-    <p:sldId id="633" r:id="rId29"/>
-    <p:sldId id="504" r:id="rId30"/>
-    <p:sldId id="505" r:id="rId31"/>
+    <p:sldId id="749" r:id="rId21"/>
+    <p:sldId id="745" r:id="rId22"/>
+    <p:sldId id="741" r:id="rId23"/>
+    <p:sldId id="747" r:id="rId24"/>
+    <p:sldId id="746" r:id="rId25"/>
+    <p:sldId id="734" r:id="rId26"/>
+    <p:sldId id="748" r:id="rId27"/>
+    <p:sldId id="667" r:id="rId28"/>
+    <p:sldId id="742" r:id="rId29"/>
+    <p:sldId id="633" r:id="rId30"/>
+    <p:sldId id="504" r:id="rId31"/>
+    <p:sldId id="505" r:id="rId32"/>
   </p:sldIdLst>
   <p:sldSz cx="12192000" cy="6858000"/>
   <p:notesSz cx="6858000" cy="9144000"/>
@@ -179,6 +180,7 @@
             <p14:sldId id="737"/>
             <p14:sldId id="735"/>
             <p14:sldId id="743"/>
+            <p14:sldId id="749"/>
             <p14:sldId id="745"/>
             <p14:sldId id="741"/>
             <p14:sldId id="747"/>
@@ -332,7 +334,7 @@
           <a:p>
             <a:fld id="{4E087215-0C8F-4762-A664-737A353EC9A4}" type="datetimeFigureOut">
               <a:rPr lang="bg-BG" smtClean="0"/>
-              <a:t>5.12.24 г.</a:t>
+              <a:t>20.12.24 г.</a:t>
             </a:fld>
             <a:endParaRPr lang="bg-BG"/>
           </a:p>
@@ -528,7 +530,7 @@
           <a:p>
             <a:fld id="{72D84649-876A-46C9-8472-14CB09C070D8}" type="datetimeFigureOut">
               <a:rPr lang="en-US" smtClean="0"/>
-              <a:t>12/5/24</a:t>
+              <a:t>12/20/24</a:t>
             </a:fld>
             <a:endParaRPr lang="en-US"/>
           </a:p>
@@ -1128,7 +1130,7 @@
             <a:fld id="{3EBA5BD7-F043-4D1B-AA17-CD412FC534DE}" type="slidenum">
               <a:rPr lang="en-US" smtClean="0"/>
               <a:pPr/>
-              <a:t>30</a:t>
+              <a:t>31</a:t>
             </a:fld>
             <a:endParaRPr lang="en-US" dirty="0"/>
           </a:p>
@@ -1965,7 +1967,7 @@
           <a:p>
             <a:fld id="{2BF067CD-8E6B-4360-9AA8-C5DF2A48A6D1}" type="slidenum">
               <a:rPr lang="en-US" smtClean="0"/>
-              <a:t>26</a:t>
+              <a:t>27</a:t>
             </a:fld>
             <a:endParaRPr lang="en-US" dirty="0"/>
           </a:p>
@@ -2086,7 +2088,7 @@
           <a:p>
             <a:fld id="{2BF067CD-8E6B-4360-9AA8-C5DF2A48A6D1}" type="slidenum">
               <a:rPr lang="en-US" smtClean="0"/>
-              <a:t>27</a:t>
+              <a:t>28</a:t>
             </a:fld>
             <a:endParaRPr lang="en-US" dirty="0"/>
           </a:p>
@@ -2314,7 +2316,7 @@
             <a:fld id="{3EBA5BD7-F043-4D1B-AA17-CD412FC534DE}" type="slidenum">
               <a:rPr lang="en-US" smtClean="0"/>
               <a:pPr/>
-              <a:t>28</a:t>
+              <a:t>29</a:t>
             </a:fld>
             <a:endParaRPr lang="en-US" dirty="0"/>
           </a:p>
@@ -2560,7 +2562,7 @@
             <a:fld id="{3EBA5BD7-F043-4D1B-AA17-CD412FC534DE}" type="slidenum">
               <a:rPr lang="en-US" smtClean="0"/>
               <a:pPr/>
-              <a:t>29</a:t>
+              <a:t>30</a:t>
             </a:fld>
             <a:endParaRPr lang="en-US" dirty="0"/>
           </a:p>
@@ -8199,7 +8201,7 @@
               </a:buClr>
             </a:pPr>
             <a:r>
-              <a:rPr lang="bg-BG" sz="3200" b="1" dirty="0">
+              <a:rPr lang="bg-BG" sz="3400" b="1" dirty="0">
                 <a:solidFill>
                   <a:schemeClr val="bg1"/>
                 </a:solidFill>
@@ -8210,45 +8212,45 @@
           <a:p>
             <a:pPr lvl="1"/>
             <a:r>
-              <a:rPr lang="bg-BG" sz="2800" dirty="0"/>
+              <a:rPr lang="bg-BG" sz="3200" dirty="0"/>
               <a:t>Процес на </a:t>
             </a:r>
             <a:r>
-              <a:rPr lang="bg-BG" sz="2800" b="1" dirty="0"/>
+              <a:rPr lang="bg-BG" sz="3200" b="1" dirty="0"/>
               <a:t>преобразуване на данни</a:t>
             </a:r>
             <a:r>
-              <a:rPr lang="bg-BG" sz="2800" dirty="0"/>
+              <a:rPr lang="bg-BG" sz="3200" dirty="0"/>
               <a:t> във </a:t>
             </a:r>
             <a:r>
-              <a:rPr lang="bg-BG" sz="2800" b="1" dirty="0"/>
+              <a:rPr lang="bg-BG" sz="3200" b="1" dirty="0"/>
               <a:t>фиксирана дължина от символи (хеш)</a:t>
             </a:r>
           </a:p>
           <a:p>
             <a:pPr lvl="1"/>
             <a:r>
-              <a:rPr lang="bg-BG" sz="2800" b="1" dirty="0"/>
+              <a:rPr lang="bg-BG" sz="3200" b="1" dirty="0"/>
               <a:t>Не може </a:t>
             </a:r>
             <a:r>
-              <a:rPr lang="bg-BG" sz="2800" dirty="0"/>
+              <a:rPr lang="bg-BG" sz="3200" dirty="0"/>
               <a:t>да бъде </a:t>
             </a:r>
             <a:r>
-              <a:rPr lang="bg-BG" sz="2800" b="1" dirty="0"/>
+              <a:rPr lang="bg-BG" sz="3200" b="1" dirty="0"/>
               <a:t>декриптиран</a:t>
             </a:r>
             <a:r>
-              <a:rPr lang="bg-BG" sz="2800" dirty="0"/>
+              <a:rPr lang="bg-BG" sz="3200" dirty="0"/>
               <a:t> обратно към </a:t>
             </a:r>
             <a:r>
-              <a:rPr lang="bg-BG" sz="2800" b="1" dirty="0"/>
+              <a:rPr lang="bg-BG" sz="3200" b="1" dirty="0"/>
               <a:t>оригинала</a:t>
             </a:r>
-            <a:endParaRPr lang="en-BG" sz="2800" b="1" dirty="0"/>
+            <a:endParaRPr lang="en-BG" sz="3200" b="1" dirty="0"/>
           </a:p>
         </p:txBody>
       </p:sp>
@@ -8279,73 +8281,68 @@
               </a:buClr>
             </a:pPr>
             <a:r>
-              <a:rPr lang="bg-BG" sz="3200" b="1" dirty="0">
+              <a:rPr lang="bg-BG" sz="3400" b="1" dirty="0">
                 <a:solidFill>
                   <a:schemeClr val="bg1"/>
                 </a:solidFill>
               </a:rPr>
               <a:t>Криптиране</a:t>
             </a:r>
-            <a:endParaRPr lang="bg-BG" b="1" dirty="0">
-              <a:solidFill>
-                <a:schemeClr val="bg1"/>
-              </a:solidFill>
-            </a:endParaRPr>
           </a:p>
           <a:p>
             <a:pPr lvl="1"/>
             <a:r>
-              <a:rPr lang="bg-BG" sz="2800" b="1" dirty="0"/>
+              <a:rPr lang="bg-BG" sz="3000" b="1" dirty="0"/>
               <a:t>Процес </a:t>
             </a:r>
             <a:r>
-              <a:rPr lang="bg-BG" sz="2800" dirty="0"/>
+              <a:rPr lang="bg-BG" sz="3000" dirty="0"/>
               <a:t>на </a:t>
             </a:r>
             <a:r>
-              <a:rPr lang="bg-BG" sz="2800" b="1" dirty="0"/>
+              <a:rPr lang="bg-BG" sz="3000" b="1" dirty="0"/>
               <a:t>преобразуване на данни</a:t>
             </a:r>
             <a:r>
-              <a:rPr lang="bg-BG" sz="2800" dirty="0"/>
+              <a:rPr lang="bg-BG" sz="3000" dirty="0"/>
               <a:t> в </a:t>
             </a:r>
             <a:r>
-              <a:rPr lang="bg-BG" sz="2800" b="1" dirty="0"/>
+              <a:rPr lang="bg-BG" sz="3000" b="1" dirty="0"/>
               <a:t>неразбираем</a:t>
             </a:r>
             <a:r>
-              <a:rPr lang="bg-BG" sz="2800" dirty="0"/>
+              <a:rPr lang="bg-BG" sz="3000" dirty="0"/>
               <a:t> </a:t>
             </a:r>
             <a:r>
-              <a:rPr lang="bg-BG" sz="2800" b="1" dirty="0"/>
+              <a:rPr lang="bg-BG" sz="3000" b="1" dirty="0"/>
               <a:t>формат</a:t>
             </a:r>
           </a:p>
           <a:p>
             <a:pPr lvl="1"/>
             <a:r>
-              <a:rPr lang="bg-BG" sz="2800" b="1" dirty="0"/>
+              <a:rPr lang="bg-BG" sz="3000" b="1" dirty="0"/>
               <a:t>Може</a:t>
             </a:r>
             <a:r>
-              <a:rPr lang="bg-BG" sz="2800" dirty="0"/>
+              <a:rPr lang="bg-BG" sz="3000" dirty="0"/>
               <a:t> да бъде </a:t>
             </a:r>
             <a:r>
-              <a:rPr lang="bg-BG" sz="2800" b="1" dirty="0"/>
+              <a:rPr lang="bg-BG" sz="3000" b="1" dirty="0"/>
               <a:t>декриптиран</a:t>
             </a:r>
             <a:r>
-              <a:rPr lang="bg-BG" sz="2800" dirty="0"/>
+              <a:rPr lang="bg-BG" sz="3000" dirty="0"/>
               <a:t> обратно с помощта на </a:t>
             </a:r>
             <a:r>
-              <a:rPr lang="bg-BG" sz="2800" b="1" dirty="0"/>
+              <a:rPr lang="bg-BG" sz="3000" b="1" dirty="0"/>
               <a:t>ключ</a:t>
             </a:r>
-            <a:endParaRPr lang="en-BG" sz="2800" b="1" dirty="0"/>
+            <a:endParaRPr lang="en-BG" sz="3000" b="1" dirty="0"/>
           </a:p>
           <a:p>
             <a:pPr lvl="1"/>
@@ -8705,73 +8702,155 @@
           <a:lstStyle/>
           <a:p>
             <a:r>
+              <a:rPr lang="bg-BG" sz="3000" b="1" dirty="0">
+                <a:solidFill>
+                  <a:schemeClr val="bg1"/>
+                </a:solidFill>
+              </a:rPr>
+              <a:t>Библиотека</a:t>
+            </a:r>
+            <a:r>
+              <a:rPr lang="bg-BG" sz="3000" b="1" dirty="0"/>
+              <a:t> </a:t>
+            </a:r>
+            <a:r>
+              <a:rPr lang="bg-BG" sz="3000" dirty="0"/>
+              <a:t>за </a:t>
+            </a:r>
+            <a:r>
+              <a:rPr lang="bg-BG" sz="3000" b="1" dirty="0"/>
+              <a:t>хеширане на пароли</a:t>
+            </a:r>
+            <a:endParaRPr lang="en-US" sz="3000" b="1" dirty="0"/>
+          </a:p>
+          <a:p>
+            <a:r>
+              <a:rPr lang="bg-BG" sz="3000" dirty="0"/>
+              <a:t>Използва </a:t>
+            </a:r>
+            <a:r>
+              <a:rPr lang="bg-BG" sz="3000" b="1" dirty="0"/>
+              <a:t>алгоритъма</a:t>
+            </a:r>
+            <a:r>
+              <a:rPr lang="bg-BG" sz="3000" dirty="0"/>
+              <a:t> </a:t>
+            </a:r>
+            <a:r>
+              <a:rPr lang="en-US" sz="3000" b="1" dirty="0">
+                <a:solidFill>
+                  <a:schemeClr val="bg1"/>
+                </a:solidFill>
+              </a:rPr>
+              <a:t>BCrypt</a:t>
+            </a:r>
+          </a:p>
+          <a:p>
+            <a:r>
+              <a:rPr lang="en-US" sz="3000" b="1" dirty="0"/>
+              <a:t>B</a:t>
+            </a:r>
+            <a:r>
+              <a:rPr lang="en-GB" sz="3000" b="1" dirty="0"/>
+              <a:t>Crypt</a:t>
+            </a:r>
+            <a:r>
+              <a:rPr lang="en-GB" sz="3000" dirty="0"/>
+              <a:t> </a:t>
+            </a:r>
+            <a:r>
+              <a:rPr lang="bg-BG" sz="3000" dirty="0"/>
+              <a:t>предлага </a:t>
+            </a:r>
+            <a:r>
+              <a:rPr lang="bg-BG" sz="3000" b="1" dirty="0">
+                <a:solidFill>
+                  <a:schemeClr val="bg1"/>
+                </a:solidFill>
+              </a:rPr>
+              <a:t>солене</a:t>
+            </a:r>
+            <a:r>
+              <a:rPr lang="bg-BG" sz="3000" dirty="0"/>
+              <a:t> </a:t>
+            </a:r>
+            <a:r>
+              <a:rPr lang="bg-BG" sz="3000" b="1" dirty="0"/>
+              <a:t>(</a:t>
+            </a:r>
+            <a:r>
+              <a:rPr lang="en-GB" sz="3000" b="1" dirty="0"/>
+              <a:t>salting) </a:t>
+            </a:r>
+            <a:r>
+              <a:rPr lang="bg-BG" sz="3000" dirty="0"/>
+              <a:t>за защита срещу </a:t>
+            </a:r>
+            <a:r>
+              <a:rPr lang="bg-BG" sz="3000" b="1" dirty="0"/>
+              <a:t>атаки</a:t>
+            </a:r>
+          </a:p>
+          <a:p>
+            <a:pPr lvl="1"/>
+            <a:r>
+              <a:rPr lang="bg-BG" sz="2800" b="1" dirty="0"/>
+              <a:t>Солене (</a:t>
+            </a:r>
+            <a:r>
+              <a:rPr lang="en-GB" sz="2800" b="1" dirty="0"/>
+              <a:t>salting) </a:t>
+            </a:r>
+            <a:r>
+              <a:rPr lang="bg-BG" sz="2800" dirty="0"/>
+              <a:t>е </a:t>
+            </a:r>
+            <a:r>
+              <a:rPr lang="bg-BG" sz="2800" b="1" dirty="0"/>
+              <a:t>процес</a:t>
+            </a:r>
+            <a:r>
+              <a:rPr lang="bg-BG" sz="2800" dirty="0"/>
+              <a:t> на добавяне на </a:t>
+            </a:r>
+            <a:r>
               <a:rPr lang="bg-BG" sz="2800" b="1" dirty="0">
                 <a:solidFill>
                   <a:schemeClr val="bg1"/>
                 </a:solidFill>
               </a:rPr>
-              <a:t>Библиотека</a:t>
+              <a:t>произволна стойност </a:t>
             </a:r>
             <a:r>
               <a:rPr lang="bg-BG" sz="2800" b="1" dirty="0"/>
-              <a:t> </a:t>
+              <a:t>(сол) </a:t>
             </a:r>
             <a:r>
               <a:rPr lang="bg-BG" sz="2800" dirty="0"/>
-              <a:t>за </a:t>
+              <a:t>към паролата </a:t>
             </a:r>
             <a:r>
               <a:rPr lang="bg-BG" sz="2800" b="1" dirty="0"/>
-              <a:t>хеширане на пароли</a:t>
-            </a:r>
-            <a:endParaRPr lang="en-US" sz="2800" b="1" dirty="0"/>
-          </a:p>
-          <a:p>
-            <a:r>
-              <a:rPr lang="bg-BG" sz="2800" dirty="0"/>
-              <a:t>Използва </a:t>
-            </a:r>
-            <a:r>
-              <a:rPr lang="bg-BG" sz="2800" b="1" dirty="0"/>
-              <a:t>алгоритъма</a:t>
+              <a:t>преди</a:t>
             </a:r>
             <a:r>
               <a:rPr lang="bg-BG" sz="2800" dirty="0"/>
               <a:t> </a:t>
             </a:r>
             <a:r>
-              <a:rPr lang="en-US" sz="2800" b="1" dirty="0">
-                <a:solidFill>
-                  <a:schemeClr val="bg1"/>
-                </a:solidFill>
-              </a:rPr>
-              <a:t>BCrypt</a:t>
-            </a:r>
-          </a:p>
-          <a:p>
-            <a:r>
-              <a:rPr lang="en-US" sz="2800" b="1" dirty="0"/>
-              <a:t>B</a:t>
-            </a:r>
-            <a:r>
-              <a:rPr lang="en-GB" sz="2800" b="1" dirty="0"/>
-              <a:t>Crypt</a:t>
-            </a:r>
-            <a:r>
-              <a:rPr lang="en-GB" sz="2800" dirty="0"/>
-              <a:t> </a:t>
-            </a:r>
+              <a:rPr lang="bg-BG" sz="2800" b="1" dirty="0"/>
+              <a:t>хеширането</a:t>
+            </a:r>
+          </a:p>
+          <a:p>
+            <a:pPr lvl="1"/>
             <a:r>
               <a:rPr lang="bg-BG" sz="2800" dirty="0"/>
-              <a:t>предлага </a:t>
-            </a:r>
-            <a:r>
-              <a:rPr lang="bg-BG" sz="2800" b="1" dirty="0">
-                <a:solidFill>
-                  <a:schemeClr val="bg1"/>
-                </a:solidFill>
-              </a:rPr>
-              <a:t>солене</a:t>
+              <a:t>По този начин </a:t>
+            </a:r>
+            <a:r>
+              <a:rPr lang="bg-BG" sz="2800" b="1" dirty="0"/>
+              <a:t>всяка</a:t>
             </a:r>
             <a:r>
               <a:rPr lang="bg-BG" sz="2800" dirty="0"/>
@@ -8779,149 +8858,67 @@
             </a:r>
             <a:r>
               <a:rPr lang="bg-BG" sz="2800" b="1" dirty="0"/>
-              <a:t>(</a:t>
-            </a:r>
-            <a:r>
-              <a:rPr lang="en-GB" sz="2800" b="1" dirty="0"/>
-              <a:t>salting) </a:t>
+              <a:t>парола</a:t>
             </a:r>
             <a:r>
               <a:rPr lang="bg-BG" sz="2800" dirty="0"/>
-              <a:t>за защита срещу </a:t>
+              <a:t> има </a:t>
+            </a:r>
+            <a:r>
+              <a:rPr lang="bg-BG" sz="2800" b="1" dirty="0">
+                <a:solidFill>
+                  <a:schemeClr val="bg1"/>
+                </a:solidFill>
+              </a:rPr>
+              <a:t>уникален хеш</a:t>
+            </a:r>
+            <a:r>
+              <a:rPr lang="bg-BG" sz="2800" dirty="0"/>
+              <a:t>, дори ако </a:t>
             </a:r>
             <a:r>
               <a:rPr lang="bg-BG" sz="2800" b="1" dirty="0"/>
-              <a:t>атаки</a:t>
-            </a:r>
-          </a:p>
-          <a:p>
-            <a:pPr lvl="1"/>
-            <a:r>
-              <a:rPr lang="bg-BG" sz="2400" b="1" dirty="0"/>
-              <a:t>Солене (</a:t>
-            </a:r>
-            <a:r>
-              <a:rPr lang="en-GB" sz="2400" b="1" dirty="0"/>
-              <a:t>salting) </a:t>
-            </a:r>
-            <a:r>
-              <a:rPr lang="bg-BG" sz="2400" dirty="0"/>
-              <a:t>е </a:t>
-            </a:r>
-            <a:r>
-              <a:rPr lang="bg-BG" sz="2400" b="1" dirty="0"/>
-              <a:t>процес</a:t>
-            </a:r>
-            <a:r>
-              <a:rPr lang="bg-BG" sz="2400" dirty="0"/>
-              <a:t> на добавяне на </a:t>
-            </a:r>
-            <a:r>
-              <a:rPr lang="bg-BG" sz="2400" b="1" dirty="0">
+              <a:t>две пароли </a:t>
+            </a:r>
+            <a:r>
+              <a:rPr lang="bg-BG" sz="2800" dirty="0"/>
+              <a:t>са </a:t>
+            </a:r>
+            <a:r>
+              <a:rPr lang="bg-BG" sz="2800" b="1" dirty="0"/>
+              <a:t>еднакви</a:t>
+            </a:r>
+          </a:p>
+          <a:p>
+            <a:r>
+              <a:rPr lang="bg-BG" sz="3000" dirty="0"/>
+              <a:t>Осигурява </a:t>
+            </a:r>
+            <a:r>
+              <a:rPr lang="bg-BG" sz="3000" b="1" dirty="0">
                 <a:solidFill>
                   <a:schemeClr val="bg1"/>
                 </a:solidFill>
               </a:rPr>
-              <a:t>произволна стойност </a:t>
-            </a:r>
-            <a:r>
-              <a:rPr lang="bg-BG" sz="2400" b="1" dirty="0"/>
-              <a:t>(сол) </a:t>
-            </a:r>
-            <a:r>
-              <a:rPr lang="bg-BG" sz="2400" dirty="0"/>
-              <a:t>към паролата </a:t>
-            </a:r>
-            <a:r>
-              <a:rPr lang="bg-BG" sz="2400" b="1" dirty="0"/>
-              <a:t>преди</a:t>
-            </a:r>
-            <a:r>
-              <a:rPr lang="bg-BG" sz="2400" dirty="0"/>
+              <a:t>надеждна защита</a:t>
+            </a:r>
+            <a:r>
+              <a:rPr lang="bg-BG" sz="3000" b="1" dirty="0"/>
               <a:t> </a:t>
             </a:r>
             <a:r>
-              <a:rPr lang="bg-BG" sz="2400" b="1" dirty="0"/>
-              <a:t>хеширането</a:t>
-            </a:r>
-          </a:p>
-          <a:p>
-            <a:pPr lvl="1"/>
-            <a:r>
-              <a:rPr lang="bg-BG" sz="2400" dirty="0"/>
-              <a:t>По този начин </a:t>
-            </a:r>
-            <a:r>
-              <a:rPr lang="bg-BG" sz="2400" b="1" dirty="0"/>
-              <a:t>всяка</a:t>
-            </a:r>
-            <a:r>
-              <a:rPr lang="bg-BG" sz="2400" dirty="0"/>
-              <a:t> </a:t>
-            </a:r>
-            <a:r>
-              <a:rPr lang="bg-BG" sz="2400" b="1" dirty="0"/>
-              <a:t>парола</a:t>
-            </a:r>
-            <a:r>
-              <a:rPr lang="bg-BG" sz="2400" dirty="0"/>
-              <a:t> има </a:t>
-            </a:r>
-            <a:r>
-              <a:rPr lang="bg-BG" sz="2400" b="1" dirty="0">
-                <a:solidFill>
-                  <a:schemeClr val="bg1"/>
-                </a:solidFill>
-              </a:rPr>
-              <a:t>уникален хеш</a:t>
-            </a:r>
-            <a:r>
-              <a:rPr lang="bg-BG" sz="2400" dirty="0"/>
-              <a:t>, дори ако </a:t>
-            </a:r>
-            <a:r>
-              <a:rPr lang="bg-BG" sz="2400" b="1" dirty="0"/>
-              <a:t>две пароли </a:t>
-            </a:r>
-            <a:r>
-              <a:rPr lang="bg-BG" sz="2400" dirty="0"/>
-              <a:t>са </a:t>
-            </a:r>
-            <a:r>
-              <a:rPr lang="bg-BG" sz="2400" b="1" dirty="0"/>
-              <a:t>еднакви</a:t>
-            </a:r>
-          </a:p>
-          <a:p>
-            <a:r>
-              <a:rPr lang="bg-BG" sz="2800" dirty="0"/>
-              <a:t>Осигурява </a:t>
-            </a:r>
-            <a:r>
-              <a:rPr lang="bg-BG" sz="2800" b="1" dirty="0">
-                <a:solidFill>
-                  <a:schemeClr val="bg1"/>
-                </a:solidFill>
-              </a:rPr>
-              <a:t>надеждна защита</a:t>
-            </a:r>
-            <a:r>
-              <a:rPr lang="bg-BG" sz="2800" b="1" dirty="0"/>
-              <a:t> </a:t>
-            </a:r>
-            <a:r>
-              <a:rPr lang="bg-BG" sz="2800" dirty="0"/>
+              <a:rPr lang="bg-BG" sz="3000" dirty="0"/>
               <a:t>на </a:t>
             </a:r>
             <a:r>
-              <a:rPr lang="bg-BG" sz="2800" b="1" dirty="0"/>
+              <a:rPr lang="bg-BG" sz="3000" b="1" dirty="0"/>
               <a:t>пароли</a:t>
             </a:r>
             <a:r>
-              <a:rPr lang="bg-BG" sz="2800" dirty="0"/>
+              <a:rPr lang="bg-BG" sz="3000" dirty="0"/>
               <a:t> при съхранение</a:t>
             </a:r>
-            <a:endParaRPr lang="en-BG" sz="2800" dirty="0"/>
+            <a:endParaRPr lang="en-BG" sz="3000" dirty="0"/>
           </a:p>
         </p:txBody>
       </p:sp>
@@ -8986,8 +8983,8 @@
         </p:blipFill>
         <p:spPr>
           <a:xfrm>
-            <a:off x="9773692" y="4384086"/>
-            <a:ext cx="1374616" cy="2390636"/>
+            <a:off x="10018860" y="4596514"/>
+            <a:ext cx="1225165" cy="2130722"/>
           </a:xfrm>
           <a:prstGeom prst="rect">
             <a:avLst/>
@@ -9573,7 +9570,7 @@
         <p:spPr>
           <a:xfrm>
             <a:off x="649830" y="2978794"/>
-            <a:ext cx="11103200" cy="3785652"/>
+            <a:ext cx="11103200" cy="3477875"/>
           </a:xfrm>
           <a:prstGeom prst="rect">
             <a:avLst/>
@@ -9601,7 +9598,7 @@
           <a:lstStyle/>
           <a:p>
             <a:r>
-              <a:rPr lang="en-GB" sz="1500" b="1" dirty="0">
+              <a:rPr lang="en-GB" sz="2000" b="1" dirty="0">
                 <a:effectLst/>
                 <a:latin typeface="Consolas" panose="020B0609020204030204" pitchFamily="49" charset="0"/>
                 <a:cs typeface="Consolas" panose="020B0609020204030204" pitchFamily="49" charset="0"/>
@@ -9609,7 +9606,7 @@
               <a:t>public static class </a:t>
             </a:r>
             <a:r>
-              <a:rPr lang="en-GB" sz="1500" b="1" dirty="0">
+              <a:rPr lang="en-GB" sz="2000" b="1" dirty="0">
                 <a:solidFill>
                   <a:schemeClr val="bg1"/>
                 </a:solidFill>
@@ -9622,7 +9619,7 @@
           </a:p>
           <a:p>
             <a:r>
-              <a:rPr lang="en-GB" sz="1500" b="1" dirty="0">
+              <a:rPr lang="en-GB" sz="2000" b="1" dirty="0">
                 <a:effectLst/>
                 <a:latin typeface="Consolas" panose="020B0609020204030204" pitchFamily="49" charset="0"/>
                 <a:cs typeface="Consolas" panose="020B0609020204030204" pitchFamily="49" charset="0"/>
@@ -9632,7 +9629,7 @@
           </a:p>
           <a:p>
             <a:r>
-              <a:rPr lang="en-GB" sz="1500" b="1" dirty="0">
+              <a:rPr lang="bg-BG" sz="2000" b="1" dirty="0">
                 <a:effectLst/>
                 <a:latin typeface="Consolas" panose="020B0609020204030204" pitchFamily="49" charset="0"/>
                 <a:cs typeface="Consolas" panose="020B0609020204030204" pitchFamily="49" charset="0"/>
@@ -9640,31 +9637,112 @@
               <a:t>    </a:t>
             </a:r>
             <a:r>
-              <a:rPr lang="en-GB" sz="1500" b="1" dirty="0">
-                <a:solidFill>
-                  <a:schemeClr val="accent2"/>
-                </a:solidFill>
-                <a:effectLst/>
-                <a:latin typeface="Consolas" panose="020B0609020204030204" pitchFamily="49" charset="0"/>
-                <a:cs typeface="Consolas" panose="020B0609020204030204" pitchFamily="49" charset="0"/>
-              </a:rPr>
-              <a:t>// </a:t>
-            </a:r>
-            <a:r>
-              <a:rPr lang="bg-BG" sz="1500" b="1" dirty="0">
-                <a:solidFill>
-                  <a:schemeClr val="accent2"/>
-                </a:solidFill>
-                <a:effectLst/>
-                <a:latin typeface="Consolas" panose="020B0609020204030204" pitchFamily="49" charset="0"/>
-                <a:cs typeface="Consolas" panose="020B0609020204030204" pitchFamily="49" charset="0"/>
-              </a:rPr>
-              <a:t>Хеширане на парола</a:t>
-            </a:r>
-          </a:p>
-          <a:p>
-            <a:r>
-              <a:rPr lang="bg-BG" sz="1500" b="1" dirty="0">
+              <a:rPr lang="en-GB" sz="2000" b="1" dirty="0">
+                <a:effectLst/>
+                <a:latin typeface="Consolas" panose="020B0609020204030204" pitchFamily="49" charset="0"/>
+                <a:cs typeface="Consolas" panose="020B0609020204030204" pitchFamily="49" charset="0"/>
+              </a:rPr>
+              <a:t>public static string </a:t>
+            </a:r>
+            <a:r>
+              <a:rPr lang="en-GB" sz="2000" b="1" dirty="0">
+                <a:solidFill>
+                  <a:schemeClr val="bg1"/>
+                </a:solidFill>
+                <a:effectLst/>
+                <a:latin typeface="Consolas" panose="020B0609020204030204" pitchFamily="49" charset="0"/>
+                <a:cs typeface="Consolas" panose="020B0609020204030204" pitchFamily="49" charset="0"/>
+              </a:rPr>
+              <a:t>HashPassword</a:t>
+            </a:r>
+            <a:r>
+              <a:rPr lang="en-GB" sz="2000" b="1" dirty="0">
+                <a:effectLst/>
+                <a:latin typeface="Consolas" panose="020B0609020204030204" pitchFamily="49" charset="0"/>
+                <a:cs typeface="Consolas" panose="020B0609020204030204" pitchFamily="49" charset="0"/>
+              </a:rPr>
+              <a:t>(string password)</a:t>
+            </a:r>
+          </a:p>
+          <a:p>
+            <a:r>
+              <a:rPr lang="en-GB" sz="2000" b="1" dirty="0">
+                <a:effectLst/>
+                <a:latin typeface="Consolas" panose="020B0609020204030204" pitchFamily="49" charset="0"/>
+                <a:cs typeface="Consolas" panose="020B0609020204030204" pitchFamily="49" charset="0"/>
+              </a:rPr>
+              <a:t>    {</a:t>
+            </a:r>
+          </a:p>
+          <a:p>
+            <a:r>
+              <a:rPr lang="bg-BG" sz="2000" b="1" dirty="0">
+                <a:effectLst/>
+                <a:latin typeface="Consolas" panose="020B0609020204030204" pitchFamily="49" charset="0"/>
+                <a:cs typeface="Consolas" panose="020B0609020204030204" pitchFamily="49" charset="0"/>
+              </a:rPr>
+              <a:t>        </a:t>
+            </a:r>
+            <a:r>
+              <a:rPr lang="en-GB" sz="2000" b="1" dirty="0">
+                <a:effectLst/>
+                <a:latin typeface="Consolas" panose="020B0609020204030204" pitchFamily="49" charset="0"/>
+                <a:cs typeface="Consolas" panose="020B0609020204030204" pitchFamily="49" charset="0"/>
+              </a:rPr>
+              <a:t>return BCrypt.Net.</a:t>
+            </a:r>
+            <a:r>
+              <a:rPr lang="en-GB" sz="2000" b="1" dirty="0">
+                <a:solidFill>
+                  <a:schemeClr val="bg1"/>
+                </a:solidFill>
+                <a:effectLst/>
+                <a:latin typeface="Consolas" panose="020B0609020204030204" pitchFamily="49" charset="0"/>
+                <a:cs typeface="Consolas" panose="020B0609020204030204" pitchFamily="49" charset="0"/>
+              </a:rPr>
+              <a:t>BCrypt</a:t>
+            </a:r>
+            <a:r>
+              <a:rPr lang="en-GB" sz="2000" b="1" dirty="0">
+                <a:effectLst/>
+                <a:latin typeface="Consolas" panose="020B0609020204030204" pitchFamily="49" charset="0"/>
+                <a:cs typeface="Consolas" panose="020B0609020204030204" pitchFamily="49" charset="0"/>
+              </a:rPr>
+              <a:t>.</a:t>
+            </a:r>
+            <a:r>
+              <a:rPr lang="en-GB" sz="2000" b="1" dirty="0">
+                <a:solidFill>
+                  <a:schemeClr val="bg1"/>
+                </a:solidFill>
+                <a:effectLst/>
+                <a:latin typeface="Consolas" panose="020B0609020204030204" pitchFamily="49" charset="0"/>
+                <a:cs typeface="Consolas" panose="020B0609020204030204" pitchFamily="49" charset="0"/>
+              </a:rPr>
+              <a:t>HashPassword</a:t>
+            </a:r>
+            <a:r>
+              <a:rPr lang="en-GB" sz="2000" b="1" dirty="0">
+                <a:effectLst/>
+                <a:latin typeface="Consolas" panose="020B0609020204030204" pitchFamily="49" charset="0"/>
+                <a:cs typeface="Consolas" panose="020B0609020204030204" pitchFamily="49" charset="0"/>
+              </a:rPr>
+              <a:t>(password);</a:t>
+            </a:r>
+          </a:p>
+          <a:p>
+            <a:r>
+              <a:rPr lang="en-GB" sz="2000" b="1" dirty="0">
+                <a:effectLst/>
+                <a:latin typeface="Consolas" panose="020B0609020204030204" pitchFamily="49" charset="0"/>
+                <a:cs typeface="Consolas" panose="020B0609020204030204" pitchFamily="49" charset="0"/>
+              </a:rPr>
+              <a:t>    }</a:t>
+            </a:r>
+          </a:p>
+          <a:p>
+            <a:r>
+              <a:rPr lang="bg-BG" sz="2000" b="1" dirty="0">
                 <a:effectLst/>
                 <a:latin typeface="Consolas" panose="020B0609020204030204" pitchFamily="49" charset="0"/>
                 <a:cs typeface="Consolas" panose="020B0609020204030204" pitchFamily="49" charset="0"/>
@@ -9672,15 +9750,15 @@
               <a:t>    </a:t>
             </a:r>
             <a:r>
-              <a:rPr lang="en-GB" sz="1500" b="1" dirty="0">
-                <a:effectLst/>
-                <a:latin typeface="Consolas" panose="020B0609020204030204" pitchFamily="49" charset="0"/>
-                <a:cs typeface="Consolas" panose="020B0609020204030204" pitchFamily="49" charset="0"/>
-              </a:rPr>
-              <a:t>public static string </a:t>
-            </a:r>
-            <a:r>
-              <a:rPr lang="en-GB" sz="1500" b="1" dirty="0">
+              <a:rPr lang="en-GB" sz="2000" b="1" dirty="0">
+                <a:effectLst/>
+                <a:latin typeface="Consolas" panose="020B0609020204030204" pitchFamily="49" charset="0"/>
+                <a:cs typeface="Consolas" panose="020B0609020204030204" pitchFamily="49" charset="0"/>
+              </a:rPr>
+              <a:t>public static bool </a:t>
+            </a:r>
+            <a:r>
+              <a:rPr lang="en-GB" sz="2000" b="1" dirty="0">
                 <a:solidFill>
                   <a:schemeClr val="bg1"/>
                 </a:solidFill>
@@ -9688,127 +9766,30 @@
                 <a:latin typeface="Consolas" panose="020B0609020204030204" pitchFamily="49" charset="0"/>
                 <a:cs typeface="Consolas" panose="020B0609020204030204" pitchFamily="49" charset="0"/>
               </a:rPr>
-              <a:t>HashPassword</a:t>
-            </a:r>
-            <a:r>
-              <a:rPr lang="en-GB" sz="1500" b="1" dirty="0">
-                <a:effectLst/>
-                <a:latin typeface="Consolas" panose="020B0609020204030204" pitchFamily="49" charset="0"/>
-                <a:cs typeface="Consolas" panose="020B0609020204030204" pitchFamily="49" charset="0"/>
-              </a:rPr>
-              <a:t>(string password)</a:t>
-            </a:r>
-          </a:p>
-          <a:p>
-            <a:r>
-              <a:rPr lang="en-GB" sz="1500" b="1" dirty="0">
+              <a:t>VerifyPassword</a:t>
+            </a:r>
+            <a:r>
+              <a:rPr lang="en-GB" sz="2000" b="1" dirty="0">
+                <a:effectLst/>
+                <a:latin typeface="Consolas" panose="020B0609020204030204" pitchFamily="49" charset="0"/>
+                <a:cs typeface="Consolas" panose="020B0609020204030204" pitchFamily="49" charset="0"/>
+              </a:rPr>
+              <a:t>(string password, string hashedPassword)</a:t>
+            </a:r>
+          </a:p>
+          <a:p>
+            <a:r>
+              <a:rPr lang="en-GB" sz="2000" b="1" dirty="0">
                 <a:effectLst/>
                 <a:latin typeface="Consolas" panose="020B0609020204030204" pitchFamily="49" charset="0"/>
                 <a:cs typeface="Consolas" panose="020B0609020204030204" pitchFamily="49" charset="0"/>
               </a:rPr>
               <a:t>    {</a:t>
             </a:r>
-          </a:p>
-          <a:p>
-            <a:r>
-              <a:rPr lang="en-GB" sz="1500" b="1" dirty="0">
-                <a:effectLst/>
-                <a:latin typeface="Consolas" panose="020B0609020204030204" pitchFamily="49" charset="0"/>
-                <a:cs typeface="Consolas" panose="020B0609020204030204" pitchFamily="49" charset="0"/>
-              </a:rPr>
-              <a:t>        </a:t>
-            </a:r>
-            <a:r>
-              <a:rPr lang="en-GB" sz="1500" b="1" dirty="0">
-                <a:solidFill>
-                  <a:schemeClr val="accent2"/>
-                </a:solidFill>
-                <a:effectLst/>
-                <a:latin typeface="Consolas" panose="020B0609020204030204" pitchFamily="49" charset="0"/>
-                <a:cs typeface="Consolas" panose="020B0609020204030204" pitchFamily="49" charset="0"/>
-              </a:rPr>
-              <a:t>// </a:t>
-            </a:r>
-            <a:r>
-              <a:rPr lang="bg-BG" sz="1500" b="1" dirty="0">
-                <a:solidFill>
-                  <a:schemeClr val="accent2"/>
-                </a:solidFill>
-                <a:effectLst/>
-                <a:latin typeface="Consolas" panose="020B0609020204030204" pitchFamily="49" charset="0"/>
-                <a:cs typeface="Consolas" panose="020B0609020204030204" pitchFamily="49" charset="0"/>
-              </a:rPr>
-              <a:t>Генериране на хеш с дефиниран брой итерации (по подразбиране: 12)</a:t>
-            </a:r>
-          </a:p>
-          <a:p>
-            <a:r>
-              <a:rPr lang="bg-BG" sz="1500" b="1" dirty="0">
-                <a:effectLst/>
-                <a:latin typeface="Consolas" panose="020B0609020204030204" pitchFamily="49" charset="0"/>
-                <a:cs typeface="Consolas" panose="020B0609020204030204" pitchFamily="49" charset="0"/>
-              </a:rPr>
-              <a:t>        </a:t>
-            </a:r>
-            <a:r>
-              <a:rPr lang="en-GB" sz="1500" b="1" dirty="0">
-                <a:effectLst/>
-                <a:latin typeface="Consolas" panose="020B0609020204030204" pitchFamily="49" charset="0"/>
-                <a:cs typeface="Consolas" panose="020B0609020204030204" pitchFamily="49" charset="0"/>
-              </a:rPr>
-              <a:t>return BCrypt.Net.</a:t>
-            </a:r>
-            <a:r>
-              <a:rPr lang="en-GB" sz="1500" b="1" dirty="0">
-                <a:solidFill>
-                  <a:schemeClr val="bg1"/>
-                </a:solidFill>
-                <a:effectLst/>
-                <a:latin typeface="Consolas" panose="020B0609020204030204" pitchFamily="49" charset="0"/>
-                <a:cs typeface="Consolas" panose="020B0609020204030204" pitchFamily="49" charset="0"/>
-              </a:rPr>
-              <a:t>BCrypt</a:t>
-            </a:r>
-            <a:r>
-              <a:rPr lang="en-GB" sz="1500" b="1" dirty="0">
-                <a:effectLst/>
-                <a:latin typeface="Consolas" panose="020B0609020204030204" pitchFamily="49" charset="0"/>
-                <a:cs typeface="Consolas" panose="020B0609020204030204" pitchFamily="49" charset="0"/>
-              </a:rPr>
-              <a:t>.</a:t>
-            </a:r>
-            <a:r>
-              <a:rPr lang="en-GB" sz="1500" b="1" dirty="0">
-                <a:solidFill>
-                  <a:schemeClr val="bg1"/>
-                </a:solidFill>
-                <a:effectLst/>
-                <a:latin typeface="Consolas" panose="020B0609020204030204" pitchFamily="49" charset="0"/>
-                <a:cs typeface="Consolas" panose="020B0609020204030204" pitchFamily="49" charset="0"/>
-              </a:rPr>
-              <a:t>HashPassword</a:t>
-            </a:r>
-            <a:r>
-              <a:rPr lang="en-GB" sz="1500" b="1" dirty="0">
-                <a:effectLst/>
-                <a:latin typeface="Consolas" panose="020B0609020204030204" pitchFamily="49" charset="0"/>
-                <a:cs typeface="Consolas" panose="020B0609020204030204" pitchFamily="49" charset="0"/>
-              </a:rPr>
-              <a:t>(password);</a:t>
-            </a:r>
-          </a:p>
-          <a:p>
-            <a:r>
-              <a:rPr lang="en-GB" sz="1500" b="1" dirty="0">
-                <a:effectLst/>
-                <a:latin typeface="Consolas" panose="020B0609020204030204" pitchFamily="49" charset="0"/>
-                <a:cs typeface="Consolas" panose="020B0609020204030204" pitchFamily="49" charset="0"/>
-              </a:rPr>
-              <a:t>    }</a:t>
-            </a:r>
-          </a:p>
-          <a:p>
-            <a:endParaRPr lang="en-GB" sz="1500" b="1" dirty="0">
+            <a:endParaRPr lang="bg-BG" sz="2000" b="1" dirty="0">
+              <a:solidFill>
+                <a:schemeClr val="accent2"/>
+              </a:solidFill>
               <a:effectLst/>
               <a:latin typeface="Consolas" panose="020B0609020204030204" pitchFamily="49" charset="0"/>
               <a:cs typeface="Consolas" panose="020B0609020204030204" pitchFamily="49" charset="0"/>
@@ -9816,55 +9797,23 @@
           </a:p>
           <a:p>
             <a:r>
-              <a:rPr lang="en-GB" sz="1500" b="1" dirty="0">
-                <a:effectLst/>
-                <a:latin typeface="Consolas" panose="020B0609020204030204" pitchFamily="49" charset="0"/>
-                <a:cs typeface="Consolas" panose="020B0609020204030204" pitchFamily="49" charset="0"/>
-              </a:rPr>
-              <a:t>    </a:t>
-            </a:r>
-            <a:r>
-              <a:rPr lang="en-GB" sz="1500" b="1" dirty="0">
-                <a:solidFill>
-                  <a:schemeClr val="accent2"/>
-                </a:solidFill>
-                <a:effectLst/>
-                <a:latin typeface="Consolas" panose="020B0609020204030204" pitchFamily="49" charset="0"/>
-                <a:cs typeface="Consolas" panose="020B0609020204030204" pitchFamily="49" charset="0"/>
-              </a:rPr>
-              <a:t>// </a:t>
-            </a:r>
-            <a:r>
-              <a:rPr lang="bg-BG" sz="1500" b="1" dirty="0">
-                <a:solidFill>
-                  <a:schemeClr val="accent2"/>
-                </a:solidFill>
-                <a:effectLst/>
-                <a:latin typeface="Consolas" panose="020B0609020204030204" pitchFamily="49" charset="0"/>
-                <a:cs typeface="Consolas" panose="020B0609020204030204" pitchFamily="49" charset="0"/>
-              </a:rPr>
-              <a:t>Верификация на парола спрямо хеша</a:t>
-            </a:r>
-          </a:p>
-          <a:p>
-            <a:r>
-              <a:rPr lang="bg-BG" sz="1500" b="1" dirty="0">
-                <a:effectLst/>
-                <a:latin typeface="Consolas" panose="020B0609020204030204" pitchFamily="49" charset="0"/>
-                <a:cs typeface="Consolas" panose="020B0609020204030204" pitchFamily="49" charset="0"/>
-              </a:rPr>
-              <a:t>    </a:t>
-            </a:r>
-            <a:r>
-              <a:rPr lang="en-GB" sz="1500" b="1" dirty="0">
-                <a:effectLst/>
-                <a:latin typeface="Consolas" panose="020B0609020204030204" pitchFamily="49" charset="0"/>
-                <a:cs typeface="Consolas" panose="020B0609020204030204" pitchFamily="49" charset="0"/>
-              </a:rPr>
-              <a:t>public static bool </a:t>
-            </a:r>
-            <a:r>
-              <a:rPr lang="en-GB" sz="1500" b="1" dirty="0">
+              <a:rPr lang="bg-BG" sz="2000" b="1" dirty="0">
+                <a:effectLst/>
+                <a:latin typeface="Consolas" panose="020B0609020204030204" pitchFamily="49" charset="0"/>
+                <a:cs typeface="Consolas" panose="020B0609020204030204" pitchFamily="49" charset="0"/>
+              </a:rPr>
+              <a:t>        </a:t>
+            </a:r>
+            <a:r>
+              <a:rPr lang="en-GB" sz="2000" b="1" dirty="0">
+                <a:effectLst/>
+                <a:latin typeface="Consolas" panose="020B0609020204030204" pitchFamily="49" charset="0"/>
+                <a:cs typeface="Consolas" panose="020B0609020204030204" pitchFamily="49" charset="0"/>
+              </a:rPr>
+              <a:t>return BCrypt.Net.</a:t>
+            </a:r>
+            <a:r>
+              <a:rPr lang="en-GB" sz="2000" b="1" dirty="0">
                 <a:solidFill>
                   <a:schemeClr val="bg1"/>
                 </a:solidFill>
@@ -9872,78 +9821,18 @@
                 <a:latin typeface="Consolas" panose="020B0609020204030204" pitchFamily="49" charset="0"/>
                 <a:cs typeface="Consolas" panose="020B0609020204030204" pitchFamily="49" charset="0"/>
               </a:rPr>
-              <a:t>VerifyPassword</a:t>
-            </a:r>
-            <a:r>
-              <a:rPr lang="en-GB" sz="1500" b="1" dirty="0">
-                <a:effectLst/>
-                <a:latin typeface="Consolas" panose="020B0609020204030204" pitchFamily="49" charset="0"/>
-                <a:cs typeface="Consolas" panose="020B0609020204030204" pitchFamily="49" charset="0"/>
-              </a:rPr>
-              <a:t>(string password, string hashedPassword)</a:t>
-            </a:r>
-          </a:p>
-          <a:p>
-            <a:r>
-              <a:rPr lang="en-GB" sz="1500" b="1" dirty="0">
-                <a:effectLst/>
-                <a:latin typeface="Consolas" panose="020B0609020204030204" pitchFamily="49" charset="0"/>
-                <a:cs typeface="Consolas" panose="020B0609020204030204" pitchFamily="49" charset="0"/>
-              </a:rPr>
-              <a:t>    {</a:t>
-            </a:r>
-          </a:p>
-          <a:p>
-            <a:r>
-              <a:rPr lang="en-GB" sz="1500" b="1" dirty="0">
-                <a:effectLst/>
-                <a:latin typeface="Consolas" panose="020B0609020204030204" pitchFamily="49" charset="0"/>
-                <a:cs typeface="Consolas" panose="020B0609020204030204" pitchFamily="49" charset="0"/>
-              </a:rPr>
-              <a:t>        </a:t>
-            </a:r>
-            <a:r>
-              <a:rPr lang="en-GB" sz="1500" b="1" dirty="0">
-                <a:solidFill>
-                  <a:schemeClr val="accent2"/>
-                </a:solidFill>
-                <a:effectLst/>
-                <a:latin typeface="Consolas" panose="020B0609020204030204" pitchFamily="49" charset="0"/>
-                <a:cs typeface="Consolas" panose="020B0609020204030204" pitchFamily="49" charset="0"/>
-              </a:rPr>
-              <a:t>// </a:t>
-            </a:r>
-            <a:r>
-              <a:rPr lang="bg-BG" sz="1500" b="1" dirty="0">
-                <a:solidFill>
-                  <a:schemeClr val="accent2"/>
-                </a:solidFill>
-                <a:effectLst/>
-                <a:latin typeface="Consolas" panose="020B0609020204030204" pitchFamily="49" charset="0"/>
-                <a:cs typeface="Consolas" panose="020B0609020204030204" pitchFamily="49" charset="0"/>
-              </a:rPr>
-              <a:t>Проверка дали въведената парола съвпада с хеша</a:t>
-            </a:r>
-          </a:p>
-          <a:p>
-            <a:r>
-              <a:rPr lang="bg-BG" sz="1500" b="1" dirty="0">
-                <a:effectLst/>
-                <a:latin typeface="Consolas" panose="020B0609020204030204" pitchFamily="49" charset="0"/>
-                <a:cs typeface="Consolas" panose="020B0609020204030204" pitchFamily="49" charset="0"/>
-              </a:rPr>
-              <a:t>        </a:t>
-            </a:r>
-            <a:r>
-              <a:rPr lang="en-GB" sz="1500" b="1" dirty="0">
-                <a:effectLst/>
-                <a:latin typeface="Consolas" panose="020B0609020204030204" pitchFamily="49" charset="0"/>
-                <a:cs typeface="Consolas" panose="020B0609020204030204" pitchFamily="49" charset="0"/>
-              </a:rPr>
-              <a:t>return BCrypt.Net.</a:t>
-            </a:r>
-            <a:r>
-              <a:rPr lang="en-GB" sz="1500" b="1" dirty="0">
+              <a:t>BCrypt</a:t>
+            </a:r>
+            <a:r>
+              <a:rPr lang="en-GB" sz="2000" b="1" dirty="0">
+                <a:effectLst/>
+                <a:latin typeface="Consolas" panose="020B0609020204030204" pitchFamily="49" charset="0"/>
+                <a:cs typeface="Consolas" panose="020B0609020204030204" pitchFamily="49" charset="0"/>
+              </a:rPr>
+              <a:t>.</a:t>
+            </a:r>
+            <a:r>
+              <a:rPr lang="en-GB" sz="2000" b="1" dirty="0">
                 <a:solidFill>
                   <a:schemeClr val="bg1"/>
                 </a:solidFill>
@@ -9951,29 +9840,10 @@
                 <a:latin typeface="Consolas" panose="020B0609020204030204" pitchFamily="49" charset="0"/>
                 <a:cs typeface="Consolas" panose="020B0609020204030204" pitchFamily="49" charset="0"/>
               </a:rPr>
-              <a:t>BCrypt</a:t>
-            </a:r>
-            <a:r>
-              <a:rPr lang="en-GB" sz="1500" b="1" dirty="0">
-                <a:effectLst/>
-                <a:latin typeface="Consolas" panose="020B0609020204030204" pitchFamily="49" charset="0"/>
-                <a:cs typeface="Consolas" panose="020B0609020204030204" pitchFamily="49" charset="0"/>
-              </a:rPr>
-              <a:t>.</a:t>
-            </a:r>
-            <a:r>
-              <a:rPr lang="en-GB" sz="1500" b="1" dirty="0">
-                <a:solidFill>
-                  <a:schemeClr val="bg1"/>
-                </a:solidFill>
-                <a:effectLst/>
-                <a:latin typeface="Consolas" panose="020B0609020204030204" pitchFamily="49" charset="0"/>
-                <a:cs typeface="Consolas" panose="020B0609020204030204" pitchFamily="49" charset="0"/>
-              </a:rPr>
               <a:t>Verify</a:t>
             </a:r>
             <a:r>
-              <a:rPr lang="en-GB" sz="1500" b="1" dirty="0">
+              <a:rPr lang="en-GB" sz="2000" b="1" dirty="0">
                 <a:effectLst/>
                 <a:latin typeface="Consolas" panose="020B0609020204030204" pitchFamily="49" charset="0"/>
                 <a:cs typeface="Consolas" panose="020B0609020204030204" pitchFamily="49" charset="0"/>
@@ -9983,7 +9853,7 @@
           </a:p>
           <a:p>
             <a:r>
-              <a:rPr lang="en-GB" sz="1500" b="1" dirty="0">
+              <a:rPr lang="en-GB" sz="2000" b="1" dirty="0">
                 <a:effectLst/>
                 <a:latin typeface="Consolas" panose="020B0609020204030204" pitchFamily="49" charset="0"/>
                 <a:cs typeface="Consolas" panose="020B0609020204030204" pitchFamily="49" charset="0"/>
@@ -9993,12 +9863,501 @@
           </a:p>
           <a:p>
             <a:r>
-              <a:rPr lang="en-GB" sz="1500" b="1" dirty="0">
+              <a:rPr lang="en-GB" sz="2000" b="1" dirty="0">
                 <a:effectLst/>
                 <a:latin typeface="Consolas" panose="020B0609020204030204" pitchFamily="49" charset="0"/>
                 <a:cs typeface="Consolas" panose="020B0609020204030204" pitchFamily="49" charset="0"/>
               </a:rPr>
               <a:t>}</a:t>
+            </a:r>
+          </a:p>
+        </p:txBody>
+      </p:sp>
+      <p:sp>
+        <p:nvSpPr>
+          <p:cNvPr id="7" name="AutoShape 7">
+            <a:extLst>
+              <a:ext uri="{FF2B5EF4-FFF2-40B4-BE49-F238E27FC236}">
+                <a16:creationId xmlns:a16="http://schemas.microsoft.com/office/drawing/2014/main" id="{4881D366-EF0C-5995-5857-6A7F78DEFDC0}"/>
+              </a:ext>
+            </a:extLst>
+          </p:cNvPr>
+          <p:cNvSpPr>
+            <a:spLocks noChangeArrowheads="1"/>
+          </p:cNvSpPr>
+          <p:nvPr/>
+        </p:nvSpPr>
+        <p:spPr bwMode="auto">
+          <a:xfrm>
+            <a:off x="5781000" y="2747096"/>
+            <a:ext cx="3476565" cy="442648"/>
+          </a:xfrm>
+          <a:prstGeom prst="wedgeRoundRectCallout">
+            <a:avLst>
+              <a:gd name="adj1" fmla="val -51816"/>
+              <a:gd name="adj2" fmla="val 146565"/>
+              <a:gd name="adj3" fmla="val 16667"/>
+            </a:avLst>
+          </a:prstGeom>
+          <a:solidFill>
+            <a:schemeClr val="dk2">
+              <a:alpha val="80000"/>
+            </a:schemeClr>
+          </a:solidFill>
+          <a:ln w="19050">
+            <a:solidFill>
+              <a:schemeClr val="tx1">
+                <a:lumMod val="75000"/>
+                <a:alpha val="80000"/>
+              </a:schemeClr>
+            </a:solidFill>
+          </a:ln>
+          <a:effectLst/>
+        </p:spPr>
+        <p:style>
+          <a:lnRef idx="2">
+            <a:schemeClr val="accent1">
+              <a:shade val="50000"/>
+            </a:schemeClr>
+          </a:lnRef>
+          <a:fillRef idx="1001">
+            <a:schemeClr val="dk2"/>
+          </a:fillRef>
+          <a:effectRef idx="0">
+            <a:schemeClr val="accent1"/>
+          </a:effectRef>
+          <a:fontRef idx="minor">
+            <a:schemeClr val="lt1"/>
+          </a:fontRef>
+        </p:style>
+        <p:txBody>
+          <a:bodyPr rot="0" spcFirstLastPara="0" vertOverflow="overflow" horzOverflow="overflow" vert="horz" wrap="square" lIns="91416" tIns="45708" rIns="91416" bIns="45708" numCol="1" spcCol="0" rtlCol="0" fromWordArt="0" anchor="ctr" anchorCtr="0" forceAA="0" compatLnSpc="1">
+            <a:prstTxWarp prst="textNoShape">
+              <a:avLst/>
+            </a:prstTxWarp>
+            <a:spAutoFit/>
+          </a:bodyPr>
+          <a:lstStyle/>
+          <a:p>
+            <a:pPr algn="ctr" eaLnBrk="0" hangingPunct="0"/>
+            <a:r>
+              <a:rPr lang="bg-BG" sz="2000" b="1" noProof="1">
+                <a:solidFill>
+                  <a:schemeClr val="accent1">
+                    <a:lumMod val="60000"/>
+                    <a:lumOff val="40000"/>
+                  </a:schemeClr>
+                </a:solidFill>
+              </a:rPr>
+              <a:t>Хеширане</a:t>
+            </a:r>
+            <a:r>
+              <a:rPr lang="bg-BG" sz="2000" b="1" noProof="1">
+                <a:solidFill>
+                  <a:schemeClr val="bg2"/>
+                </a:solidFill>
+              </a:rPr>
+              <a:t> на </a:t>
+            </a:r>
+            <a:r>
+              <a:rPr lang="bg-BG" sz="2000" b="1" noProof="1">
+                <a:solidFill>
+                  <a:schemeClr val="accent1">
+                    <a:lumMod val="60000"/>
+                    <a:lumOff val="40000"/>
+                  </a:schemeClr>
+                </a:solidFill>
+              </a:rPr>
+              <a:t>парола</a:t>
+            </a:r>
+            <a:endParaRPr lang="en-US" sz="2000" b="1" noProof="1">
+              <a:solidFill>
+                <a:schemeClr val="accent1">
+                  <a:lumMod val="60000"/>
+                  <a:lumOff val="40000"/>
+                </a:schemeClr>
+              </a:solidFill>
+            </a:endParaRPr>
+          </a:p>
+        </p:txBody>
+      </p:sp>
+      <p:sp>
+        <p:nvSpPr>
+          <p:cNvPr id="8" name="AutoShape 7">
+            <a:extLst>
+              <a:ext uri="{FF2B5EF4-FFF2-40B4-BE49-F238E27FC236}">
+                <a16:creationId xmlns:a16="http://schemas.microsoft.com/office/drawing/2014/main" id="{F16F267F-FA55-5570-B70E-0A1337AA77D6}"/>
+              </a:ext>
+            </a:extLst>
+          </p:cNvPr>
+          <p:cNvSpPr>
+            <a:spLocks noChangeArrowheads="1"/>
+          </p:cNvSpPr>
+          <p:nvPr/>
+        </p:nvSpPr>
+        <p:spPr bwMode="auto">
+          <a:xfrm>
+            <a:off x="7252124" y="3400255"/>
+            <a:ext cx="4591738" cy="783166"/>
+          </a:xfrm>
+          <a:prstGeom prst="wedgeRoundRectCallout">
+            <a:avLst>
+              <a:gd name="adj1" fmla="val -60589"/>
+              <a:gd name="adj2" fmla="val 56974"/>
+              <a:gd name="adj3" fmla="val 16667"/>
+            </a:avLst>
+          </a:prstGeom>
+          <a:solidFill>
+            <a:schemeClr val="dk2">
+              <a:alpha val="80000"/>
+            </a:schemeClr>
+          </a:solidFill>
+          <a:ln w="19050">
+            <a:solidFill>
+              <a:schemeClr val="tx1">
+                <a:lumMod val="75000"/>
+                <a:alpha val="80000"/>
+              </a:schemeClr>
+            </a:solidFill>
+          </a:ln>
+          <a:effectLst/>
+        </p:spPr>
+        <p:style>
+          <a:lnRef idx="2">
+            <a:schemeClr val="accent1">
+              <a:shade val="50000"/>
+            </a:schemeClr>
+          </a:lnRef>
+          <a:fillRef idx="1001">
+            <a:schemeClr val="dk2"/>
+          </a:fillRef>
+          <a:effectRef idx="0">
+            <a:schemeClr val="accent1"/>
+          </a:effectRef>
+          <a:fontRef idx="minor">
+            <a:schemeClr val="lt1"/>
+          </a:fontRef>
+        </p:style>
+        <p:txBody>
+          <a:bodyPr rot="0" spcFirstLastPara="0" vertOverflow="overflow" horzOverflow="overflow" vert="horz" wrap="square" lIns="91416" tIns="45708" rIns="91416" bIns="45708" numCol="1" spcCol="0" rtlCol="0" fromWordArt="0" anchor="ctr" anchorCtr="0" forceAA="0" compatLnSpc="1">
+            <a:prstTxWarp prst="textNoShape">
+              <a:avLst/>
+            </a:prstTxWarp>
+            <a:spAutoFit/>
+          </a:bodyPr>
+          <a:lstStyle/>
+          <a:p>
+            <a:pPr algn="ctr" eaLnBrk="0" hangingPunct="0"/>
+            <a:r>
+              <a:rPr lang="bg-BG" sz="2000" b="1" noProof="1">
+                <a:solidFill>
+                  <a:schemeClr val="bg2"/>
+                </a:solidFill>
+              </a:rPr>
+              <a:t>Генериране на </a:t>
+            </a:r>
+            <a:r>
+              <a:rPr lang="bg-BG" sz="2000" b="1" noProof="1">
+                <a:solidFill>
+                  <a:schemeClr val="accent1">
+                    <a:lumMod val="60000"/>
+                    <a:lumOff val="40000"/>
+                  </a:schemeClr>
+                </a:solidFill>
+              </a:rPr>
+              <a:t>хеш</a:t>
+            </a:r>
+            <a:r>
+              <a:rPr lang="bg-BG" sz="2000" b="1" noProof="1">
+                <a:solidFill>
+                  <a:schemeClr val="bg2"/>
+                </a:solidFill>
+              </a:rPr>
+              <a:t> с </a:t>
+            </a:r>
+            <a:r>
+              <a:rPr lang="bg-BG" sz="2000" b="1" noProof="1">
+                <a:solidFill>
+                  <a:schemeClr val="accent1">
+                    <a:lumMod val="60000"/>
+                    <a:lumOff val="40000"/>
+                  </a:schemeClr>
+                </a:solidFill>
+              </a:rPr>
+              <a:t>дефиниран</a:t>
+            </a:r>
+            <a:r>
+              <a:rPr lang="bg-BG" sz="2000" b="1" noProof="1">
+                <a:solidFill>
+                  <a:schemeClr val="bg2"/>
+                </a:solidFill>
+              </a:rPr>
+              <a:t> брой </a:t>
+            </a:r>
+            <a:r>
+              <a:rPr lang="bg-BG" sz="2000" b="1" noProof="1">
+                <a:solidFill>
+                  <a:schemeClr val="accent1">
+                    <a:lumMod val="60000"/>
+                    <a:lumOff val="40000"/>
+                  </a:schemeClr>
+                </a:solidFill>
+              </a:rPr>
+              <a:t>итерации</a:t>
+            </a:r>
+            <a:r>
+              <a:rPr lang="bg-BG" sz="2000" b="1" noProof="1">
+                <a:solidFill>
+                  <a:schemeClr val="bg2"/>
+                </a:solidFill>
+              </a:rPr>
+              <a:t> (по подразбиране: 12)</a:t>
+            </a:r>
+          </a:p>
+        </p:txBody>
+      </p:sp>
+      <p:sp>
+        <p:nvSpPr>
+          <p:cNvPr id="9" name="AutoShape 7">
+            <a:extLst>
+              <a:ext uri="{FF2B5EF4-FFF2-40B4-BE49-F238E27FC236}">
+                <a16:creationId xmlns:a16="http://schemas.microsoft.com/office/drawing/2014/main" id="{919814A1-1717-A6D8-2982-F9135709EF1C}"/>
+              </a:ext>
+            </a:extLst>
+          </p:cNvPr>
+          <p:cNvSpPr>
+            <a:spLocks noChangeArrowheads="1"/>
+          </p:cNvSpPr>
+          <p:nvPr/>
+        </p:nvSpPr>
+        <p:spPr bwMode="auto">
+          <a:xfrm>
+            <a:off x="95905" y="3931857"/>
+            <a:ext cx="3960000" cy="783166"/>
+          </a:xfrm>
+          <a:prstGeom prst="wedgeRoundRectCallout">
+            <a:avLst>
+              <a:gd name="adj1" fmla="val 45730"/>
+              <a:gd name="adj2" fmla="val 87738"/>
+              <a:gd name="adj3" fmla="val 16667"/>
+            </a:avLst>
+          </a:prstGeom>
+          <a:solidFill>
+            <a:schemeClr val="dk2">
+              <a:alpha val="80000"/>
+            </a:schemeClr>
+          </a:solidFill>
+          <a:ln w="19050">
+            <a:solidFill>
+              <a:schemeClr val="tx1">
+                <a:lumMod val="75000"/>
+                <a:alpha val="80000"/>
+              </a:schemeClr>
+            </a:solidFill>
+          </a:ln>
+          <a:effectLst/>
+        </p:spPr>
+        <p:style>
+          <a:lnRef idx="2">
+            <a:schemeClr val="accent1">
+              <a:shade val="50000"/>
+            </a:schemeClr>
+          </a:lnRef>
+          <a:fillRef idx="1001">
+            <a:schemeClr val="dk2"/>
+          </a:fillRef>
+          <a:effectRef idx="0">
+            <a:schemeClr val="accent1"/>
+          </a:effectRef>
+          <a:fontRef idx="minor">
+            <a:schemeClr val="lt1"/>
+          </a:fontRef>
+        </p:style>
+        <p:txBody>
+          <a:bodyPr rot="0" spcFirstLastPara="0" vertOverflow="overflow" horzOverflow="overflow" vert="horz" wrap="square" lIns="91416" tIns="45708" rIns="91416" bIns="45708" numCol="1" spcCol="0" rtlCol="0" fromWordArt="0" anchor="ctr" anchorCtr="0" forceAA="0" compatLnSpc="1">
+            <a:prstTxWarp prst="textNoShape">
+              <a:avLst/>
+            </a:prstTxWarp>
+            <a:spAutoFit/>
+          </a:bodyPr>
+          <a:lstStyle/>
+          <a:p>
+            <a:pPr algn="ctr" eaLnBrk="0" hangingPunct="0"/>
+            <a:r>
+              <a:rPr lang="bg-BG" sz="2000" b="1" noProof="1">
+                <a:solidFill>
+                  <a:schemeClr val="accent1">
+                    <a:lumMod val="60000"/>
+                    <a:lumOff val="40000"/>
+                  </a:schemeClr>
+                </a:solidFill>
+              </a:rPr>
+              <a:t>Верификация</a:t>
+            </a:r>
+            <a:r>
+              <a:rPr lang="bg-BG" sz="2000" b="1" noProof="1">
+                <a:solidFill>
+                  <a:schemeClr val="bg2"/>
+                </a:solidFill>
+              </a:rPr>
+              <a:t> на </a:t>
+            </a:r>
+            <a:r>
+              <a:rPr lang="bg-BG" sz="2000" b="1" noProof="1">
+                <a:solidFill>
+                  <a:schemeClr val="accent1">
+                    <a:lumMod val="60000"/>
+                    <a:lumOff val="40000"/>
+                  </a:schemeClr>
+                </a:solidFill>
+              </a:rPr>
+              <a:t>парола</a:t>
+            </a:r>
+            <a:r>
+              <a:rPr lang="bg-BG" sz="2000" b="1" noProof="1">
+                <a:solidFill>
+                  <a:schemeClr val="bg2"/>
+                </a:solidFill>
+              </a:rPr>
+              <a:t> спрямо </a:t>
+            </a:r>
+            <a:r>
+              <a:rPr lang="bg-BG" sz="2000" b="1" noProof="1">
+                <a:solidFill>
+                  <a:schemeClr val="accent1">
+                    <a:lumMod val="60000"/>
+                    <a:lumOff val="40000"/>
+                  </a:schemeClr>
+                </a:solidFill>
+              </a:rPr>
+              <a:t>хеша</a:t>
+            </a:r>
+          </a:p>
+        </p:txBody>
+      </p:sp>
+      <p:sp>
+        <p:nvSpPr>
+          <p:cNvPr id="10" name="AutoShape 7">
+            <a:extLst>
+              <a:ext uri="{FF2B5EF4-FFF2-40B4-BE49-F238E27FC236}">
+                <a16:creationId xmlns:a16="http://schemas.microsoft.com/office/drawing/2014/main" id="{65AB1EB7-55BB-730A-9F2C-2E37B3B2E1AE}"/>
+              </a:ext>
+            </a:extLst>
+          </p:cNvPr>
+          <p:cNvSpPr>
+            <a:spLocks noChangeArrowheads="1"/>
+          </p:cNvSpPr>
+          <p:nvPr/>
+        </p:nvSpPr>
+        <p:spPr bwMode="auto">
+          <a:xfrm>
+            <a:off x="2811000" y="6001744"/>
+            <a:ext cx="3960000" cy="783166"/>
+          </a:xfrm>
+          <a:prstGeom prst="wedgeRoundRectCallout">
+            <a:avLst>
+              <a:gd name="adj1" fmla="val 20768"/>
+              <a:gd name="adj2" fmla="val -77930"/>
+              <a:gd name="adj3" fmla="val 16667"/>
+            </a:avLst>
+          </a:prstGeom>
+          <a:solidFill>
+            <a:schemeClr val="dk2">
+              <a:alpha val="80000"/>
+            </a:schemeClr>
+          </a:solidFill>
+          <a:ln w="19050">
+            <a:solidFill>
+              <a:schemeClr val="tx1">
+                <a:lumMod val="75000"/>
+                <a:alpha val="80000"/>
+              </a:schemeClr>
+            </a:solidFill>
+          </a:ln>
+          <a:effectLst/>
+        </p:spPr>
+        <p:style>
+          <a:lnRef idx="2">
+            <a:schemeClr val="accent1">
+              <a:shade val="50000"/>
+            </a:schemeClr>
+          </a:lnRef>
+          <a:fillRef idx="1001">
+            <a:schemeClr val="dk2"/>
+          </a:fillRef>
+          <a:effectRef idx="0">
+            <a:schemeClr val="accent1"/>
+          </a:effectRef>
+          <a:fontRef idx="minor">
+            <a:schemeClr val="lt1"/>
+          </a:fontRef>
+        </p:style>
+        <p:txBody>
+          <a:bodyPr rot="0" spcFirstLastPara="0" vertOverflow="overflow" horzOverflow="overflow" vert="horz" wrap="square" lIns="91416" tIns="45708" rIns="91416" bIns="45708" numCol="1" spcCol="0" rtlCol="0" fromWordArt="0" anchor="ctr" anchorCtr="0" forceAA="0" compatLnSpc="1">
+            <a:prstTxWarp prst="textNoShape">
+              <a:avLst/>
+            </a:prstTxWarp>
+            <a:spAutoFit/>
+          </a:bodyPr>
+          <a:lstStyle/>
+          <a:p>
+            <a:pPr algn="ctr" eaLnBrk="0" hangingPunct="0"/>
+            <a:r>
+              <a:rPr lang="bg-BG" sz="2000" b="1" noProof="1">
+                <a:solidFill>
+                  <a:schemeClr val="bg2"/>
+                </a:solidFill>
+              </a:rPr>
+              <a:t>Проверка дали въведената </a:t>
+            </a:r>
+            <a:r>
+              <a:rPr lang="bg-BG" sz="2000" b="1" noProof="1">
+                <a:solidFill>
+                  <a:schemeClr val="accent1">
+                    <a:lumMod val="60000"/>
+                    <a:lumOff val="40000"/>
+                  </a:schemeClr>
+                </a:solidFill>
+              </a:rPr>
+              <a:t>парола</a:t>
+            </a:r>
+            <a:r>
+              <a:rPr lang="bg-BG" sz="2000" b="1" noProof="1">
+                <a:solidFill>
+                  <a:schemeClr val="bg2"/>
+                </a:solidFill>
+              </a:rPr>
+              <a:t> </a:t>
+            </a:r>
+            <a:r>
+              <a:rPr lang="bg-BG" sz="2000" b="1" noProof="1">
+                <a:solidFill>
+                  <a:schemeClr val="accent1">
+                    <a:lumMod val="60000"/>
+                    <a:lumOff val="40000"/>
+                  </a:schemeClr>
+                </a:solidFill>
+              </a:rPr>
+              <a:t>съвпада</a:t>
+            </a:r>
+            <a:r>
+              <a:rPr lang="bg-BG" sz="2000" b="1" noProof="1">
+                <a:solidFill>
+                  <a:schemeClr val="bg2"/>
+                </a:solidFill>
+              </a:rPr>
+              <a:t> с </a:t>
+            </a:r>
+            <a:r>
+              <a:rPr lang="bg-BG" sz="2000" b="1" noProof="1">
+                <a:solidFill>
+                  <a:schemeClr val="accent1">
+                    <a:lumMod val="60000"/>
+                    <a:lumOff val="40000"/>
+                  </a:schemeClr>
+                </a:solidFill>
+              </a:rPr>
+              <a:t>хеша</a:t>
             </a:r>
           </a:p>
         </p:txBody>
@@ -10168,6 +10527,186 @@
                       </p:childTnLst>
                     </p:cTn>
                   </p:par>
+                  <p:par>
+                    <p:cTn id="15" fill="hold">
+                      <p:stCondLst>
+                        <p:cond delay="indefinite"/>
+                      </p:stCondLst>
+                      <p:childTnLst>
+                        <p:par>
+                          <p:cTn id="16" fill="hold">
+                            <p:stCondLst>
+                              <p:cond delay="0"/>
+                            </p:stCondLst>
+                            <p:childTnLst>
+                              <p:par>
+                                <p:cTn id="17" presetID="1" presetClass="entr" presetSubtype="0" fill="hold" grpId="0" nodeType="clickEffect">
+                                  <p:stCondLst>
+                                    <p:cond delay="0"/>
+                                  </p:stCondLst>
+                                  <p:childTnLst>
+                                    <p:set>
+                                      <p:cBhvr>
+                                        <p:cTn id="18" dur="1" fill="hold">
+                                          <p:stCondLst>
+                                            <p:cond delay="0"/>
+                                          </p:stCondLst>
+                                        </p:cTn>
+                                        <p:tgtEl>
+                                          <p:spTgt spid="7"/>
+                                        </p:tgtEl>
+                                        <p:attrNameLst>
+                                          <p:attrName>style.visibility</p:attrName>
+                                        </p:attrNameLst>
+                                      </p:cBhvr>
+                                      <p:to>
+                                        <p:strVal val="visible"/>
+                                      </p:to>
+                                    </p:set>
+                                  </p:childTnLst>
+                                </p:cTn>
+                              </p:par>
+                            </p:childTnLst>
+                          </p:cTn>
+                        </p:par>
+                      </p:childTnLst>
+                    </p:cTn>
+                  </p:par>
+                  <p:par>
+                    <p:cTn id="19" fill="hold">
+                      <p:stCondLst>
+                        <p:cond delay="indefinite"/>
+                      </p:stCondLst>
+                      <p:childTnLst>
+                        <p:par>
+                          <p:cTn id="20" fill="hold">
+                            <p:stCondLst>
+                              <p:cond delay="0"/>
+                            </p:stCondLst>
+                            <p:childTnLst>
+                              <p:par>
+                                <p:cTn id="21" presetID="1" presetClass="entr" presetSubtype="0" fill="hold" grpId="0" nodeType="clickEffect">
+                                  <p:stCondLst>
+                                    <p:cond delay="0"/>
+                                  </p:stCondLst>
+                                  <p:childTnLst>
+                                    <p:set>
+                                      <p:cBhvr>
+                                        <p:cTn id="22" dur="1" fill="hold">
+                                          <p:stCondLst>
+                                            <p:cond delay="0"/>
+                                          </p:stCondLst>
+                                        </p:cTn>
+                                        <p:tgtEl>
+                                          <p:spTgt spid="8"/>
+                                        </p:tgtEl>
+                                        <p:attrNameLst>
+                                          <p:attrName>style.visibility</p:attrName>
+                                        </p:attrNameLst>
+                                      </p:cBhvr>
+                                      <p:to>
+                                        <p:strVal val="visible"/>
+                                      </p:to>
+                                    </p:set>
+                                  </p:childTnLst>
+                                </p:cTn>
+                              </p:par>
+                            </p:childTnLst>
+                          </p:cTn>
+                        </p:par>
+                      </p:childTnLst>
+                    </p:cTn>
+                  </p:par>
+                  <p:par>
+                    <p:cTn id="23" fill="hold">
+                      <p:stCondLst>
+                        <p:cond delay="indefinite"/>
+                      </p:stCondLst>
+                      <p:childTnLst>
+                        <p:par>
+                          <p:cTn id="24" fill="hold">
+                            <p:stCondLst>
+                              <p:cond delay="0"/>
+                            </p:stCondLst>
+                            <p:childTnLst>
+                              <p:par>
+                                <p:cTn id="25" presetID="1" presetClass="entr" presetSubtype="0" fill="hold" grpId="0" nodeType="clickEffect">
+                                  <p:stCondLst>
+                                    <p:cond delay="0"/>
+                                  </p:stCondLst>
+                                  <p:childTnLst>
+                                    <p:set>
+                                      <p:cBhvr>
+                                        <p:cTn id="26" dur="1" fill="hold">
+                                          <p:stCondLst>
+                                            <p:cond delay="0"/>
+                                          </p:stCondLst>
+                                        </p:cTn>
+                                        <p:tgtEl>
+                                          <p:spTgt spid="9"/>
+                                        </p:tgtEl>
+                                        <p:attrNameLst>
+                                          <p:attrName>style.visibility</p:attrName>
+                                        </p:attrNameLst>
+                                      </p:cBhvr>
+                                      <p:to>
+                                        <p:strVal val="visible"/>
+                                      </p:to>
+                                    </p:set>
+                                  </p:childTnLst>
+                                </p:cTn>
+                              </p:par>
+                            </p:childTnLst>
+                          </p:cTn>
+                        </p:par>
+                      </p:childTnLst>
+                    </p:cTn>
+                  </p:par>
+                  <p:par>
+                    <p:cTn id="27" fill="hold">
+                      <p:stCondLst>
+                        <p:cond delay="indefinite"/>
+                      </p:stCondLst>
+                      <p:childTnLst>
+                        <p:par>
+                          <p:cTn id="28" fill="hold">
+                            <p:stCondLst>
+                              <p:cond delay="0"/>
+                            </p:stCondLst>
+                            <p:childTnLst>
+                              <p:par>
+                                <p:cTn id="29" presetID="1" presetClass="entr" presetSubtype="0" fill="hold" grpId="0" nodeType="clickEffect">
+                                  <p:stCondLst>
+                                    <p:cond delay="0"/>
+                                  </p:stCondLst>
+                                  <p:childTnLst>
+                                    <p:set>
+                                      <p:cBhvr>
+                                        <p:cTn id="30" dur="1" fill="hold">
+                                          <p:stCondLst>
+                                            <p:cond delay="0"/>
+                                          </p:stCondLst>
+                                        </p:cTn>
+                                        <p:tgtEl>
+                                          <p:spTgt spid="10"/>
+                                        </p:tgtEl>
+                                        <p:attrNameLst>
+                                          <p:attrName>style.visibility</p:attrName>
+                                        </p:attrNameLst>
+                                      </p:cBhvr>
+                                      <p:to>
+                                        <p:strVal val="visible"/>
+                                      </p:to>
+                                    </p:set>
+                                  </p:childTnLst>
+                                </p:cTn>
+                              </p:par>
+                            </p:childTnLst>
+                          </p:cTn>
+                        </p:par>
+                      </p:childTnLst>
+                    </p:cTn>
+                  </p:par>
                 </p:childTnLst>
               </p:cTn>
               <p:prevCondLst>
@@ -10192,6 +10731,10 @@
     <p:bldLst>
       <p:bldP spid="5" grpId="0" animBg="1"/>
       <p:bldP spid="6" grpId="0" animBg="1"/>
+      <p:bldP spid="7" grpId="0" animBg="1"/>
+      <p:bldP spid="8" grpId="0" animBg="1"/>
+      <p:bldP spid="9" grpId="0" animBg="1"/>
+      <p:bldP spid="10" grpId="0" animBg="1"/>
     </p:bldLst>
   </p:timing>
 </p:sld>
@@ -10293,8 +10836,8 @@
         </p:nvSpPr>
         <p:spPr>
           <a:xfrm>
-            <a:off x="196033" y="1237299"/>
-            <a:ext cx="11562624" cy="5509200"/>
+            <a:off x="190406" y="1171689"/>
+            <a:ext cx="11562624" cy="5355312"/>
           </a:xfrm>
           <a:prstGeom prst="rect">
             <a:avLst/>
@@ -10322,7 +10865,7 @@
           <a:lstStyle/>
           <a:p>
             <a:r>
-              <a:rPr lang="en-GB" sz="1600" b="1" dirty="0">
+              <a:rPr lang="en-GB" b="1" dirty="0">
                 <a:effectLst/>
                 <a:latin typeface="Consolas" panose="020B0609020204030204" pitchFamily="49" charset="0"/>
                 <a:cs typeface="Consolas" panose="020B0609020204030204" pitchFamily="49" charset="0"/>
@@ -10330,7 +10873,7 @@
               <a:t>public partial class </a:t>
             </a:r>
             <a:r>
-              <a:rPr lang="en-GB" sz="1600" b="1" dirty="0">
+              <a:rPr lang="en-GB" b="1" dirty="0">
                 <a:solidFill>
                   <a:schemeClr val="bg1"/>
                 </a:solidFill>
@@ -10341,7 +10884,7 @@
               <a:t>FormLogin</a:t>
             </a:r>
             <a:r>
-              <a:rPr lang="en-GB" sz="1600" b="1" dirty="0">
+              <a:rPr lang="en-GB" b="1" dirty="0">
                 <a:effectLst/>
                 <a:latin typeface="Consolas" panose="020B0609020204030204" pitchFamily="49" charset="0"/>
                 <a:cs typeface="Consolas" panose="020B0609020204030204" pitchFamily="49" charset="0"/>
@@ -10351,7 +10894,7 @@
           </a:p>
           <a:p>
             <a:r>
-              <a:rPr lang="en-GB" sz="1600" b="1" dirty="0">
+              <a:rPr lang="en-GB" b="1" dirty="0">
                 <a:effectLst/>
                 <a:latin typeface="Consolas" panose="020B0609020204030204" pitchFamily="49" charset="0"/>
                 <a:cs typeface="Consolas" panose="020B0609020204030204" pitchFamily="49" charset="0"/>
@@ -10359,7 +10902,7 @@
               <a:t>{</a:t>
             </a:r>
             <a:r>
-              <a:rPr lang="en-US" sz="1600" b="1" dirty="0">
+              <a:rPr lang="en-US" b="1" dirty="0">
                 <a:effectLst/>
                 <a:latin typeface="Consolas" panose="020B0609020204030204" pitchFamily="49" charset="0"/>
                 <a:cs typeface="Consolas" panose="020B0609020204030204" pitchFamily="49" charset="0"/>
@@ -10367,13 +10910,13 @@
               <a:t>   </a:t>
             </a:r>
             <a:r>
-              <a:rPr lang="en-US" sz="1600" b="1" dirty="0">
+              <a:rPr lang="en-US" b="1" dirty="0">
                 <a:latin typeface="Consolas" panose="020B0609020204030204" pitchFamily="49" charset="0"/>
                 <a:cs typeface="Consolas" panose="020B0609020204030204" pitchFamily="49" charset="0"/>
               </a:rPr>
               <a:t>...</a:t>
             </a:r>
-            <a:endParaRPr lang="bg-BG" sz="1600" b="1" dirty="0">
+            <a:endParaRPr lang="bg-BG" b="1" dirty="0">
               <a:effectLst/>
               <a:latin typeface="Consolas" panose="020B0609020204030204" pitchFamily="49" charset="0"/>
               <a:cs typeface="Consolas" panose="020B0609020204030204" pitchFamily="49" charset="0"/>
@@ -10381,7 +10924,7 @@
           </a:p>
           <a:p>
             <a:r>
-              <a:rPr lang="en-GB" sz="1600" b="1" dirty="0">
+              <a:rPr lang="en-GB" b="1" dirty="0">
                 <a:effectLst/>
                 <a:latin typeface="Consolas" panose="020B0609020204030204" pitchFamily="49" charset="0"/>
                 <a:cs typeface="Consolas" panose="020B0609020204030204" pitchFamily="49" charset="0"/>
@@ -10389,7 +10932,7 @@
               <a:t>    private User </a:t>
             </a:r>
             <a:r>
-              <a:rPr lang="en-GB" sz="1600" b="1" dirty="0">
+              <a:rPr lang="en-GB" b="1" dirty="0">
                 <a:solidFill>
                   <a:schemeClr val="bg1"/>
                 </a:solidFill>
@@ -10400,7 +10943,7 @@
               <a:t>AuthenticateUser</a:t>
             </a:r>
             <a:r>
-              <a:rPr lang="en-GB" sz="1600" b="1" dirty="0">
+              <a:rPr lang="en-GB" b="1" dirty="0">
                 <a:effectLst/>
                 <a:latin typeface="Consolas" panose="020B0609020204030204" pitchFamily="49" charset="0"/>
                 <a:cs typeface="Consolas" panose="020B0609020204030204" pitchFamily="49" charset="0"/>
@@ -10410,7 +10953,7 @@
           </a:p>
           <a:p>
             <a:r>
-              <a:rPr lang="en-GB" sz="1600" b="1" dirty="0">
+              <a:rPr lang="en-GB" b="1" dirty="0">
                 <a:effectLst/>
                 <a:latin typeface="Consolas" panose="020B0609020204030204" pitchFamily="49" charset="0"/>
                 <a:cs typeface="Consolas" panose="020B0609020204030204" pitchFamily="49" charset="0"/>
@@ -10420,7 +10963,7 @@
           </a:p>
           <a:p>
             <a:r>
-              <a:rPr lang="en-GB" sz="1600" b="1" dirty="0">
+              <a:rPr lang="en-GB" b="1" dirty="0">
                 <a:effectLst/>
                 <a:latin typeface="Consolas" panose="020B0609020204030204" pitchFamily="49" charset="0"/>
                 <a:cs typeface="Consolas" panose="020B0609020204030204" pitchFamily="49" charset="0"/>
@@ -10430,7 +10973,7 @@
           </a:p>
           <a:p>
             <a:r>
-              <a:rPr lang="en-GB" sz="1600" b="1" dirty="0">
+              <a:rPr lang="en-GB" b="1" dirty="0">
                 <a:effectLst/>
                 <a:latin typeface="Consolas" panose="020B0609020204030204" pitchFamily="49" charset="0"/>
                 <a:cs typeface="Consolas" panose="020B0609020204030204" pitchFamily="49" charset="0"/>
@@ -10440,39 +10983,7 @@
           </a:p>
           <a:p>
             <a:r>
-              <a:rPr lang="en-GB" sz="1600" b="1" dirty="0">
-                <a:effectLst/>
-                <a:latin typeface="Consolas" panose="020B0609020204030204" pitchFamily="49" charset="0"/>
-                <a:cs typeface="Consolas" panose="020B0609020204030204" pitchFamily="49" charset="0"/>
-              </a:rPr>
-              <a:t>            </a:t>
-            </a:r>
-            <a:r>
-              <a:rPr lang="en-GB" sz="1600" b="1" dirty="0">
-                <a:solidFill>
-                  <a:schemeClr val="accent2"/>
-                </a:solidFill>
-                <a:effectLst/>
-                <a:latin typeface="Consolas" panose="020B0609020204030204" pitchFamily="49" charset="0"/>
-                <a:cs typeface="Consolas" panose="020B0609020204030204" pitchFamily="49" charset="0"/>
-              </a:rPr>
-              <a:t>// </a:t>
-            </a:r>
-            <a:r>
-              <a:rPr lang="bg-BG" sz="1600" b="1" dirty="0">
-                <a:solidFill>
-                  <a:schemeClr val="accent2"/>
-                </a:solidFill>
-                <a:effectLst/>
-                <a:latin typeface="Consolas" panose="020B0609020204030204" pitchFamily="49" charset="0"/>
-                <a:cs typeface="Consolas" panose="020B0609020204030204" pitchFamily="49" charset="0"/>
-              </a:rPr>
-              <a:t>Намери потребителя по потребителско име</a:t>
-            </a:r>
-          </a:p>
-          <a:p>
-            <a:r>
-              <a:rPr lang="bg-BG" sz="1600" b="1" dirty="0">
+              <a:rPr lang="bg-BG" b="1" dirty="0">
                 <a:effectLst/>
                 <a:latin typeface="Consolas" panose="020B0609020204030204" pitchFamily="49" charset="0"/>
                 <a:cs typeface="Consolas" panose="020B0609020204030204" pitchFamily="49" charset="0"/>
@@ -10480,7 +10991,7 @@
               <a:t>        </a:t>
             </a:r>
             <a:r>
-              <a:rPr lang="en-US" sz="1600" b="1" dirty="0">
+              <a:rPr lang="en-US" b="1" dirty="0">
                 <a:effectLst/>
                 <a:latin typeface="Consolas" panose="020B0609020204030204" pitchFamily="49" charset="0"/>
                 <a:cs typeface="Consolas" panose="020B0609020204030204" pitchFamily="49" charset="0"/>
@@ -10488,7 +10999,7 @@
               <a:t>    </a:t>
             </a:r>
             <a:r>
-              <a:rPr lang="en-GB" sz="1600" b="1" dirty="0">
+              <a:rPr lang="en-GB" b="1" dirty="0">
                 <a:effectLst/>
                 <a:latin typeface="Consolas" panose="020B0609020204030204" pitchFamily="49" charset="0"/>
                 <a:cs typeface="Consolas" panose="020B0609020204030204" pitchFamily="49" charset="0"/>
@@ -10496,7 +11007,7 @@
               <a:t>var </a:t>
             </a:r>
             <a:r>
-              <a:rPr lang="en-GB" sz="1600" b="1" dirty="0">
+              <a:rPr lang="en-GB" b="1" dirty="0">
                 <a:solidFill>
                   <a:schemeClr val="bg1"/>
                 </a:solidFill>
@@ -10507,7 +11018,7 @@
               <a:t>user</a:t>
             </a:r>
             <a:r>
-              <a:rPr lang="en-GB" sz="1600" b="1" dirty="0">
+              <a:rPr lang="en-GB" b="1" dirty="0">
                 <a:effectLst/>
                 <a:latin typeface="Consolas" panose="020B0609020204030204" pitchFamily="49" charset="0"/>
                 <a:cs typeface="Consolas" panose="020B0609020204030204" pitchFamily="49" charset="0"/>
@@ -10515,7 +11026,7 @@
               <a:t> = dbContext.</a:t>
             </a:r>
             <a:r>
-              <a:rPr lang="en-GB" sz="1600" b="1" dirty="0">
+              <a:rPr lang="en-GB" b="1" dirty="0">
                 <a:solidFill>
                   <a:schemeClr val="bg1"/>
                 </a:solidFill>
@@ -10526,7 +11037,7 @@
               <a:t>Users</a:t>
             </a:r>
             <a:r>
-              <a:rPr lang="en-GB" sz="1600" b="1" dirty="0">
+              <a:rPr lang="en-GB" b="1" dirty="0">
                 <a:effectLst/>
                 <a:latin typeface="Consolas" panose="020B0609020204030204" pitchFamily="49" charset="0"/>
                 <a:cs typeface="Consolas" panose="020B0609020204030204" pitchFamily="49" charset="0"/>
@@ -10534,7 +11045,7 @@
               <a:t>.</a:t>
             </a:r>
             <a:r>
-              <a:rPr lang="en-GB" sz="1600" b="1" dirty="0">
+              <a:rPr lang="en-GB" b="1" dirty="0">
                 <a:solidFill>
                   <a:schemeClr val="bg1"/>
                 </a:solidFill>
@@ -10545,7 +11056,7 @@
               <a:t>FirstOrDefault</a:t>
             </a:r>
             <a:r>
-              <a:rPr lang="en-GB" sz="1600" b="1" dirty="0">
+              <a:rPr lang="en-GB" b="1" dirty="0">
                 <a:effectLst/>
                 <a:latin typeface="Consolas" panose="020B0609020204030204" pitchFamily="49" charset="0"/>
                 <a:cs typeface="Consolas" panose="020B0609020204030204" pitchFamily="49" charset="0"/>
@@ -10553,7 +11064,7 @@
               <a:t>(u =&gt; u.</a:t>
             </a:r>
             <a:r>
-              <a:rPr lang="en-GB" sz="1600" b="1" dirty="0">
+              <a:rPr lang="en-GB" b="1" dirty="0">
                 <a:solidFill>
                   <a:schemeClr val="bg1"/>
                 </a:solidFill>
@@ -10564,7 +11075,7 @@
               <a:t>Username</a:t>
             </a:r>
             <a:r>
-              <a:rPr lang="en-GB" sz="1600" b="1" dirty="0">
+              <a:rPr lang="en-GB" b="1" dirty="0">
                 <a:effectLst/>
                 <a:latin typeface="Consolas" panose="020B0609020204030204" pitchFamily="49" charset="0"/>
                 <a:cs typeface="Consolas" panose="020B0609020204030204" pitchFamily="49" charset="0"/>
@@ -10572,7 +11083,7 @@
               <a:t> == </a:t>
             </a:r>
             <a:r>
-              <a:rPr lang="en-GB" sz="1600" b="1" dirty="0">
+              <a:rPr lang="en-GB" b="1" dirty="0">
                 <a:solidFill>
                   <a:schemeClr val="bg1"/>
                 </a:solidFill>
@@ -10583,7 +11094,7 @@
               <a:t>username</a:t>
             </a:r>
             <a:r>
-              <a:rPr lang="en-GB" sz="1600" b="1" dirty="0">
+              <a:rPr lang="en-GB" b="1" dirty="0">
                 <a:effectLst/>
                 <a:latin typeface="Consolas" panose="020B0609020204030204" pitchFamily="49" charset="0"/>
                 <a:cs typeface="Consolas" panose="020B0609020204030204" pitchFamily="49" charset="0"/>
@@ -10592,7 +11103,7 @@
             </a:r>
           </a:p>
           <a:p>
-            <a:endParaRPr lang="en-GB" sz="1600" b="1" dirty="0">
+            <a:endParaRPr lang="en-GB" b="1" dirty="0">
               <a:effectLst/>
               <a:latin typeface="Consolas" panose="020B0609020204030204" pitchFamily="49" charset="0"/>
               <a:cs typeface="Consolas" panose="020B0609020204030204" pitchFamily="49" charset="0"/>
@@ -10600,7 +11111,7 @@
           </a:p>
           <a:p>
             <a:r>
-              <a:rPr lang="en-GB" sz="1600" b="1" dirty="0">
+              <a:rPr lang="en-GB" b="1" dirty="0">
                 <a:effectLst/>
                 <a:latin typeface="Consolas" panose="020B0609020204030204" pitchFamily="49" charset="0"/>
                 <a:cs typeface="Consolas" panose="020B0609020204030204" pitchFamily="49" charset="0"/>
@@ -10608,7 +11119,7 @@
               <a:t>            </a:t>
             </a:r>
             <a:r>
-              <a:rPr lang="en-GB" sz="1600" b="1" dirty="0">
+              <a:rPr lang="en-GB" b="1" dirty="0">
                 <a:solidFill>
                   <a:schemeClr val="accent2"/>
                 </a:solidFill>
@@ -10619,7 +11130,7 @@
               <a:t>// </a:t>
             </a:r>
             <a:r>
-              <a:rPr lang="bg-BG" sz="1600" b="1" dirty="0">
+              <a:rPr lang="bg-BG" b="1" dirty="0">
                 <a:solidFill>
                   <a:schemeClr val="accent2"/>
                 </a:solidFill>
@@ -10627,12 +11138,33 @@
                 <a:latin typeface="Consolas" panose="020B0609020204030204" pitchFamily="49" charset="0"/>
                 <a:cs typeface="Consolas" panose="020B0609020204030204" pitchFamily="49" charset="0"/>
               </a:rPr>
-              <a:t>Ако съществува такъв потребител, провери дали въведената парола съответства на хеша</a:t>
-            </a:r>
-          </a:p>
-          <a:p>
-            <a:r>
-              <a:rPr lang="bg-BG" sz="1600" b="1" dirty="0">
+              <a:t>Ако </a:t>
+            </a:r>
+            <a:r>
+              <a:rPr lang="bg-BG" b="1" dirty="0">
+                <a:solidFill>
+                  <a:schemeClr val="accent2"/>
+                </a:solidFill>
+                <a:latin typeface="Consolas" panose="020B0609020204030204" pitchFamily="49" charset="0"/>
+                <a:cs typeface="Consolas" panose="020B0609020204030204" pitchFamily="49" charset="0"/>
+              </a:rPr>
+              <a:t>има</a:t>
+            </a:r>
+            <a:r>
+              <a:rPr lang="bg-BG" b="1" dirty="0">
+                <a:solidFill>
+                  <a:schemeClr val="accent2"/>
+                </a:solidFill>
+                <a:effectLst/>
+                <a:latin typeface="Consolas" panose="020B0609020204030204" pitchFamily="49" charset="0"/>
+                <a:cs typeface="Consolas" panose="020B0609020204030204" pitchFamily="49" charset="0"/>
+              </a:rPr>
+              <a:t> такъв потребител, провери дали паролата съответства на хеша</a:t>
+            </a:r>
+          </a:p>
+          <a:p>
+            <a:r>
+              <a:rPr lang="bg-BG" b="1" dirty="0">
                 <a:effectLst/>
                 <a:latin typeface="Consolas" panose="020B0609020204030204" pitchFamily="49" charset="0"/>
                 <a:cs typeface="Consolas" panose="020B0609020204030204" pitchFamily="49" charset="0"/>
@@ -10640,7 +11172,7 @@
               <a:t>        </a:t>
             </a:r>
             <a:r>
-              <a:rPr lang="en-US" sz="1600" b="1" dirty="0">
+              <a:rPr lang="en-US" b="1" dirty="0">
                 <a:effectLst/>
                 <a:latin typeface="Consolas" panose="020B0609020204030204" pitchFamily="49" charset="0"/>
                 <a:cs typeface="Consolas" panose="020B0609020204030204" pitchFamily="49" charset="0"/>
@@ -10648,7 +11180,7 @@
               <a:t>    </a:t>
             </a:r>
             <a:r>
-              <a:rPr lang="en-GB" sz="1600" b="1" dirty="0">
+              <a:rPr lang="en-GB" b="1" dirty="0">
                 <a:effectLst/>
                 <a:latin typeface="Consolas" panose="020B0609020204030204" pitchFamily="49" charset="0"/>
                 <a:cs typeface="Consolas" panose="020B0609020204030204" pitchFamily="49" charset="0"/>
@@ -10656,7 +11188,7 @@
               <a:t>if (</a:t>
             </a:r>
             <a:r>
-              <a:rPr lang="en-GB" sz="1600" b="1" dirty="0">
+              <a:rPr lang="en-GB" b="1" dirty="0">
                 <a:solidFill>
                   <a:schemeClr val="bg1"/>
                 </a:solidFill>
@@ -10667,7 +11199,7 @@
               <a:t>user</a:t>
             </a:r>
             <a:r>
-              <a:rPr lang="en-GB" sz="1600" b="1" dirty="0">
+              <a:rPr lang="en-GB" b="1" dirty="0">
                 <a:effectLst/>
                 <a:latin typeface="Consolas" panose="020B0609020204030204" pitchFamily="49" charset="0"/>
                 <a:cs typeface="Consolas" panose="020B0609020204030204" pitchFamily="49" charset="0"/>
@@ -10677,7 +11209,7 @@
           </a:p>
           <a:p>
             <a:r>
-              <a:rPr lang="en-GB" sz="1600" b="1" dirty="0">
+              <a:rPr lang="en-GB" b="1" dirty="0">
                 <a:effectLst/>
                 <a:latin typeface="Consolas" panose="020B0609020204030204" pitchFamily="49" charset="0"/>
                 <a:cs typeface="Consolas" panose="020B0609020204030204" pitchFamily="49" charset="0"/>
@@ -10687,7 +11219,7 @@
           </a:p>
           <a:p>
             <a:r>
-              <a:rPr lang="en-GB" sz="1600" b="1" dirty="0">
+              <a:rPr lang="bg-BG" b="1" dirty="0">
                 <a:effectLst/>
                 <a:latin typeface="Consolas" panose="020B0609020204030204" pitchFamily="49" charset="0"/>
                 <a:cs typeface="Consolas" panose="020B0609020204030204" pitchFamily="49" charset="0"/>
@@ -10695,28 +11227,15 @@
               <a:t>                </a:t>
             </a:r>
             <a:r>
-              <a:rPr lang="bg-BG" sz="1600" b="1" dirty="0">
-                <a:solidFill>
-                  <a:schemeClr val="accent2"/>
-                </a:solidFill>
-                <a:effectLst/>
-                <a:latin typeface="Consolas" panose="020B0609020204030204" pitchFamily="49" charset="0"/>
-                <a:cs typeface="Consolas" panose="020B0609020204030204" pitchFamily="49" charset="0"/>
-              </a:rPr>
-              <a:t>// Зареди ролята на потребителя</a:t>
-            </a:r>
-          </a:p>
-          <a:p>
-            <a:r>
-              <a:rPr lang="en-GB" sz="1600" b="1" dirty="0">
-                <a:effectLst/>
-                <a:latin typeface="Consolas" panose="020B0609020204030204" pitchFamily="49" charset="0"/>
-                <a:cs typeface="Consolas" panose="020B0609020204030204" pitchFamily="49" charset="0"/>
-              </a:rPr>
-              <a:t>                dbContext.Entry(</a:t>
-            </a:r>
-            <a:r>
-              <a:rPr lang="en-GB" sz="1600" b="1" dirty="0">
+              <a:rPr lang="en-GB" b="1" dirty="0">
+                <a:effectLst/>
+                <a:latin typeface="Consolas" panose="020B0609020204030204" pitchFamily="49" charset="0"/>
+                <a:cs typeface="Consolas" panose="020B0609020204030204" pitchFamily="49" charset="0"/>
+              </a:rPr>
+              <a:t>dbContext.Entry(</a:t>
+            </a:r>
+            <a:r>
+              <a:rPr lang="en-GB" b="1" dirty="0">
                 <a:solidFill>
                   <a:schemeClr val="bg1"/>
                 </a:solidFill>
@@ -10727,7 +11246,7 @@
               <a:t>user</a:t>
             </a:r>
             <a:r>
-              <a:rPr lang="en-GB" sz="1600" b="1" dirty="0">
+              <a:rPr lang="en-GB" b="1" dirty="0">
                 <a:effectLst/>
                 <a:latin typeface="Consolas" panose="020B0609020204030204" pitchFamily="49" charset="0"/>
                 <a:cs typeface="Consolas" panose="020B0609020204030204" pitchFamily="49" charset="0"/>
@@ -10735,7 +11254,7 @@
               <a:t>).Reference(u =&gt; u.</a:t>
             </a:r>
             <a:r>
-              <a:rPr lang="en-GB" sz="1600" b="1" dirty="0">
+              <a:rPr lang="en-GB" b="1" dirty="0">
                 <a:solidFill>
                   <a:schemeClr val="bg1"/>
                 </a:solidFill>
@@ -10746,7 +11265,7 @@
               <a:t>Role</a:t>
             </a:r>
             <a:r>
-              <a:rPr lang="en-GB" sz="1600" b="1" dirty="0">
+              <a:rPr lang="en-GB" b="1" dirty="0">
                 <a:effectLst/>
                 <a:latin typeface="Consolas" panose="020B0609020204030204" pitchFamily="49" charset="0"/>
                 <a:cs typeface="Consolas" panose="020B0609020204030204" pitchFamily="49" charset="0"/>
@@ -10754,7 +11273,7 @@
               <a:t>).</a:t>
             </a:r>
             <a:r>
-              <a:rPr lang="en-GB" sz="1600" b="1" dirty="0">
+              <a:rPr lang="en-GB" b="1" dirty="0">
                 <a:solidFill>
                   <a:schemeClr val="bg1"/>
                 </a:solidFill>
@@ -10765,7 +11284,7 @@
               <a:t>Load</a:t>
             </a:r>
             <a:r>
-              <a:rPr lang="en-GB" sz="1600" b="1" dirty="0">
+              <a:rPr lang="en-GB" b="1" dirty="0">
                 <a:effectLst/>
                 <a:latin typeface="Consolas" panose="020B0609020204030204" pitchFamily="49" charset="0"/>
                 <a:cs typeface="Consolas" panose="020B0609020204030204" pitchFamily="49" charset="0"/>
@@ -10773,13 +11292,124 @@
               <a:t>();</a:t>
             </a:r>
             <a:br>
-              <a:rPr lang="en-GB" sz="1600" b="1" dirty="0">
+              <a:rPr lang="en-GB" b="1" dirty="0">
                 <a:effectLst/>
                 <a:latin typeface="Consolas" panose="020B0609020204030204" pitchFamily="49" charset="0"/>
                 <a:cs typeface="Consolas" panose="020B0609020204030204" pitchFamily="49" charset="0"/>
               </a:rPr>
             </a:br>
-            <a:endParaRPr lang="en-GB" sz="1600" b="1" dirty="0">
+            <a:r>
+              <a:rPr lang="bg-BG" b="1" dirty="0">
+                <a:effectLst/>
+                <a:latin typeface="Consolas" panose="020B0609020204030204" pitchFamily="49" charset="0"/>
+                <a:cs typeface="Consolas" panose="020B0609020204030204" pitchFamily="49" charset="0"/>
+              </a:rPr>
+              <a:t>                </a:t>
+            </a:r>
+            <a:r>
+              <a:rPr lang="en-GB" b="1" dirty="0">
+                <a:effectLst/>
+                <a:latin typeface="Consolas" panose="020B0609020204030204" pitchFamily="49" charset="0"/>
+                <a:cs typeface="Consolas" panose="020B0609020204030204" pitchFamily="49" charset="0"/>
+              </a:rPr>
+              <a:t>if (</a:t>
+            </a:r>
+            <a:r>
+              <a:rPr lang="en-GB" b="1" dirty="0">
+                <a:solidFill>
+                  <a:schemeClr val="bg1"/>
+                </a:solidFill>
+                <a:effectLst/>
+                <a:latin typeface="Consolas" panose="020B0609020204030204" pitchFamily="49" charset="0"/>
+                <a:cs typeface="Consolas" panose="020B0609020204030204" pitchFamily="49" charset="0"/>
+              </a:rPr>
+              <a:t>PasswordHelper</a:t>
+            </a:r>
+            <a:r>
+              <a:rPr lang="en-GB" b="1" dirty="0">
+                <a:effectLst/>
+                <a:latin typeface="Consolas" panose="020B0609020204030204" pitchFamily="49" charset="0"/>
+                <a:cs typeface="Consolas" panose="020B0609020204030204" pitchFamily="49" charset="0"/>
+              </a:rPr>
+              <a:t>.</a:t>
+            </a:r>
+            <a:r>
+              <a:rPr lang="en-GB" b="1" dirty="0">
+                <a:solidFill>
+                  <a:schemeClr val="bg1"/>
+                </a:solidFill>
+                <a:effectLst/>
+                <a:latin typeface="Consolas" panose="020B0609020204030204" pitchFamily="49" charset="0"/>
+                <a:cs typeface="Consolas" panose="020B0609020204030204" pitchFamily="49" charset="0"/>
+              </a:rPr>
+              <a:t>VerifyPassword</a:t>
+            </a:r>
+            <a:r>
+              <a:rPr lang="en-GB" b="1" dirty="0">
+                <a:effectLst/>
+                <a:latin typeface="Consolas" panose="020B0609020204030204" pitchFamily="49" charset="0"/>
+                <a:cs typeface="Consolas" panose="020B0609020204030204" pitchFamily="49" charset="0"/>
+              </a:rPr>
+              <a:t>(</a:t>
+            </a:r>
+            <a:r>
+              <a:rPr lang="en-GB" b="1" dirty="0">
+                <a:solidFill>
+                  <a:schemeClr val="bg1"/>
+                </a:solidFill>
+                <a:effectLst/>
+                <a:latin typeface="Consolas" panose="020B0609020204030204" pitchFamily="49" charset="0"/>
+                <a:cs typeface="Consolas" panose="020B0609020204030204" pitchFamily="49" charset="0"/>
+              </a:rPr>
+              <a:t>password</a:t>
+            </a:r>
+            <a:r>
+              <a:rPr lang="en-GB" b="1" dirty="0">
+                <a:effectLst/>
+                <a:latin typeface="Consolas" panose="020B0609020204030204" pitchFamily="49" charset="0"/>
+                <a:cs typeface="Consolas" panose="020B0609020204030204" pitchFamily="49" charset="0"/>
+              </a:rPr>
+              <a:t>, </a:t>
+            </a:r>
+            <a:r>
+              <a:rPr lang="en-GB" b="1" dirty="0">
+                <a:solidFill>
+                  <a:schemeClr val="bg1"/>
+                </a:solidFill>
+                <a:effectLst/>
+                <a:latin typeface="Consolas" panose="020B0609020204030204" pitchFamily="49" charset="0"/>
+                <a:cs typeface="Consolas" panose="020B0609020204030204" pitchFamily="49" charset="0"/>
+              </a:rPr>
+              <a:t>user</a:t>
+            </a:r>
+            <a:r>
+              <a:rPr lang="en-GB" b="1" dirty="0">
+                <a:effectLst/>
+                <a:latin typeface="Consolas" panose="020B0609020204030204" pitchFamily="49" charset="0"/>
+                <a:cs typeface="Consolas" panose="020B0609020204030204" pitchFamily="49" charset="0"/>
+              </a:rPr>
+              <a:t>.</a:t>
+            </a:r>
+            <a:r>
+              <a:rPr lang="en-GB" b="1" dirty="0">
+                <a:solidFill>
+                  <a:schemeClr val="bg1"/>
+                </a:solidFill>
+                <a:effectLst/>
+                <a:latin typeface="Consolas" panose="020B0609020204030204" pitchFamily="49" charset="0"/>
+                <a:cs typeface="Consolas" panose="020B0609020204030204" pitchFamily="49" charset="0"/>
+              </a:rPr>
+              <a:t>PasswordHash</a:t>
+            </a:r>
+            <a:r>
+              <a:rPr lang="en-GB" b="1" dirty="0">
+                <a:effectLst/>
+                <a:latin typeface="Consolas" panose="020B0609020204030204" pitchFamily="49" charset="0"/>
+                <a:cs typeface="Consolas" panose="020B0609020204030204" pitchFamily="49" charset="0"/>
+              </a:rPr>
+              <a:t>)) </a:t>
+            </a:r>
+            <a:endParaRPr lang="bg-BG" b="1" dirty="0">
               <a:effectLst/>
               <a:latin typeface="Consolas" panose="020B0609020204030204" pitchFamily="49" charset="0"/>
               <a:cs typeface="Consolas" panose="020B0609020204030204" pitchFamily="49" charset="0"/>
@@ -10787,39 +11417,22 @@
           </a:p>
           <a:p>
             <a:r>
-              <a:rPr lang="en-GB" sz="1600" b="1" dirty="0">
-                <a:solidFill>
-                  <a:schemeClr val="accent2"/>
-                </a:solidFill>
-                <a:effectLst/>
-                <a:latin typeface="Consolas" panose="020B0609020204030204" pitchFamily="49" charset="0"/>
-                <a:cs typeface="Consolas" panose="020B0609020204030204" pitchFamily="49" charset="0"/>
-              </a:rPr>
-              <a:t>                // </a:t>
-            </a:r>
-            <a:r>
-              <a:rPr lang="bg-BG" sz="1600" b="1" dirty="0">
-                <a:solidFill>
-                  <a:schemeClr val="accent2"/>
-                </a:solidFill>
-                <a:effectLst/>
-                <a:latin typeface="Consolas" panose="020B0609020204030204" pitchFamily="49" charset="0"/>
-                <a:cs typeface="Consolas" panose="020B0609020204030204" pitchFamily="49" charset="0"/>
-              </a:rPr>
-              <a:t>Провери хеша на паролата</a:t>
-            </a:r>
-          </a:p>
-          <a:p>
-            <a:r>
-              <a:rPr lang="en-GB" sz="1600" b="1" dirty="0">
-                <a:effectLst/>
-                <a:latin typeface="Consolas" panose="020B0609020204030204" pitchFamily="49" charset="0"/>
-                <a:cs typeface="Consolas" panose="020B0609020204030204" pitchFamily="49" charset="0"/>
-              </a:rPr>
-              <a:t>                if (</a:t>
-            </a:r>
-            <a:r>
-              <a:rPr lang="en-GB" sz="1600" b="1" dirty="0">
+              <a:rPr lang="bg-BG" b="1" dirty="0">
+                <a:latin typeface="Consolas" panose="020B0609020204030204" pitchFamily="49" charset="0"/>
+                <a:cs typeface="Consolas" panose="020B0609020204030204" pitchFamily="49" charset="0"/>
+              </a:rPr>
+              <a:t>                    </a:t>
+            </a:r>
+            <a:r>
+              <a:rPr lang="en-GB" b="1" dirty="0">
+                <a:effectLst/>
+                <a:latin typeface="Consolas" panose="020B0609020204030204" pitchFamily="49" charset="0"/>
+                <a:cs typeface="Consolas" panose="020B0609020204030204" pitchFamily="49" charset="0"/>
+              </a:rPr>
+              <a:t>return </a:t>
+            </a:r>
+            <a:r>
+              <a:rPr lang="en-GB" b="1" dirty="0">
                 <a:solidFill>
                   <a:schemeClr val="bg1"/>
                 </a:solidFill>
@@ -10827,105 +11440,10 @@
                 <a:latin typeface="Consolas" panose="020B0609020204030204" pitchFamily="49" charset="0"/>
                 <a:cs typeface="Consolas" panose="020B0609020204030204" pitchFamily="49" charset="0"/>
               </a:rPr>
-              <a:t>PasswordHelper</a:t>
-            </a:r>
-            <a:r>
-              <a:rPr lang="en-GB" sz="1600" b="1" dirty="0">
-                <a:effectLst/>
-                <a:latin typeface="Consolas" panose="020B0609020204030204" pitchFamily="49" charset="0"/>
-                <a:cs typeface="Consolas" panose="020B0609020204030204" pitchFamily="49" charset="0"/>
-              </a:rPr>
-              <a:t>.</a:t>
-            </a:r>
-            <a:r>
-              <a:rPr lang="en-GB" sz="1600" b="1" dirty="0">
-                <a:solidFill>
-                  <a:schemeClr val="bg1"/>
-                </a:solidFill>
-                <a:effectLst/>
-                <a:latin typeface="Consolas" panose="020B0609020204030204" pitchFamily="49" charset="0"/>
-                <a:cs typeface="Consolas" panose="020B0609020204030204" pitchFamily="49" charset="0"/>
-              </a:rPr>
-              <a:t>VerifyPassword</a:t>
-            </a:r>
-            <a:r>
-              <a:rPr lang="en-GB" sz="1600" b="1" dirty="0">
-                <a:effectLst/>
-                <a:latin typeface="Consolas" panose="020B0609020204030204" pitchFamily="49" charset="0"/>
-                <a:cs typeface="Consolas" panose="020B0609020204030204" pitchFamily="49" charset="0"/>
-              </a:rPr>
-              <a:t>(</a:t>
-            </a:r>
-            <a:r>
-              <a:rPr lang="en-GB" sz="1600" b="1" dirty="0">
-                <a:solidFill>
-                  <a:schemeClr val="bg1"/>
-                </a:solidFill>
-                <a:effectLst/>
-                <a:latin typeface="Consolas" panose="020B0609020204030204" pitchFamily="49" charset="0"/>
-                <a:cs typeface="Consolas" panose="020B0609020204030204" pitchFamily="49" charset="0"/>
-              </a:rPr>
-              <a:t>password</a:t>
-            </a:r>
-            <a:r>
-              <a:rPr lang="en-GB" sz="1600" b="1" dirty="0">
-                <a:effectLst/>
-                <a:latin typeface="Consolas" panose="020B0609020204030204" pitchFamily="49" charset="0"/>
-                <a:cs typeface="Consolas" panose="020B0609020204030204" pitchFamily="49" charset="0"/>
-              </a:rPr>
-              <a:t>, </a:t>
-            </a:r>
-            <a:r>
-              <a:rPr lang="en-GB" sz="1600" b="1" dirty="0">
-                <a:solidFill>
-                  <a:schemeClr val="bg1"/>
-                </a:solidFill>
-                <a:effectLst/>
-                <a:latin typeface="Consolas" panose="020B0609020204030204" pitchFamily="49" charset="0"/>
-                <a:cs typeface="Consolas" panose="020B0609020204030204" pitchFamily="49" charset="0"/>
-              </a:rPr>
               <a:t>user</a:t>
             </a:r>
             <a:r>
-              <a:rPr lang="en-GB" sz="1600" b="1" dirty="0">
-                <a:effectLst/>
-                <a:latin typeface="Consolas" panose="020B0609020204030204" pitchFamily="49" charset="0"/>
-                <a:cs typeface="Consolas" panose="020B0609020204030204" pitchFamily="49" charset="0"/>
-              </a:rPr>
-              <a:t>.</a:t>
-            </a:r>
-            <a:r>
-              <a:rPr lang="en-GB" sz="1600" b="1" dirty="0">
-                <a:solidFill>
-                  <a:schemeClr val="bg1"/>
-                </a:solidFill>
-                <a:effectLst/>
-                <a:latin typeface="Consolas" panose="020B0609020204030204" pitchFamily="49" charset="0"/>
-                <a:cs typeface="Consolas" panose="020B0609020204030204" pitchFamily="49" charset="0"/>
-              </a:rPr>
-              <a:t>PasswordHash</a:t>
-            </a:r>
-            <a:r>
-              <a:rPr lang="en-GB" sz="1600" b="1" dirty="0">
-                <a:effectLst/>
-                <a:latin typeface="Consolas" panose="020B0609020204030204" pitchFamily="49" charset="0"/>
-                <a:cs typeface="Consolas" panose="020B0609020204030204" pitchFamily="49" charset="0"/>
-              </a:rPr>
-              <a:t>)) return </a:t>
-            </a:r>
-            <a:r>
-              <a:rPr lang="en-GB" sz="1600" b="1" dirty="0">
-                <a:solidFill>
-                  <a:schemeClr val="bg1"/>
-                </a:solidFill>
-                <a:effectLst/>
-                <a:latin typeface="Consolas" panose="020B0609020204030204" pitchFamily="49" charset="0"/>
-                <a:cs typeface="Consolas" panose="020B0609020204030204" pitchFamily="49" charset="0"/>
-              </a:rPr>
-              <a:t>user</a:t>
-            </a:r>
-            <a:r>
-              <a:rPr lang="en-GB" sz="1600" b="1" dirty="0">
+              <a:rPr lang="en-GB" b="1" dirty="0">
                 <a:effectLst/>
                 <a:latin typeface="Consolas" panose="020B0609020204030204" pitchFamily="49" charset="0"/>
                 <a:cs typeface="Consolas" panose="020B0609020204030204" pitchFamily="49" charset="0"/>
@@ -10935,7 +11453,7 @@
           </a:p>
           <a:p>
             <a:r>
-              <a:rPr lang="en-GB" sz="1600" b="1" dirty="0">
+              <a:rPr lang="en-GB" b="1" dirty="0">
                 <a:effectLst/>
                 <a:latin typeface="Consolas" panose="020B0609020204030204" pitchFamily="49" charset="0"/>
                 <a:cs typeface="Consolas" panose="020B0609020204030204" pitchFamily="49" charset="0"/>
@@ -10945,7 +11463,7 @@
           </a:p>
           <a:p>
             <a:r>
-              <a:rPr lang="en-GB" sz="1600" b="1" dirty="0">
+              <a:rPr lang="en-GB" b="1" dirty="0">
                 <a:effectLst/>
                 <a:latin typeface="Consolas" panose="020B0609020204030204" pitchFamily="49" charset="0"/>
                 <a:cs typeface="Consolas" panose="020B0609020204030204" pitchFamily="49" charset="0"/>
@@ -10955,7 +11473,7 @@
           </a:p>
           <a:p>
             <a:r>
-              <a:rPr lang="en-GB" sz="1600" b="1" dirty="0">
+              <a:rPr lang="en-GB" b="1" dirty="0">
                 <a:effectLst/>
                 <a:latin typeface="Consolas" panose="020B0609020204030204" pitchFamily="49" charset="0"/>
                 <a:cs typeface="Consolas" panose="020B0609020204030204" pitchFamily="49" charset="0"/>
@@ -10965,7 +11483,7 @@
           </a:p>
           <a:p>
             <a:r>
-              <a:rPr lang="en-GB" sz="1600" b="1" dirty="0">
+              <a:rPr lang="en-GB" b="1" dirty="0">
                 <a:effectLst/>
                 <a:latin typeface="Consolas" panose="020B0609020204030204" pitchFamily="49" charset="0"/>
                 <a:cs typeface="Consolas" panose="020B0609020204030204" pitchFamily="49" charset="0"/>
@@ -10975,12 +11493,363 @@
           </a:p>
           <a:p>
             <a:r>
-              <a:rPr lang="en-GB" sz="1600" b="1" dirty="0">
+              <a:rPr lang="en-GB" b="1" dirty="0">
                 <a:effectLst/>
                 <a:latin typeface="Consolas" panose="020B0609020204030204" pitchFamily="49" charset="0"/>
                 <a:cs typeface="Consolas" panose="020B0609020204030204" pitchFamily="49" charset="0"/>
               </a:rPr>
               <a:t>}</a:t>
+            </a:r>
+          </a:p>
+        </p:txBody>
+      </p:sp>
+      <p:sp>
+        <p:nvSpPr>
+          <p:cNvPr id="7" name="AutoShape 7">
+            <a:extLst>
+              <a:ext uri="{FF2B5EF4-FFF2-40B4-BE49-F238E27FC236}">
+                <a16:creationId xmlns:a16="http://schemas.microsoft.com/office/drawing/2014/main" id="{69A6E294-AE48-A6CB-D606-2E2D37ACA24D}"/>
+              </a:ext>
+            </a:extLst>
+          </p:cNvPr>
+          <p:cNvSpPr>
+            <a:spLocks noChangeArrowheads="1"/>
+          </p:cNvSpPr>
+          <p:nvPr/>
+        </p:nvSpPr>
+        <p:spPr bwMode="auto">
+          <a:xfrm>
+            <a:off x="8031000" y="1989000"/>
+            <a:ext cx="3476565" cy="783166"/>
+          </a:xfrm>
+          <a:prstGeom prst="wedgeRoundRectCallout">
+            <a:avLst>
+              <a:gd name="adj1" fmla="val -81317"/>
+              <a:gd name="adj2" fmla="val 58208"/>
+              <a:gd name="adj3" fmla="val 16667"/>
+            </a:avLst>
+          </a:prstGeom>
+          <a:solidFill>
+            <a:schemeClr val="dk2">
+              <a:alpha val="80000"/>
+            </a:schemeClr>
+          </a:solidFill>
+          <a:ln w="19050">
+            <a:solidFill>
+              <a:schemeClr val="tx1">
+                <a:lumMod val="75000"/>
+                <a:alpha val="80000"/>
+              </a:schemeClr>
+            </a:solidFill>
+          </a:ln>
+          <a:effectLst/>
+        </p:spPr>
+        <p:style>
+          <a:lnRef idx="2">
+            <a:schemeClr val="accent1">
+              <a:shade val="50000"/>
+            </a:schemeClr>
+          </a:lnRef>
+          <a:fillRef idx="1001">
+            <a:schemeClr val="dk2"/>
+          </a:fillRef>
+          <a:effectRef idx="0">
+            <a:schemeClr val="accent1"/>
+          </a:effectRef>
+          <a:fontRef idx="minor">
+            <a:schemeClr val="lt1"/>
+          </a:fontRef>
+        </p:style>
+        <p:txBody>
+          <a:bodyPr rot="0" spcFirstLastPara="0" vertOverflow="overflow" horzOverflow="overflow" vert="horz" wrap="square" lIns="91416" tIns="45708" rIns="91416" bIns="45708" numCol="1" spcCol="0" rtlCol="0" fromWordArt="0" anchor="ctr" anchorCtr="0" forceAA="0" compatLnSpc="1">
+            <a:prstTxWarp prst="textNoShape">
+              <a:avLst/>
+            </a:prstTxWarp>
+            <a:spAutoFit/>
+          </a:bodyPr>
+          <a:lstStyle/>
+          <a:p>
+            <a:pPr algn="ctr" eaLnBrk="0" hangingPunct="0"/>
+            <a:r>
+              <a:rPr lang="bg-BG" sz="2000" b="1" noProof="1">
+                <a:solidFill>
+                  <a:schemeClr val="bg2"/>
+                </a:solidFill>
+              </a:rPr>
+              <a:t>Намери </a:t>
+            </a:r>
+            <a:r>
+              <a:rPr lang="bg-BG" sz="2000" b="1" noProof="1">
+                <a:solidFill>
+                  <a:schemeClr val="accent1">
+                    <a:lumMod val="60000"/>
+                    <a:lumOff val="40000"/>
+                  </a:schemeClr>
+                </a:solidFill>
+              </a:rPr>
+              <a:t>потребителя</a:t>
+            </a:r>
+            <a:r>
+              <a:rPr lang="bg-BG" sz="2000" b="1" noProof="1">
+                <a:solidFill>
+                  <a:schemeClr val="bg2"/>
+                </a:solidFill>
+              </a:rPr>
+              <a:t> по </a:t>
+            </a:r>
+            <a:r>
+              <a:rPr lang="bg-BG" sz="2000" b="1" noProof="1">
+                <a:solidFill>
+                  <a:schemeClr val="accent1">
+                    <a:lumMod val="60000"/>
+                    <a:lumOff val="40000"/>
+                  </a:schemeClr>
+                </a:solidFill>
+              </a:rPr>
+              <a:t>потребителско</a:t>
+            </a:r>
+            <a:r>
+              <a:rPr lang="bg-BG" sz="2000" b="1" noProof="1">
+                <a:solidFill>
+                  <a:schemeClr val="bg2"/>
+                </a:solidFill>
+              </a:rPr>
+              <a:t> </a:t>
+            </a:r>
+            <a:r>
+              <a:rPr lang="bg-BG" sz="2000" b="1" noProof="1">
+                <a:solidFill>
+                  <a:schemeClr val="accent1">
+                    <a:lumMod val="60000"/>
+                    <a:lumOff val="40000"/>
+                  </a:schemeClr>
+                </a:solidFill>
+              </a:rPr>
+              <a:t>име</a:t>
+            </a:r>
+          </a:p>
+        </p:txBody>
+      </p:sp>
+      <p:sp>
+        <p:nvSpPr>
+          <p:cNvPr id="8" name="AutoShape 7">
+            <a:extLst>
+              <a:ext uri="{FF2B5EF4-FFF2-40B4-BE49-F238E27FC236}">
+                <a16:creationId xmlns:a16="http://schemas.microsoft.com/office/drawing/2014/main" id="{B270033B-A7A7-79EF-98C5-A17707D79907}"/>
+              </a:ext>
+            </a:extLst>
+          </p:cNvPr>
+          <p:cNvSpPr>
+            <a:spLocks noChangeArrowheads="1"/>
+          </p:cNvSpPr>
+          <p:nvPr/>
+        </p:nvSpPr>
+        <p:spPr bwMode="auto">
+          <a:xfrm>
+            <a:off x="4926000" y="5564617"/>
+            <a:ext cx="3476565" cy="442648"/>
+          </a:xfrm>
+          <a:prstGeom prst="wedgeRoundRectCallout">
+            <a:avLst>
+              <a:gd name="adj1" fmla="val -7032"/>
+              <a:gd name="adj2" fmla="val -211966"/>
+              <a:gd name="adj3" fmla="val 16667"/>
+            </a:avLst>
+          </a:prstGeom>
+          <a:solidFill>
+            <a:schemeClr val="dk2">
+              <a:alpha val="80000"/>
+            </a:schemeClr>
+          </a:solidFill>
+          <a:ln w="19050">
+            <a:solidFill>
+              <a:schemeClr val="tx1">
+                <a:lumMod val="75000"/>
+                <a:alpha val="80000"/>
+              </a:schemeClr>
+            </a:solidFill>
+          </a:ln>
+          <a:effectLst/>
+        </p:spPr>
+        <p:style>
+          <a:lnRef idx="2">
+            <a:schemeClr val="accent1">
+              <a:shade val="50000"/>
+            </a:schemeClr>
+          </a:lnRef>
+          <a:fillRef idx="1001">
+            <a:schemeClr val="dk2"/>
+          </a:fillRef>
+          <a:effectRef idx="0">
+            <a:schemeClr val="accent1"/>
+          </a:effectRef>
+          <a:fontRef idx="minor">
+            <a:schemeClr val="lt1"/>
+          </a:fontRef>
+        </p:style>
+        <p:txBody>
+          <a:bodyPr rot="0" spcFirstLastPara="0" vertOverflow="overflow" horzOverflow="overflow" vert="horz" wrap="square" lIns="91416" tIns="45708" rIns="91416" bIns="45708" numCol="1" spcCol="0" rtlCol="0" fromWordArt="0" anchor="ctr" anchorCtr="0" forceAA="0" compatLnSpc="1">
+            <a:prstTxWarp prst="textNoShape">
+              <a:avLst/>
+            </a:prstTxWarp>
+            <a:spAutoFit/>
+          </a:bodyPr>
+          <a:lstStyle/>
+          <a:p>
+            <a:pPr algn="ctr" eaLnBrk="0" hangingPunct="0"/>
+            <a:r>
+              <a:rPr lang="bg-BG" sz="2000" b="1" noProof="1">
+                <a:solidFill>
+                  <a:schemeClr val="bg2"/>
+                </a:solidFill>
+              </a:rPr>
+              <a:t>Провери </a:t>
+            </a:r>
+            <a:r>
+              <a:rPr lang="bg-BG" sz="2000" b="1" noProof="1">
+                <a:solidFill>
+                  <a:schemeClr val="accent1">
+                    <a:lumMod val="60000"/>
+                    <a:lumOff val="40000"/>
+                  </a:schemeClr>
+                </a:solidFill>
+              </a:rPr>
+              <a:t>хеша</a:t>
+            </a:r>
+            <a:r>
+              <a:rPr lang="bg-BG" sz="2000" b="1" noProof="1">
+                <a:solidFill>
+                  <a:schemeClr val="bg2"/>
+                </a:solidFill>
+              </a:rPr>
+              <a:t> на </a:t>
+            </a:r>
+            <a:r>
+              <a:rPr lang="bg-BG" sz="2000" b="1" noProof="1">
+                <a:solidFill>
+                  <a:schemeClr val="accent1">
+                    <a:lumMod val="60000"/>
+                    <a:lumOff val="40000"/>
+                  </a:schemeClr>
+                </a:solidFill>
+              </a:rPr>
+              <a:t>паролата</a:t>
+            </a:r>
+          </a:p>
+        </p:txBody>
+      </p:sp>
+      <p:sp>
+        <p:nvSpPr>
+          <p:cNvPr id="9" name="AutoShape 7">
+            <a:extLst>
+              <a:ext uri="{FF2B5EF4-FFF2-40B4-BE49-F238E27FC236}">
+                <a16:creationId xmlns:a16="http://schemas.microsoft.com/office/drawing/2014/main" id="{0CFAD69B-2B59-85DB-AA94-1D08A80A6277}"/>
+              </a:ext>
+            </a:extLst>
+          </p:cNvPr>
+          <p:cNvSpPr>
+            <a:spLocks noChangeArrowheads="1"/>
+          </p:cNvSpPr>
+          <p:nvPr/>
+        </p:nvSpPr>
+        <p:spPr bwMode="auto">
+          <a:xfrm>
+            <a:off x="8166000" y="3197894"/>
+            <a:ext cx="3476565" cy="783166"/>
+          </a:xfrm>
+          <a:prstGeom prst="wedgeRoundRectCallout">
+            <a:avLst>
+              <a:gd name="adj1" fmla="val -46129"/>
+              <a:gd name="adj2" fmla="val 83453"/>
+              <a:gd name="adj3" fmla="val 16667"/>
+            </a:avLst>
+          </a:prstGeom>
+          <a:solidFill>
+            <a:schemeClr val="dk2">
+              <a:alpha val="80000"/>
+            </a:schemeClr>
+          </a:solidFill>
+          <a:ln w="19050">
+            <a:solidFill>
+              <a:schemeClr val="tx1">
+                <a:lumMod val="75000"/>
+                <a:alpha val="80000"/>
+              </a:schemeClr>
+            </a:solidFill>
+          </a:ln>
+          <a:effectLst/>
+        </p:spPr>
+        <p:style>
+          <a:lnRef idx="2">
+            <a:schemeClr val="accent1">
+              <a:shade val="50000"/>
+            </a:schemeClr>
+          </a:lnRef>
+          <a:fillRef idx="1001">
+            <a:schemeClr val="dk2"/>
+          </a:fillRef>
+          <a:effectRef idx="0">
+            <a:schemeClr val="accent1"/>
+          </a:effectRef>
+          <a:fontRef idx="minor">
+            <a:schemeClr val="lt1"/>
+          </a:fontRef>
+        </p:style>
+        <p:txBody>
+          <a:bodyPr rot="0" spcFirstLastPara="0" vertOverflow="overflow" horzOverflow="overflow" vert="horz" wrap="square" lIns="91416" tIns="45708" rIns="91416" bIns="45708" numCol="1" spcCol="0" rtlCol="0" fromWordArt="0" anchor="ctr" anchorCtr="0" forceAA="0" compatLnSpc="1">
+            <a:prstTxWarp prst="textNoShape">
+              <a:avLst/>
+            </a:prstTxWarp>
+            <a:spAutoFit/>
+          </a:bodyPr>
+          <a:lstStyle/>
+          <a:p>
+            <a:pPr algn="ctr"/>
+            <a:r>
+              <a:rPr lang="bg-BG" sz="2000" b="1" dirty="0">
+                <a:solidFill>
+                  <a:schemeClr val="bg2"/>
+                </a:solidFill>
+                <a:latin typeface="Calibri" panose="020F0502020204030204" pitchFamily="34" charset="0"/>
+                <a:cs typeface="Calibri" panose="020F0502020204030204" pitchFamily="34" charset="0"/>
+              </a:rPr>
+              <a:t>Зареди </a:t>
+            </a:r>
+            <a:r>
+              <a:rPr lang="bg-BG" sz="2000" b="1" dirty="0">
+                <a:solidFill>
+                  <a:schemeClr val="accent1">
+                    <a:lumMod val="60000"/>
+                    <a:lumOff val="40000"/>
+                  </a:schemeClr>
+                </a:solidFill>
+                <a:latin typeface="Calibri" panose="020F0502020204030204" pitchFamily="34" charset="0"/>
+                <a:cs typeface="Calibri" panose="020F0502020204030204" pitchFamily="34" charset="0"/>
+              </a:rPr>
+              <a:t>ролята</a:t>
+            </a:r>
+            <a:r>
+              <a:rPr lang="bg-BG" sz="2000" b="1" dirty="0">
+                <a:solidFill>
+                  <a:schemeClr val="bg2"/>
+                </a:solidFill>
+                <a:latin typeface="Calibri" panose="020F0502020204030204" pitchFamily="34" charset="0"/>
+                <a:cs typeface="Calibri" panose="020F0502020204030204" pitchFamily="34" charset="0"/>
+              </a:rPr>
+              <a:t> на </a:t>
+            </a:r>
+            <a:r>
+              <a:rPr lang="bg-BG" sz="2000" b="1" dirty="0">
+                <a:solidFill>
+                  <a:schemeClr val="accent1">
+                    <a:lumMod val="60000"/>
+                    <a:lumOff val="40000"/>
+                  </a:schemeClr>
+                </a:solidFill>
+                <a:latin typeface="Calibri" panose="020F0502020204030204" pitchFamily="34" charset="0"/>
+                <a:cs typeface="Calibri" panose="020F0502020204030204" pitchFamily="34" charset="0"/>
+              </a:rPr>
+              <a:t>потребителя</a:t>
             </a:r>
           </a:p>
         </p:txBody>
@@ -11003,6 +11872,176 @@
       <p:transition spd="slow" advClick="0" advTm="5000"/>
     </mc:Fallback>
   </mc:AlternateContent>
+  <p:timing>
+    <p:tnLst>
+      <p:par>
+        <p:cTn id="1" dur="indefinite" restart="never" nodeType="tmRoot">
+          <p:childTnLst>
+            <p:seq concurrent="1" nextAc="seek">
+              <p:cTn id="2" dur="indefinite" nodeType="mainSeq">
+                <p:childTnLst>
+                  <p:par>
+                    <p:cTn id="3" fill="hold">
+                      <p:stCondLst>
+                        <p:cond delay="indefinite"/>
+                      </p:stCondLst>
+                      <p:childTnLst>
+                        <p:par>
+                          <p:cTn id="4" fill="hold">
+                            <p:stCondLst>
+                              <p:cond delay="0"/>
+                            </p:stCondLst>
+                            <p:childTnLst>
+                              <p:par>
+                                <p:cTn id="5" presetID="1" presetClass="entr" presetSubtype="0" fill="hold" grpId="0" nodeType="clickEffect">
+                                  <p:stCondLst>
+                                    <p:cond delay="0"/>
+                                  </p:stCondLst>
+                                  <p:childTnLst>
+                                    <p:set>
+                                      <p:cBhvr>
+                                        <p:cTn id="6" dur="1" fill="hold">
+                                          <p:stCondLst>
+                                            <p:cond delay="0"/>
+                                          </p:stCondLst>
+                                        </p:cTn>
+                                        <p:tgtEl>
+                                          <p:spTgt spid="7"/>
+                                        </p:tgtEl>
+                                        <p:attrNameLst>
+                                          <p:attrName>style.visibility</p:attrName>
+                                        </p:attrNameLst>
+                                      </p:cBhvr>
+                                      <p:to>
+                                        <p:strVal val="visible"/>
+                                      </p:to>
+                                    </p:set>
+                                  </p:childTnLst>
+                                </p:cTn>
+                              </p:par>
+                            </p:childTnLst>
+                          </p:cTn>
+                        </p:par>
+                      </p:childTnLst>
+                    </p:cTn>
+                  </p:par>
+                  <p:par>
+                    <p:cTn id="7" fill="hold">
+                      <p:stCondLst>
+                        <p:cond delay="indefinite"/>
+                      </p:stCondLst>
+                      <p:childTnLst>
+                        <p:par>
+                          <p:cTn id="8" fill="hold">
+                            <p:stCondLst>
+                              <p:cond delay="0"/>
+                            </p:stCondLst>
+                            <p:childTnLst>
+                              <p:par>
+                                <p:cTn id="9" presetID="1" presetClass="entr" presetSubtype="0" fill="hold" grpId="0" nodeType="clickEffect">
+                                  <p:stCondLst>
+                                    <p:cond delay="0"/>
+                                  </p:stCondLst>
+                                  <p:childTnLst>
+                                    <p:set>
+                                      <p:cBhvr>
+                                        <p:cTn id="10" dur="1" fill="hold">
+                                          <p:stCondLst>
+                                            <p:cond delay="0"/>
+                                          </p:stCondLst>
+                                        </p:cTn>
+                                        <p:tgtEl>
+                                          <p:spTgt spid="9"/>
+                                        </p:tgtEl>
+                                        <p:attrNameLst>
+                                          <p:attrName>style.visibility</p:attrName>
+                                        </p:attrNameLst>
+                                      </p:cBhvr>
+                                      <p:to>
+                                        <p:strVal val="visible"/>
+                                      </p:to>
+                                    </p:set>
+                                  </p:childTnLst>
+                                </p:cTn>
+                              </p:par>
+                            </p:childTnLst>
+                          </p:cTn>
+                        </p:par>
+                      </p:childTnLst>
+                    </p:cTn>
+                  </p:par>
+                  <p:par>
+                    <p:cTn id="11" fill="hold">
+                      <p:stCondLst>
+                        <p:cond delay="indefinite"/>
+                      </p:stCondLst>
+                      <p:childTnLst>
+                        <p:par>
+                          <p:cTn id="12" fill="hold">
+                            <p:stCondLst>
+                              <p:cond delay="0"/>
+                            </p:stCondLst>
+                            <p:childTnLst>
+                              <p:par>
+                                <p:cTn id="13" presetID="1" presetClass="entr" presetSubtype="0" fill="hold" grpId="0" nodeType="clickEffect">
+                                  <p:stCondLst>
+                                    <p:cond delay="0"/>
+                                  </p:stCondLst>
+                                  <p:childTnLst>
+                                    <p:set>
+                                      <p:cBhvr>
+                                        <p:cTn id="14" dur="1" fill="hold">
+                                          <p:stCondLst>
+                                            <p:cond delay="0"/>
+                                          </p:stCondLst>
+                                        </p:cTn>
+                                        <p:tgtEl>
+                                          <p:spTgt spid="8"/>
+                                        </p:tgtEl>
+                                        <p:attrNameLst>
+                                          <p:attrName>style.visibility</p:attrName>
+                                        </p:attrNameLst>
+                                      </p:cBhvr>
+                                      <p:to>
+                                        <p:strVal val="visible"/>
+                                      </p:to>
+                                    </p:set>
+                                  </p:childTnLst>
+                                </p:cTn>
+                              </p:par>
+                            </p:childTnLst>
+                          </p:cTn>
+                        </p:par>
+                      </p:childTnLst>
+                    </p:cTn>
+                  </p:par>
+                </p:childTnLst>
+              </p:cTn>
+              <p:prevCondLst>
+                <p:cond evt="onPrev" delay="0">
+                  <p:tgtEl>
+                    <p:sldTgt/>
+                  </p:tgtEl>
+                </p:cond>
+              </p:prevCondLst>
+              <p:nextCondLst>
+                <p:cond evt="onNext" delay="0">
+                  <p:tgtEl>
+                    <p:sldTgt/>
+                  </p:tgtEl>
+                </p:cond>
+              </p:nextCondLst>
+            </p:seq>
+          </p:childTnLst>
+        </p:cTn>
+      </p:par>
+    </p:tnLst>
+    <p:bldLst>
+      <p:bldP spid="7" grpId="0" animBg="1"/>
+      <p:bldP spid="8" grpId="0" animBg="1"/>
+      <p:bldP spid="9" grpId="0" animBg="1"/>
+    </p:bldLst>
+  </p:timing>
 </p:sld>
 </file>
 
@@ -11223,7 +12262,7 @@
         </p:spPr>
         <p:txBody>
           <a:bodyPr>
-            <a:normAutofit/>
+            <a:normAutofit lnSpcReduction="10000"/>
           </a:bodyPr>
           <a:lstStyle/>
           <a:p>
@@ -11304,7 +12343,7 @@
           <a:p>
             <a:pPr lvl="1"/>
             <a:r>
-              <a:rPr lang="en-US" sz="2400" b="1" dirty="0">
+              <a:rPr lang="en-US" sz="2600" b="1" dirty="0">
                 <a:solidFill>
                   <a:schemeClr val="bg1"/>
                 </a:solidFill>
@@ -11314,66 +12353,66 @@
               <a:t>Label</a:t>
             </a:r>
             <a:r>
-              <a:rPr lang="en-US" sz="2400" dirty="0"/>
+              <a:rPr lang="en-US" sz="2600" dirty="0"/>
               <a:t> - </a:t>
             </a:r>
             <a:r>
-              <a:rPr lang="bg-BG" sz="2400" b="1" dirty="0"/>
+              <a:rPr lang="bg-BG" sz="2600" b="1" dirty="0"/>
               <a:t>име</a:t>
             </a:r>
             <a:r>
-              <a:rPr lang="bg-BG" sz="2400" dirty="0"/>
+              <a:rPr lang="bg-BG" sz="2600" dirty="0"/>
               <a:t>, </a:t>
             </a:r>
             <a:r>
-              <a:rPr lang="bg-BG" sz="2400" b="1" dirty="0"/>
+              <a:rPr lang="bg-BG" sz="2600" b="1" dirty="0"/>
               <a:t>фамилия</a:t>
             </a:r>
             <a:r>
-              <a:rPr lang="bg-BG" sz="2400" dirty="0"/>
+              <a:rPr lang="bg-BG" sz="2600" dirty="0"/>
               <a:t>, </a:t>
             </a:r>
             <a:r>
-              <a:rPr lang="bg-BG" sz="2400" b="1" dirty="0"/>
+              <a:rPr lang="bg-BG" sz="2600" b="1" dirty="0"/>
               <a:t>телефон</a:t>
             </a:r>
             <a:r>
-              <a:rPr lang="bg-BG" sz="2400" dirty="0"/>
+              <a:rPr lang="bg-BG" sz="2600" dirty="0"/>
               <a:t>, </a:t>
             </a:r>
             <a:r>
-              <a:rPr lang="bg-BG" sz="2400" b="1" dirty="0"/>
+              <a:rPr lang="bg-BG" sz="2600" b="1" dirty="0"/>
               <a:t>имейл</a:t>
             </a:r>
             <a:r>
-              <a:rPr lang="bg-BG" sz="2400" dirty="0"/>
+              <a:rPr lang="bg-BG" sz="2600" dirty="0"/>
               <a:t>, </a:t>
             </a:r>
             <a:r>
-              <a:rPr lang="bg-BG" sz="2400" b="1" dirty="0"/>
+              <a:rPr lang="bg-BG" sz="2600" b="1" dirty="0"/>
               <a:t>потребителско име</a:t>
             </a:r>
             <a:r>
-              <a:rPr lang="bg-BG" sz="2400" dirty="0"/>
+              <a:rPr lang="bg-BG" sz="2600" dirty="0"/>
               <a:t>, </a:t>
             </a:r>
             <a:r>
-              <a:rPr lang="bg-BG" sz="2400" b="1" dirty="0"/>
+              <a:rPr lang="bg-BG" sz="2600" b="1" dirty="0"/>
               <a:t>парола</a:t>
             </a:r>
             <a:r>
-              <a:rPr lang="bg-BG" sz="2400" dirty="0"/>
+              <a:rPr lang="bg-BG" sz="2600" dirty="0"/>
               <a:t>, </a:t>
             </a:r>
             <a:r>
-              <a:rPr lang="bg-BG" sz="2400" b="1" dirty="0"/>
+              <a:rPr lang="bg-BG" sz="2600" b="1" dirty="0"/>
               <a:t>потвърди парола</a:t>
             </a:r>
           </a:p>
           <a:p>
             <a:pPr lvl="1"/>
             <a:r>
-              <a:rPr lang="en-US" sz="2400" b="1" dirty="0">
+              <a:rPr lang="en-US" sz="2600" b="1" dirty="0">
                 <a:solidFill>
                   <a:schemeClr val="bg1"/>
                 </a:solidFill>
@@ -11383,66 +12422,66 @@
               <a:t>TextBox</a:t>
             </a:r>
             <a:r>
-              <a:rPr lang="en-US" sz="2400" dirty="0"/>
+              <a:rPr lang="en-US" sz="2600" dirty="0"/>
               <a:t> - </a:t>
             </a:r>
             <a:r>
-              <a:rPr lang="bg-BG" sz="2400" b="1" dirty="0"/>
+              <a:rPr lang="bg-BG" sz="2600" b="1" dirty="0"/>
               <a:t>име</a:t>
             </a:r>
             <a:r>
-              <a:rPr lang="bg-BG" sz="2400" dirty="0"/>
+              <a:rPr lang="bg-BG" sz="2600" dirty="0"/>
               <a:t>, </a:t>
             </a:r>
             <a:r>
-              <a:rPr lang="bg-BG" sz="2400" b="1" dirty="0"/>
+              <a:rPr lang="bg-BG" sz="2600" b="1" dirty="0"/>
               <a:t>фамилия</a:t>
             </a:r>
             <a:r>
-              <a:rPr lang="bg-BG" sz="2400" dirty="0"/>
+              <a:rPr lang="bg-BG" sz="2600" dirty="0"/>
               <a:t>, </a:t>
             </a:r>
             <a:r>
-              <a:rPr lang="bg-BG" sz="2400" b="1" dirty="0"/>
+              <a:rPr lang="bg-BG" sz="2600" b="1" dirty="0"/>
               <a:t>телефон</a:t>
             </a:r>
             <a:r>
-              <a:rPr lang="bg-BG" sz="2400" dirty="0"/>
+              <a:rPr lang="bg-BG" sz="2600" dirty="0"/>
               <a:t>, </a:t>
             </a:r>
             <a:r>
-              <a:rPr lang="bg-BG" sz="2400" b="1" dirty="0"/>
+              <a:rPr lang="bg-BG" sz="2600" b="1" dirty="0"/>
               <a:t>имейл</a:t>
             </a:r>
             <a:r>
-              <a:rPr lang="bg-BG" sz="2400" dirty="0"/>
+              <a:rPr lang="bg-BG" sz="2600" dirty="0"/>
               <a:t>, </a:t>
             </a:r>
             <a:r>
-              <a:rPr lang="bg-BG" sz="2400" b="1" dirty="0"/>
+              <a:rPr lang="bg-BG" sz="2600" b="1" dirty="0"/>
               <a:t>потребителско име</a:t>
             </a:r>
             <a:r>
-              <a:rPr lang="bg-BG" sz="2400" dirty="0"/>
+              <a:rPr lang="bg-BG" sz="2600" dirty="0"/>
               <a:t>, </a:t>
             </a:r>
             <a:r>
-              <a:rPr lang="bg-BG" sz="2400" b="1" dirty="0"/>
+              <a:rPr lang="bg-BG" sz="2600" b="1" dirty="0"/>
               <a:t>парола</a:t>
             </a:r>
             <a:r>
-              <a:rPr lang="bg-BG" sz="2400" dirty="0"/>
+              <a:rPr lang="bg-BG" sz="2600" dirty="0"/>
               <a:t>, </a:t>
             </a:r>
             <a:r>
-              <a:rPr lang="bg-BG" sz="2400" b="1" dirty="0"/>
+              <a:rPr lang="bg-BG" sz="2600" b="1" dirty="0"/>
               <a:t>потвърди парола</a:t>
             </a:r>
           </a:p>
           <a:p>
             <a:pPr lvl="1"/>
             <a:r>
-              <a:rPr lang="en-US" sz="2400" b="1" dirty="0">
+              <a:rPr lang="en-US" sz="2600" b="1" dirty="0">
                 <a:solidFill>
                   <a:schemeClr val="bg1"/>
                 </a:solidFill>
@@ -11452,26 +12491,26 @@
               <a:t>Button</a:t>
             </a:r>
             <a:r>
-              <a:rPr lang="en-US" sz="2400" dirty="0"/>
+              <a:rPr lang="en-US" sz="2600" dirty="0"/>
               <a:t> -</a:t>
             </a:r>
             <a:r>
-              <a:rPr lang="bg-BG" sz="2400" dirty="0"/>
+              <a:rPr lang="bg-BG" sz="2600" dirty="0"/>
               <a:t> </a:t>
             </a:r>
             <a:r>
-              <a:rPr lang="bg-BG" sz="2400" b="1" dirty="0"/>
+              <a:rPr lang="bg-BG" sz="2600" b="1" dirty="0"/>
               <a:t>регистрация</a:t>
             </a:r>
             <a:r>
-              <a:rPr lang="bg-BG" sz="2400" dirty="0"/>
+              <a:rPr lang="bg-BG" sz="2600" dirty="0"/>
               <a:t>,</a:t>
             </a:r>
             <a:r>
-              <a:rPr lang="bg-BG" sz="2400" b="1" dirty="0"/>
+              <a:rPr lang="bg-BG" sz="2600" b="1" dirty="0"/>
               <a:t> отказ</a:t>
             </a:r>
-            <a:endParaRPr lang="bg-BG" sz="2400" dirty="0">
+            <a:endParaRPr lang="bg-BG" sz="2600" dirty="0">
               <a:solidFill>
                 <a:schemeClr val="bg1"/>
               </a:solidFill>
@@ -11924,49 +12963,49 @@
           <a:lstStyle/>
           <a:p>
             <a:r>
-              <a:rPr lang="bg-BG" sz="3200" dirty="0"/>
+              <a:rPr lang="bg-BG" sz="3400" dirty="0"/>
               <a:t>Задаваме следните </a:t>
             </a:r>
             <a:r>
-              <a:rPr lang="bg-BG" sz="3200" b="1" dirty="0"/>
+              <a:rPr lang="bg-BG" sz="3400" b="1" dirty="0"/>
               <a:t>свойства</a:t>
             </a:r>
             <a:r>
+              <a:rPr lang="en-US" sz="3400" dirty="0"/>
+              <a:t> </a:t>
+            </a:r>
+            <a:r>
+              <a:rPr lang="bg-BG" sz="3400" dirty="0"/>
+              <a:t>на </a:t>
+            </a:r>
+            <a:r>
+              <a:rPr lang="bg-BG" sz="3400" b="1" dirty="0"/>
+              <a:t>формата</a:t>
+            </a:r>
+            <a:r>
+              <a:rPr lang="en-US" sz="3400" dirty="0"/>
+              <a:t>:</a:t>
+            </a:r>
+          </a:p>
+          <a:p>
+            <a:pPr lvl="1"/>
+            <a:r>
+              <a:rPr lang="en-US" sz="3200" b="1" dirty="0"/>
+              <a:t>StartPosition</a:t>
+            </a:r>
+            <a:r>
               <a:rPr lang="en-US" sz="3200" dirty="0"/>
-              <a:t> </a:t>
-            </a:r>
-            <a:r>
-              <a:rPr lang="bg-BG" sz="3200" dirty="0"/>
-              <a:t>на </a:t>
-            </a:r>
-            <a:r>
-              <a:rPr lang="bg-BG" sz="3200" b="1" dirty="0"/>
-              <a:t>формата</a:t>
-            </a:r>
-            <a:r>
-              <a:rPr lang="en-US" sz="3200" dirty="0"/>
-              <a:t>:</a:t>
-            </a:r>
-          </a:p>
-          <a:p>
-            <a:pPr lvl="1"/>
-            <a:r>
-              <a:rPr lang="en-US" sz="3000" b="1" dirty="0"/>
-              <a:t>StartPosition</a:t>
-            </a:r>
-            <a:r>
-              <a:rPr lang="en-US" sz="3000" dirty="0"/>
               <a:t> - </a:t>
             </a:r>
             <a:r>
-              <a:rPr lang="en-US" sz="3000" b="1" dirty="0">
+              <a:rPr lang="en-US" sz="3200" b="1" dirty="0">
                 <a:solidFill>
                   <a:schemeClr val="bg1"/>
                 </a:solidFill>
               </a:rPr>
               <a:t>CenterParent</a:t>
             </a:r>
-            <a:endParaRPr lang="bg-BG" sz="3000" b="1" dirty="0">
+            <a:endParaRPr lang="bg-BG" sz="3200" b="1" dirty="0">
               <a:solidFill>
                 <a:schemeClr val="bg1"/>
               </a:solidFill>
@@ -11975,15 +13014,15 @@
           <a:p>
             <a:pPr lvl="1"/>
             <a:r>
-              <a:rPr lang="en-US" sz="3000" b="1" dirty="0"/>
+              <a:rPr lang="en-US" sz="3200" b="1" dirty="0"/>
               <a:t>FormBorderStyle</a:t>
             </a:r>
             <a:r>
-              <a:rPr lang="en-US" sz="3000" dirty="0"/>
+              <a:rPr lang="en-US" sz="3200" dirty="0"/>
               <a:t> - </a:t>
             </a:r>
             <a:r>
-              <a:rPr lang="en-US" sz="3000" b="1" dirty="0">
+              <a:rPr lang="en-US" sz="3200" b="1" dirty="0">
                 <a:solidFill>
                   <a:schemeClr val="bg1"/>
                 </a:solidFill>
@@ -11994,15 +13033,15 @@
           <a:p>
             <a:pPr lvl="1"/>
             <a:r>
-              <a:rPr lang="en-US" sz="3000" b="1" dirty="0"/>
+              <a:rPr lang="en-US" sz="3200" b="1" dirty="0"/>
               <a:t>MaximizeBox</a:t>
             </a:r>
             <a:r>
-              <a:rPr lang="en-US" sz="3000" dirty="0"/>
+              <a:rPr lang="en-US" sz="3200" dirty="0"/>
               <a:t> - </a:t>
             </a:r>
             <a:r>
-              <a:rPr lang="en-US" sz="3000" b="1" dirty="0">
+              <a:rPr lang="en-US" sz="3200" b="1" dirty="0">
                 <a:solidFill>
                   <a:schemeClr val="bg1"/>
                 </a:solidFill>
@@ -12013,15 +13052,15 @@
           <a:p>
             <a:pPr lvl="1"/>
             <a:r>
-              <a:rPr lang="en-US" sz="3000" b="1" dirty="0"/>
+              <a:rPr lang="en-US" sz="3200" b="1" dirty="0"/>
               <a:t>MinimizeBox</a:t>
             </a:r>
             <a:r>
-              <a:rPr lang="en-US" sz="3000" dirty="0"/>
+              <a:rPr lang="en-US" sz="3200" dirty="0"/>
               <a:t> - </a:t>
             </a:r>
             <a:r>
-              <a:rPr lang="en-US" sz="3000" b="1" dirty="0">
+              <a:rPr lang="en-US" sz="3200" b="1" dirty="0">
                 <a:solidFill>
                   <a:schemeClr val="bg1"/>
                 </a:solidFill>
@@ -12964,8 +14003,8 @@
         </p:nvSpPr>
         <p:spPr>
           <a:xfrm>
-            <a:off x="190406" y="1428687"/>
-            <a:ext cx="11562624" cy="5078313"/>
+            <a:off x="182217" y="1300188"/>
+            <a:ext cx="11562624" cy="5355312"/>
           </a:xfrm>
           <a:prstGeom prst="rect">
             <a:avLst/>
@@ -12993,7 +14032,7 @@
           <a:lstStyle/>
           <a:p>
             <a:r>
-              <a:rPr lang="en-GB" sz="1200" b="1" dirty="0">
+              <a:rPr lang="en-GB" b="1" dirty="0">
                 <a:effectLst/>
                 <a:latin typeface="Consolas" panose="020B0609020204030204" pitchFamily="49" charset="0"/>
                 <a:cs typeface="Consolas" panose="020B0609020204030204" pitchFamily="49" charset="0"/>
@@ -13001,7 +14040,7 @@
               <a:t>private void </a:t>
             </a:r>
             <a:r>
-              <a:rPr lang="en-GB" sz="1200" b="1" dirty="0">
+              <a:rPr lang="en-GB" b="1" dirty="0">
                 <a:solidFill>
                   <a:schemeClr val="bg1"/>
                 </a:solidFill>
@@ -13012,7 +14051,7 @@
               <a:t>buttonRegistration_Click</a:t>
             </a:r>
             <a:r>
-              <a:rPr lang="en-GB" sz="1200" b="1" dirty="0">
+              <a:rPr lang="en-GB" b="1" dirty="0">
                 <a:effectLst/>
                 <a:latin typeface="Consolas" panose="020B0609020204030204" pitchFamily="49" charset="0"/>
                 <a:cs typeface="Consolas" panose="020B0609020204030204" pitchFamily="49" charset="0"/>
@@ -13022,7 +14061,7 @@
           </a:p>
           <a:p>
             <a:r>
-              <a:rPr lang="en-GB" sz="1200" b="1" dirty="0">
+              <a:rPr lang="en-GB" b="1" dirty="0">
                 <a:effectLst/>
                 <a:latin typeface="Consolas" panose="020B0609020204030204" pitchFamily="49" charset="0"/>
                 <a:cs typeface="Consolas" panose="020B0609020204030204" pitchFamily="49" charset="0"/>
@@ -13032,7 +14071,7 @@
           </a:p>
           <a:p>
             <a:r>
-              <a:rPr lang="en-GB" sz="1200" b="1" dirty="0">
+              <a:rPr lang="en-GB" b="1" dirty="0">
                 <a:effectLst/>
                 <a:latin typeface="Consolas" panose="020B0609020204030204" pitchFamily="49" charset="0"/>
                 <a:cs typeface="Consolas" panose="020B0609020204030204" pitchFamily="49" charset="0"/>
@@ -13040,7 +14079,7 @@
               <a:t>    if (string.</a:t>
             </a:r>
             <a:r>
-              <a:rPr lang="en-GB" sz="1200" b="1" dirty="0">
+              <a:rPr lang="en-GB" b="1" dirty="0">
                 <a:solidFill>
                   <a:schemeClr val="bg1"/>
                 </a:solidFill>
@@ -13051,7 +14090,7 @@
               <a:t>IsNullOrWhiteSpace</a:t>
             </a:r>
             <a:r>
-              <a:rPr lang="en-GB" sz="1200" b="1" dirty="0">
+              <a:rPr lang="en-GB" b="1" dirty="0">
                 <a:effectLst/>
                 <a:latin typeface="Consolas" panose="020B0609020204030204" pitchFamily="49" charset="0"/>
                 <a:cs typeface="Consolas" panose="020B0609020204030204" pitchFamily="49" charset="0"/>
@@ -13061,7 +14100,7 @@
           </a:p>
           <a:p>
             <a:r>
-              <a:rPr lang="en-GB" sz="1200" b="1" dirty="0">
+              <a:rPr lang="en-GB" b="1" dirty="0">
                 <a:effectLst/>
                 <a:latin typeface="Consolas" panose="020B0609020204030204" pitchFamily="49" charset="0"/>
                 <a:cs typeface="Consolas" panose="020B0609020204030204" pitchFamily="49" charset="0"/>
@@ -13071,7 +14110,7 @@
           </a:p>
           <a:p>
             <a:r>
-              <a:rPr lang="en-GB" sz="1200" b="1" dirty="0">
+              <a:rPr lang="en-GB" b="1" dirty="0">
                 <a:effectLst/>
                 <a:latin typeface="Consolas" panose="020B0609020204030204" pitchFamily="49" charset="0"/>
                 <a:cs typeface="Consolas" panose="020B0609020204030204" pitchFamily="49" charset="0"/>
@@ -13079,7 +14118,7 @@
               <a:t>        MessageBox.Show("</a:t>
             </a:r>
             <a:r>
-              <a:rPr lang="bg-BG" sz="1200" b="1" dirty="0">
+              <a:rPr lang="bg-BG" b="1" dirty="0">
                 <a:effectLst/>
                 <a:latin typeface="Consolas" panose="020B0609020204030204" pitchFamily="49" charset="0"/>
                 <a:cs typeface="Consolas" panose="020B0609020204030204" pitchFamily="49" charset="0"/>
@@ -13087,7 +14126,7 @@
               <a:t>Всички полета трябва да бъдат попълнени.",</a:t>
             </a:r>
             <a:r>
-              <a:rPr lang="en-US" sz="1200" b="1" dirty="0">
+              <a:rPr lang="en-US" b="1" dirty="0">
                 <a:effectLst/>
                 <a:latin typeface="Consolas" panose="020B0609020204030204" pitchFamily="49" charset="0"/>
                 <a:cs typeface="Consolas" panose="020B0609020204030204" pitchFamily="49" charset="0"/>
@@ -13095,7 +14134,7 @@
               <a:t> </a:t>
             </a:r>
             <a:r>
-              <a:rPr lang="bg-BG" sz="1200" b="1" dirty="0">
+              <a:rPr lang="bg-BG" b="1" dirty="0">
                 <a:effectLst/>
                 <a:latin typeface="Consolas" panose="020B0609020204030204" pitchFamily="49" charset="0"/>
                 <a:cs typeface="Consolas" panose="020B0609020204030204" pitchFamily="49" charset="0"/>
@@ -13103,7 +14142,7 @@
               <a:t>"Грешка", </a:t>
             </a:r>
             <a:r>
-              <a:rPr lang="en-GB" sz="1200" b="1" dirty="0">
+              <a:rPr lang="en-GB" b="1" dirty="0">
                 <a:effectLst/>
                 <a:latin typeface="Consolas" panose="020B0609020204030204" pitchFamily="49" charset="0"/>
                 <a:cs typeface="Consolas" panose="020B0609020204030204" pitchFamily="49" charset="0"/>
@@ -13113,7 +14152,7 @@
           </a:p>
           <a:p>
             <a:r>
-              <a:rPr lang="en-GB" sz="1200" b="1" dirty="0">
+              <a:rPr lang="en-GB" b="1" dirty="0">
                 <a:effectLst/>
                 <a:latin typeface="Consolas" panose="020B0609020204030204" pitchFamily="49" charset="0"/>
                 <a:cs typeface="Consolas" panose="020B0609020204030204" pitchFamily="49" charset="0"/>
@@ -13123,7 +14162,7 @@
           </a:p>
           <a:p>
             <a:r>
-              <a:rPr lang="en-GB" sz="1200" b="1" dirty="0">
+              <a:rPr lang="en-GB" b="1" dirty="0">
                 <a:effectLst/>
                 <a:latin typeface="Consolas" panose="020B0609020204030204" pitchFamily="49" charset="0"/>
                 <a:cs typeface="Consolas" panose="020B0609020204030204" pitchFamily="49" charset="0"/>
@@ -13132,7 +14171,7 @@
             </a:r>
           </a:p>
           <a:p>
-            <a:endParaRPr lang="en-GB" sz="1200" b="1" dirty="0">
+            <a:endParaRPr lang="en-GB" b="1" dirty="0">
               <a:effectLst/>
               <a:latin typeface="Consolas" panose="020B0609020204030204" pitchFamily="49" charset="0"/>
               <a:cs typeface="Consolas" panose="020B0609020204030204" pitchFamily="49" charset="0"/>
@@ -13140,7 +14179,7 @@
           </a:p>
           <a:p>
             <a:r>
-              <a:rPr lang="en-GB" sz="1200" b="1" dirty="0">
+              <a:rPr lang="en-GB" b="1" dirty="0">
                 <a:effectLst/>
                 <a:latin typeface="Consolas" panose="020B0609020204030204" pitchFamily="49" charset="0"/>
                 <a:cs typeface="Consolas" panose="020B0609020204030204" pitchFamily="49" charset="0"/>
@@ -13148,7 +14187,7 @@
               <a:t>    </a:t>
             </a:r>
             <a:r>
-              <a:rPr lang="en-US" sz="1200" b="1" dirty="0">
+              <a:rPr lang="en-US" b="1" dirty="0">
                 <a:solidFill>
                   <a:schemeClr val="accent2"/>
                 </a:solidFill>
@@ -13159,7 +14198,7 @@
               <a:t>// TODO - </a:t>
             </a:r>
             <a:r>
-              <a:rPr lang="bg-BG" sz="1200" b="1" dirty="0">
+              <a:rPr lang="bg-BG" b="1" dirty="0">
                 <a:solidFill>
                   <a:schemeClr val="accent2"/>
                 </a:solidFill>
@@ -13169,7 +14208,7 @@
               <a:t>Добавете проверки за съответствие на пароли и валиден телефонен номер (да е с дължина 10 цифри</a:t>
             </a:r>
             <a:r>
-              <a:rPr lang="en-US" sz="1200" b="1" dirty="0">
+              <a:rPr lang="en-US" b="1" dirty="0">
                 <a:solidFill>
                   <a:schemeClr val="accent2"/>
                 </a:solidFill>
@@ -13178,7 +14217,7 @@
               </a:rPr>
               <a:t>)</a:t>
             </a:r>
-            <a:endParaRPr lang="en-GB" sz="1200" b="1" dirty="0">
+            <a:endParaRPr lang="en-GB" b="1" dirty="0">
               <a:solidFill>
                 <a:schemeClr val="accent2"/>
               </a:solidFill>
@@ -13188,7 +14227,7 @@
             </a:endParaRPr>
           </a:p>
           <a:p>
-            <a:endParaRPr lang="en-GB" sz="1200" b="1" dirty="0">
+            <a:endParaRPr lang="en-GB" b="1" dirty="0">
               <a:solidFill>
                 <a:schemeClr val="accent2"/>
               </a:solidFill>
@@ -13199,7 +14238,7 @@
           </a:p>
           <a:p>
             <a:r>
-              <a:rPr lang="en-GB" sz="1200" b="1" dirty="0">
+              <a:rPr lang="en-GB" b="1" dirty="0">
                 <a:effectLst/>
                 <a:latin typeface="Consolas" panose="020B0609020204030204" pitchFamily="49" charset="0"/>
                 <a:cs typeface="Consolas" panose="020B0609020204030204" pitchFamily="49" charset="0"/>
@@ -13207,7 +14246,7 @@
               <a:t>    var </a:t>
             </a:r>
             <a:r>
-              <a:rPr lang="en-GB" sz="1200" b="1" dirty="0">
+              <a:rPr lang="en-GB" b="1" dirty="0">
                 <a:solidFill>
                   <a:schemeClr val="bg1"/>
                 </a:solidFill>
@@ -13218,7 +14257,7 @@
               <a:t>newUser</a:t>
             </a:r>
             <a:r>
-              <a:rPr lang="en-GB" sz="1200" b="1" dirty="0">
+              <a:rPr lang="en-GB" b="1" dirty="0">
                 <a:effectLst/>
                 <a:latin typeface="Consolas" panose="020B0609020204030204" pitchFamily="49" charset="0"/>
                 <a:cs typeface="Consolas" panose="020B0609020204030204" pitchFamily="49" charset="0"/>
@@ -13226,15 +14265,24 @@
               <a:t> = new User</a:t>
             </a:r>
             <a:r>
-              <a:rPr lang="bg-BG" sz="1200" b="1" dirty="0">
+              <a:rPr lang="bg-BG" b="1" dirty="0">
                 <a:effectLst/>
                 <a:latin typeface="Consolas" panose="020B0609020204030204" pitchFamily="49" charset="0"/>
                 <a:cs typeface="Consolas" panose="020B0609020204030204" pitchFamily="49" charset="0"/>
               </a:rPr>
               <a:t> </a:t>
             </a:r>
-            <a:r>
-              <a:rPr lang="en-GB" sz="1200" b="1" dirty="0">
+          </a:p>
+          <a:p>
+            <a:r>
+              <a:rPr lang="bg-BG" b="1" dirty="0">
+                <a:latin typeface="Consolas" panose="020B0609020204030204" pitchFamily="49" charset="0"/>
+                <a:cs typeface="Consolas" panose="020B0609020204030204" pitchFamily="49" charset="0"/>
+              </a:rPr>
+              <a:t>                  </a:t>
+            </a:r>
+            <a:r>
+              <a:rPr lang="en-GB" b="1" dirty="0">
                 <a:effectLst/>
                 <a:latin typeface="Consolas" panose="020B0609020204030204" pitchFamily="49" charset="0"/>
                 <a:cs typeface="Consolas" panose="020B0609020204030204" pitchFamily="49" charset="0"/>
@@ -13242,15 +14290,25 @@
               <a:t>{</a:t>
             </a:r>
             <a:r>
-              <a:rPr lang="bg-BG" sz="1200" b="1" dirty="0">
+              <a:rPr lang="bg-BG" b="1" dirty="0">
                 <a:effectLst/>
                 <a:latin typeface="Consolas" panose="020B0609020204030204" pitchFamily="49" charset="0"/>
                 <a:cs typeface="Consolas" panose="020B0609020204030204" pitchFamily="49" charset="0"/>
               </a:rPr>
               <a:t> </a:t>
             </a:r>
-            <a:r>
-              <a:rPr lang="en-GB" sz="1200" b="1" dirty="0">
+          </a:p>
+          <a:p>
+            <a:r>
+              <a:rPr lang="bg-BG" b="1" dirty="0">
+                <a:effectLst/>
+                <a:latin typeface="Consolas" panose="020B0609020204030204" pitchFamily="49" charset="0"/>
+                <a:cs typeface="Consolas" panose="020B0609020204030204" pitchFamily="49" charset="0"/>
+              </a:rPr>
+              <a:t>                      </a:t>
+            </a:r>
+            <a:r>
+              <a:rPr lang="en-GB" b="1" dirty="0">
                 <a:effectLst/>
                 <a:latin typeface="Consolas" panose="020B0609020204030204" pitchFamily="49" charset="0"/>
                 <a:cs typeface="Consolas" panose="020B0609020204030204" pitchFamily="49" charset="0"/>
@@ -13258,7 +14316,7 @@
               <a:t>Username = </a:t>
             </a:r>
             <a:r>
-              <a:rPr lang="en-GB" sz="1200" b="1" dirty="0">
+              <a:rPr lang="en-GB" b="1" dirty="0">
                 <a:solidFill>
                   <a:schemeClr val="bg1"/>
                 </a:solidFill>
@@ -13269,7 +14327,7 @@
               <a:t>textBoxUsername</a:t>
             </a:r>
             <a:r>
-              <a:rPr lang="en-GB" sz="1200" b="1" dirty="0">
+              <a:rPr lang="en-GB" b="1" dirty="0">
                 <a:effectLst/>
                 <a:latin typeface="Consolas" panose="020B0609020204030204" pitchFamily="49" charset="0"/>
                 <a:cs typeface="Consolas" panose="020B0609020204030204" pitchFamily="49" charset="0"/>
@@ -13277,7 +14335,7 @@
               <a:t>.</a:t>
             </a:r>
             <a:r>
-              <a:rPr lang="en-GB" sz="1200" b="1" dirty="0">
+              <a:rPr lang="en-GB" b="1" dirty="0">
                 <a:solidFill>
                   <a:schemeClr val="bg1"/>
                 </a:solidFill>
@@ -13288,7 +14346,7 @@
               <a:t>Text</a:t>
             </a:r>
             <a:r>
-              <a:rPr lang="en-GB" sz="1200" b="1" dirty="0">
+              <a:rPr lang="en-GB" b="1" dirty="0">
                 <a:effectLst/>
                 <a:latin typeface="Consolas" panose="020B0609020204030204" pitchFamily="49" charset="0"/>
                 <a:cs typeface="Consolas" panose="020B0609020204030204" pitchFamily="49" charset="0"/>
@@ -13296,15 +14354,25 @@
               <a:t>,</a:t>
             </a:r>
             <a:r>
-              <a:rPr lang="bg-BG" sz="1200" b="1" dirty="0">
+              <a:rPr lang="bg-BG" b="1" dirty="0">
                 <a:effectLst/>
                 <a:latin typeface="Consolas" panose="020B0609020204030204" pitchFamily="49" charset="0"/>
                 <a:cs typeface="Consolas" panose="020B0609020204030204" pitchFamily="49" charset="0"/>
               </a:rPr>
               <a:t> </a:t>
             </a:r>
-            <a:r>
-              <a:rPr lang="en-GB" sz="1200" b="1" dirty="0">
+          </a:p>
+          <a:p>
+            <a:r>
+              <a:rPr lang="bg-BG" b="1" dirty="0">
+                <a:effectLst/>
+                <a:latin typeface="Consolas" panose="020B0609020204030204" pitchFamily="49" charset="0"/>
+                <a:cs typeface="Consolas" panose="020B0609020204030204" pitchFamily="49" charset="0"/>
+              </a:rPr>
+              <a:t>                      </a:t>
+            </a:r>
+            <a:r>
+              <a:rPr lang="en-GB" b="1" dirty="0">
                 <a:effectLst/>
                 <a:latin typeface="Consolas" panose="020B0609020204030204" pitchFamily="49" charset="0"/>
                 <a:cs typeface="Consolas" panose="020B0609020204030204" pitchFamily="49" charset="0"/>
@@ -13312,7 +14380,7 @@
               <a:t>PasswordHash = </a:t>
             </a:r>
             <a:r>
-              <a:rPr lang="en-GB" sz="1200" b="1" dirty="0">
+              <a:rPr lang="en-GB" b="1" dirty="0">
                 <a:solidFill>
                   <a:schemeClr val="bg1"/>
                 </a:solidFill>
@@ -13323,7 +14391,7 @@
               <a:t>textBoxPassword</a:t>
             </a:r>
             <a:r>
-              <a:rPr lang="en-GB" sz="1200" b="1" dirty="0">
+              <a:rPr lang="en-GB" b="1" dirty="0">
                 <a:effectLst/>
                 <a:latin typeface="Consolas" panose="020B0609020204030204" pitchFamily="49" charset="0"/>
                 <a:cs typeface="Consolas" panose="020B0609020204030204" pitchFamily="49" charset="0"/>
@@ -13331,7 +14399,7 @@
               <a:t>.</a:t>
             </a:r>
             <a:r>
-              <a:rPr lang="en-GB" sz="1200" b="1" dirty="0">
+              <a:rPr lang="en-GB" b="1" dirty="0">
                 <a:solidFill>
                   <a:schemeClr val="bg1"/>
                 </a:solidFill>
@@ -13342,7 +14410,7 @@
               <a:t>Text</a:t>
             </a:r>
             <a:r>
-              <a:rPr lang="en-GB" sz="1200" b="1" dirty="0">
+              <a:rPr lang="en-GB" b="1" dirty="0">
                 <a:effectLst/>
                 <a:latin typeface="Consolas" panose="020B0609020204030204" pitchFamily="49" charset="0"/>
                 <a:cs typeface="Consolas" panose="020B0609020204030204" pitchFamily="49" charset="0"/>
@@ -13350,15 +14418,25 @@
               <a:t>,</a:t>
             </a:r>
             <a:r>
-              <a:rPr lang="bg-BG" sz="1200" b="1" dirty="0">
+              <a:rPr lang="bg-BG" b="1" dirty="0">
                 <a:effectLst/>
                 <a:latin typeface="Consolas" panose="020B0609020204030204" pitchFamily="49" charset="0"/>
                 <a:cs typeface="Consolas" panose="020B0609020204030204" pitchFamily="49" charset="0"/>
               </a:rPr>
               <a:t> </a:t>
             </a:r>
-            <a:r>
-              <a:rPr lang="en-GB" sz="1200" b="1" dirty="0">
+          </a:p>
+          <a:p>
+            <a:r>
+              <a:rPr lang="bg-BG" b="1" dirty="0">
+                <a:effectLst/>
+                <a:latin typeface="Consolas" panose="020B0609020204030204" pitchFamily="49" charset="0"/>
+                <a:cs typeface="Consolas" panose="020B0609020204030204" pitchFamily="49" charset="0"/>
+              </a:rPr>
+              <a:t>                      </a:t>
+            </a:r>
+            <a:r>
+              <a:rPr lang="en-GB" b="1" dirty="0">
                 <a:effectLst/>
                 <a:latin typeface="Consolas" panose="020B0609020204030204" pitchFamily="49" charset="0"/>
                 <a:cs typeface="Consolas" panose="020B0609020204030204" pitchFamily="49" charset="0"/>
@@ -13366,7 +14444,7 @@
               <a:t>RoleId = </a:t>
             </a:r>
             <a:r>
-              <a:rPr lang="en-GB" sz="1200" b="1" dirty="0">
+              <a:rPr lang="en-GB" b="1" dirty="0">
                 <a:solidFill>
                   <a:schemeClr val="bg1"/>
                 </a:solidFill>
@@ -13377,7 +14455,7 @@
               <a:t>1</a:t>
             </a:r>
             <a:r>
-              <a:rPr lang="en-GB" sz="1200" b="1" dirty="0">
+              <a:rPr lang="en-GB" b="1" dirty="0">
                 <a:effectLst/>
                 <a:latin typeface="Consolas" panose="020B0609020204030204" pitchFamily="49" charset="0"/>
                 <a:cs typeface="Consolas" panose="020B0609020204030204" pitchFamily="49" charset="0"/>
@@ -13385,7 +14463,7 @@
               <a:t> </a:t>
             </a:r>
             <a:r>
-              <a:rPr lang="en-GB" sz="1200" b="1" dirty="0">
+              <a:rPr lang="en-GB" b="1" dirty="0">
                 <a:solidFill>
                   <a:schemeClr val="accent2"/>
                 </a:solidFill>
@@ -13396,7 +14474,7 @@
               <a:t>// </a:t>
             </a:r>
             <a:r>
-              <a:rPr lang="bg-BG" sz="1200" b="1" dirty="0">
+              <a:rPr lang="bg-BG" b="1" dirty="0">
                 <a:solidFill>
                   <a:schemeClr val="accent2"/>
                 </a:solidFill>
@@ -13407,383 +14485,39 @@
               <a:t>Роля на админ</a:t>
             </a:r>
             <a:r>
-              <a:rPr lang="bg-BG" sz="1200" b="1" dirty="0">
-                <a:effectLst/>
-                <a:latin typeface="Consolas" panose="020B0609020204030204" pitchFamily="49" charset="0"/>
-                <a:cs typeface="Consolas" panose="020B0609020204030204" pitchFamily="49" charset="0"/>
-              </a:rPr>
-              <a:t> };</a:t>
-            </a:r>
-          </a:p>
-          <a:p>
-            <a:endParaRPr lang="bg-BG" sz="1200" b="1" dirty="0">
-              <a:effectLst/>
+              <a:rPr lang="bg-BG" b="1" dirty="0">
+                <a:effectLst/>
+                <a:latin typeface="Consolas" panose="020B0609020204030204" pitchFamily="49" charset="0"/>
+                <a:cs typeface="Consolas" panose="020B0609020204030204" pitchFamily="49" charset="0"/>
+              </a:rPr>
+              <a:t> </a:t>
+            </a:r>
+          </a:p>
+          <a:p>
+            <a:r>
+              <a:rPr lang="bg-BG" b="1" dirty="0">
+                <a:effectLst/>
+                <a:latin typeface="Consolas" panose="020B0609020204030204" pitchFamily="49" charset="0"/>
+                <a:cs typeface="Consolas" panose="020B0609020204030204" pitchFamily="49" charset="0"/>
+              </a:rPr>
+              <a:t>                   };</a:t>
+            </a:r>
+          </a:p>
+          <a:p>
+            <a:endParaRPr lang="bg-BG" b="1" dirty="0">
               <a:latin typeface="Consolas" panose="020B0609020204030204" pitchFamily="49" charset="0"/>
               <a:cs typeface="Consolas" panose="020B0609020204030204" pitchFamily="49" charset="0"/>
             </a:endParaRPr>
           </a:p>
           <a:p>
             <a:r>
-              <a:rPr lang="en-US" sz="1200" b="1" dirty="0">
-                <a:effectLst/>
-                <a:latin typeface="Consolas" panose="020B0609020204030204" pitchFamily="49" charset="0"/>
-                <a:cs typeface="Consolas" panose="020B0609020204030204" pitchFamily="49" charset="0"/>
-              </a:rPr>
-              <a:t>    </a:t>
-            </a:r>
-            <a:r>
-              <a:rPr lang="bg-BG" sz="1200" b="1" dirty="0">
-                <a:solidFill>
-                  <a:schemeClr val="accent2"/>
-                </a:solidFill>
-                <a:effectLst/>
-                <a:latin typeface="Consolas" panose="020B0609020204030204" pitchFamily="49" charset="0"/>
-                <a:cs typeface="Consolas" panose="020B0609020204030204" pitchFamily="49" charset="0"/>
-              </a:rPr>
-              <a:t>// Използваме </a:t>
-            </a:r>
-            <a:r>
-              <a:rPr lang="en-GB" sz="1200" b="1" dirty="0">
-                <a:solidFill>
-                  <a:schemeClr val="accent2"/>
-                </a:solidFill>
-                <a:effectLst/>
-                <a:latin typeface="Consolas" panose="020B0609020204030204" pitchFamily="49" charset="0"/>
-                <a:cs typeface="Consolas" panose="020B0609020204030204" pitchFamily="49" charset="0"/>
-              </a:rPr>
-              <a:t>UserHelper </a:t>
-            </a:r>
-            <a:r>
-              <a:rPr lang="bg-BG" sz="1200" b="1" dirty="0">
-                <a:solidFill>
-                  <a:schemeClr val="accent2"/>
-                </a:solidFill>
-                <a:effectLst/>
-                <a:latin typeface="Consolas" panose="020B0609020204030204" pitchFamily="49" charset="0"/>
-                <a:cs typeface="Consolas" panose="020B0609020204030204" pitchFamily="49" charset="0"/>
-              </a:rPr>
-              <a:t>за добавяне на потребител</a:t>
-            </a:r>
-          </a:p>
-          <a:p>
-            <a:r>
-              <a:rPr lang="en-US" sz="1200" b="1" dirty="0">
-                <a:effectLst/>
-                <a:latin typeface="Consolas" panose="020B0609020204030204" pitchFamily="49" charset="0"/>
-                <a:cs typeface="Consolas" panose="020B0609020204030204" pitchFamily="49" charset="0"/>
-              </a:rPr>
-              <a:t>    </a:t>
-            </a:r>
-            <a:r>
-              <a:rPr lang="en-GB" sz="1200" b="1" dirty="0">
-                <a:solidFill>
-                  <a:schemeClr val="bg1"/>
-                </a:solidFill>
-                <a:effectLst/>
-                <a:latin typeface="Consolas" panose="020B0609020204030204" pitchFamily="49" charset="0"/>
-                <a:cs typeface="Consolas" panose="020B0609020204030204" pitchFamily="49" charset="0"/>
-              </a:rPr>
-              <a:t>UserHelper</a:t>
-            </a:r>
-            <a:r>
-              <a:rPr lang="en-GB" sz="1200" b="1" dirty="0">
-                <a:effectLst/>
-                <a:latin typeface="Consolas" panose="020B0609020204030204" pitchFamily="49" charset="0"/>
-                <a:cs typeface="Consolas" panose="020B0609020204030204" pitchFamily="49" charset="0"/>
-              </a:rPr>
-              <a:t>.</a:t>
-            </a:r>
-            <a:r>
-              <a:rPr lang="en-GB" sz="1200" b="1" dirty="0">
-                <a:solidFill>
-                  <a:schemeClr val="bg1"/>
-                </a:solidFill>
-                <a:effectLst/>
-                <a:latin typeface="Consolas" panose="020B0609020204030204" pitchFamily="49" charset="0"/>
-                <a:cs typeface="Consolas" panose="020B0609020204030204" pitchFamily="49" charset="0"/>
-              </a:rPr>
-              <a:t>AddNewUser</a:t>
-            </a:r>
-            <a:r>
-              <a:rPr lang="en-GB" sz="1200" b="1" dirty="0">
-                <a:effectLst/>
-                <a:latin typeface="Consolas" panose="020B0609020204030204" pitchFamily="49" charset="0"/>
-                <a:cs typeface="Consolas" panose="020B0609020204030204" pitchFamily="49" charset="0"/>
-              </a:rPr>
-              <a:t>(</a:t>
-            </a:r>
-            <a:r>
-              <a:rPr lang="en-GB" sz="1200" b="1" dirty="0">
-                <a:solidFill>
-                  <a:schemeClr val="bg1"/>
-                </a:solidFill>
-                <a:effectLst/>
-                <a:latin typeface="Consolas" panose="020B0609020204030204" pitchFamily="49" charset="0"/>
-                <a:cs typeface="Consolas" panose="020B0609020204030204" pitchFamily="49" charset="0"/>
-              </a:rPr>
-              <a:t>newUser</a:t>
-            </a:r>
-            <a:r>
-              <a:rPr lang="en-GB" sz="1200" b="1" dirty="0">
-                <a:effectLst/>
-                <a:latin typeface="Consolas" panose="020B0609020204030204" pitchFamily="49" charset="0"/>
-                <a:cs typeface="Consolas" panose="020B0609020204030204" pitchFamily="49" charset="0"/>
-              </a:rPr>
-              <a:t>);</a:t>
-            </a:r>
-          </a:p>
-          <a:p>
-            <a:endParaRPr lang="en-GB" sz="1200" b="1" dirty="0">
-              <a:effectLst/>
-              <a:latin typeface="Consolas" panose="020B0609020204030204" pitchFamily="49" charset="0"/>
-              <a:cs typeface="Consolas" panose="020B0609020204030204" pitchFamily="49" charset="0"/>
-            </a:endParaRPr>
-          </a:p>
-          <a:p>
-            <a:r>
-              <a:rPr lang="en-GB" sz="1200" b="1" dirty="0">
-                <a:effectLst/>
-                <a:latin typeface="Consolas" panose="020B0609020204030204" pitchFamily="49" charset="0"/>
-                <a:cs typeface="Consolas" panose="020B0609020204030204" pitchFamily="49" charset="0"/>
-              </a:rPr>
-              <a:t>    var </a:t>
-            </a:r>
-            <a:r>
-              <a:rPr lang="en-GB" sz="1200" b="1" dirty="0">
-                <a:solidFill>
-                  <a:schemeClr val="bg1"/>
-                </a:solidFill>
-                <a:effectLst/>
-                <a:latin typeface="Consolas" panose="020B0609020204030204" pitchFamily="49" charset="0"/>
-                <a:cs typeface="Consolas" panose="020B0609020204030204" pitchFamily="49" charset="0"/>
-              </a:rPr>
-              <a:t>newAdmin</a:t>
-            </a:r>
-            <a:r>
-              <a:rPr lang="en-GB" sz="1200" b="1" dirty="0">
-                <a:effectLst/>
-                <a:latin typeface="Consolas" panose="020B0609020204030204" pitchFamily="49" charset="0"/>
-                <a:cs typeface="Consolas" panose="020B0609020204030204" pitchFamily="49" charset="0"/>
-              </a:rPr>
-              <a:t> = new Administrator</a:t>
-            </a:r>
-          </a:p>
-          <a:p>
-            <a:r>
-              <a:rPr lang="en-GB" sz="1200" b="1" dirty="0">
-                <a:effectLst/>
-                <a:latin typeface="Consolas" panose="020B0609020204030204" pitchFamily="49" charset="0"/>
-                <a:cs typeface="Consolas" panose="020B0609020204030204" pitchFamily="49" charset="0"/>
-              </a:rPr>
-              <a:t>    {</a:t>
-            </a:r>
-          </a:p>
-          <a:p>
-            <a:r>
-              <a:rPr lang="en-GB" sz="1200" b="1" dirty="0">
-                <a:effectLst/>
-                <a:latin typeface="Consolas" panose="020B0609020204030204" pitchFamily="49" charset="0"/>
-                <a:cs typeface="Consolas" panose="020B0609020204030204" pitchFamily="49" charset="0"/>
-              </a:rPr>
-              <a:t>        FirstName = </a:t>
-            </a:r>
-            <a:r>
-              <a:rPr lang="en-GB" sz="1200" b="1" dirty="0">
-                <a:solidFill>
-                  <a:schemeClr val="bg1"/>
-                </a:solidFill>
-                <a:effectLst/>
-                <a:latin typeface="Consolas" panose="020B0609020204030204" pitchFamily="49" charset="0"/>
-                <a:cs typeface="Consolas" panose="020B0609020204030204" pitchFamily="49" charset="0"/>
-              </a:rPr>
-              <a:t>textBoxFirstName</a:t>
-            </a:r>
-            <a:r>
-              <a:rPr lang="en-GB" sz="1200" b="1" dirty="0">
-                <a:effectLst/>
-                <a:latin typeface="Consolas" panose="020B0609020204030204" pitchFamily="49" charset="0"/>
-                <a:cs typeface="Consolas" panose="020B0609020204030204" pitchFamily="49" charset="0"/>
-              </a:rPr>
-              <a:t>.</a:t>
-            </a:r>
-            <a:r>
-              <a:rPr lang="en-GB" sz="1200" b="1" dirty="0">
-                <a:solidFill>
-                  <a:schemeClr val="bg1"/>
-                </a:solidFill>
-                <a:effectLst/>
-                <a:latin typeface="Consolas" panose="020B0609020204030204" pitchFamily="49" charset="0"/>
-                <a:cs typeface="Consolas" panose="020B0609020204030204" pitchFamily="49" charset="0"/>
-              </a:rPr>
-              <a:t>Text</a:t>
-            </a:r>
-            <a:r>
-              <a:rPr lang="en-GB" sz="1200" b="1" dirty="0">
-                <a:effectLst/>
-                <a:latin typeface="Consolas" panose="020B0609020204030204" pitchFamily="49" charset="0"/>
-                <a:cs typeface="Consolas" panose="020B0609020204030204" pitchFamily="49" charset="0"/>
-              </a:rPr>
-              <a:t>,</a:t>
-            </a:r>
-          </a:p>
-          <a:p>
-            <a:r>
-              <a:rPr lang="en-GB" sz="1200" b="1" dirty="0">
-                <a:latin typeface="Consolas" panose="020B0609020204030204" pitchFamily="49" charset="0"/>
-                <a:cs typeface="Consolas" panose="020B0609020204030204" pitchFamily="49" charset="0"/>
-              </a:rPr>
-              <a:t>        ...</a:t>
-            </a:r>
-          </a:p>
-          <a:p>
-            <a:r>
-              <a:rPr lang="en-GB" sz="1200" b="1" dirty="0">
-                <a:effectLst/>
-                <a:latin typeface="Consolas" panose="020B0609020204030204" pitchFamily="49" charset="0"/>
-                <a:cs typeface="Consolas" panose="020B0609020204030204" pitchFamily="49" charset="0"/>
-              </a:rPr>
-              <a:t>        UserId = </a:t>
-            </a:r>
-            <a:r>
-              <a:rPr lang="en-GB" sz="1200" b="1" dirty="0">
-                <a:solidFill>
-                  <a:schemeClr val="bg1"/>
-                </a:solidFill>
-                <a:effectLst/>
-                <a:latin typeface="Consolas" panose="020B0609020204030204" pitchFamily="49" charset="0"/>
-                <a:cs typeface="Consolas" panose="020B0609020204030204" pitchFamily="49" charset="0"/>
-              </a:rPr>
-              <a:t>newUser</a:t>
-            </a:r>
-            <a:r>
-              <a:rPr lang="en-GB" sz="1200" b="1" dirty="0">
-                <a:effectLst/>
-                <a:latin typeface="Consolas" panose="020B0609020204030204" pitchFamily="49" charset="0"/>
-                <a:cs typeface="Consolas" panose="020B0609020204030204" pitchFamily="49" charset="0"/>
-              </a:rPr>
-              <a:t>.</a:t>
-            </a:r>
-            <a:r>
-              <a:rPr lang="en-GB" sz="1200" b="1" dirty="0">
-                <a:solidFill>
-                  <a:schemeClr val="bg1"/>
-                </a:solidFill>
-                <a:effectLst/>
-                <a:latin typeface="Consolas" panose="020B0609020204030204" pitchFamily="49" charset="0"/>
-                <a:cs typeface="Consolas" panose="020B0609020204030204" pitchFamily="49" charset="0"/>
-              </a:rPr>
-              <a:t>UserId</a:t>
-            </a:r>
-          </a:p>
-          <a:p>
-            <a:r>
-              <a:rPr lang="en-GB" sz="1200" b="1" dirty="0">
-                <a:effectLst/>
-                <a:latin typeface="Consolas" panose="020B0609020204030204" pitchFamily="49" charset="0"/>
-                <a:cs typeface="Consolas" panose="020B0609020204030204" pitchFamily="49" charset="0"/>
-              </a:rPr>
-              <a:t>    };</a:t>
-            </a:r>
-          </a:p>
-          <a:p>
-            <a:endParaRPr lang="en-GB" sz="1200" b="1" dirty="0">
-              <a:effectLst/>
-              <a:latin typeface="Consolas" panose="020B0609020204030204" pitchFamily="49" charset="0"/>
-              <a:cs typeface="Consolas" panose="020B0609020204030204" pitchFamily="49" charset="0"/>
-            </a:endParaRPr>
-          </a:p>
-          <a:p>
-            <a:r>
-              <a:rPr lang="en-GB" sz="1200" b="1" dirty="0">
-                <a:effectLst/>
-                <a:latin typeface="Consolas" panose="020B0609020204030204" pitchFamily="49" charset="0"/>
-                <a:cs typeface="Consolas" panose="020B0609020204030204" pitchFamily="49" charset="0"/>
-              </a:rPr>
-              <a:t>    </a:t>
-            </a:r>
-            <a:r>
-              <a:rPr lang="en-GB" sz="1200" b="1" dirty="0">
-                <a:solidFill>
-                  <a:schemeClr val="bg1"/>
-                </a:solidFill>
-                <a:effectLst/>
-                <a:latin typeface="Consolas" panose="020B0609020204030204" pitchFamily="49" charset="0"/>
-                <a:cs typeface="Consolas" panose="020B0609020204030204" pitchFamily="49" charset="0"/>
-              </a:rPr>
-              <a:t>AddNewAdmin</a:t>
-            </a:r>
-            <a:r>
-              <a:rPr lang="en-GB" sz="1200" b="1" dirty="0">
-                <a:effectLst/>
-                <a:latin typeface="Consolas" panose="020B0609020204030204" pitchFamily="49" charset="0"/>
-                <a:cs typeface="Consolas" panose="020B0609020204030204" pitchFamily="49" charset="0"/>
-              </a:rPr>
-              <a:t>(newAdmin);</a:t>
-            </a:r>
-          </a:p>
-          <a:p>
-            <a:r>
-              <a:rPr lang="en-GB" sz="1200" b="1" dirty="0">
-                <a:effectLst/>
-                <a:latin typeface="Consolas" panose="020B0609020204030204" pitchFamily="49" charset="0"/>
-                <a:cs typeface="Consolas" panose="020B0609020204030204" pitchFamily="49" charset="0"/>
-              </a:rPr>
-              <a:t>    this.</a:t>
-            </a:r>
-            <a:r>
-              <a:rPr lang="en-GB" sz="1200" b="1" dirty="0">
-                <a:solidFill>
-                  <a:schemeClr val="bg1"/>
-                </a:solidFill>
-                <a:effectLst/>
-                <a:latin typeface="Consolas" panose="020B0609020204030204" pitchFamily="49" charset="0"/>
-                <a:cs typeface="Consolas" panose="020B0609020204030204" pitchFamily="49" charset="0"/>
-              </a:rPr>
-              <a:t>Hide</a:t>
-            </a:r>
-            <a:r>
-              <a:rPr lang="en-GB" sz="1200" b="1" dirty="0">
-                <a:effectLst/>
-                <a:latin typeface="Consolas" panose="020B0609020204030204" pitchFamily="49" charset="0"/>
-                <a:cs typeface="Consolas" panose="020B0609020204030204" pitchFamily="49" charset="0"/>
-              </a:rPr>
-              <a:t>();</a:t>
-            </a:r>
-            <a:endParaRPr lang="en-GB" sz="1200" b="1" dirty="0">
-              <a:latin typeface="Consolas" panose="020B0609020204030204" pitchFamily="49" charset="0"/>
-              <a:cs typeface="Consolas" panose="020B0609020204030204" pitchFamily="49" charset="0"/>
-            </a:endParaRPr>
-          </a:p>
-          <a:p>
-            <a:r>
-              <a:rPr lang="en-GB" sz="1200" b="1" dirty="0">
-                <a:effectLst/>
-                <a:latin typeface="Consolas" panose="020B0609020204030204" pitchFamily="49" charset="0"/>
-                <a:cs typeface="Consolas" panose="020B0609020204030204" pitchFamily="49" charset="0"/>
-              </a:rPr>
-              <a:t>}</a:t>
-            </a:r>
-            <a:endParaRPr lang="bg-BG" sz="1200" b="1" dirty="0">
-              <a:effectLst/>
-              <a:latin typeface="Consolas" panose="020B0609020204030204" pitchFamily="49" charset="0"/>
-              <a:cs typeface="Consolas" panose="020B0609020204030204" pitchFamily="49" charset="0"/>
-            </a:endParaRPr>
-          </a:p>
-          <a:p>
-            <a:endParaRPr lang="bg-BG" sz="1200" b="1" dirty="0">
-              <a:latin typeface="Consolas" panose="020B0609020204030204" pitchFamily="49" charset="0"/>
-              <a:cs typeface="Consolas" panose="020B0609020204030204" pitchFamily="49" charset="0"/>
-            </a:endParaRPr>
-          </a:p>
-          <a:p>
-            <a:r>
-              <a:rPr lang="en-US" sz="1200" b="1" dirty="0">
+              <a:rPr lang="en-US" b="1" dirty="0">
                 <a:latin typeface="Consolas" panose="020B0609020204030204" pitchFamily="49" charset="0"/>
                 <a:cs typeface="Consolas" panose="020B0609020204030204" pitchFamily="49" charset="0"/>
               </a:rPr>
               <a:t>...</a:t>
             </a:r>
-            <a:endParaRPr lang="en-GB" sz="1200" b="1" dirty="0">
+            <a:endParaRPr lang="en-GB" b="1" dirty="0">
               <a:effectLst/>
               <a:latin typeface="Consolas" panose="020B0609020204030204" pitchFamily="49" charset="0"/>
               <a:cs typeface="Consolas" panose="020B0609020204030204" pitchFamily="49" charset="0"/>
@@ -13807,13 +14541,13 @@
         </p:nvSpPr>
         <p:spPr bwMode="auto">
           <a:xfrm>
-            <a:off x="6861000" y="1629000"/>
-            <a:ext cx="3840928" cy="408596"/>
+            <a:off x="8160374" y="1701974"/>
+            <a:ext cx="3840928" cy="442648"/>
           </a:xfrm>
           <a:prstGeom prst="wedgeRoundRectCallout">
             <a:avLst>
-              <a:gd name="adj1" fmla="val -78074"/>
-              <a:gd name="adj2" fmla="val 29338"/>
+              <a:gd name="adj1" fmla="val -61667"/>
+              <a:gd name="adj2" fmla="val 26314"/>
               <a:gd name="adj3" fmla="val 16667"/>
             </a:avLst>
           </a:prstGeom>
@@ -13859,7 +14593,7 @@
           <a:p>
             <a:pPr algn="ctr" eaLnBrk="0" hangingPunct="0"/>
             <a:r>
-              <a:rPr lang="bg-BG" b="1" noProof="1">
+              <a:rPr lang="bg-BG" sz="2000" b="1" noProof="1">
                 <a:solidFill>
                   <a:schemeClr val="bg2"/>
                 </a:solidFill>
@@ -13867,7 +14601,7 @@
               <a:t>Проверяваме за </a:t>
             </a:r>
             <a:r>
-              <a:rPr lang="bg-BG" b="1" noProof="1">
+              <a:rPr lang="bg-BG" sz="2000" b="1" noProof="1">
                 <a:solidFill>
                   <a:schemeClr val="accent1">
                     <a:lumMod val="60000"/>
@@ -13877,7 +14611,7 @@
               </a:rPr>
               <a:t>празни полета</a:t>
             </a:r>
-            <a:endParaRPr lang="en-US" b="1" noProof="1">
+            <a:endParaRPr lang="en-US" sz="2000" b="1" noProof="1">
               <a:solidFill>
                 <a:schemeClr val="accent1">
                   <a:lumMod val="60000"/>
@@ -13890,10 +14624,10 @@
       </p:sp>
       <p:sp>
         <p:nvSpPr>
-          <p:cNvPr id="7" name="AutoShape 7">
+          <p:cNvPr id="9" name="AutoShape 7">
             <a:extLst>
               <a:ext uri="{FF2B5EF4-FFF2-40B4-BE49-F238E27FC236}">
-                <a16:creationId xmlns:a16="http://schemas.microsoft.com/office/drawing/2014/main" id="{5DBCDD0A-E2DA-E065-E570-F1A8D3AA3603}"/>
+                <a16:creationId xmlns:a16="http://schemas.microsoft.com/office/drawing/2014/main" id="{DE19702A-5F8B-E2B8-C8D8-5EA995CA0C46}"/>
               </a:ext>
             </a:extLst>
           </p:cNvPr>
@@ -13904,13 +14638,13 @@
         </p:nvSpPr>
         <p:spPr bwMode="auto">
           <a:xfrm>
-            <a:off x="5016000" y="3649590"/>
-            <a:ext cx="2520000" cy="715063"/>
+            <a:off x="4065702" y="2809948"/>
+            <a:ext cx="2750297" cy="783166"/>
           </a:xfrm>
           <a:prstGeom prst="wedgeRoundRectCallout">
             <a:avLst>
-              <a:gd name="adj1" fmla="val -84899"/>
-              <a:gd name="adj2" fmla="val 2483"/>
+              <a:gd name="adj1" fmla="val -71573"/>
+              <a:gd name="adj2" fmla="val -57181"/>
               <a:gd name="adj3" fmla="val 16667"/>
             </a:avLst>
           </a:prstGeom>
@@ -13956,15 +14690,15 @@
           <a:p>
             <a:pPr algn="ctr" eaLnBrk="0" hangingPunct="0"/>
             <a:r>
-              <a:rPr lang="bg-BG" b="1" noProof="1">
+              <a:rPr lang="bg-BG" sz="2000" b="1" noProof="1">
                 <a:solidFill>
                   <a:schemeClr val="bg2"/>
                 </a:solidFill>
               </a:rPr>
-              <a:t>Добавяме </a:t>
-            </a:r>
-            <a:r>
-              <a:rPr lang="bg-BG" b="1" noProof="1">
+              <a:t>Показваме </a:t>
+            </a:r>
+            <a:r>
+              <a:rPr lang="bg-BG" sz="2000" b="1" noProof="1">
                 <a:solidFill>
                   <a:schemeClr val="accent1">
                     <a:lumMod val="60000"/>
@@ -13972,230 +14706,17 @@
                   </a:schemeClr>
                 </a:solidFill>
               </a:rPr>
-              <a:t>потребител</a:t>
-            </a:r>
-            <a:r>
-              <a:rPr lang="bg-BG" b="1" noProof="1">
+              <a:t>грешка </a:t>
+            </a:r>
+            <a:r>
+              <a:rPr lang="bg-BG" sz="2000" b="1" noProof="1">
                 <a:solidFill>
                   <a:schemeClr val="bg2"/>
                 </a:solidFill>
               </a:rPr>
-              <a:t> с роля на </a:t>
-            </a:r>
-            <a:r>
-              <a:rPr lang="bg-BG" b="1" noProof="1">
-                <a:solidFill>
-                  <a:schemeClr val="accent1">
-                    <a:lumMod val="60000"/>
-                    <a:lumOff val="40000"/>
-                  </a:schemeClr>
-                </a:solidFill>
-              </a:rPr>
-              <a:t>админ</a:t>
-            </a:r>
-            <a:endParaRPr lang="en-US" b="1" noProof="1">
-              <a:solidFill>
-                <a:schemeClr val="accent1">
-                  <a:lumMod val="60000"/>
-                  <a:lumOff val="40000"/>
-                </a:schemeClr>
-              </a:solidFill>
-            </a:endParaRPr>
-          </a:p>
-        </p:txBody>
-      </p:sp>
-      <p:sp>
-        <p:nvSpPr>
-          <p:cNvPr id="8" name="AutoShape 7">
-            <a:extLst>
-              <a:ext uri="{FF2B5EF4-FFF2-40B4-BE49-F238E27FC236}">
-                <a16:creationId xmlns:a16="http://schemas.microsoft.com/office/drawing/2014/main" id="{E8ADCC97-F247-A4F2-363E-5D1A3961B2CD}"/>
-              </a:ext>
-            </a:extLst>
-          </p:cNvPr>
-          <p:cNvSpPr>
-            <a:spLocks noChangeArrowheads="1"/>
-          </p:cNvSpPr>
-          <p:nvPr/>
-        </p:nvSpPr>
-        <p:spPr bwMode="auto">
-          <a:xfrm>
-            <a:off x="3351000" y="5225015"/>
-            <a:ext cx="3120928" cy="408596"/>
-          </a:xfrm>
-          <a:prstGeom prst="wedgeRoundRectCallout">
-            <a:avLst>
-              <a:gd name="adj1" fmla="val -76171"/>
-              <a:gd name="adj2" fmla="val 39994"/>
-              <a:gd name="adj3" fmla="val 16667"/>
-            </a:avLst>
-          </a:prstGeom>
-          <a:solidFill>
-            <a:schemeClr val="dk2">
-              <a:alpha val="80000"/>
-            </a:schemeClr>
-          </a:solidFill>
-          <a:ln w="19050">
-            <a:solidFill>
-              <a:schemeClr val="tx1">
-                <a:lumMod val="75000"/>
-                <a:alpha val="80000"/>
-              </a:schemeClr>
-            </a:solidFill>
-          </a:ln>
-          <a:effectLst/>
-        </p:spPr>
-        <p:style>
-          <a:lnRef idx="2">
-            <a:schemeClr val="accent1">
-              <a:shade val="50000"/>
-            </a:schemeClr>
-          </a:lnRef>
-          <a:fillRef idx="1001">
-            <a:schemeClr val="dk2"/>
-          </a:fillRef>
-          <a:effectRef idx="0">
-            <a:schemeClr val="accent1"/>
-          </a:effectRef>
-          <a:fontRef idx="minor">
-            <a:schemeClr val="lt1"/>
-          </a:fontRef>
-        </p:style>
-        <p:txBody>
-          <a:bodyPr rot="0" spcFirstLastPara="0" vertOverflow="overflow" horzOverflow="overflow" vert="horz" wrap="square" lIns="91416" tIns="45708" rIns="91416" bIns="45708" numCol="1" spcCol="0" rtlCol="0" fromWordArt="0" anchor="ctr" anchorCtr="0" forceAA="0" compatLnSpc="1">
-            <a:prstTxWarp prst="textNoShape">
-              <a:avLst/>
-            </a:prstTxWarp>
-            <a:spAutoFit/>
-          </a:bodyPr>
-          <a:lstStyle/>
-          <a:p>
-            <a:pPr algn="ctr" eaLnBrk="0" hangingPunct="0"/>
-            <a:r>
-              <a:rPr lang="bg-BG" b="1" noProof="1">
-                <a:solidFill>
-                  <a:schemeClr val="bg2"/>
-                </a:solidFill>
-              </a:rPr>
-              <a:t>Добавяме </a:t>
-            </a:r>
-            <a:r>
-              <a:rPr lang="bg-BG" b="1" noProof="1">
-                <a:solidFill>
-                  <a:schemeClr val="accent1">
-                    <a:lumMod val="60000"/>
-                    <a:lumOff val="40000"/>
-                  </a:schemeClr>
-                </a:solidFill>
-              </a:rPr>
-              <a:t>админ</a:t>
-            </a:r>
-            <a:endParaRPr lang="en-US" b="1" noProof="1">
-              <a:solidFill>
-                <a:schemeClr val="accent1">
-                  <a:lumMod val="60000"/>
-                  <a:lumOff val="40000"/>
-                </a:schemeClr>
-              </a:solidFill>
-            </a:endParaRPr>
-          </a:p>
-        </p:txBody>
-      </p:sp>
-      <p:sp>
-        <p:nvSpPr>
-          <p:cNvPr id="9" name="AutoShape 7">
-            <a:extLst>
-              <a:ext uri="{FF2B5EF4-FFF2-40B4-BE49-F238E27FC236}">
-                <a16:creationId xmlns:a16="http://schemas.microsoft.com/office/drawing/2014/main" id="{DE19702A-5F8B-E2B8-C8D8-5EA995CA0C46}"/>
-              </a:ext>
-            </a:extLst>
-          </p:cNvPr>
-          <p:cNvSpPr>
-            <a:spLocks noChangeArrowheads="1"/>
-          </p:cNvSpPr>
-          <p:nvPr/>
-        </p:nvSpPr>
-        <p:spPr bwMode="auto">
-          <a:xfrm>
-            <a:off x="8181928" y="2145511"/>
-            <a:ext cx="2520000" cy="715063"/>
-          </a:xfrm>
-          <a:prstGeom prst="wedgeRoundRectCallout">
-            <a:avLst>
-              <a:gd name="adj1" fmla="val -80890"/>
-              <a:gd name="adj2" fmla="val -26076"/>
-              <a:gd name="adj3" fmla="val 16667"/>
-            </a:avLst>
-          </a:prstGeom>
-          <a:solidFill>
-            <a:schemeClr val="dk2">
-              <a:alpha val="80000"/>
-            </a:schemeClr>
-          </a:solidFill>
-          <a:ln w="19050">
-            <a:solidFill>
-              <a:schemeClr val="tx1">
-                <a:lumMod val="75000"/>
-                <a:alpha val="80000"/>
-              </a:schemeClr>
-            </a:solidFill>
-          </a:ln>
-          <a:effectLst/>
-        </p:spPr>
-        <p:style>
-          <a:lnRef idx="2">
-            <a:schemeClr val="accent1">
-              <a:shade val="50000"/>
-            </a:schemeClr>
-          </a:lnRef>
-          <a:fillRef idx="1001">
-            <a:schemeClr val="dk2"/>
-          </a:fillRef>
-          <a:effectRef idx="0">
-            <a:schemeClr val="accent1"/>
-          </a:effectRef>
-          <a:fontRef idx="minor">
-            <a:schemeClr val="lt1"/>
-          </a:fontRef>
-        </p:style>
-        <p:txBody>
-          <a:bodyPr rot="0" spcFirstLastPara="0" vertOverflow="overflow" horzOverflow="overflow" vert="horz" wrap="square" lIns="91416" tIns="45708" rIns="91416" bIns="45708" numCol="1" spcCol="0" rtlCol="0" fromWordArt="0" anchor="ctr" anchorCtr="0" forceAA="0" compatLnSpc="1">
-            <a:prstTxWarp prst="textNoShape">
-              <a:avLst/>
-            </a:prstTxWarp>
-            <a:spAutoFit/>
-          </a:bodyPr>
-          <a:lstStyle/>
-          <a:p>
-            <a:pPr algn="ctr" eaLnBrk="0" hangingPunct="0"/>
-            <a:r>
-              <a:rPr lang="bg-BG" b="1" noProof="1">
-                <a:solidFill>
-                  <a:schemeClr val="bg2"/>
-                </a:solidFill>
-              </a:rPr>
-              <a:t>Показваме </a:t>
-            </a:r>
-            <a:r>
-              <a:rPr lang="bg-BG" b="1" noProof="1">
-                <a:solidFill>
-                  <a:schemeClr val="accent1">
-                    <a:lumMod val="60000"/>
-                    <a:lumOff val="40000"/>
-                  </a:schemeClr>
-                </a:solidFill>
-              </a:rPr>
-              <a:t>грешка </a:t>
-            </a:r>
-            <a:r>
-              <a:rPr lang="bg-BG" b="1" noProof="1">
-                <a:solidFill>
-                  <a:schemeClr val="bg2"/>
-                </a:solidFill>
-              </a:rPr>
               <a:t>при невалидни данни</a:t>
             </a:r>
-            <a:endParaRPr lang="en-US" b="1" noProof="1">
+            <a:endParaRPr lang="en-US" sz="2000" b="1" noProof="1">
               <a:solidFill>
                 <a:schemeClr val="bg2"/>
               </a:solidFill>
@@ -14319,96 +14840,6 @@
                       </p:childTnLst>
                     </p:cTn>
                   </p:par>
-                  <p:par>
-                    <p:cTn id="11" fill="hold">
-                      <p:stCondLst>
-                        <p:cond delay="indefinite"/>
-                      </p:stCondLst>
-                      <p:childTnLst>
-                        <p:par>
-                          <p:cTn id="12" fill="hold">
-                            <p:stCondLst>
-                              <p:cond delay="0"/>
-                            </p:stCondLst>
-                            <p:childTnLst>
-                              <p:par>
-                                <p:cTn id="13" presetID="1" presetClass="entr" presetSubtype="0" fill="hold" grpId="0" nodeType="clickEffect">
-                                  <p:stCondLst>
-                                    <p:cond delay="0"/>
-                                  </p:stCondLst>
-                                  <p:childTnLst>
-                                    <p:set>
-                                      <p:cBhvr>
-                                        <p:cTn id="14" dur="1" fill="hold">
-                                          <p:stCondLst>
-                                            <p:cond delay="0"/>
-                                          </p:stCondLst>
-                                        </p:cTn>
-                                        <p:tgtEl>
-                                          <p:spTgt spid="7"/>
-                                        </p:tgtEl>
-                                        <p:attrNameLst>
-                                          <p:attrName>style.visibility</p:attrName>
-                                        </p:attrNameLst>
-                                      </p:cBhvr>
-                                      <p:to>
-                                        <p:strVal val="visible"/>
-                                      </p:to>
-                                    </p:set>
-                                  </p:childTnLst>
-                                </p:cTn>
-                              </p:par>
-                            </p:childTnLst>
-                          </p:cTn>
-                        </p:par>
-                      </p:childTnLst>
-                    </p:cTn>
-                  </p:par>
-                  <p:par>
-                    <p:cTn id="15" fill="hold">
-                      <p:stCondLst>
-                        <p:cond delay="indefinite"/>
-                      </p:stCondLst>
-                      <p:childTnLst>
-                        <p:par>
-                          <p:cTn id="16" fill="hold">
-                            <p:stCondLst>
-                              <p:cond delay="0"/>
-                            </p:stCondLst>
-                            <p:childTnLst>
-                              <p:par>
-                                <p:cTn id="17" presetID="1" presetClass="entr" presetSubtype="0" fill="hold" grpId="0" nodeType="clickEffect">
-                                  <p:stCondLst>
-                                    <p:cond delay="0"/>
-                                  </p:stCondLst>
-                                  <p:childTnLst>
-                                    <p:set>
-                                      <p:cBhvr>
-                                        <p:cTn id="18" dur="1" fill="hold">
-                                          <p:stCondLst>
-                                            <p:cond delay="0"/>
-                                          </p:stCondLst>
-                                        </p:cTn>
-                                        <p:tgtEl>
-                                          <p:spTgt spid="8"/>
-                                        </p:tgtEl>
-                                        <p:attrNameLst>
-                                          <p:attrName>style.visibility</p:attrName>
-                                        </p:attrNameLst>
-                                      </p:cBhvr>
-                                      <p:to>
-                                        <p:strVal val="visible"/>
-                                      </p:to>
-                                    </p:set>
-                                  </p:childTnLst>
-                                </p:cTn>
-                              </p:par>
-                            </p:childTnLst>
-                          </p:cTn>
-                        </p:par>
-                      </p:childTnLst>
-                    </p:cTn>
-                  </p:par>
                 </p:childTnLst>
               </p:cTn>
               <p:prevCondLst>
@@ -14432,8 +14863,6 @@
     </p:tnLst>
     <p:bldLst>
       <p:bldP spid="6" grpId="0" animBg="1"/>
-      <p:bldP spid="7" grpId="0" animBg="1"/>
-      <p:bldP spid="8" grpId="0" animBg="1"/>
       <p:bldP spid="9" grpId="0" animBg="1"/>
     </p:bldLst>
   </p:timing>
@@ -15362,9 +15791,10 @@
               <a:t>Регистриране на админ </a:t>
             </a:r>
             <a:r>
-              <a:rPr lang="en-BG" dirty="0"/>
+              <a:rPr lang="en-US" dirty="0"/>
               <a:t>(3)</a:t>
             </a:r>
+            <a:endParaRPr lang="en-BG" dirty="0"/>
           </a:p>
         </p:txBody>
       </p:sp>
@@ -15384,8 +15814,8 @@
         </p:nvSpPr>
         <p:spPr>
           <a:xfrm>
-            <a:off x="190406" y="1629000"/>
-            <a:ext cx="11562624" cy="4524315"/>
+            <a:off x="190406" y="1240005"/>
+            <a:ext cx="11562624" cy="5293757"/>
           </a:xfrm>
           <a:prstGeom prst="rect">
             <a:avLst/>
@@ -15413,328 +15843,27 @@
           <a:lstStyle/>
           <a:p>
             <a:r>
-              <a:rPr lang="en-GB" sz="1600" b="1" dirty="0">
-                <a:effectLst/>
-                <a:latin typeface="Consolas" panose="020B0609020204030204" pitchFamily="49" charset="0"/>
-                <a:cs typeface="Consolas" panose="020B0609020204030204" pitchFamily="49" charset="0"/>
-              </a:rPr>
-              <a:t>...</a:t>
-            </a:r>
-          </a:p>
-          <a:p>
-            <a:endParaRPr lang="en-GB" sz="1600" b="1" dirty="0">
+              <a:rPr lang="bg-BG" sz="2000" b="1" dirty="0">
+                <a:latin typeface="Consolas" panose="020B0609020204030204" pitchFamily="49" charset="0"/>
+                <a:cs typeface="Consolas" panose="020B0609020204030204" pitchFamily="49" charset="0"/>
+              </a:rPr>
+              <a:t>.</a:t>
+            </a:r>
+            <a:r>
+              <a:rPr lang="en-US" sz="2000" b="1" dirty="0">
+                <a:latin typeface="Consolas" panose="020B0609020204030204" pitchFamily="49" charset="0"/>
+                <a:cs typeface="Consolas" panose="020B0609020204030204" pitchFamily="49" charset="0"/>
+              </a:rPr>
+              <a:t>..</a:t>
+            </a:r>
+            <a:endParaRPr lang="bg-BG" sz="2000" b="1" dirty="0">
               <a:effectLst/>
               <a:latin typeface="Consolas" panose="020B0609020204030204" pitchFamily="49" charset="0"/>
               <a:cs typeface="Consolas" panose="020B0609020204030204" pitchFamily="49" charset="0"/>
             </a:endParaRPr>
           </a:p>
           <a:p>
-            <a:r>
-              <a:rPr lang="en-GB" sz="1600" b="1" dirty="0">
-                <a:effectLst/>
-                <a:latin typeface="Consolas" panose="020B0609020204030204" pitchFamily="49" charset="0"/>
-                <a:cs typeface="Consolas" panose="020B0609020204030204" pitchFamily="49" charset="0"/>
-              </a:rPr>
-              <a:t>private void </a:t>
-            </a:r>
-            <a:r>
-              <a:rPr lang="en-GB" sz="1600" b="1" dirty="0">
-                <a:solidFill>
-                  <a:schemeClr val="bg1"/>
-                </a:solidFill>
-                <a:effectLst/>
-                <a:latin typeface="Consolas" panose="020B0609020204030204" pitchFamily="49" charset="0"/>
-                <a:cs typeface="Consolas" panose="020B0609020204030204" pitchFamily="49" charset="0"/>
-              </a:rPr>
-              <a:t>AddNewAdmin</a:t>
-            </a:r>
-            <a:r>
-              <a:rPr lang="en-GB" sz="1600" b="1" dirty="0">
-                <a:effectLst/>
-                <a:latin typeface="Consolas" panose="020B0609020204030204" pitchFamily="49" charset="0"/>
-                <a:cs typeface="Consolas" panose="020B0609020204030204" pitchFamily="49" charset="0"/>
-              </a:rPr>
-              <a:t>(Administrator admin)</a:t>
-            </a:r>
-          </a:p>
-          <a:p>
-            <a:r>
-              <a:rPr lang="en-GB" sz="1600" b="1" dirty="0">
-                <a:effectLst/>
-                <a:latin typeface="Consolas" panose="020B0609020204030204" pitchFamily="49" charset="0"/>
-                <a:cs typeface="Consolas" panose="020B0609020204030204" pitchFamily="49" charset="0"/>
-              </a:rPr>
-              <a:t>{</a:t>
-            </a:r>
-          </a:p>
-          <a:p>
-            <a:r>
-              <a:rPr lang="bg-BG" sz="1600" b="1" dirty="0">
-                <a:effectLst/>
-                <a:latin typeface="Consolas" panose="020B0609020204030204" pitchFamily="49" charset="0"/>
-                <a:cs typeface="Consolas" panose="020B0609020204030204" pitchFamily="49" charset="0"/>
-              </a:rPr>
-              <a:t>    </a:t>
-            </a:r>
-            <a:r>
-              <a:rPr lang="en-GB" sz="1600" b="1" dirty="0">
-                <a:effectLst/>
-                <a:latin typeface="Consolas" panose="020B0609020204030204" pitchFamily="49" charset="0"/>
-                <a:cs typeface="Consolas" panose="020B0609020204030204" pitchFamily="49" charset="0"/>
-              </a:rPr>
-              <a:t>using (var </a:t>
-            </a:r>
-            <a:r>
-              <a:rPr lang="en-GB" sz="1600" b="1" dirty="0">
-                <a:solidFill>
-                  <a:schemeClr val="bg1"/>
-                </a:solidFill>
-                <a:effectLst/>
-                <a:latin typeface="Consolas" panose="020B0609020204030204" pitchFamily="49" charset="0"/>
-                <a:cs typeface="Consolas" panose="020B0609020204030204" pitchFamily="49" charset="0"/>
-              </a:rPr>
-              <a:t>dbContext</a:t>
-            </a:r>
-            <a:r>
-              <a:rPr lang="en-GB" sz="1600" b="1" dirty="0">
-                <a:effectLst/>
-                <a:latin typeface="Consolas" panose="020B0609020204030204" pitchFamily="49" charset="0"/>
-                <a:cs typeface="Consolas" panose="020B0609020204030204" pitchFamily="49" charset="0"/>
-              </a:rPr>
-              <a:t> = new HospitalDbContext())</a:t>
-            </a:r>
-          </a:p>
-          <a:p>
-            <a:r>
-              <a:rPr lang="bg-BG" sz="1600" b="1" dirty="0">
-                <a:effectLst/>
-                <a:latin typeface="Consolas" panose="020B0609020204030204" pitchFamily="49" charset="0"/>
-                <a:cs typeface="Consolas" panose="020B0609020204030204" pitchFamily="49" charset="0"/>
-              </a:rPr>
-              <a:t>    </a:t>
-            </a:r>
-            <a:r>
-              <a:rPr lang="en-GB" sz="1600" b="1" dirty="0">
-                <a:effectLst/>
-                <a:latin typeface="Consolas" panose="020B0609020204030204" pitchFamily="49" charset="0"/>
-                <a:cs typeface="Consolas" panose="020B0609020204030204" pitchFamily="49" charset="0"/>
-              </a:rPr>
-              <a:t>{</a:t>
-            </a:r>
-          </a:p>
-          <a:p>
-            <a:r>
-              <a:rPr lang="bg-BG" sz="1600" b="1" dirty="0">
-                <a:effectLst/>
-                <a:latin typeface="Consolas" panose="020B0609020204030204" pitchFamily="49" charset="0"/>
-                <a:cs typeface="Consolas" panose="020B0609020204030204" pitchFamily="49" charset="0"/>
-              </a:rPr>
-              <a:t>        </a:t>
-            </a:r>
-            <a:r>
-              <a:rPr lang="en-GB" sz="1600" b="1" dirty="0">
-                <a:effectLst/>
-                <a:latin typeface="Consolas" panose="020B0609020204030204" pitchFamily="49" charset="0"/>
-                <a:cs typeface="Consolas" panose="020B0609020204030204" pitchFamily="49" charset="0"/>
-              </a:rPr>
-              <a:t>if (</a:t>
-            </a:r>
-            <a:r>
-              <a:rPr lang="en-GB" sz="1600" b="1" dirty="0">
-                <a:solidFill>
-                  <a:schemeClr val="bg1"/>
-                </a:solidFill>
-                <a:effectLst/>
-                <a:latin typeface="Consolas" panose="020B0609020204030204" pitchFamily="49" charset="0"/>
-                <a:cs typeface="Consolas" panose="020B0609020204030204" pitchFamily="49" charset="0"/>
-              </a:rPr>
-              <a:t>dbContext</a:t>
-            </a:r>
-            <a:r>
-              <a:rPr lang="en-GB" sz="1600" b="1" dirty="0">
-                <a:effectLst/>
-                <a:latin typeface="Consolas" panose="020B0609020204030204" pitchFamily="49" charset="0"/>
-                <a:cs typeface="Consolas" panose="020B0609020204030204" pitchFamily="49" charset="0"/>
-              </a:rPr>
-              <a:t>.</a:t>
-            </a:r>
-            <a:r>
-              <a:rPr lang="en-GB" sz="1600" b="1" dirty="0">
-                <a:solidFill>
-                  <a:schemeClr val="bg1"/>
-                </a:solidFill>
-                <a:effectLst/>
-                <a:latin typeface="Consolas" panose="020B0609020204030204" pitchFamily="49" charset="0"/>
-                <a:cs typeface="Consolas" panose="020B0609020204030204" pitchFamily="49" charset="0"/>
-              </a:rPr>
-              <a:t>Administrators</a:t>
-            </a:r>
-            <a:r>
-              <a:rPr lang="en-GB" sz="1600" b="1" dirty="0">
-                <a:effectLst/>
-                <a:latin typeface="Consolas" panose="020B0609020204030204" pitchFamily="49" charset="0"/>
-                <a:cs typeface="Consolas" panose="020B0609020204030204" pitchFamily="49" charset="0"/>
-              </a:rPr>
-              <a:t>.</a:t>
-            </a:r>
-            <a:r>
-              <a:rPr lang="en-GB" sz="1600" b="1" dirty="0">
-                <a:solidFill>
-                  <a:schemeClr val="bg1"/>
-                </a:solidFill>
-                <a:effectLst/>
-                <a:latin typeface="Consolas" panose="020B0609020204030204" pitchFamily="49" charset="0"/>
-                <a:cs typeface="Consolas" panose="020B0609020204030204" pitchFamily="49" charset="0"/>
-              </a:rPr>
-              <a:t>Any</a:t>
-            </a:r>
-            <a:r>
-              <a:rPr lang="en-GB" sz="1600" b="1" dirty="0">
-                <a:effectLst/>
-                <a:latin typeface="Consolas" panose="020B0609020204030204" pitchFamily="49" charset="0"/>
-                <a:cs typeface="Consolas" panose="020B0609020204030204" pitchFamily="49" charset="0"/>
-              </a:rPr>
-              <a:t>(a =&gt; a.</a:t>
-            </a:r>
-            <a:r>
-              <a:rPr lang="en-GB" sz="1600" b="1" dirty="0">
-                <a:solidFill>
-                  <a:schemeClr val="bg1"/>
-                </a:solidFill>
-                <a:effectLst/>
-                <a:latin typeface="Consolas" panose="020B0609020204030204" pitchFamily="49" charset="0"/>
-                <a:cs typeface="Consolas" panose="020B0609020204030204" pitchFamily="49" charset="0"/>
-              </a:rPr>
-              <a:t>Email</a:t>
-            </a:r>
-            <a:r>
-              <a:rPr lang="en-GB" sz="1600" b="1" dirty="0">
-                <a:effectLst/>
-                <a:latin typeface="Consolas" panose="020B0609020204030204" pitchFamily="49" charset="0"/>
-                <a:cs typeface="Consolas" panose="020B0609020204030204" pitchFamily="49" charset="0"/>
-              </a:rPr>
-              <a:t> == admin.</a:t>
-            </a:r>
-            <a:r>
-              <a:rPr lang="en-GB" sz="1600" b="1" dirty="0">
-                <a:solidFill>
-                  <a:schemeClr val="bg1"/>
-                </a:solidFill>
-                <a:effectLst/>
-                <a:latin typeface="Consolas" panose="020B0609020204030204" pitchFamily="49" charset="0"/>
-                <a:cs typeface="Consolas" panose="020B0609020204030204" pitchFamily="49" charset="0"/>
-              </a:rPr>
-              <a:t>Email</a:t>
-            </a:r>
-            <a:r>
-              <a:rPr lang="en-GB" sz="1600" b="1" dirty="0">
-                <a:effectLst/>
-                <a:latin typeface="Consolas" panose="020B0609020204030204" pitchFamily="49" charset="0"/>
-                <a:cs typeface="Consolas" panose="020B0609020204030204" pitchFamily="49" charset="0"/>
-              </a:rPr>
-              <a:t>))</a:t>
-            </a:r>
-          </a:p>
-          <a:p>
-            <a:r>
-              <a:rPr lang="bg-BG" sz="1600" b="1" dirty="0">
-                <a:effectLst/>
-                <a:latin typeface="Consolas" panose="020B0609020204030204" pitchFamily="49" charset="0"/>
-                <a:cs typeface="Consolas" panose="020B0609020204030204" pitchFamily="49" charset="0"/>
-              </a:rPr>
-              <a:t>        </a:t>
-            </a:r>
-            <a:r>
-              <a:rPr lang="en-GB" sz="1600" b="1" dirty="0">
-                <a:effectLst/>
-                <a:latin typeface="Consolas" panose="020B0609020204030204" pitchFamily="49" charset="0"/>
-                <a:cs typeface="Consolas" panose="020B0609020204030204" pitchFamily="49" charset="0"/>
-              </a:rPr>
-              <a:t>{</a:t>
-            </a:r>
-          </a:p>
-          <a:p>
-            <a:r>
-              <a:rPr lang="bg-BG" sz="1600" b="1" dirty="0">
-                <a:effectLst/>
-                <a:latin typeface="Consolas" panose="020B0609020204030204" pitchFamily="49" charset="0"/>
-                <a:cs typeface="Consolas" panose="020B0609020204030204" pitchFamily="49" charset="0"/>
-              </a:rPr>
-              <a:t>            </a:t>
-            </a:r>
-            <a:r>
-              <a:rPr lang="en-GB" sz="1600" b="1" dirty="0">
-                <a:effectLst/>
-                <a:latin typeface="Consolas" panose="020B0609020204030204" pitchFamily="49" charset="0"/>
-                <a:cs typeface="Consolas" panose="020B0609020204030204" pitchFamily="49" charset="0"/>
-              </a:rPr>
-              <a:t>MessageBox.Show("</a:t>
-            </a:r>
-            <a:r>
-              <a:rPr lang="bg-BG" sz="1600" b="1" dirty="0">
-                <a:effectLst/>
-                <a:latin typeface="Consolas" panose="020B0609020204030204" pitchFamily="49" charset="0"/>
-                <a:cs typeface="Consolas" panose="020B0609020204030204" pitchFamily="49" charset="0"/>
-              </a:rPr>
-              <a:t>Администратор с този имейл вече съществува.",</a:t>
-            </a:r>
-          </a:p>
-          <a:p>
-            <a:r>
-              <a:rPr lang="bg-BG" sz="1600" b="1" dirty="0">
-                <a:effectLst/>
-                <a:latin typeface="Consolas" panose="020B0609020204030204" pitchFamily="49" charset="0"/>
-                <a:cs typeface="Consolas" panose="020B0609020204030204" pitchFamily="49" charset="0"/>
-              </a:rPr>
-              <a:t>                "Грешка", </a:t>
-            </a:r>
-            <a:r>
-              <a:rPr lang="en-GB" sz="1600" b="1" dirty="0">
-                <a:effectLst/>
-                <a:latin typeface="Consolas" panose="020B0609020204030204" pitchFamily="49" charset="0"/>
-                <a:cs typeface="Consolas" panose="020B0609020204030204" pitchFamily="49" charset="0"/>
-              </a:rPr>
-              <a:t>MessageBoxButtons.OK, MessageBoxIcon.Error);</a:t>
-            </a:r>
-          </a:p>
-          <a:p>
-            <a:r>
-              <a:rPr lang="en-GB" sz="1600" b="1" dirty="0">
-                <a:effectLst/>
-                <a:latin typeface="Consolas" panose="020B0609020204030204" pitchFamily="49" charset="0"/>
-                <a:cs typeface="Consolas" panose="020B0609020204030204" pitchFamily="49" charset="0"/>
-              </a:rPr>
-              <a:t>            return;</a:t>
-            </a:r>
-          </a:p>
-          <a:p>
-            <a:r>
-              <a:rPr lang="en-GB" sz="1600" b="1" dirty="0">
-                <a:effectLst/>
-                <a:latin typeface="Consolas" panose="020B0609020204030204" pitchFamily="49" charset="0"/>
-                <a:cs typeface="Consolas" panose="020B0609020204030204" pitchFamily="49" charset="0"/>
-              </a:rPr>
-              <a:t>       </a:t>
-            </a:r>
-            <a:r>
-              <a:rPr lang="bg-BG" sz="1600" b="1" dirty="0">
-                <a:effectLst/>
-                <a:latin typeface="Consolas" panose="020B0609020204030204" pitchFamily="49" charset="0"/>
-                <a:cs typeface="Consolas" panose="020B0609020204030204" pitchFamily="49" charset="0"/>
-              </a:rPr>
-              <a:t> </a:t>
-            </a:r>
-            <a:r>
-              <a:rPr lang="en-GB" sz="1600" b="1" dirty="0">
-                <a:effectLst/>
-                <a:latin typeface="Consolas" panose="020B0609020204030204" pitchFamily="49" charset="0"/>
-                <a:cs typeface="Consolas" panose="020B0609020204030204" pitchFamily="49" charset="0"/>
-              </a:rPr>
-              <a:t>}</a:t>
-            </a:r>
-          </a:p>
-          <a:p>
-            <a:endParaRPr lang="bg-BG" sz="1600" b="1" dirty="0">
+            <a:endParaRPr lang="bg-BG" sz="2000" b="1" dirty="0">
               <a:effectLst/>
               <a:latin typeface="Consolas" panose="020B0609020204030204" pitchFamily="49" charset="0"/>
               <a:cs typeface="Consolas" panose="020B0609020204030204" pitchFamily="49" charset="0"/>
@@ -15742,15 +15871,58 @@
           </a:p>
           <a:p>
             <a:r>
-              <a:rPr lang="bg-BG" sz="1600" b="1" dirty="0">
-                <a:effectLst/>
-                <a:latin typeface="Consolas" panose="020B0609020204030204" pitchFamily="49" charset="0"/>
-                <a:cs typeface="Consolas" panose="020B0609020204030204" pitchFamily="49" charset="0"/>
-              </a:rPr>
-              <a:t>        </a:t>
-            </a:r>
-            <a:r>
-              <a:rPr lang="en-GB" sz="1600" b="1" dirty="0">
+              <a:rPr lang="en-US" sz="2000" b="1" dirty="0">
+                <a:effectLst/>
+                <a:latin typeface="Consolas" panose="020B0609020204030204" pitchFamily="49" charset="0"/>
+                <a:cs typeface="Consolas" panose="020B0609020204030204" pitchFamily="49" charset="0"/>
+              </a:rPr>
+              <a:t>    </a:t>
+            </a:r>
+            <a:r>
+              <a:rPr lang="bg-BG" sz="2000" b="1" dirty="0">
+                <a:solidFill>
+                  <a:schemeClr val="accent2"/>
+                </a:solidFill>
+                <a:effectLst/>
+                <a:latin typeface="Consolas" panose="020B0609020204030204" pitchFamily="49" charset="0"/>
+                <a:cs typeface="Consolas" panose="020B0609020204030204" pitchFamily="49" charset="0"/>
+              </a:rPr>
+              <a:t>// Използваме </a:t>
+            </a:r>
+            <a:r>
+              <a:rPr lang="en-GB" sz="2000" b="1" dirty="0">
+                <a:solidFill>
+                  <a:schemeClr val="accent2"/>
+                </a:solidFill>
+                <a:effectLst/>
+                <a:latin typeface="Consolas" panose="020B0609020204030204" pitchFamily="49" charset="0"/>
+                <a:cs typeface="Consolas" panose="020B0609020204030204" pitchFamily="49" charset="0"/>
+              </a:rPr>
+              <a:t>UserHelper </a:t>
+            </a:r>
+            <a:r>
+              <a:rPr lang="bg-BG" sz="2000" b="1" dirty="0">
+                <a:solidFill>
+                  <a:schemeClr val="accent2"/>
+                </a:solidFill>
+                <a:effectLst/>
+                <a:latin typeface="Consolas" panose="020B0609020204030204" pitchFamily="49" charset="0"/>
+                <a:cs typeface="Consolas" panose="020B0609020204030204" pitchFamily="49" charset="0"/>
+              </a:rPr>
+              <a:t>за добавяне на потребител</a:t>
+            </a:r>
+          </a:p>
+          <a:p>
+            <a:r>
+              <a:rPr lang="en-US" sz="2000" b="1" dirty="0">
+                <a:effectLst/>
+                <a:latin typeface="Consolas" panose="020B0609020204030204" pitchFamily="49" charset="0"/>
+                <a:cs typeface="Consolas" panose="020B0609020204030204" pitchFamily="49" charset="0"/>
+              </a:rPr>
+              <a:t>    </a:t>
+            </a:r>
+            <a:r>
+              <a:rPr lang="en-GB" sz="2000" b="1" dirty="0">
                 <a:solidFill>
                   <a:schemeClr val="bg1"/>
                 </a:solidFill>
@@ -15758,10 +15930,10 @@
                 <a:latin typeface="Consolas" panose="020B0609020204030204" pitchFamily="49" charset="0"/>
                 <a:cs typeface="Consolas" panose="020B0609020204030204" pitchFamily="49" charset="0"/>
               </a:rPr>
-              <a:t>dbContext</a:t>
-            </a:r>
-            <a:r>
-              <a:rPr lang="en-GB" sz="1600" b="1" dirty="0">
+              <a:t>UserHelper</a:t>
+            </a:r>
+            <a:r>
+              <a:rPr lang="en-GB" sz="2000" b="1" dirty="0">
                 <a:effectLst/>
                 <a:latin typeface="Consolas" panose="020B0609020204030204" pitchFamily="49" charset="0"/>
                 <a:cs typeface="Consolas" panose="020B0609020204030204" pitchFamily="49" charset="0"/>
@@ -15769,7 +15941,7 @@
               <a:t>.</a:t>
             </a:r>
             <a:r>
-              <a:rPr lang="en-GB" sz="1600" b="1" dirty="0">
+              <a:rPr lang="en-GB" sz="2000" b="1" dirty="0">
                 <a:solidFill>
                   <a:schemeClr val="bg1"/>
                 </a:solidFill>
@@ -15777,10 +15949,104 @@
                 <a:latin typeface="Consolas" panose="020B0609020204030204" pitchFamily="49" charset="0"/>
                 <a:cs typeface="Consolas" panose="020B0609020204030204" pitchFamily="49" charset="0"/>
               </a:rPr>
-              <a:t>Administrators</a:t>
-            </a:r>
-            <a:r>
-              <a:rPr lang="en-GB" sz="1600" b="1" dirty="0">
+              <a:t>AddNewUser</a:t>
+            </a:r>
+            <a:r>
+              <a:rPr lang="en-GB" sz="2000" b="1" dirty="0">
+                <a:effectLst/>
+                <a:latin typeface="Consolas" panose="020B0609020204030204" pitchFamily="49" charset="0"/>
+                <a:cs typeface="Consolas" panose="020B0609020204030204" pitchFamily="49" charset="0"/>
+              </a:rPr>
+              <a:t>(</a:t>
+            </a:r>
+            <a:r>
+              <a:rPr lang="en-GB" sz="2000" b="1" dirty="0">
+                <a:solidFill>
+                  <a:schemeClr val="bg1"/>
+                </a:solidFill>
+                <a:effectLst/>
+                <a:latin typeface="Consolas" panose="020B0609020204030204" pitchFamily="49" charset="0"/>
+                <a:cs typeface="Consolas" panose="020B0609020204030204" pitchFamily="49" charset="0"/>
+              </a:rPr>
+              <a:t>newUser</a:t>
+            </a:r>
+            <a:r>
+              <a:rPr lang="en-GB" sz="2000" b="1" dirty="0">
+                <a:effectLst/>
+                <a:latin typeface="Consolas" panose="020B0609020204030204" pitchFamily="49" charset="0"/>
+                <a:cs typeface="Consolas" panose="020B0609020204030204" pitchFamily="49" charset="0"/>
+              </a:rPr>
+              <a:t>);</a:t>
+            </a:r>
+          </a:p>
+          <a:p>
+            <a:endParaRPr lang="en-GB" sz="2000" b="1" dirty="0">
+              <a:effectLst/>
+              <a:latin typeface="Consolas" panose="020B0609020204030204" pitchFamily="49" charset="0"/>
+              <a:cs typeface="Consolas" panose="020B0609020204030204" pitchFamily="49" charset="0"/>
+            </a:endParaRPr>
+          </a:p>
+          <a:p>
+            <a:r>
+              <a:rPr lang="en-GB" sz="2000" b="1" dirty="0">
+                <a:effectLst/>
+                <a:latin typeface="Consolas" panose="020B0609020204030204" pitchFamily="49" charset="0"/>
+                <a:cs typeface="Consolas" panose="020B0609020204030204" pitchFamily="49" charset="0"/>
+              </a:rPr>
+              <a:t>    var </a:t>
+            </a:r>
+            <a:r>
+              <a:rPr lang="en-GB" sz="2000" b="1" dirty="0">
+                <a:solidFill>
+                  <a:schemeClr val="bg1"/>
+                </a:solidFill>
+                <a:effectLst/>
+                <a:latin typeface="Consolas" panose="020B0609020204030204" pitchFamily="49" charset="0"/>
+                <a:cs typeface="Consolas" panose="020B0609020204030204" pitchFamily="49" charset="0"/>
+              </a:rPr>
+              <a:t>newAdmin</a:t>
+            </a:r>
+            <a:r>
+              <a:rPr lang="en-GB" sz="2000" b="1" dirty="0">
+                <a:effectLst/>
+                <a:latin typeface="Consolas" panose="020B0609020204030204" pitchFamily="49" charset="0"/>
+                <a:cs typeface="Consolas" panose="020B0609020204030204" pitchFamily="49" charset="0"/>
+              </a:rPr>
+              <a:t> = new Administrator</a:t>
+            </a:r>
+          </a:p>
+          <a:p>
+            <a:r>
+              <a:rPr lang="en-GB" sz="2000" b="1" dirty="0">
+                <a:effectLst/>
+                <a:latin typeface="Consolas" panose="020B0609020204030204" pitchFamily="49" charset="0"/>
+                <a:cs typeface="Consolas" panose="020B0609020204030204" pitchFamily="49" charset="0"/>
+              </a:rPr>
+              <a:t>    {</a:t>
+            </a:r>
+          </a:p>
+          <a:p>
+            <a:r>
+              <a:rPr lang="en-GB" sz="2000" b="1" dirty="0">
+                <a:effectLst/>
+                <a:latin typeface="Consolas" panose="020B0609020204030204" pitchFamily="49" charset="0"/>
+                <a:cs typeface="Consolas" panose="020B0609020204030204" pitchFamily="49" charset="0"/>
+              </a:rPr>
+              <a:t>        FirstName = </a:t>
+            </a:r>
+            <a:r>
+              <a:rPr lang="en-GB" sz="2000" b="1" dirty="0">
+                <a:solidFill>
+                  <a:schemeClr val="bg1"/>
+                </a:solidFill>
+                <a:effectLst/>
+                <a:latin typeface="Consolas" panose="020B0609020204030204" pitchFamily="49" charset="0"/>
+                <a:cs typeface="Consolas" panose="020B0609020204030204" pitchFamily="49" charset="0"/>
+              </a:rPr>
+              <a:t>textBoxFirstName</a:t>
+            </a:r>
+            <a:r>
+              <a:rPr lang="en-GB" sz="2000" b="1" dirty="0">
                 <a:effectLst/>
                 <a:latin typeface="Consolas" panose="020B0609020204030204" pitchFamily="49" charset="0"/>
                 <a:cs typeface="Consolas" panose="020B0609020204030204" pitchFamily="49" charset="0"/>
@@ -15788,7 +16054,7 @@
               <a:t>.</a:t>
             </a:r>
             <a:r>
-              <a:rPr lang="en-GB" sz="1600" b="1" dirty="0">
+              <a:rPr lang="en-GB" sz="2000" b="1" dirty="0">
                 <a:solidFill>
                   <a:schemeClr val="bg1"/>
                 </a:solidFill>
@@ -15796,18 +16062,37 @@
                 <a:latin typeface="Consolas" panose="020B0609020204030204" pitchFamily="49" charset="0"/>
                 <a:cs typeface="Consolas" panose="020B0609020204030204" pitchFamily="49" charset="0"/>
               </a:rPr>
-              <a:t>Add</a:t>
-            </a:r>
-            <a:r>
-              <a:rPr lang="en-GB" sz="1600" b="1" dirty="0">
-                <a:effectLst/>
-                <a:latin typeface="Consolas" panose="020B0609020204030204" pitchFamily="49" charset="0"/>
-                <a:cs typeface="Consolas" panose="020B0609020204030204" pitchFamily="49" charset="0"/>
-              </a:rPr>
-              <a:t>(</a:t>
-            </a:r>
-            <a:r>
-              <a:rPr lang="en-GB" sz="1600" b="1" dirty="0">
+              <a:t>Text</a:t>
+            </a:r>
+            <a:r>
+              <a:rPr lang="en-GB" sz="2000" b="1" dirty="0">
+                <a:effectLst/>
+                <a:latin typeface="Consolas" panose="020B0609020204030204" pitchFamily="49" charset="0"/>
+                <a:cs typeface="Consolas" panose="020B0609020204030204" pitchFamily="49" charset="0"/>
+              </a:rPr>
+              <a:t>,</a:t>
+            </a:r>
+          </a:p>
+          <a:p>
+            <a:r>
+              <a:rPr lang="en-GB" sz="2000" b="1" dirty="0">
+                <a:latin typeface="Consolas" panose="020B0609020204030204" pitchFamily="49" charset="0"/>
+                <a:cs typeface="Consolas" panose="020B0609020204030204" pitchFamily="49" charset="0"/>
+              </a:rPr>
+              <a:t>        ...</a:t>
+            </a:r>
+          </a:p>
+          <a:p>
+            <a:r>
+              <a:rPr lang="en-GB" sz="2000" b="1" dirty="0">
+                <a:effectLst/>
+                <a:latin typeface="Consolas" panose="020B0609020204030204" pitchFamily="49" charset="0"/>
+                <a:cs typeface="Consolas" panose="020B0609020204030204" pitchFamily="49" charset="0"/>
+              </a:rPr>
+              <a:t>        UserId = </a:t>
+            </a:r>
+            <a:r>
+              <a:rPr lang="en-GB" sz="2000" b="1" dirty="0">
                 <a:solidFill>
                   <a:schemeClr val="bg1"/>
                 </a:solidFill>
@@ -15815,28 +16100,18 @@
                 <a:latin typeface="Consolas" panose="020B0609020204030204" pitchFamily="49" charset="0"/>
                 <a:cs typeface="Consolas" panose="020B0609020204030204" pitchFamily="49" charset="0"/>
               </a:rPr>
-              <a:t>admin</a:t>
-            </a:r>
-            <a:r>
-              <a:rPr lang="en-GB" sz="1600" b="1" dirty="0">
-                <a:effectLst/>
-                <a:latin typeface="Consolas" panose="020B0609020204030204" pitchFamily="49" charset="0"/>
-                <a:cs typeface="Consolas" panose="020B0609020204030204" pitchFamily="49" charset="0"/>
-              </a:rPr>
-              <a:t>);</a:t>
-            </a:r>
-          </a:p>
-          <a:p>
-            <a:r>
-              <a:rPr lang="en-GB" sz="1600" b="1" dirty="0">
-                <a:effectLst/>
-                <a:latin typeface="Consolas" panose="020B0609020204030204" pitchFamily="49" charset="0"/>
-                <a:cs typeface="Consolas" panose="020B0609020204030204" pitchFamily="49" charset="0"/>
-              </a:rPr>
-              <a:t>        </a:t>
-            </a:r>
-            <a:r>
-              <a:rPr lang="en-GB" sz="1600" b="1" dirty="0">
+              <a:t>newUser</a:t>
+            </a:r>
+            <a:r>
+              <a:rPr lang="en-GB" sz="2000" b="1" dirty="0">
+                <a:effectLst/>
+                <a:latin typeface="Consolas" panose="020B0609020204030204" pitchFamily="49" charset="0"/>
+                <a:cs typeface="Consolas" panose="020B0609020204030204" pitchFamily="49" charset="0"/>
+              </a:rPr>
+              <a:t>.</a:t>
+            </a:r>
+            <a:r>
+              <a:rPr lang="en-GB" sz="2000" b="1" dirty="0">
                 <a:solidFill>
                   <a:schemeClr val="bg1"/>
                 </a:solidFill>
@@ -15844,18 +16119,37 @@
                 <a:latin typeface="Consolas" panose="020B0609020204030204" pitchFamily="49" charset="0"/>
                 <a:cs typeface="Consolas" panose="020B0609020204030204" pitchFamily="49" charset="0"/>
               </a:rPr>
-              <a:t>dbContext</a:t>
-            </a:r>
-            <a:r>
-              <a:rPr lang="en-GB" sz="1600" b="1" dirty="0">
-                <a:effectLst/>
-                <a:latin typeface="Consolas" panose="020B0609020204030204" pitchFamily="49" charset="0"/>
-                <a:cs typeface="Consolas" panose="020B0609020204030204" pitchFamily="49" charset="0"/>
-              </a:rPr>
-              <a:t>.</a:t>
-            </a:r>
-            <a:r>
-              <a:rPr lang="en-GB" sz="1600" b="1" dirty="0">
+              <a:t>UserId</a:t>
+            </a:r>
+          </a:p>
+          <a:p>
+            <a:r>
+              <a:rPr lang="en-GB" sz="2000" b="1" dirty="0">
+                <a:effectLst/>
+                <a:latin typeface="Consolas" panose="020B0609020204030204" pitchFamily="49" charset="0"/>
+                <a:cs typeface="Consolas" panose="020B0609020204030204" pitchFamily="49" charset="0"/>
+              </a:rPr>
+              <a:t>    };</a:t>
+            </a:r>
+          </a:p>
+          <a:p>
+            <a:endParaRPr lang="en-GB" sz="2000" b="1" dirty="0">
+              <a:effectLst/>
+              <a:latin typeface="Consolas" panose="020B0609020204030204" pitchFamily="49" charset="0"/>
+              <a:cs typeface="Consolas" panose="020B0609020204030204" pitchFamily="49" charset="0"/>
+            </a:endParaRPr>
+          </a:p>
+          <a:p>
+            <a:r>
+              <a:rPr lang="en-GB" sz="2000" b="1" dirty="0">
+                <a:effectLst/>
+                <a:latin typeface="Consolas" panose="020B0609020204030204" pitchFamily="49" charset="0"/>
+                <a:cs typeface="Consolas" panose="020B0609020204030204" pitchFamily="49" charset="0"/>
+              </a:rPr>
+              <a:t>    </a:t>
+            </a:r>
+            <a:r>
+              <a:rPr lang="en-GB" sz="2000" b="1" dirty="0">
                 <a:solidFill>
                   <a:schemeClr val="bg1"/>
                 </a:solidFill>
@@ -15863,55 +16157,93 @@
                 <a:latin typeface="Consolas" panose="020B0609020204030204" pitchFamily="49" charset="0"/>
                 <a:cs typeface="Consolas" panose="020B0609020204030204" pitchFamily="49" charset="0"/>
               </a:rPr>
-              <a:t>SaveChanges</a:t>
-            </a:r>
-            <a:r>
-              <a:rPr lang="en-GB" sz="1600" b="1" dirty="0">
+              <a:t>AddNewAdmin</a:t>
+            </a:r>
+            <a:r>
+              <a:rPr lang="en-GB" sz="2000" b="1" dirty="0">
+                <a:effectLst/>
+                <a:latin typeface="Consolas" panose="020B0609020204030204" pitchFamily="49" charset="0"/>
+                <a:cs typeface="Consolas" panose="020B0609020204030204" pitchFamily="49" charset="0"/>
+              </a:rPr>
+              <a:t>(newAdmin);</a:t>
+            </a:r>
+          </a:p>
+          <a:p>
+            <a:r>
+              <a:rPr lang="en-GB" sz="2000" b="1" dirty="0">
+                <a:effectLst/>
+                <a:latin typeface="Consolas" panose="020B0609020204030204" pitchFamily="49" charset="0"/>
+                <a:cs typeface="Consolas" panose="020B0609020204030204" pitchFamily="49" charset="0"/>
+              </a:rPr>
+              <a:t>    this.</a:t>
+            </a:r>
+            <a:r>
+              <a:rPr lang="en-GB" sz="2000" b="1" dirty="0">
+                <a:solidFill>
+                  <a:schemeClr val="bg1"/>
+                </a:solidFill>
+                <a:effectLst/>
+                <a:latin typeface="Consolas" panose="020B0609020204030204" pitchFamily="49" charset="0"/>
+                <a:cs typeface="Consolas" panose="020B0609020204030204" pitchFamily="49" charset="0"/>
+              </a:rPr>
+              <a:t>Hide</a:t>
+            </a:r>
+            <a:r>
+              <a:rPr lang="en-GB" sz="2000" b="1" dirty="0">
                 <a:effectLst/>
                 <a:latin typeface="Consolas" panose="020B0609020204030204" pitchFamily="49" charset="0"/>
                 <a:cs typeface="Consolas" panose="020B0609020204030204" pitchFamily="49" charset="0"/>
               </a:rPr>
               <a:t>();</a:t>
             </a:r>
-          </a:p>
-          <a:p>
-            <a:r>
-              <a:rPr lang="en-GB" sz="1600" b="1" dirty="0">
-                <a:effectLst/>
-                <a:latin typeface="Consolas" panose="020B0609020204030204" pitchFamily="49" charset="0"/>
-                <a:cs typeface="Consolas" panose="020B0609020204030204" pitchFamily="49" charset="0"/>
-              </a:rPr>
-              <a:t>        }</a:t>
-            </a:r>
-          </a:p>
-          <a:p>
-            <a:r>
-              <a:rPr lang="en-GB" sz="1600" b="1" dirty="0">
-                <a:effectLst/>
-                <a:latin typeface="Consolas" panose="020B0609020204030204" pitchFamily="49" charset="0"/>
-                <a:cs typeface="Consolas" panose="020B0609020204030204" pitchFamily="49" charset="0"/>
-              </a:rPr>
-              <a:t>    }</a:t>
-            </a:r>
-          </a:p>
-          <a:p>
-            <a:r>
-              <a:rPr lang="en-GB" sz="1600" b="1" dirty="0">
+            <a:endParaRPr lang="en-GB" sz="2000" b="1" dirty="0">
+              <a:latin typeface="Consolas" panose="020B0609020204030204" pitchFamily="49" charset="0"/>
+              <a:cs typeface="Consolas" panose="020B0609020204030204" pitchFamily="49" charset="0"/>
+            </a:endParaRPr>
+          </a:p>
+          <a:p>
+            <a:r>
+              <a:rPr lang="en-GB" sz="2000" b="1" dirty="0">
                 <a:effectLst/>
                 <a:latin typeface="Consolas" panose="020B0609020204030204" pitchFamily="49" charset="0"/>
                 <a:cs typeface="Consolas" panose="020B0609020204030204" pitchFamily="49" charset="0"/>
               </a:rPr>
               <a:t>}</a:t>
             </a:r>
+            <a:endParaRPr lang="bg-BG" sz="2000" b="1" dirty="0">
+              <a:effectLst/>
+              <a:latin typeface="Consolas" panose="020B0609020204030204" pitchFamily="49" charset="0"/>
+              <a:cs typeface="Consolas" panose="020B0609020204030204" pitchFamily="49" charset="0"/>
+            </a:endParaRPr>
+          </a:p>
+          <a:p>
+            <a:endParaRPr lang="bg-BG" sz="2000" b="1" dirty="0">
+              <a:latin typeface="Consolas" panose="020B0609020204030204" pitchFamily="49" charset="0"/>
+              <a:cs typeface="Consolas" panose="020B0609020204030204" pitchFamily="49" charset="0"/>
+            </a:endParaRPr>
+          </a:p>
+          <a:p>
+            <a:r>
+              <a:rPr lang="en-US" sz="2000" b="1" dirty="0">
+                <a:latin typeface="Consolas" panose="020B0609020204030204" pitchFamily="49" charset="0"/>
+                <a:cs typeface="Consolas" panose="020B0609020204030204" pitchFamily="49" charset="0"/>
+              </a:rPr>
+              <a:t>...</a:t>
+            </a:r>
+            <a:endParaRPr lang="en-GB" sz="2000" b="1" dirty="0">
+              <a:effectLst/>
+              <a:latin typeface="Consolas" panose="020B0609020204030204" pitchFamily="49" charset="0"/>
+              <a:cs typeface="Consolas" panose="020B0609020204030204" pitchFamily="49" charset="0"/>
+            </a:endParaRPr>
           </a:p>
         </p:txBody>
       </p:sp>
       <p:sp>
         <p:nvSpPr>
-          <p:cNvPr id="6" name="AutoShape 7">
+          <p:cNvPr id="7" name="AutoShape 7">
             <a:extLst>
               <a:ext uri="{FF2B5EF4-FFF2-40B4-BE49-F238E27FC236}">
-                <a16:creationId xmlns:a16="http://schemas.microsoft.com/office/drawing/2014/main" id="{DB7589F8-9AEF-AA7E-FF47-B24C385BBB2C}"/>
+                <a16:creationId xmlns:a16="http://schemas.microsoft.com/office/drawing/2014/main" id="{5DBCDD0A-E2DA-E065-E570-F1A8D3AA3603}"/>
               </a:ext>
             </a:extLst>
           </p:cNvPr>
@@ -15922,13 +16254,13 @@
         </p:nvSpPr>
         <p:spPr bwMode="auto">
           <a:xfrm>
-            <a:off x="9111000" y="3789000"/>
-            <a:ext cx="2520000" cy="715063"/>
+            <a:off x="7086000" y="2304000"/>
+            <a:ext cx="3015000" cy="783166"/>
           </a:xfrm>
           <a:prstGeom prst="wedgeRoundRectCallout">
             <a:avLst>
-              <a:gd name="adj1" fmla="val -72665"/>
-              <a:gd name="adj2" fmla="val -39716"/>
+              <a:gd name="adj1" fmla="val -112768"/>
+              <a:gd name="adj2" fmla="val -41696"/>
               <a:gd name="adj3" fmla="val 16667"/>
             </a:avLst>
           </a:prstGeom>
@@ -15974,15 +16306,15 @@
           <a:p>
             <a:pPr algn="ctr" eaLnBrk="0" hangingPunct="0"/>
             <a:r>
-              <a:rPr lang="bg-BG" b="1" noProof="1">
+              <a:rPr lang="bg-BG" sz="2000" b="1" noProof="1">
                 <a:solidFill>
                   <a:schemeClr val="bg2"/>
                 </a:solidFill>
               </a:rPr>
-              <a:t>Показваме </a:t>
-            </a:r>
-            <a:r>
-              <a:rPr lang="bg-BG" b="1" noProof="1">
+              <a:t>Добавяме </a:t>
+            </a:r>
+            <a:r>
+              <a:rPr lang="bg-BG" sz="2000" b="1" noProof="1">
                 <a:solidFill>
                   <a:schemeClr val="accent1">
                     <a:lumMod val="60000"/>
@@ -15990,19 +16322,33 @@
                   </a:schemeClr>
                 </a:solidFill>
               </a:rPr>
-              <a:t>грешка </a:t>
-            </a:r>
-            <a:r>
-              <a:rPr lang="bg-BG" b="1" noProof="1">
+              <a:t>потребител</a:t>
+            </a:r>
+            <a:r>
+              <a:rPr lang="bg-BG" sz="2000" b="1" noProof="1">
                 <a:solidFill>
                   <a:schemeClr val="bg2"/>
                 </a:solidFill>
               </a:rPr>
-              <a:t>при дубликация</a:t>
-            </a:r>
-            <a:endParaRPr lang="en-US" b="1" noProof="1">
+              <a:t> с роля на </a:t>
+            </a:r>
+            <a:r>
+              <a:rPr lang="bg-BG" sz="2000" b="1" noProof="1">
+                <a:solidFill>
+                  <a:schemeClr val="accent1">
+                    <a:lumMod val="60000"/>
+                    <a:lumOff val="40000"/>
+                  </a:schemeClr>
+                </a:solidFill>
+              </a:rPr>
+              <a:t>админ</a:t>
+            </a:r>
+            <a:endParaRPr lang="en-US" sz="2000" b="1" noProof="1">
               <a:solidFill>
-                <a:schemeClr val="bg2"/>
+                <a:schemeClr val="accent1">
+                  <a:lumMod val="60000"/>
+                  <a:lumOff val="40000"/>
+                </a:schemeClr>
               </a:solidFill>
             </a:endParaRPr>
           </a:p>
@@ -16010,10 +16356,10 @@
       </p:sp>
       <p:sp>
         <p:nvSpPr>
-          <p:cNvPr id="7" name="AutoShape 7">
+          <p:cNvPr id="8" name="AutoShape 7">
             <a:extLst>
               <a:ext uri="{FF2B5EF4-FFF2-40B4-BE49-F238E27FC236}">
-                <a16:creationId xmlns:a16="http://schemas.microsoft.com/office/drawing/2014/main" id="{F5A466C3-8E88-3D6C-E18B-E76E2E43F72E}"/>
+                <a16:creationId xmlns:a16="http://schemas.microsoft.com/office/drawing/2014/main" id="{E8ADCC97-F247-A4F2-363E-5D1A3961B2CD}"/>
               </a:ext>
             </a:extLst>
           </p:cNvPr>
@@ -16024,13 +16370,13 @@
         </p:nvSpPr>
         <p:spPr bwMode="auto">
           <a:xfrm>
-            <a:off x="6082680" y="5024702"/>
-            <a:ext cx="3120928" cy="408596"/>
+            <a:off x="4746000" y="4689000"/>
+            <a:ext cx="3120928" cy="442648"/>
           </a:xfrm>
           <a:prstGeom prst="wedgeRoundRectCallout">
             <a:avLst>
-              <a:gd name="adj1" fmla="val -77343"/>
-              <a:gd name="adj2" fmla="val -52506"/>
+              <a:gd name="adj1" fmla="val -76171"/>
+              <a:gd name="adj2" fmla="val 39994"/>
               <a:gd name="adj3" fmla="val 16667"/>
             </a:avLst>
           </a:prstGeom>
@@ -16076,7 +16422,7 @@
           <a:p>
             <a:pPr algn="ctr" eaLnBrk="0" hangingPunct="0"/>
             <a:r>
-              <a:rPr lang="bg-BG" b="1" noProof="1">
+              <a:rPr lang="bg-BG" sz="2000" b="1" noProof="1">
                 <a:solidFill>
                   <a:schemeClr val="bg2"/>
                 </a:solidFill>
@@ -16084,7 +16430,7 @@
               <a:t>Добавяме </a:t>
             </a:r>
             <a:r>
-              <a:rPr lang="bg-BG" b="1" noProof="1">
+              <a:rPr lang="bg-BG" sz="2000" b="1" noProof="1">
                 <a:solidFill>
                   <a:schemeClr val="accent1">
                     <a:lumMod val="60000"/>
@@ -16094,7 +16440,968 @@
               </a:rPr>
               <a:t>админ</a:t>
             </a:r>
-            <a:endParaRPr lang="en-US" b="1" noProof="1">
+            <a:endParaRPr lang="en-US" sz="2000" b="1" noProof="1">
+              <a:solidFill>
+                <a:schemeClr val="accent1">
+                  <a:lumMod val="60000"/>
+                  <a:lumOff val="40000"/>
+                </a:schemeClr>
+              </a:solidFill>
+            </a:endParaRPr>
+          </a:p>
+        </p:txBody>
+      </p:sp>
+    </p:spTree>
+    <p:extLst>
+      <p:ext uri="{BB962C8B-B14F-4D97-AF65-F5344CB8AC3E}">
+        <p14:creationId xmlns:p14="http://schemas.microsoft.com/office/powerpoint/2010/main" val="1393153543"/>
+      </p:ext>
+    </p:extLst>
+  </p:cSld>
+  <p:clrMapOvr>
+    <a:masterClrMapping/>
+  </p:clrMapOvr>
+  <mc:AlternateContent xmlns:mc="http://schemas.openxmlformats.org/markup-compatibility/2006">
+    <mc:Choice xmlns:p14="http://schemas.microsoft.com/office/powerpoint/2010/main" Requires="p14">
+      <p:transition spd="slow" p14:dur="2000" advClick="0" advTm="5000"/>
+    </mc:Choice>
+    <mc:Fallback>
+      <p:transition spd="slow" advClick="0" advTm="5000"/>
+    </mc:Fallback>
+  </mc:AlternateContent>
+  <p:timing>
+    <p:tnLst>
+      <p:par>
+        <p:cTn id="1" dur="indefinite" restart="never" nodeType="tmRoot">
+          <p:childTnLst>
+            <p:seq concurrent="1" nextAc="seek">
+              <p:cTn id="2" dur="indefinite" nodeType="mainSeq">
+                <p:childTnLst>
+                  <p:par>
+                    <p:cTn id="3" fill="hold">
+                      <p:stCondLst>
+                        <p:cond delay="indefinite"/>
+                      </p:stCondLst>
+                      <p:childTnLst>
+                        <p:par>
+                          <p:cTn id="4" fill="hold">
+                            <p:stCondLst>
+                              <p:cond delay="0"/>
+                            </p:stCondLst>
+                            <p:childTnLst>
+                              <p:par>
+                                <p:cTn id="5" presetID="1" presetClass="entr" presetSubtype="0" fill="hold" grpId="0" nodeType="clickEffect">
+                                  <p:stCondLst>
+                                    <p:cond delay="0"/>
+                                  </p:stCondLst>
+                                  <p:childTnLst>
+                                    <p:set>
+                                      <p:cBhvr>
+                                        <p:cTn id="6" dur="1" fill="hold">
+                                          <p:stCondLst>
+                                            <p:cond delay="0"/>
+                                          </p:stCondLst>
+                                        </p:cTn>
+                                        <p:tgtEl>
+                                          <p:spTgt spid="7"/>
+                                        </p:tgtEl>
+                                        <p:attrNameLst>
+                                          <p:attrName>style.visibility</p:attrName>
+                                        </p:attrNameLst>
+                                      </p:cBhvr>
+                                      <p:to>
+                                        <p:strVal val="visible"/>
+                                      </p:to>
+                                    </p:set>
+                                  </p:childTnLst>
+                                </p:cTn>
+                              </p:par>
+                            </p:childTnLst>
+                          </p:cTn>
+                        </p:par>
+                      </p:childTnLst>
+                    </p:cTn>
+                  </p:par>
+                  <p:par>
+                    <p:cTn id="7" fill="hold">
+                      <p:stCondLst>
+                        <p:cond delay="indefinite"/>
+                      </p:stCondLst>
+                      <p:childTnLst>
+                        <p:par>
+                          <p:cTn id="8" fill="hold">
+                            <p:stCondLst>
+                              <p:cond delay="0"/>
+                            </p:stCondLst>
+                            <p:childTnLst>
+                              <p:par>
+                                <p:cTn id="9" presetID="1" presetClass="entr" presetSubtype="0" fill="hold" grpId="0" nodeType="clickEffect">
+                                  <p:stCondLst>
+                                    <p:cond delay="0"/>
+                                  </p:stCondLst>
+                                  <p:childTnLst>
+                                    <p:set>
+                                      <p:cBhvr>
+                                        <p:cTn id="10" dur="1" fill="hold">
+                                          <p:stCondLst>
+                                            <p:cond delay="0"/>
+                                          </p:stCondLst>
+                                        </p:cTn>
+                                        <p:tgtEl>
+                                          <p:spTgt spid="8"/>
+                                        </p:tgtEl>
+                                        <p:attrNameLst>
+                                          <p:attrName>style.visibility</p:attrName>
+                                        </p:attrNameLst>
+                                      </p:cBhvr>
+                                      <p:to>
+                                        <p:strVal val="visible"/>
+                                      </p:to>
+                                    </p:set>
+                                  </p:childTnLst>
+                                </p:cTn>
+                              </p:par>
+                            </p:childTnLst>
+                          </p:cTn>
+                        </p:par>
+                      </p:childTnLst>
+                    </p:cTn>
+                  </p:par>
+                </p:childTnLst>
+              </p:cTn>
+              <p:prevCondLst>
+                <p:cond evt="onPrev" delay="0">
+                  <p:tgtEl>
+                    <p:sldTgt/>
+                  </p:tgtEl>
+                </p:cond>
+              </p:prevCondLst>
+              <p:nextCondLst>
+                <p:cond evt="onNext" delay="0">
+                  <p:tgtEl>
+                    <p:sldTgt/>
+                  </p:tgtEl>
+                </p:cond>
+              </p:nextCondLst>
+            </p:seq>
+          </p:childTnLst>
+        </p:cTn>
+      </p:par>
+    </p:tnLst>
+    <p:bldLst>
+      <p:bldP spid="7" grpId="0" animBg="1"/>
+      <p:bldP spid="8" grpId="0" animBg="1"/>
+    </p:bldLst>
+  </p:timing>
+</p:sld>
+</file>
+
+<file path=ppt/slides/slide21.xml><?xml version="1.0" encoding="utf-8"?>
+<p:sld xmlns:a="http://schemas.openxmlformats.org/drawingml/2006/main" xmlns:r="http://schemas.openxmlformats.org/officeDocument/2006/relationships" xmlns:p="http://schemas.openxmlformats.org/presentationml/2006/main">
+  <p:cSld>
+    <p:spTree>
+      <p:nvGrpSpPr>
+        <p:cNvPr id="1" name=""/>
+        <p:cNvGrpSpPr/>
+        <p:nvPr/>
+      </p:nvGrpSpPr>
+      <p:grpSpPr>
+        <a:xfrm>
+          <a:off x="0" y="0"/>
+          <a:ext cx="0" cy="0"/>
+          <a:chOff x="0" y="0"/>
+          <a:chExt cx="0" cy="0"/>
+        </a:xfrm>
+      </p:grpSpPr>
+      <p:sp>
+        <p:nvSpPr>
+          <p:cNvPr id="2" name="Slide Number Placeholder 1">
+            <a:extLst>
+              <a:ext uri="{FF2B5EF4-FFF2-40B4-BE49-F238E27FC236}">
+                <a16:creationId xmlns:a16="http://schemas.microsoft.com/office/drawing/2014/main" id="{6DAE7FE0-890E-D766-8B7C-F34CA3E49C31}"/>
+              </a:ext>
+            </a:extLst>
+          </p:cNvPr>
+          <p:cNvSpPr>
+            <a:spLocks noGrp="1"/>
+          </p:cNvSpPr>
+          <p:nvPr>
+            <p:ph type="sldNum" sz="quarter" idx="5"/>
+          </p:nvPr>
+        </p:nvSpPr>
+        <p:spPr/>
+        <p:txBody>
+          <a:bodyPr/>
+          <a:lstStyle/>
+          <a:p>
+            <a:fld id="{2BF067CD-8E6B-4360-9AA8-C5DF2A48A6D1}" type="slidenum">
+              <a:rPr lang="en-US" noProof="0" smtClean="0"/>
+              <a:pPr/>
+              <a:t>21</a:t>
+            </a:fld>
+            <a:endParaRPr lang="en-US" noProof="0" dirty="0"/>
+          </a:p>
+        </p:txBody>
+      </p:sp>
+      <p:sp>
+        <p:nvSpPr>
+          <p:cNvPr id="4" name="Title 3">
+            <a:extLst>
+              <a:ext uri="{FF2B5EF4-FFF2-40B4-BE49-F238E27FC236}">
+                <a16:creationId xmlns:a16="http://schemas.microsoft.com/office/drawing/2014/main" id="{DC6CCFDD-0BCF-EB1A-5F72-D8D4603A8CBF}"/>
+              </a:ext>
+            </a:extLst>
+          </p:cNvPr>
+          <p:cNvSpPr>
+            <a:spLocks noGrp="1"/>
+          </p:cNvSpPr>
+          <p:nvPr>
+            <p:ph type="title"/>
+          </p:nvPr>
+        </p:nvSpPr>
+        <p:spPr/>
+        <p:txBody>
+          <a:bodyPr/>
+          <a:lstStyle/>
+          <a:p>
+            <a:r>
+              <a:rPr lang="bg-BG" dirty="0"/>
+              <a:t>Регистриране на админ </a:t>
+            </a:r>
+            <a:r>
+              <a:rPr lang="en-BG" dirty="0"/>
+              <a:t>(4)</a:t>
+            </a:r>
+          </a:p>
+        </p:txBody>
+      </p:sp>
+      <p:sp>
+        <p:nvSpPr>
+          <p:cNvPr id="5" name="Text Placeholder 4">
+            <a:extLst>
+              <a:ext uri="{FF2B5EF4-FFF2-40B4-BE49-F238E27FC236}">
+                <a16:creationId xmlns:a16="http://schemas.microsoft.com/office/drawing/2014/main" id="{7439B7B3-30E9-B2D6-0E0F-E5A3B0CB4D78}"/>
+              </a:ext>
+            </a:extLst>
+          </p:cNvPr>
+          <p:cNvSpPr txBox="1">
+            <a:spLocks/>
+          </p:cNvSpPr>
+          <p:nvPr/>
+        </p:nvSpPr>
+        <p:spPr>
+          <a:xfrm>
+            <a:off x="190406" y="1130777"/>
+            <a:ext cx="11562624" cy="5632311"/>
+          </a:xfrm>
+          <a:prstGeom prst="rect">
+            <a:avLst/>
+          </a:prstGeom>
+          <a:solidFill>
+            <a:schemeClr val="accent5">
+              <a:lumMod val="40000"/>
+              <a:lumOff val="60000"/>
+              <a:alpha val="15000"/>
+            </a:schemeClr>
+          </a:solidFill>
+          <a:ln w="12700">
+            <a:solidFill>
+              <a:schemeClr val="accent5">
+                <a:lumMod val="60000"/>
+                <a:lumOff val="40000"/>
+              </a:schemeClr>
+            </a:solidFill>
+          </a:ln>
+        </p:spPr>
+        <p:txBody>
+          <a:bodyPr wrap="square">
+            <a:spAutoFit/>
+          </a:bodyPr>
+          <a:lstStyle/>
+          <a:p>
+            <a:r>
+              <a:rPr lang="en-GB" sz="2000" b="1" dirty="0">
+                <a:effectLst/>
+                <a:latin typeface="Consolas" panose="020B0609020204030204" pitchFamily="49" charset="0"/>
+                <a:cs typeface="Consolas" panose="020B0609020204030204" pitchFamily="49" charset="0"/>
+              </a:rPr>
+              <a:t>...</a:t>
+            </a:r>
+          </a:p>
+          <a:p>
+            <a:endParaRPr lang="en-GB" sz="2000" b="1" dirty="0">
+              <a:effectLst/>
+              <a:latin typeface="Consolas" panose="020B0609020204030204" pitchFamily="49" charset="0"/>
+              <a:cs typeface="Consolas" panose="020B0609020204030204" pitchFamily="49" charset="0"/>
+            </a:endParaRPr>
+          </a:p>
+          <a:p>
+            <a:r>
+              <a:rPr lang="en-GB" sz="2000" b="1" dirty="0">
+                <a:effectLst/>
+                <a:latin typeface="Consolas" panose="020B0609020204030204" pitchFamily="49" charset="0"/>
+                <a:cs typeface="Consolas" panose="020B0609020204030204" pitchFamily="49" charset="0"/>
+              </a:rPr>
+              <a:t>private void </a:t>
+            </a:r>
+            <a:r>
+              <a:rPr lang="en-GB" sz="2000" b="1" dirty="0">
+                <a:solidFill>
+                  <a:schemeClr val="bg1"/>
+                </a:solidFill>
+                <a:effectLst/>
+                <a:latin typeface="Consolas" panose="020B0609020204030204" pitchFamily="49" charset="0"/>
+                <a:cs typeface="Consolas" panose="020B0609020204030204" pitchFamily="49" charset="0"/>
+              </a:rPr>
+              <a:t>AddNewAdmin</a:t>
+            </a:r>
+            <a:r>
+              <a:rPr lang="en-GB" sz="2000" b="1" dirty="0">
+                <a:effectLst/>
+                <a:latin typeface="Consolas" panose="020B0609020204030204" pitchFamily="49" charset="0"/>
+                <a:cs typeface="Consolas" panose="020B0609020204030204" pitchFamily="49" charset="0"/>
+              </a:rPr>
+              <a:t>(Administrator admin)</a:t>
+            </a:r>
+          </a:p>
+          <a:p>
+            <a:r>
+              <a:rPr lang="en-GB" sz="2000" b="1" dirty="0">
+                <a:effectLst/>
+                <a:latin typeface="Consolas" panose="020B0609020204030204" pitchFamily="49" charset="0"/>
+                <a:cs typeface="Consolas" panose="020B0609020204030204" pitchFamily="49" charset="0"/>
+              </a:rPr>
+              <a:t>{</a:t>
+            </a:r>
+          </a:p>
+          <a:p>
+            <a:r>
+              <a:rPr lang="bg-BG" sz="2000" b="1" dirty="0">
+                <a:effectLst/>
+                <a:latin typeface="Consolas" panose="020B0609020204030204" pitchFamily="49" charset="0"/>
+                <a:cs typeface="Consolas" panose="020B0609020204030204" pitchFamily="49" charset="0"/>
+              </a:rPr>
+              <a:t>    </a:t>
+            </a:r>
+            <a:r>
+              <a:rPr lang="en-GB" sz="2000" b="1" dirty="0">
+                <a:effectLst/>
+                <a:latin typeface="Consolas" panose="020B0609020204030204" pitchFamily="49" charset="0"/>
+                <a:cs typeface="Consolas" panose="020B0609020204030204" pitchFamily="49" charset="0"/>
+              </a:rPr>
+              <a:t>using (var </a:t>
+            </a:r>
+            <a:r>
+              <a:rPr lang="en-GB" sz="2000" b="1" dirty="0">
+                <a:solidFill>
+                  <a:schemeClr val="bg1"/>
+                </a:solidFill>
+                <a:effectLst/>
+                <a:latin typeface="Consolas" panose="020B0609020204030204" pitchFamily="49" charset="0"/>
+                <a:cs typeface="Consolas" panose="020B0609020204030204" pitchFamily="49" charset="0"/>
+              </a:rPr>
+              <a:t>dbContext</a:t>
+            </a:r>
+            <a:r>
+              <a:rPr lang="en-GB" sz="2000" b="1" dirty="0">
+                <a:effectLst/>
+                <a:latin typeface="Consolas" panose="020B0609020204030204" pitchFamily="49" charset="0"/>
+                <a:cs typeface="Consolas" panose="020B0609020204030204" pitchFamily="49" charset="0"/>
+              </a:rPr>
+              <a:t> = new HospitalDbContext())</a:t>
+            </a:r>
+          </a:p>
+          <a:p>
+            <a:r>
+              <a:rPr lang="bg-BG" sz="2000" b="1" dirty="0">
+                <a:effectLst/>
+                <a:latin typeface="Consolas" panose="020B0609020204030204" pitchFamily="49" charset="0"/>
+                <a:cs typeface="Consolas" panose="020B0609020204030204" pitchFamily="49" charset="0"/>
+              </a:rPr>
+              <a:t>    </a:t>
+            </a:r>
+            <a:r>
+              <a:rPr lang="en-GB" sz="2000" b="1" dirty="0">
+                <a:effectLst/>
+                <a:latin typeface="Consolas" panose="020B0609020204030204" pitchFamily="49" charset="0"/>
+                <a:cs typeface="Consolas" panose="020B0609020204030204" pitchFamily="49" charset="0"/>
+              </a:rPr>
+              <a:t>{</a:t>
+            </a:r>
+          </a:p>
+          <a:p>
+            <a:r>
+              <a:rPr lang="bg-BG" sz="2000" b="1" dirty="0">
+                <a:effectLst/>
+                <a:latin typeface="Consolas" panose="020B0609020204030204" pitchFamily="49" charset="0"/>
+                <a:cs typeface="Consolas" panose="020B0609020204030204" pitchFamily="49" charset="0"/>
+              </a:rPr>
+              <a:t>        </a:t>
+            </a:r>
+            <a:r>
+              <a:rPr lang="en-GB" sz="2000" b="1" dirty="0">
+                <a:effectLst/>
+                <a:latin typeface="Consolas" panose="020B0609020204030204" pitchFamily="49" charset="0"/>
+                <a:cs typeface="Consolas" panose="020B0609020204030204" pitchFamily="49" charset="0"/>
+              </a:rPr>
+              <a:t>if (</a:t>
+            </a:r>
+            <a:r>
+              <a:rPr lang="en-GB" sz="2000" b="1" dirty="0">
+                <a:solidFill>
+                  <a:schemeClr val="bg1"/>
+                </a:solidFill>
+                <a:effectLst/>
+                <a:latin typeface="Consolas" panose="020B0609020204030204" pitchFamily="49" charset="0"/>
+                <a:cs typeface="Consolas" panose="020B0609020204030204" pitchFamily="49" charset="0"/>
+              </a:rPr>
+              <a:t>dbContext</a:t>
+            </a:r>
+            <a:r>
+              <a:rPr lang="en-GB" sz="2000" b="1" dirty="0">
+                <a:effectLst/>
+                <a:latin typeface="Consolas" panose="020B0609020204030204" pitchFamily="49" charset="0"/>
+                <a:cs typeface="Consolas" panose="020B0609020204030204" pitchFamily="49" charset="0"/>
+              </a:rPr>
+              <a:t>.</a:t>
+            </a:r>
+            <a:r>
+              <a:rPr lang="en-GB" sz="2000" b="1" dirty="0">
+                <a:solidFill>
+                  <a:schemeClr val="bg1"/>
+                </a:solidFill>
+                <a:effectLst/>
+                <a:latin typeface="Consolas" panose="020B0609020204030204" pitchFamily="49" charset="0"/>
+                <a:cs typeface="Consolas" panose="020B0609020204030204" pitchFamily="49" charset="0"/>
+              </a:rPr>
+              <a:t>Administrators</a:t>
+            </a:r>
+            <a:r>
+              <a:rPr lang="en-GB" sz="2000" b="1" dirty="0">
+                <a:effectLst/>
+                <a:latin typeface="Consolas" panose="020B0609020204030204" pitchFamily="49" charset="0"/>
+                <a:cs typeface="Consolas" panose="020B0609020204030204" pitchFamily="49" charset="0"/>
+              </a:rPr>
+              <a:t>.</a:t>
+            </a:r>
+            <a:r>
+              <a:rPr lang="en-GB" sz="2000" b="1" dirty="0">
+                <a:solidFill>
+                  <a:schemeClr val="bg1"/>
+                </a:solidFill>
+                <a:effectLst/>
+                <a:latin typeface="Consolas" panose="020B0609020204030204" pitchFamily="49" charset="0"/>
+                <a:cs typeface="Consolas" panose="020B0609020204030204" pitchFamily="49" charset="0"/>
+              </a:rPr>
+              <a:t>Any</a:t>
+            </a:r>
+            <a:r>
+              <a:rPr lang="en-GB" sz="2000" b="1" dirty="0">
+                <a:effectLst/>
+                <a:latin typeface="Consolas" panose="020B0609020204030204" pitchFamily="49" charset="0"/>
+                <a:cs typeface="Consolas" panose="020B0609020204030204" pitchFamily="49" charset="0"/>
+              </a:rPr>
+              <a:t>(a =&gt; a.</a:t>
+            </a:r>
+            <a:r>
+              <a:rPr lang="en-GB" sz="2000" b="1" dirty="0">
+                <a:solidFill>
+                  <a:schemeClr val="bg1"/>
+                </a:solidFill>
+                <a:effectLst/>
+                <a:latin typeface="Consolas" panose="020B0609020204030204" pitchFamily="49" charset="0"/>
+                <a:cs typeface="Consolas" panose="020B0609020204030204" pitchFamily="49" charset="0"/>
+              </a:rPr>
+              <a:t>Email</a:t>
+            </a:r>
+            <a:r>
+              <a:rPr lang="en-GB" sz="2000" b="1" dirty="0">
+                <a:effectLst/>
+                <a:latin typeface="Consolas" panose="020B0609020204030204" pitchFamily="49" charset="0"/>
+                <a:cs typeface="Consolas" panose="020B0609020204030204" pitchFamily="49" charset="0"/>
+              </a:rPr>
+              <a:t> == admin.</a:t>
+            </a:r>
+            <a:r>
+              <a:rPr lang="en-GB" sz="2000" b="1" dirty="0">
+                <a:solidFill>
+                  <a:schemeClr val="bg1"/>
+                </a:solidFill>
+                <a:effectLst/>
+                <a:latin typeface="Consolas" panose="020B0609020204030204" pitchFamily="49" charset="0"/>
+                <a:cs typeface="Consolas" panose="020B0609020204030204" pitchFamily="49" charset="0"/>
+              </a:rPr>
+              <a:t>Email</a:t>
+            </a:r>
+            <a:r>
+              <a:rPr lang="en-GB" sz="2000" b="1" dirty="0">
+                <a:effectLst/>
+                <a:latin typeface="Consolas" panose="020B0609020204030204" pitchFamily="49" charset="0"/>
+                <a:cs typeface="Consolas" panose="020B0609020204030204" pitchFamily="49" charset="0"/>
+              </a:rPr>
+              <a:t>))</a:t>
+            </a:r>
+          </a:p>
+          <a:p>
+            <a:r>
+              <a:rPr lang="bg-BG" sz="2000" b="1" dirty="0">
+                <a:effectLst/>
+                <a:latin typeface="Consolas" panose="020B0609020204030204" pitchFamily="49" charset="0"/>
+                <a:cs typeface="Consolas" panose="020B0609020204030204" pitchFamily="49" charset="0"/>
+              </a:rPr>
+              <a:t>        </a:t>
+            </a:r>
+            <a:r>
+              <a:rPr lang="en-GB" sz="2000" b="1" dirty="0">
+                <a:effectLst/>
+                <a:latin typeface="Consolas" panose="020B0609020204030204" pitchFamily="49" charset="0"/>
+                <a:cs typeface="Consolas" panose="020B0609020204030204" pitchFamily="49" charset="0"/>
+              </a:rPr>
+              <a:t>{</a:t>
+            </a:r>
+          </a:p>
+          <a:p>
+            <a:r>
+              <a:rPr lang="bg-BG" sz="2000" b="1" dirty="0">
+                <a:effectLst/>
+                <a:latin typeface="Consolas" panose="020B0609020204030204" pitchFamily="49" charset="0"/>
+                <a:cs typeface="Consolas" panose="020B0609020204030204" pitchFamily="49" charset="0"/>
+              </a:rPr>
+              <a:t>            </a:t>
+            </a:r>
+            <a:r>
+              <a:rPr lang="en-GB" sz="2000" b="1" dirty="0">
+                <a:effectLst/>
+                <a:latin typeface="Consolas" panose="020B0609020204030204" pitchFamily="49" charset="0"/>
+                <a:cs typeface="Consolas" panose="020B0609020204030204" pitchFamily="49" charset="0"/>
+              </a:rPr>
+              <a:t>MessageBox.Show("</a:t>
+            </a:r>
+            <a:r>
+              <a:rPr lang="bg-BG" sz="2000" b="1" dirty="0">
+                <a:effectLst/>
+                <a:latin typeface="Consolas" panose="020B0609020204030204" pitchFamily="49" charset="0"/>
+                <a:cs typeface="Consolas" panose="020B0609020204030204" pitchFamily="49" charset="0"/>
+              </a:rPr>
+              <a:t>Администратор с този имейл вече съществува.",</a:t>
+            </a:r>
+          </a:p>
+          <a:p>
+            <a:r>
+              <a:rPr lang="bg-BG" sz="2000" b="1" dirty="0">
+                <a:effectLst/>
+                <a:latin typeface="Consolas" panose="020B0609020204030204" pitchFamily="49" charset="0"/>
+                <a:cs typeface="Consolas" panose="020B0609020204030204" pitchFamily="49" charset="0"/>
+              </a:rPr>
+              <a:t>                "Грешка", </a:t>
+            </a:r>
+            <a:r>
+              <a:rPr lang="en-GB" sz="2000" b="1" dirty="0">
+                <a:effectLst/>
+                <a:latin typeface="Consolas" panose="020B0609020204030204" pitchFamily="49" charset="0"/>
+                <a:cs typeface="Consolas" panose="020B0609020204030204" pitchFamily="49" charset="0"/>
+              </a:rPr>
+              <a:t>MessageBoxButtons.OK, MessageBoxIcon.Error);</a:t>
+            </a:r>
+          </a:p>
+          <a:p>
+            <a:r>
+              <a:rPr lang="en-GB" sz="2000" b="1" dirty="0">
+                <a:effectLst/>
+                <a:latin typeface="Consolas" panose="020B0609020204030204" pitchFamily="49" charset="0"/>
+                <a:cs typeface="Consolas" panose="020B0609020204030204" pitchFamily="49" charset="0"/>
+              </a:rPr>
+              <a:t>            return;</a:t>
+            </a:r>
+          </a:p>
+          <a:p>
+            <a:r>
+              <a:rPr lang="en-GB" sz="2000" b="1" dirty="0">
+                <a:effectLst/>
+                <a:latin typeface="Consolas" panose="020B0609020204030204" pitchFamily="49" charset="0"/>
+                <a:cs typeface="Consolas" panose="020B0609020204030204" pitchFamily="49" charset="0"/>
+              </a:rPr>
+              <a:t>       </a:t>
+            </a:r>
+            <a:r>
+              <a:rPr lang="bg-BG" sz="2000" b="1" dirty="0">
+                <a:effectLst/>
+                <a:latin typeface="Consolas" panose="020B0609020204030204" pitchFamily="49" charset="0"/>
+                <a:cs typeface="Consolas" panose="020B0609020204030204" pitchFamily="49" charset="0"/>
+              </a:rPr>
+              <a:t> </a:t>
+            </a:r>
+            <a:r>
+              <a:rPr lang="en-GB" sz="2000" b="1" dirty="0">
+                <a:effectLst/>
+                <a:latin typeface="Consolas" panose="020B0609020204030204" pitchFamily="49" charset="0"/>
+                <a:cs typeface="Consolas" panose="020B0609020204030204" pitchFamily="49" charset="0"/>
+              </a:rPr>
+              <a:t>}</a:t>
+            </a:r>
+          </a:p>
+          <a:p>
+            <a:endParaRPr lang="bg-BG" sz="2000" b="1" dirty="0">
+              <a:effectLst/>
+              <a:latin typeface="Consolas" panose="020B0609020204030204" pitchFamily="49" charset="0"/>
+              <a:cs typeface="Consolas" panose="020B0609020204030204" pitchFamily="49" charset="0"/>
+            </a:endParaRPr>
+          </a:p>
+          <a:p>
+            <a:r>
+              <a:rPr lang="bg-BG" sz="2000" b="1" dirty="0">
+                <a:effectLst/>
+                <a:latin typeface="Consolas" panose="020B0609020204030204" pitchFamily="49" charset="0"/>
+                <a:cs typeface="Consolas" panose="020B0609020204030204" pitchFamily="49" charset="0"/>
+              </a:rPr>
+              <a:t>        </a:t>
+            </a:r>
+            <a:r>
+              <a:rPr lang="en-GB" sz="2000" b="1" dirty="0">
+                <a:solidFill>
+                  <a:schemeClr val="bg1"/>
+                </a:solidFill>
+                <a:effectLst/>
+                <a:latin typeface="Consolas" panose="020B0609020204030204" pitchFamily="49" charset="0"/>
+                <a:cs typeface="Consolas" panose="020B0609020204030204" pitchFamily="49" charset="0"/>
+              </a:rPr>
+              <a:t>dbContext</a:t>
+            </a:r>
+            <a:r>
+              <a:rPr lang="en-GB" sz="2000" b="1" dirty="0">
+                <a:effectLst/>
+                <a:latin typeface="Consolas" panose="020B0609020204030204" pitchFamily="49" charset="0"/>
+                <a:cs typeface="Consolas" panose="020B0609020204030204" pitchFamily="49" charset="0"/>
+              </a:rPr>
+              <a:t>.</a:t>
+            </a:r>
+            <a:r>
+              <a:rPr lang="en-GB" sz="2000" b="1" dirty="0">
+                <a:solidFill>
+                  <a:schemeClr val="bg1"/>
+                </a:solidFill>
+                <a:effectLst/>
+                <a:latin typeface="Consolas" panose="020B0609020204030204" pitchFamily="49" charset="0"/>
+                <a:cs typeface="Consolas" panose="020B0609020204030204" pitchFamily="49" charset="0"/>
+              </a:rPr>
+              <a:t>Administrators</a:t>
+            </a:r>
+            <a:r>
+              <a:rPr lang="en-GB" sz="2000" b="1" dirty="0">
+                <a:effectLst/>
+                <a:latin typeface="Consolas" panose="020B0609020204030204" pitchFamily="49" charset="0"/>
+                <a:cs typeface="Consolas" panose="020B0609020204030204" pitchFamily="49" charset="0"/>
+              </a:rPr>
+              <a:t>.</a:t>
+            </a:r>
+            <a:r>
+              <a:rPr lang="en-GB" sz="2000" b="1" dirty="0">
+                <a:solidFill>
+                  <a:schemeClr val="bg1"/>
+                </a:solidFill>
+                <a:effectLst/>
+                <a:latin typeface="Consolas" panose="020B0609020204030204" pitchFamily="49" charset="0"/>
+                <a:cs typeface="Consolas" panose="020B0609020204030204" pitchFamily="49" charset="0"/>
+              </a:rPr>
+              <a:t>Add</a:t>
+            </a:r>
+            <a:r>
+              <a:rPr lang="en-GB" sz="2000" b="1" dirty="0">
+                <a:effectLst/>
+                <a:latin typeface="Consolas" panose="020B0609020204030204" pitchFamily="49" charset="0"/>
+                <a:cs typeface="Consolas" panose="020B0609020204030204" pitchFamily="49" charset="0"/>
+              </a:rPr>
+              <a:t>(</a:t>
+            </a:r>
+            <a:r>
+              <a:rPr lang="en-GB" sz="2000" b="1" dirty="0">
+                <a:solidFill>
+                  <a:schemeClr val="bg1"/>
+                </a:solidFill>
+                <a:effectLst/>
+                <a:latin typeface="Consolas" panose="020B0609020204030204" pitchFamily="49" charset="0"/>
+                <a:cs typeface="Consolas" panose="020B0609020204030204" pitchFamily="49" charset="0"/>
+              </a:rPr>
+              <a:t>admin</a:t>
+            </a:r>
+            <a:r>
+              <a:rPr lang="en-GB" sz="2000" b="1" dirty="0">
+                <a:effectLst/>
+                <a:latin typeface="Consolas" panose="020B0609020204030204" pitchFamily="49" charset="0"/>
+                <a:cs typeface="Consolas" panose="020B0609020204030204" pitchFamily="49" charset="0"/>
+              </a:rPr>
+              <a:t>);</a:t>
+            </a:r>
+          </a:p>
+          <a:p>
+            <a:r>
+              <a:rPr lang="en-GB" sz="2000" b="1" dirty="0">
+                <a:effectLst/>
+                <a:latin typeface="Consolas" panose="020B0609020204030204" pitchFamily="49" charset="0"/>
+                <a:cs typeface="Consolas" panose="020B0609020204030204" pitchFamily="49" charset="0"/>
+              </a:rPr>
+              <a:t>        </a:t>
+            </a:r>
+            <a:r>
+              <a:rPr lang="en-GB" sz="2000" b="1" dirty="0">
+                <a:solidFill>
+                  <a:schemeClr val="bg1"/>
+                </a:solidFill>
+                <a:effectLst/>
+                <a:latin typeface="Consolas" panose="020B0609020204030204" pitchFamily="49" charset="0"/>
+                <a:cs typeface="Consolas" panose="020B0609020204030204" pitchFamily="49" charset="0"/>
+              </a:rPr>
+              <a:t>dbContext</a:t>
+            </a:r>
+            <a:r>
+              <a:rPr lang="en-GB" sz="2000" b="1" dirty="0">
+                <a:effectLst/>
+                <a:latin typeface="Consolas" panose="020B0609020204030204" pitchFamily="49" charset="0"/>
+                <a:cs typeface="Consolas" panose="020B0609020204030204" pitchFamily="49" charset="0"/>
+              </a:rPr>
+              <a:t>.</a:t>
+            </a:r>
+            <a:r>
+              <a:rPr lang="en-GB" sz="2000" b="1" dirty="0">
+                <a:solidFill>
+                  <a:schemeClr val="bg1"/>
+                </a:solidFill>
+                <a:effectLst/>
+                <a:latin typeface="Consolas" panose="020B0609020204030204" pitchFamily="49" charset="0"/>
+                <a:cs typeface="Consolas" panose="020B0609020204030204" pitchFamily="49" charset="0"/>
+              </a:rPr>
+              <a:t>SaveChanges</a:t>
+            </a:r>
+            <a:r>
+              <a:rPr lang="en-GB" sz="2000" b="1" dirty="0">
+                <a:effectLst/>
+                <a:latin typeface="Consolas" panose="020B0609020204030204" pitchFamily="49" charset="0"/>
+                <a:cs typeface="Consolas" panose="020B0609020204030204" pitchFamily="49" charset="0"/>
+              </a:rPr>
+              <a:t>();</a:t>
+            </a:r>
+          </a:p>
+          <a:p>
+            <a:r>
+              <a:rPr lang="en-GB" sz="2000" b="1" dirty="0">
+                <a:effectLst/>
+                <a:latin typeface="Consolas" panose="020B0609020204030204" pitchFamily="49" charset="0"/>
+                <a:cs typeface="Consolas" panose="020B0609020204030204" pitchFamily="49" charset="0"/>
+              </a:rPr>
+              <a:t>        }</a:t>
+            </a:r>
+          </a:p>
+          <a:p>
+            <a:r>
+              <a:rPr lang="en-GB" sz="2000" b="1" dirty="0">
+                <a:effectLst/>
+                <a:latin typeface="Consolas" panose="020B0609020204030204" pitchFamily="49" charset="0"/>
+                <a:cs typeface="Consolas" panose="020B0609020204030204" pitchFamily="49" charset="0"/>
+              </a:rPr>
+              <a:t>    }</a:t>
+            </a:r>
+          </a:p>
+          <a:p>
+            <a:r>
+              <a:rPr lang="en-GB" sz="2000" b="1" dirty="0">
+                <a:effectLst/>
+                <a:latin typeface="Consolas" panose="020B0609020204030204" pitchFamily="49" charset="0"/>
+                <a:cs typeface="Consolas" panose="020B0609020204030204" pitchFamily="49" charset="0"/>
+              </a:rPr>
+              <a:t>}</a:t>
+            </a:r>
+          </a:p>
+        </p:txBody>
+      </p:sp>
+      <p:sp>
+        <p:nvSpPr>
+          <p:cNvPr id="6" name="AutoShape 7">
+            <a:extLst>
+              <a:ext uri="{FF2B5EF4-FFF2-40B4-BE49-F238E27FC236}">
+                <a16:creationId xmlns:a16="http://schemas.microsoft.com/office/drawing/2014/main" id="{DB7589F8-9AEF-AA7E-FF47-B24C385BBB2C}"/>
+              </a:ext>
+            </a:extLst>
+          </p:cNvPr>
+          <p:cNvSpPr>
+            <a:spLocks noChangeArrowheads="1"/>
+          </p:cNvSpPr>
+          <p:nvPr/>
+        </p:nvSpPr>
+        <p:spPr bwMode="auto">
+          <a:xfrm>
+            <a:off x="8706000" y="1852059"/>
+            <a:ext cx="2520000" cy="783166"/>
+          </a:xfrm>
+          <a:prstGeom prst="wedgeRoundRectCallout">
+            <a:avLst>
+              <a:gd name="adj1" fmla="val -70213"/>
+              <a:gd name="adj2" fmla="val 174864"/>
+              <a:gd name="adj3" fmla="val 16667"/>
+            </a:avLst>
+          </a:prstGeom>
+          <a:solidFill>
+            <a:schemeClr val="dk2">
+              <a:alpha val="80000"/>
+            </a:schemeClr>
+          </a:solidFill>
+          <a:ln w="19050">
+            <a:solidFill>
+              <a:schemeClr val="tx1">
+                <a:lumMod val="75000"/>
+                <a:alpha val="80000"/>
+              </a:schemeClr>
+            </a:solidFill>
+          </a:ln>
+          <a:effectLst/>
+        </p:spPr>
+        <p:style>
+          <a:lnRef idx="2">
+            <a:schemeClr val="accent1">
+              <a:shade val="50000"/>
+            </a:schemeClr>
+          </a:lnRef>
+          <a:fillRef idx="1001">
+            <a:schemeClr val="dk2"/>
+          </a:fillRef>
+          <a:effectRef idx="0">
+            <a:schemeClr val="accent1"/>
+          </a:effectRef>
+          <a:fontRef idx="minor">
+            <a:schemeClr val="lt1"/>
+          </a:fontRef>
+        </p:style>
+        <p:txBody>
+          <a:bodyPr rot="0" spcFirstLastPara="0" vertOverflow="overflow" horzOverflow="overflow" vert="horz" wrap="square" lIns="91416" tIns="45708" rIns="91416" bIns="45708" numCol="1" spcCol="0" rtlCol="0" fromWordArt="0" anchor="ctr" anchorCtr="0" forceAA="0" compatLnSpc="1">
+            <a:prstTxWarp prst="textNoShape">
+              <a:avLst/>
+            </a:prstTxWarp>
+            <a:spAutoFit/>
+          </a:bodyPr>
+          <a:lstStyle/>
+          <a:p>
+            <a:pPr algn="ctr" eaLnBrk="0" hangingPunct="0"/>
+            <a:r>
+              <a:rPr lang="bg-BG" sz="2000" b="1" noProof="1">
+                <a:solidFill>
+                  <a:schemeClr val="bg2"/>
+                </a:solidFill>
+              </a:rPr>
+              <a:t>Показваме </a:t>
+            </a:r>
+            <a:r>
+              <a:rPr lang="bg-BG" sz="2000" b="1" noProof="1">
+                <a:solidFill>
+                  <a:schemeClr val="accent1">
+                    <a:lumMod val="60000"/>
+                    <a:lumOff val="40000"/>
+                  </a:schemeClr>
+                </a:solidFill>
+              </a:rPr>
+              <a:t>грешка </a:t>
+            </a:r>
+            <a:r>
+              <a:rPr lang="bg-BG" sz="2000" b="1" noProof="1">
+                <a:solidFill>
+                  <a:schemeClr val="bg2"/>
+                </a:solidFill>
+              </a:rPr>
+              <a:t>при дубликация</a:t>
+            </a:r>
+            <a:endParaRPr lang="en-US" sz="2000" b="1" noProof="1">
+              <a:solidFill>
+                <a:schemeClr val="bg2"/>
+              </a:solidFill>
+            </a:endParaRPr>
+          </a:p>
+        </p:txBody>
+      </p:sp>
+      <p:sp>
+        <p:nvSpPr>
+          <p:cNvPr id="7" name="AutoShape 7">
+            <a:extLst>
+              <a:ext uri="{FF2B5EF4-FFF2-40B4-BE49-F238E27FC236}">
+                <a16:creationId xmlns:a16="http://schemas.microsoft.com/office/drawing/2014/main" id="{F5A466C3-8E88-3D6C-E18B-E76E2E43F72E}"/>
+              </a:ext>
+            </a:extLst>
+          </p:cNvPr>
+          <p:cNvSpPr>
+            <a:spLocks noChangeArrowheads="1"/>
+          </p:cNvSpPr>
+          <p:nvPr/>
+        </p:nvSpPr>
+        <p:spPr bwMode="auto">
+          <a:xfrm>
+            <a:off x="5106000" y="5904000"/>
+            <a:ext cx="3120928" cy="442648"/>
+          </a:xfrm>
+          <a:prstGeom prst="wedgeRoundRectCallout">
+            <a:avLst>
+              <a:gd name="adj1" fmla="val -50816"/>
+              <a:gd name="adj2" fmla="val -147419"/>
+              <a:gd name="adj3" fmla="val 16667"/>
+            </a:avLst>
+          </a:prstGeom>
+          <a:solidFill>
+            <a:schemeClr val="dk2">
+              <a:alpha val="80000"/>
+            </a:schemeClr>
+          </a:solidFill>
+          <a:ln w="19050">
+            <a:solidFill>
+              <a:schemeClr val="tx1">
+                <a:lumMod val="75000"/>
+                <a:alpha val="80000"/>
+              </a:schemeClr>
+            </a:solidFill>
+          </a:ln>
+          <a:effectLst/>
+        </p:spPr>
+        <p:style>
+          <a:lnRef idx="2">
+            <a:schemeClr val="accent1">
+              <a:shade val="50000"/>
+            </a:schemeClr>
+          </a:lnRef>
+          <a:fillRef idx="1001">
+            <a:schemeClr val="dk2"/>
+          </a:fillRef>
+          <a:effectRef idx="0">
+            <a:schemeClr val="accent1"/>
+          </a:effectRef>
+          <a:fontRef idx="minor">
+            <a:schemeClr val="lt1"/>
+          </a:fontRef>
+        </p:style>
+        <p:txBody>
+          <a:bodyPr rot="0" spcFirstLastPara="0" vertOverflow="overflow" horzOverflow="overflow" vert="horz" wrap="square" lIns="91416" tIns="45708" rIns="91416" bIns="45708" numCol="1" spcCol="0" rtlCol="0" fromWordArt="0" anchor="ctr" anchorCtr="0" forceAA="0" compatLnSpc="1">
+            <a:prstTxWarp prst="textNoShape">
+              <a:avLst/>
+            </a:prstTxWarp>
+            <a:spAutoFit/>
+          </a:bodyPr>
+          <a:lstStyle/>
+          <a:p>
+            <a:pPr algn="ctr" eaLnBrk="0" hangingPunct="0"/>
+            <a:r>
+              <a:rPr lang="bg-BG" sz="2000" b="1" noProof="1">
+                <a:solidFill>
+                  <a:schemeClr val="bg2"/>
+                </a:solidFill>
+              </a:rPr>
+              <a:t>Добавяме </a:t>
+            </a:r>
+            <a:r>
+              <a:rPr lang="bg-BG" sz="2000" b="1" noProof="1">
+                <a:solidFill>
+                  <a:schemeClr val="accent1">
+                    <a:lumMod val="60000"/>
+                    <a:lumOff val="40000"/>
+                  </a:schemeClr>
+                </a:solidFill>
+              </a:rPr>
+              <a:t>админ</a:t>
+            </a:r>
+            <a:endParaRPr lang="en-US" sz="2000" b="1" noProof="1">
               <a:solidFill>
                 <a:schemeClr val="accent1">
                   <a:lumMod val="60000"/>
@@ -16250,7 +17557,7 @@
 </p:sld>
 </file>
 
-<file path=ppt/slides/slide21.xml><?xml version="1.0" encoding="utf-8"?>
+<file path=ppt/slides/slide22.xml><?xml version="1.0" encoding="utf-8"?>
 <p:sld xmlns:a="http://schemas.openxmlformats.org/drawingml/2006/main" xmlns:r="http://schemas.openxmlformats.org/officeDocument/2006/relationships" xmlns:p="http://schemas.openxmlformats.org/presentationml/2006/main">
   <p:cSld>
     <p:spTree>
@@ -16291,7 +17598,7 @@
             <a:fld id="{2BF067CD-8E6B-4360-9AA8-C5DF2A48A6D1}" type="slidenum">
               <a:rPr lang="en-US" noProof="0" smtClean="0"/>
               <a:pPr/>
-              <a:t>21</a:t>
+              <a:t>22</a:t>
             </a:fld>
             <a:endParaRPr lang="en-US" noProof="0" dirty="0"/>
           </a:p>
@@ -17115,7 +18422,7 @@
 </p:sld>
 </file>
 
-<file path=ppt/slides/slide22.xml><?xml version="1.0" encoding="utf-8"?>
+<file path=ppt/slides/slide23.xml><?xml version="1.0" encoding="utf-8"?>
 <p:sld xmlns:a="http://schemas.openxmlformats.org/drawingml/2006/main" xmlns:r="http://schemas.openxmlformats.org/officeDocument/2006/relationships" xmlns:p="http://schemas.openxmlformats.org/presentationml/2006/main">
   <p:cSld>
     <p:spTree>
@@ -17156,7 +18463,7 @@
             <a:fld id="{2BF067CD-8E6B-4360-9AA8-C5DF2A48A6D1}" type="slidenum">
               <a:rPr lang="en-US" noProof="0" smtClean="0"/>
               <a:pPr/>
-              <a:t>22</a:t>
+              <a:t>23</a:t>
             </a:fld>
             <a:endParaRPr lang="en-US" noProof="0" dirty="0"/>
           </a:p>
@@ -17937,7 +19244,7 @@
 </p:sld>
 </file>
 
-<file path=ppt/slides/slide23.xml><?xml version="1.0" encoding="utf-8"?>
+<file path=ppt/slides/slide24.xml><?xml version="1.0" encoding="utf-8"?>
 <p:sld xmlns:a="http://schemas.openxmlformats.org/drawingml/2006/main" xmlns:r="http://schemas.openxmlformats.org/officeDocument/2006/relationships" xmlns:p="http://schemas.openxmlformats.org/presentationml/2006/main">
   <p:cSld>
     <p:spTree>
@@ -17978,7 +19285,7 @@
             <a:fld id="{2BF067CD-8E6B-4360-9AA8-C5DF2A48A6D1}" type="slidenum">
               <a:rPr lang="en-US" noProof="0" smtClean="0"/>
               <a:pPr/>
-              <a:t>23</a:t>
+              <a:t>24</a:t>
             </a:fld>
             <a:endParaRPr lang="en-US" noProof="0" dirty="0"/>
           </a:p>
@@ -18473,7 +19780,7 @@
 </p:sld>
 </file>
 
-<file path=ppt/slides/slide24.xml><?xml version="1.0" encoding="utf-8"?>
+<file path=ppt/slides/slide25.xml><?xml version="1.0" encoding="utf-8"?>
 <p:sld xmlns:a="http://schemas.openxmlformats.org/drawingml/2006/main" xmlns:r="http://schemas.openxmlformats.org/officeDocument/2006/relationships" xmlns:p="http://schemas.openxmlformats.org/presentationml/2006/main">
   <p:cSld>
     <p:spTree>
@@ -18514,7 +19821,7 @@
             <a:fld id="{2BF067CD-8E6B-4360-9AA8-C5DF2A48A6D1}" type="slidenum">
               <a:rPr lang="en-US" noProof="0" smtClean="0"/>
               <a:pPr/>
-              <a:t>24</a:t>
+              <a:t>25</a:t>
             </a:fld>
             <a:endParaRPr lang="en-US" noProof="0" dirty="0"/>
           </a:p>
@@ -18904,7 +20211,7 @@
 </p:sld>
 </file>
 
-<file path=ppt/slides/slide25.xml><?xml version="1.0" encoding="utf-8"?>
+<file path=ppt/slides/slide26.xml><?xml version="1.0" encoding="utf-8"?>
 <p:sld xmlns:a="http://schemas.openxmlformats.org/drawingml/2006/main" xmlns:r="http://schemas.openxmlformats.org/officeDocument/2006/relationships" xmlns:p="http://schemas.openxmlformats.org/presentationml/2006/main">
   <p:cSld>
     <p:spTree>
@@ -18945,7 +20252,7 @@
             <a:fld id="{2BF067CD-8E6B-4360-9AA8-C5DF2A48A6D1}" type="slidenum">
               <a:rPr lang="en-US" noProof="0" smtClean="0"/>
               <a:pPr/>
-              <a:t>25</a:t>
+              <a:t>26</a:t>
             </a:fld>
             <a:endParaRPr lang="en-US" noProof="0" dirty="0"/>
           </a:p>
@@ -19624,7 +20931,7 @@
 </p:sld>
 </file>
 
-<file path=ppt/slides/slide26.xml><?xml version="1.0" encoding="utf-8"?>
+<file path=ppt/slides/slide27.xml><?xml version="1.0" encoding="utf-8"?>
 <p:sld xmlns:a="http://schemas.openxmlformats.org/drawingml/2006/main" xmlns:r="http://schemas.openxmlformats.org/officeDocument/2006/relationships" xmlns:p="http://schemas.openxmlformats.org/presentationml/2006/main">
   <p:cSld>
     <p:spTree>
@@ -19665,7 +20972,7 @@
             <a:fld id="{2BF067CD-8E6B-4360-9AA8-C5DF2A48A6D1}" type="slidenum">
               <a:rPr lang="en-US" noProof="0" smtClean="0"/>
               <a:pPr/>
-              <a:t>26</a:t>
+              <a:t>27</a:t>
             </a:fld>
             <a:endParaRPr lang="en-US" noProof="0" dirty="0"/>
           </a:p>
@@ -20118,7 +21425,7 @@
 </p:sld>
 </file>
 
-<file path=ppt/slides/slide27.xml><?xml version="1.0" encoding="utf-8"?>
+<file path=ppt/slides/slide28.xml><?xml version="1.0" encoding="utf-8"?>
 <p:sld xmlns:a="http://schemas.openxmlformats.org/drawingml/2006/main" xmlns:r="http://schemas.openxmlformats.org/officeDocument/2006/relationships" xmlns:p="http://schemas.openxmlformats.org/presentationml/2006/main">
   <p:cSld>
     <p:spTree>
@@ -20159,7 +21466,7 @@
             <a:fld id="{2BF067CD-8E6B-4360-9AA8-C5DF2A48A6D1}" type="slidenum">
               <a:rPr lang="en-US" noProof="0" smtClean="0"/>
               <a:pPr/>
-              <a:t>27</a:t>
+              <a:t>28</a:t>
             </a:fld>
             <a:endParaRPr lang="en-US" noProof="0" dirty="0"/>
           </a:p>
@@ -20476,7 +21783,7 @@
 </p:sld>
 </file>
 
-<file path=ppt/slides/slide28.xml><?xml version="1.0" encoding="utf-8"?>
+<file path=ppt/slides/slide29.xml><?xml version="1.0" encoding="utf-8"?>
 <p:sld xmlns:a="http://schemas.openxmlformats.org/drawingml/2006/main" xmlns:r="http://schemas.openxmlformats.org/officeDocument/2006/relationships" xmlns:p="http://schemas.openxmlformats.org/presentationml/2006/main">
   <p:cSld>
     <p:spTree>
@@ -20713,7 +22020,7 @@
         </p:spPr>
         <p:txBody>
           <a:bodyPr>
-            <a:normAutofit fontScale="92500" lnSpcReduction="10000"/>
+            <a:normAutofit/>
           </a:bodyPr>
           <a:lstStyle>
             <a:lvl1pPr marL="514350" indent="-514350">
@@ -20952,35 +22259,68 @@
               </a:rPr>
               <a:t>e</a:t>
             </a:r>
-          </a:p>
-          <a:p>
-            <a:pPr marL="969948" lvl="1" indent="-360363" fontAlgn="base">
-              <a:buClr>
-                <a:schemeClr val="bg2"/>
-              </a:buClr>
-            </a:pPr>
-            <a:r>
-              <a:rPr lang="bg-BG" sz="2000" dirty="0">
-                <a:solidFill>
-                  <a:schemeClr val="bg2"/>
+            <a:r>
+              <a:rPr lang="bg-BG" sz="2200" b="1" dirty="0">
+                <a:solidFill>
+                  <a:schemeClr val="accent1">
+                    <a:lumMod val="60000"/>
+                    <a:lumOff val="40000"/>
+                  </a:schemeClr>
                 </a:solidFill>
                 <a:latin typeface="Calibri" panose="020F0502020204030204" pitchFamily="34" charset="0"/>
                 <a:cs typeface="Calibri" panose="020F0502020204030204" pitchFamily="34" charset="0"/>
               </a:rPr>
-              <a:t>Възможност за </a:t>
-            </a:r>
-            <a:r>
-              <a:rPr lang="bg-BG" sz="2000" b="1" dirty="0">
-                <a:solidFill>
-                  <a:schemeClr val="bg2"/>
-                </a:solidFill>
+              <a:t> </a:t>
+            </a:r>
+            <a:r>
+              <a:rPr lang="en-US" sz="2200" dirty="0">
                 <a:latin typeface="Calibri" panose="020F0502020204030204" pitchFamily="34" charset="0"/>
                 <a:cs typeface="Calibri" panose="020F0502020204030204" pitchFamily="34" charset="0"/>
               </a:rPr>
+              <a:t>==</a:t>
+            </a:r>
+            <a:r>
+              <a:rPr lang="en-US" sz="2200" b="1" dirty="0">
+                <a:solidFill>
+                  <a:schemeClr val="accent1">
+                    <a:lumMod val="60000"/>
+                    <a:lumOff val="40000"/>
+                  </a:schemeClr>
+                </a:solidFill>
+                <a:latin typeface="Calibri" panose="020F0502020204030204" pitchFamily="34" charset="0"/>
+                <a:cs typeface="Calibri" panose="020F0502020204030204" pitchFamily="34" charset="0"/>
+              </a:rPr>
+              <a:t> </a:t>
+            </a:r>
+            <a:r>
+              <a:rPr lang="bg-BG" sz="2200" dirty="0">
+                <a:latin typeface="Calibri" panose="020F0502020204030204" pitchFamily="34" charset="0"/>
+                <a:cs typeface="Calibri" panose="020F0502020204030204" pitchFamily="34" charset="0"/>
+              </a:rPr>
+              <a:t>в</a:t>
+            </a:r>
+            <a:r>
+              <a:rPr lang="bg-BG" sz="2200" dirty="0">
+                <a:solidFill>
+                  <a:schemeClr val="bg2"/>
+                </a:solidFill>
+                <a:latin typeface="Calibri" panose="020F0502020204030204" pitchFamily="34" charset="0"/>
+                <a:cs typeface="Calibri" panose="020F0502020204030204" pitchFamily="34" charset="0"/>
+              </a:rPr>
+              <a:t>ъзможност за </a:t>
+            </a:r>
+            <a:r>
+              <a:rPr lang="bg-BG" sz="2200" b="1" dirty="0">
+                <a:solidFill>
+                  <a:schemeClr val="bg2"/>
+                </a:solidFill>
+                <a:latin typeface="Calibri" panose="020F0502020204030204" pitchFamily="34" charset="0"/>
+                <a:cs typeface="Calibri" panose="020F0502020204030204" pitchFamily="34" charset="0"/>
+              </a:rPr>
               <a:t>обратно декриптиране </a:t>
             </a:r>
             <a:r>
-              <a:rPr lang="bg-BG" sz="2000" dirty="0">
+              <a:rPr lang="bg-BG" sz="2200" dirty="0">
                 <a:solidFill>
                   <a:schemeClr val="bg2"/>
                 </a:solidFill>
@@ -21009,25 +22349,39 @@
               </a:rPr>
               <a:t>Хеширане</a:t>
             </a:r>
-          </a:p>
-          <a:p>
-            <a:pPr marL="969948" lvl="1" indent="-360363" fontAlgn="base">
-              <a:buClr>
-                <a:schemeClr val="bg2"/>
-              </a:buClr>
-            </a:pPr>
-            <a:r>
-              <a:rPr lang="bg-BG" sz="2000" b="1" dirty="0">
-                <a:solidFill>
-                  <a:schemeClr val="bg2"/>
-                </a:solidFill>
+            <a:r>
+              <a:rPr lang="bg-BG" sz="2200" dirty="0">
                 <a:latin typeface="Calibri" panose="020F0502020204030204" pitchFamily="34" charset="0"/>
                 <a:cs typeface="Calibri" panose="020F0502020204030204" pitchFamily="34" charset="0"/>
               </a:rPr>
-              <a:t>Еднопосочен процес </a:t>
-            </a:r>
-            <a:r>
-              <a:rPr lang="bg-BG" sz="2000" dirty="0">
+              <a:t> </a:t>
+            </a:r>
+            <a:r>
+              <a:rPr lang="en-US" sz="2200" dirty="0">
+                <a:latin typeface="Calibri" panose="020F0502020204030204" pitchFamily="34" charset="0"/>
+                <a:cs typeface="Calibri" panose="020F0502020204030204" pitchFamily="34" charset="0"/>
+              </a:rPr>
+              <a:t>== </a:t>
+            </a:r>
+            <a:r>
+              <a:rPr lang="bg-BG" sz="2200" b="1" dirty="0">
+                <a:latin typeface="Calibri" panose="020F0502020204030204" pitchFamily="34" charset="0"/>
+                <a:cs typeface="Calibri" panose="020F0502020204030204" pitchFamily="34" charset="0"/>
+              </a:rPr>
+              <a:t>еднопосочен</a:t>
+            </a:r>
+            <a:r>
+              <a:rPr lang="bg-BG" sz="2200" b="1" dirty="0">
+                <a:solidFill>
+                  <a:schemeClr val="bg2"/>
+                </a:solidFill>
+                <a:latin typeface="Calibri" panose="020F0502020204030204" pitchFamily="34" charset="0"/>
+                <a:cs typeface="Calibri" panose="020F0502020204030204" pitchFamily="34" charset="0"/>
+              </a:rPr>
+              <a:t> процес </a:t>
+            </a:r>
+            <a:r>
+              <a:rPr lang="bg-BG" sz="2200" dirty="0">
                 <a:solidFill>
                   <a:schemeClr val="bg2"/>
                 </a:solidFill>
@@ -21276,7 +22630,7 @@
             <a:fld id="{2BF067CD-8E6B-4360-9AA8-C5DF2A48A6D1}" type="slidenum">
               <a:rPr lang="en-US" noProof="0" smtClean="0"/>
               <a:pPr/>
-              <a:t>28</a:t>
+              <a:t>29</a:t>
             </a:fld>
             <a:endParaRPr lang="en-US" noProof="0" dirty="0"/>
           </a:p>
@@ -21651,104 +23005,6 @@
                       </p:childTnLst>
                     </p:cTn>
                   </p:par>
-                  <p:par>
-                    <p:cTn id="31" fill="hold">
-                      <p:stCondLst>
-                        <p:cond delay="indefinite"/>
-                      </p:stCondLst>
-                      <p:childTnLst>
-                        <p:par>
-                          <p:cTn id="32" fill="hold">
-                            <p:stCondLst>
-                              <p:cond delay="0"/>
-                            </p:stCondLst>
-                            <p:childTnLst>
-                              <p:par>
-                                <p:cTn id="33" presetID="1" presetClass="entr" presetSubtype="0" fill="hold" nodeType="clickEffect">
-                                  <p:stCondLst>
-                                    <p:cond delay="0"/>
-                                  </p:stCondLst>
-                                  <p:childTnLst>
-                                    <p:set>
-                                      <p:cBhvr>
-                                        <p:cTn id="34" dur="1" fill="hold">
-                                          <p:stCondLst>
-                                            <p:cond delay="0"/>
-                                          </p:stCondLst>
-                                        </p:cTn>
-                                        <p:tgtEl>
-                                          <p:spTgt spid="14">
-                                            <p:txEl>
-                                              <p:pRg st="8" end="8"/>
-                                            </p:txEl>
-                                          </p:spTgt>
-                                        </p:tgtEl>
-                                        <p:attrNameLst>
-                                          <p:attrName>style.visibility</p:attrName>
-                                        </p:attrNameLst>
-                                      </p:cBhvr>
-                                      <p:to>
-                                        <p:strVal val="visible"/>
-                                      </p:to>
-                                    </p:set>
-                                  </p:childTnLst>
-                                </p:cTn>
-                              </p:par>
-                            </p:childTnLst>
-                          </p:cTn>
-                        </p:par>
-                      </p:childTnLst>
-                    </p:cTn>
-                  </p:par>
-                  <p:par>
-                    <p:cTn id="35" fill="hold">
-                      <p:stCondLst>
-                        <p:cond delay="indefinite"/>
-                      </p:stCondLst>
-                      <p:childTnLst>
-                        <p:par>
-                          <p:cTn id="36" fill="hold">
-                            <p:stCondLst>
-                              <p:cond delay="0"/>
-                            </p:stCondLst>
-                            <p:childTnLst>
-                              <p:par>
-                                <p:cTn id="37" presetID="1" presetClass="entr" presetSubtype="0" fill="hold" nodeType="clickEffect">
-                                  <p:stCondLst>
-                                    <p:cond delay="0"/>
-                                  </p:stCondLst>
-                                  <p:childTnLst>
-                                    <p:set>
-                                      <p:cBhvr>
-                                        <p:cTn id="38" dur="1" fill="hold">
-                                          <p:stCondLst>
-                                            <p:cond delay="0"/>
-                                          </p:stCondLst>
-                                        </p:cTn>
-                                        <p:tgtEl>
-                                          <p:spTgt spid="14">
-                                            <p:txEl>
-                                              <p:pRg st="9" end="9"/>
-                                            </p:txEl>
-                                          </p:spTgt>
-                                        </p:tgtEl>
-                                        <p:attrNameLst>
-                                          <p:attrName>style.visibility</p:attrName>
-                                        </p:attrNameLst>
-                                      </p:cBhvr>
-                                      <p:to>
-                                        <p:strVal val="visible"/>
-                                      </p:to>
-                                    </p:set>
-                                  </p:childTnLst>
-                                </p:cTn>
-                              </p:par>
-                            </p:childTnLst>
-                          </p:cTn>
-                        </p:par>
-                      </p:childTnLst>
-                    </p:cTn>
-                  </p:par>
                 </p:childTnLst>
               </p:cTn>
               <p:prevCondLst>
@@ -21771,196 +23027,6 @@
       </p:par>
     </p:tnLst>
   </p:timing>
-</p:sld>
-</file>
-
-<file path=ppt/slides/slide29.xml><?xml version="1.0" encoding="utf-8"?>
-<p:sld xmlns:a="http://schemas.openxmlformats.org/drawingml/2006/main" xmlns:r="http://schemas.openxmlformats.org/officeDocument/2006/relationships" xmlns:p="http://schemas.openxmlformats.org/presentationml/2006/main">
-  <p:cSld>
-    <p:spTree>
-      <p:nvGrpSpPr>
-        <p:cNvPr id="1" name=""/>
-        <p:cNvGrpSpPr/>
-        <p:nvPr/>
-      </p:nvGrpSpPr>
-      <p:grpSpPr>
-        <a:xfrm>
-          <a:off x="0" y="0"/>
-          <a:ext cx="0" cy="0"/>
-          <a:chOff x="0" y="0"/>
-          <a:chExt cx="0" cy="0"/>
-        </a:xfrm>
-      </p:grpSpPr>
-      <p:sp>
-        <p:nvSpPr>
-          <p:cNvPr id="5" name="Slide Title">
-            <a:extLst>
-              <a:ext uri="{FF2B5EF4-FFF2-40B4-BE49-F238E27FC236}">
-                <a16:creationId xmlns:a16="http://schemas.microsoft.com/office/drawing/2014/main" id="{FA0703FC-0F8F-4C80-A615-E4B381EC0E0C}"/>
-              </a:ext>
-            </a:extLst>
-          </p:cNvPr>
-          <p:cNvSpPr>
-            <a:spLocks noGrp="1"/>
-          </p:cNvSpPr>
-          <p:nvPr>
-            <p:ph type="title"/>
-          </p:nvPr>
-        </p:nvSpPr>
-        <p:spPr/>
-        <p:txBody>
-          <a:bodyPr/>
-          <a:lstStyle/>
-          <a:p>
-            <a:r>
-              <a:rPr lang="bg-BG" dirty="0"/>
-              <a:t>Въпроси</a:t>
-            </a:r>
-            <a:r>
-              <a:rPr lang="en-US" dirty="0"/>
-              <a:t>?</a:t>
-            </a:r>
-          </a:p>
-        </p:txBody>
-      </p:sp>
-      <p:sp>
-        <p:nvSpPr>
-          <p:cNvPr id="2" name="Rectangle Bottom Copyright">
-            <a:extLst>
-              <a:ext uri="{FF2B5EF4-FFF2-40B4-BE49-F238E27FC236}">
-                <a16:creationId xmlns:a16="http://schemas.microsoft.com/office/drawing/2014/main" id="{664812A4-2991-44D1-BFE9-32E55AADF8A5}"/>
-              </a:ext>
-            </a:extLst>
-          </p:cNvPr>
-          <p:cNvSpPr/>
-          <p:nvPr/>
-        </p:nvSpPr>
-        <p:spPr>
-          <a:xfrm>
-            <a:off x="111000" y="6454758"/>
-            <a:ext cx="11970000" cy="304242"/>
-          </a:xfrm>
-          <a:prstGeom prst="rect">
-            <a:avLst/>
-          </a:prstGeom>
-        </p:spPr>
-        <p:txBody>
-          <a:bodyPr wrap="square">
-            <a:noAutofit/>
-          </a:bodyPr>
-          <a:lstStyle/>
-          <a:p>
-            <a:pPr algn="ctr">
-              <a:lnSpc>
-                <a:spcPct val="100000"/>
-              </a:lnSpc>
-              <a:spcBef>
-                <a:spcPts val="0"/>
-              </a:spcBef>
-              <a:spcAft>
-                <a:spcPts val="0"/>
-              </a:spcAft>
-            </a:pPr>
-            <a:r>
-              <a:rPr lang="bg-BG" sz="1600" dirty="0">
-                <a:solidFill>
-                  <a:schemeClr val="bg2"/>
-                </a:solidFill>
-                <a:effectLst/>
-                <a:latin typeface="Calibri" panose="020F0502020204030204" pitchFamily="34" charset="0"/>
-                <a:ea typeface="Calibri" panose="020F0502020204030204" pitchFamily="34" charset="0"/>
-                <a:cs typeface="Arial" panose="020B0604020202020204" pitchFamily="34" charset="0"/>
-              </a:rPr>
-              <a:t>Проект "</a:t>
-            </a:r>
-            <a:r>
-              <a:rPr lang="bg-BG" sz="1600" dirty="0">
-                <a:solidFill>
-                  <a:schemeClr val="bg1">
-                    <a:lumMod val="20000"/>
-                    <a:lumOff val="80000"/>
-                  </a:schemeClr>
-                </a:solidFill>
-                <a:effectLst/>
-                <a:latin typeface="Calibri" panose="020F0502020204030204" pitchFamily="34" charset="0"/>
-                <a:ea typeface="Calibri" panose="020F0502020204030204" pitchFamily="34" charset="0"/>
-                <a:cs typeface="Arial" panose="020B0604020202020204" pitchFamily="34" charset="0"/>
-                <a:hlinkClick r:id="rId3">
-                  <a:extLst>
-                    <a:ext uri="{A12FA001-AC4F-418D-AE19-62706E023703}">
-                      <ahyp:hlinkClr xmlns:ahyp="http://schemas.microsoft.com/office/drawing/2018/hyperlinkcolor" val="tx"/>
-                    </a:ext>
-                  </a:extLst>
-                </a:hlinkClick>
-              </a:rPr>
-              <a:t>Отворено учебно съдържание по програмиране и ИТ</a:t>
-            </a:r>
-            <a:r>
-              <a:rPr lang="bg-BG" sz="1600" dirty="0">
-                <a:solidFill>
-                  <a:schemeClr val="bg2"/>
-                </a:solidFill>
-                <a:effectLst/>
-                <a:latin typeface="Calibri" panose="020F0502020204030204" pitchFamily="34" charset="0"/>
-                <a:ea typeface="Calibri" panose="020F0502020204030204" pitchFamily="34" charset="0"/>
-                <a:cs typeface="Arial" panose="020B0604020202020204" pitchFamily="34" charset="0"/>
-              </a:rPr>
-              <a:t>", СофтУни Фондация (лиценз </a:t>
-            </a:r>
-            <a:r>
-              <a:rPr lang="en-US" sz="1600" dirty="0">
-                <a:solidFill>
-                  <a:schemeClr val="bg2"/>
-                </a:solidFill>
-                <a:effectLst/>
-                <a:latin typeface="Calibri" panose="020F0502020204030204" pitchFamily="34" charset="0"/>
-                <a:ea typeface="Calibri" panose="020F0502020204030204" pitchFamily="34" charset="0"/>
-                <a:cs typeface="Arial" panose="020B0604020202020204" pitchFamily="34" charset="0"/>
-              </a:rPr>
-              <a:t>CC-BY-NC-SA</a:t>
-            </a:r>
-            <a:r>
-              <a:rPr lang="bg-BG" sz="1600" dirty="0">
-                <a:solidFill>
-                  <a:schemeClr val="bg2"/>
-                </a:solidFill>
-                <a:effectLst/>
-                <a:latin typeface="Calibri" panose="020F0502020204030204" pitchFamily="34" charset="0"/>
-                <a:ea typeface="Calibri" panose="020F0502020204030204" pitchFamily="34" charset="0"/>
-                <a:cs typeface="Arial" panose="020B0604020202020204" pitchFamily="34" charset="0"/>
-              </a:rPr>
-              <a:t>)</a:t>
-            </a:r>
-            <a:endParaRPr lang="bg-BG" sz="2400" dirty="0">
-              <a:solidFill>
-                <a:schemeClr val="bg2"/>
-              </a:solidFill>
-              <a:effectLst/>
-              <a:latin typeface="Calibri" panose="020F0502020204030204" pitchFamily="34" charset="0"/>
-              <a:ea typeface="Calibri" panose="020F0502020204030204" pitchFamily="34" charset="0"/>
-              <a:cs typeface="Arial" panose="020B0604020202020204" pitchFamily="34" charset="0"/>
-            </a:endParaRPr>
-          </a:p>
-        </p:txBody>
-      </p:sp>
-    </p:spTree>
-    <p:extLst>
-      <p:ext uri="{BB962C8B-B14F-4D97-AF65-F5344CB8AC3E}">
-        <p14:creationId xmlns:p14="http://schemas.microsoft.com/office/powerpoint/2010/main" val="1472534970"/>
-      </p:ext>
-    </p:extLst>
-  </p:cSld>
-  <p:clrMapOvr>
-    <a:masterClrMapping/>
-  </p:clrMapOvr>
-  <mc:AlternateContent xmlns:mc="http://schemas.openxmlformats.org/markup-compatibility/2006" xmlns:p14="http://schemas.microsoft.com/office/powerpoint/2010/main">
-    <mc:Choice Requires="p14">
-      <p:transition spd="slow" p14:dur="2000" advClick="0" advTm="5000"/>
-    </mc:Choice>
-    <mc:Fallback xmlns="">
-      <p:transition spd="slow" advClick="0" advTm="5000"/>
-    </mc:Fallback>
-  </mc:AlternateContent>
 </p:sld>
 </file>
 
@@ -22107,6 +23173,196 @@
 </file>
 
 <file path=ppt/slides/slide30.xml><?xml version="1.0" encoding="utf-8"?>
+<p:sld xmlns:a="http://schemas.openxmlformats.org/drawingml/2006/main" xmlns:r="http://schemas.openxmlformats.org/officeDocument/2006/relationships" xmlns:p="http://schemas.openxmlformats.org/presentationml/2006/main">
+  <p:cSld>
+    <p:spTree>
+      <p:nvGrpSpPr>
+        <p:cNvPr id="1" name=""/>
+        <p:cNvGrpSpPr/>
+        <p:nvPr/>
+      </p:nvGrpSpPr>
+      <p:grpSpPr>
+        <a:xfrm>
+          <a:off x="0" y="0"/>
+          <a:ext cx="0" cy="0"/>
+          <a:chOff x="0" y="0"/>
+          <a:chExt cx="0" cy="0"/>
+        </a:xfrm>
+      </p:grpSpPr>
+      <p:sp>
+        <p:nvSpPr>
+          <p:cNvPr id="5" name="Slide Title">
+            <a:extLst>
+              <a:ext uri="{FF2B5EF4-FFF2-40B4-BE49-F238E27FC236}">
+                <a16:creationId xmlns:a16="http://schemas.microsoft.com/office/drawing/2014/main" id="{FA0703FC-0F8F-4C80-A615-E4B381EC0E0C}"/>
+              </a:ext>
+            </a:extLst>
+          </p:cNvPr>
+          <p:cNvSpPr>
+            <a:spLocks noGrp="1"/>
+          </p:cNvSpPr>
+          <p:nvPr>
+            <p:ph type="title"/>
+          </p:nvPr>
+        </p:nvSpPr>
+        <p:spPr/>
+        <p:txBody>
+          <a:bodyPr/>
+          <a:lstStyle/>
+          <a:p>
+            <a:r>
+              <a:rPr lang="bg-BG" dirty="0"/>
+              <a:t>Въпроси</a:t>
+            </a:r>
+            <a:r>
+              <a:rPr lang="en-US" dirty="0"/>
+              <a:t>?</a:t>
+            </a:r>
+          </a:p>
+        </p:txBody>
+      </p:sp>
+      <p:sp>
+        <p:nvSpPr>
+          <p:cNvPr id="2" name="Rectangle Bottom Copyright">
+            <a:extLst>
+              <a:ext uri="{FF2B5EF4-FFF2-40B4-BE49-F238E27FC236}">
+                <a16:creationId xmlns:a16="http://schemas.microsoft.com/office/drawing/2014/main" id="{664812A4-2991-44D1-BFE9-32E55AADF8A5}"/>
+              </a:ext>
+            </a:extLst>
+          </p:cNvPr>
+          <p:cNvSpPr/>
+          <p:nvPr/>
+        </p:nvSpPr>
+        <p:spPr>
+          <a:xfrm>
+            <a:off x="111000" y="6454758"/>
+            <a:ext cx="11970000" cy="304242"/>
+          </a:xfrm>
+          <a:prstGeom prst="rect">
+            <a:avLst/>
+          </a:prstGeom>
+        </p:spPr>
+        <p:txBody>
+          <a:bodyPr wrap="square">
+            <a:noAutofit/>
+          </a:bodyPr>
+          <a:lstStyle/>
+          <a:p>
+            <a:pPr algn="ctr">
+              <a:lnSpc>
+                <a:spcPct val="100000"/>
+              </a:lnSpc>
+              <a:spcBef>
+                <a:spcPts val="0"/>
+              </a:spcBef>
+              <a:spcAft>
+                <a:spcPts val="0"/>
+              </a:spcAft>
+            </a:pPr>
+            <a:r>
+              <a:rPr lang="bg-BG" sz="1600" dirty="0">
+                <a:solidFill>
+                  <a:schemeClr val="bg2"/>
+                </a:solidFill>
+                <a:effectLst/>
+                <a:latin typeface="Calibri" panose="020F0502020204030204" pitchFamily="34" charset="0"/>
+                <a:ea typeface="Calibri" panose="020F0502020204030204" pitchFamily="34" charset="0"/>
+                <a:cs typeface="Arial" panose="020B0604020202020204" pitchFamily="34" charset="0"/>
+              </a:rPr>
+              <a:t>Проект "</a:t>
+            </a:r>
+            <a:r>
+              <a:rPr lang="bg-BG" sz="1600" dirty="0">
+                <a:solidFill>
+                  <a:schemeClr val="bg1">
+                    <a:lumMod val="20000"/>
+                    <a:lumOff val="80000"/>
+                  </a:schemeClr>
+                </a:solidFill>
+                <a:effectLst/>
+                <a:latin typeface="Calibri" panose="020F0502020204030204" pitchFamily="34" charset="0"/>
+                <a:ea typeface="Calibri" panose="020F0502020204030204" pitchFamily="34" charset="0"/>
+                <a:cs typeface="Arial" panose="020B0604020202020204" pitchFamily="34" charset="0"/>
+                <a:hlinkClick r:id="rId3">
+                  <a:extLst>
+                    <a:ext uri="{A12FA001-AC4F-418D-AE19-62706E023703}">
+                      <ahyp:hlinkClr xmlns:ahyp="http://schemas.microsoft.com/office/drawing/2018/hyperlinkcolor" val="tx"/>
+                    </a:ext>
+                  </a:extLst>
+                </a:hlinkClick>
+              </a:rPr>
+              <a:t>Отворено учебно съдържание по програмиране и ИТ</a:t>
+            </a:r>
+            <a:r>
+              <a:rPr lang="bg-BG" sz="1600" dirty="0">
+                <a:solidFill>
+                  <a:schemeClr val="bg2"/>
+                </a:solidFill>
+                <a:effectLst/>
+                <a:latin typeface="Calibri" panose="020F0502020204030204" pitchFamily="34" charset="0"/>
+                <a:ea typeface="Calibri" panose="020F0502020204030204" pitchFamily="34" charset="0"/>
+                <a:cs typeface="Arial" panose="020B0604020202020204" pitchFamily="34" charset="0"/>
+              </a:rPr>
+              <a:t>", СофтУни Фондация (лиценз </a:t>
+            </a:r>
+            <a:r>
+              <a:rPr lang="en-US" sz="1600" dirty="0">
+                <a:solidFill>
+                  <a:schemeClr val="bg2"/>
+                </a:solidFill>
+                <a:effectLst/>
+                <a:latin typeface="Calibri" panose="020F0502020204030204" pitchFamily="34" charset="0"/>
+                <a:ea typeface="Calibri" panose="020F0502020204030204" pitchFamily="34" charset="0"/>
+                <a:cs typeface="Arial" panose="020B0604020202020204" pitchFamily="34" charset="0"/>
+              </a:rPr>
+              <a:t>CC-BY-NC-SA</a:t>
+            </a:r>
+            <a:r>
+              <a:rPr lang="bg-BG" sz="1600" dirty="0">
+                <a:solidFill>
+                  <a:schemeClr val="bg2"/>
+                </a:solidFill>
+                <a:effectLst/>
+                <a:latin typeface="Calibri" panose="020F0502020204030204" pitchFamily="34" charset="0"/>
+                <a:ea typeface="Calibri" panose="020F0502020204030204" pitchFamily="34" charset="0"/>
+                <a:cs typeface="Arial" panose="020B0604020202020204" pitchFamily="34" charset="0"/>
+              </a:rPr>
+              <a:t>)</a:t>
+            </a:r>
+            <a:endParaRPr lang="bg-BG" sz="2400" dirty="0">
+              <a:solidFill>
+                <a:schemeClr val="bg2"/>
+              </a:solidFill>
+              <a:effectLst/>
+              <a:latin typeface="Calibri" panose="020F0502020204030204" pitchFamily="34" charset="0"/>
+              <a:ea typeface="Calibri" panose="020F0502020204030204" pitchFamily="34" charset="0"/>
+              <a:cs typeface="Arial" panose="020B0604020202020204" pitchFamily="34" charset="0"/>
+            </a:endParaRPr>
+          </a:p>
+        </p:txBody>
+      </p:sp>
+    </p:spTree>
+    <p:extLst>
+      <p:ext uri="{BB962C8B-B14F-4D97-AF65-F5344CB8AC3E}">
+        <p14:creationId xmlns:p14="http://schemas.microsoft.com/office/powerpoint/2010/main" val="1472534970"/>
+      </p:ext>
+    </p:extLst>
+  </p:cSld>
+  <p:clrMapOvr>
+    <a:masterClrMapping/>
+  </p:clrMapOvr>
+  <mc:AlternateContent xmlns:mc="http://schemas.openxmlformats.org/markup-compatibility/2006" xmlns:p14="http://schemas.microsoft.com/office/powerpoint/2010/main">
+    <mc:Choice Requires="p14">
+      <p:transition spd="slow" p14:dur="2000" advClick="0" advTm="5000"/>
+    </mc:Choice>
+    <mc:Fallback xmlns="">
+      <p:transition spd="slow" advClick="0" advTm="5000"/>
+    </mc:Fallback>
+  </mc:AlternateContent>
+</p:sld>
+</file>
+
+<file path=ppt/slides/slide31.xml><?xml version="1.0" encoding="utf-8"?>
 <p:sld xmlns:a="http://schemas.openxmlformats.org/drawingml/2006/main" xmlns:r="http://schemas.openxmlformats.org/officeDocument/2006/relationships" xmlns:p="http://schemas.openxmlformats.org/presentationml/2006/main" show="0">
   <p:cSld>
     <p:spTree>
@@ -22159,7 +23415,7 @@
             <a:fld id="{2BF067CD-8E6B-4360-9AA8-C5DF2A48A6D1}" type="slidenum">
               <a:rPr lang="en-US" smtClean="0"/>
               <a:pPr/>
-              <a:t>30</a:t>
+              <a:t>31</a:t>
             </a:fld>
             <a:endParaRPr lang="en-US" dirty="0"/>
           </a:p>
@@ -22555,7 +23811,7 @@
         <p:spPr>
           <a:xfrm>
             <a:off x="190402" y="1196125"/>
-            <a:ext cx="7210598" cy="5528766"/>
+            <a:ext cx="7660598" cy="5528766"/>
           </a:xfrm>
         </p:spPr>
         <p:txBody>
@@ -22563,11 +23819,11 @@
           <a:lstStyle/>
           <a:p>
             <a:r>
-              <a:rPr lang="bg-BG" sz="3200" dirty="0"/>
+              <a:rPr lang="bg-BG" sz="3400" dirty="0"/>
               <a:t>Предоставя </a:t>
             </a:r>
             <a:r>
-              <a:rPr lang="bg-BG" sz="3200" b="1" dirty="0">
+              <a:rPr lang="bg-BG" sz="3400" b="1" dirty="0">
                 <a:solidFill>
                   <a:schemeClr val="bg1"/>
                 </a:solidFill>
@@ -22575,24 +23831,24 @@
               <a:t>достъп</a:t>
             </a:r>
             <a:r>
-              <a:rPr lang="bg-BG" sz="3200" dirty="0"/>
+              <a:rPr lang="bg-BG" sz="3400" dirty="0"/>
               <a:t> до </a:t>
             </a:r>
             <a:r>
-              <a:rPr lang="bg-BG" sz="3200" b="1" dirty="0"/>
+              <a:rPr lang="bg-BG" sz="3400" b="1" dirty="0"/>
               <a:t>приложението</a:t>
             </a:r>
           </a:p>
           <a:p>
             <a:r>
-              <a:rPr lang="bg-BG" sz="3200" dirty="0"/>
+              <a:rPr lang="bg-BG" sz="3400" dirty="0"/>
               <a:t>Компоненти</a:t>
             </a:r>
           </a:p>
           <a:p>
             <a:pPr lvl="1"/>
             <a:r>
-              <a:rPr lang="en-US" sz="2800" b="1" dirty="0">
+              <a:rPr lang="en-US" sz="3000" b="1" dirty="0">
                 <a:solidFill>
                   <a:schemeClr val="bg1"/>
                 </a:solidFill>
@@ -22602,26 +23858,26 @@
               <a:t>Label</a:t>
             </a:r>
             <a:r>
-              <a:rPr lang="en-US" sz="2800" dirty="0"/>
+              <a:rPr lang="en-US" sz="3000" dirty="0"/>
               <a:t> - </a:t>
             </a:r>
             <a:r>
-              <a:rPr lang="bg-BG" sz="2800" b="1" dirty="0"/>
+              <a:rPr lang="bg-BG" sz="3000" b="1" dirty="0"/>
               <a:t>потребителско име </a:t>
             </a:r>
             <a:r>
-              <a:rPr lang="bg-BG" sz="2800" dirty="0"/>
+              <a:rPr lang="bg-BG" sz="3000" dirty="0"/>
               <a:t>и </a:t>
             </a:r>
             <a:r>
-              <a:rPr lang="bg-BG" sz="2800" b="1" dirty="0"/>
+              <a:rPr lang="bg-BG" sz="3000" b="1" dirty="0"/>
               <a:t>парола</a:t>
             </a:r>
           </a:p>
           <a:p>
             <a:pPr lvl="1"/>
             <a:r>
-              <a:rPr lang="en-US" sz="2800" b="1" dirty="0">
+              <a:rPr lang="en-US" sz="3000" b="1" dirty="0">
                 <a:solidFill>
                   <a:schemeClr val="bg1"/>
                 </a:solidFill>
@@ -22631,26 +23887,26 @@
               <a:t>TextBox</a:t>
             </a:r>
             <a:r>
-              <a:rPr lang="en-US" sz="2800" dirty="0"/>
+              <a:rPr lang="en-US" sz="3000" dirty="0"/>
               <a:t> - </a:t>
             </a:r>
             <a:r>
-              <a:rPr lang="bg-BG" sz="2800" b="1" dirty="0"/>
+              <a:rPr lang="bg-BG" sz="3000" b="1" dirty="0"/>
               <a:t>потребителско име </a:t>
             </a:r>
             <a:r>
-              <a:rPr lang="bg-BG" sz="2800" dirty="0"/>
+              <a:rPr lang="bg-BG" sz="3000" dirty="0"/>
               <a:t>и </a:t>
             </a:r>
             <a:r>
-              <a:rPr lang="bg-BG" sz="2800" b="1" dirty="0"/>
+              <a:rPr lang="bg-BG" sz="3000" b="1" dirty="0"/>
               <a:t>парола</a:t>
             </a:r>
           </a:p>
           <a:p>
             <a:pPr lvl="1"/>
             <a:r>
-              <a:rPr lang="en-US" sz="2800" b="1" dirty="0">
+              <a:rPr lang="en-US" sz="3000" b="1" dirty="0">
                 <a:solidFill>
                   <a:schemeClr val="bg1"/>
                 </a:solidFill>
@@ -22660,18 +23916,18 @@
               <a:t>Button</a:t>
             </a:r>
             <a:r>
-              <a:rPr lang="en-US" sz="2800" dirty="0"/>
+              <a:rPr lang="en-US" sz="3000" dirty="0"/>
               <a:t> -</a:t>
             </a:r>
             <a:r>
-              <a:rPr lang="bg-BG" sz="2800" dirty="0"/>
+              <a:rPr lang="bg-BG" sz="3000" dirty="0"/>
               <a:t> </a:t>
             </a:r>
             <a:r>
-              <a:rPr lang="bg-BG" sz="2800" b="1" dirty="0"/>
+              <a:rPr lang="bg-BG" sz="3000" b="1" dirty="0"/>
               <a:t>вход</a:t>
             </a:r>
-            <a:endParaRPr lang="en-BG" sz="2800" b="1" dirty="0"/>
+            <a:endParaRPr lang="en-BG" sz="3000" b="1" dirty="0"/>
           </a:p>
         </p:txBody>
       </p:sp>
@@ -22731,8 +23987,8 @@
         </p:blipFill>
         <p:spPr>
           <a:xfrm>
-            <a:off x="7401000" y="1944000"/>
-            <a:ext cx="4421850" cy="3200567"/>
+            <a:off x="7719548" y="1944001"/>
+            <a:ext cx="4103302" cy="2970000"/>
           </a:xfrm>
           <a:prstGeom prst="rect">
             <a:avLst/>
@@ -23067,49 +24323,49 @@
           <a:lstStyle/>
           <a:p>
             <a:r>
-              <a:rPr lang="bg-BG" sz="3200" dirty="0"/>
+              <a:rPr lang="bg-BG" sz="3400" dirty="0"/>
               <a:t>Задаваме следните </a:t>
             </a:r>
             <a:r>
-              <a:rPr lang="bg-BG" sz="3200" b="1" dirty="0"/>
+              <a:rPr lang="bg-BG" sz="3400" b="1" dirty="0"/>
               <a:t>свойства</a:t>
             </a:r>
             <a:r>
+              <a:rPr lang="en-US" sz="3400" dirty="0"/>
+              <a:t> </a:t>
+            </a:r>
+            <a:r>
+              <a:rPr lang="bg-BG" sz="3400" dirty="0"/>
+              <a:t>на </a:t>
+            </a:r>
+            <a:r>
+              <a:rPr lang="bg-BG" sz="3400" b="1" dirty="0"/>
+              <a:t>формата</a:t>
+            </a:r>
+            <a:r>
+              <a:rPr lang="en-US" sz="3400" dirty="0"/>
+              <a:t>:</a:t>
+            </a:r>
+          </a:p>
+          <a:p>
+            <a:pPr lvl="1"/>
+            <a:r>
+              <a:rPr lang="en-US" sz="3200" b="1" dirty="0"/>
+              <a:t>StartPosition</a:t>
+            </a:r>
+            <a:r>
               <a:rPr lang="en-US" sz="3200" dirty="0"/>
-              <a:t> </a:t>
-            </a:r>
-            <a:r>
-              <a:rPr lang="bg-BG" sz="3200" dirty="0"/>
-              <a:t>на </a:t>
-            </a:r>
-            <a:r>
-              <a:rPr lang="bg-BG" sz="3200" b="1" dirty="0"/>
-              <a:t>формата</a:t>
-            </a:r>
-            <a:r>
-              <a:rPr lang="en-US" sz="3200" dirty="0"/>
-              <a:t>:</a:t>
-            </a:r>
-          </a:p>
-          <a:p>
-            <a:pPr lvl="1"/>
-            <a:r>
-              <a:rPr lang="en-US" sz="3000" b="1" dirty="0"/>
-              <a:t>StartPosition</a:t>
-            </a:r>
-            <a:r>
-              <a:rPr lang="en-US" sz="3000" dirty="0"/>
               <a:t> - </a:t>
             </a:r>
             <a:r>
-              <a:rPr lang="en-US" sz="3000" b="1" dirty="0">
+              <a:rPr lang="en-US" sz="3200" b="1" dirty="0">
                 <a:solidFill>
                   <a:schemeClr val="bg1"/>
                 </a:solidFill>
               </a:rPr>
               <a:t>CenterScreen</a:t>
             </a:r>
-            <a:endParaRPr lang="bg-BG" sz="3000" b="1" dirty="0">
+            <a:endParaRPr lang="bg-BG" sz="3200" b="1" dirty="0">
               <a:solidFill>
                 <a:schemeClr val="bg1"/>
               </a:solidFill>
@@ -23118,15 +24374,15 @@
           <a:p>
             <a:pPr lvl="1"/>
             <a:r>
-              <a:rPr lang="en-US" sz="3000" b="1" dirty="0"/>
+              <a:rPr lang="en-US" sz="3200" b="1" dirty="0"/>
               <a:t>FormBorderStyle</a:t>
             </a:r>
             <a:r>
-              <a:rPr lang="en-US" sz="3000" dirty="0"/>
+              <a:rPr lang="en-US" sz="3200" dirty="0"/>
               <a:t> - </a:t>
             </a:r>
             <a:r>
-              <a:rPr lang="en-US" sz="3000" b="1" dirty="0">
+              <a:rPr lang="en-US" sz="3200" b="1" dirty="0">
                 <a:solidFill>
                   <a:schemeClr val="bg1"/>
                 </a:solidFill>
@@ -23137,15 +24393,15 @@
           <a:p>
             <a:pPr lvl="1"/>
             <a:r>
-              <a:rPr lang="en-US" sz="3000" b="1" dirty="0"/>
+              <a:rPr lang="en-US" sz="3200" b="1" dirty="0"/>
               <a:t>MaximizeBox</a:t>
             </a:r>
             <a:r>
-              <a:rPr lang="en-US" sz="3000" dirty="0"/>
+              <a:rPr lang="en-US" sz="3200" dirty="0"/>
               <a:t> - </a:t>
             </a:r>
             <a:r>
-              <a:rPr lang="en-US" sz="3000" b="1" dirty="0">
+              <a:rPr lang="en-US" sz="3200" b="1" dirty="0">
                 <a:solidFill>
                   <a:schemeClr val="bg1"/>
                 </a:solidFill>
@@ -23156,15 +24412,15 @@
           <a:p>
             <a:pPr lvl="1"/>
             <a:r>
-              <a:rPr lang="en-US" sz="3000" b="1" dirty="0"/>
+              <a:rPr lang="en-US" sz="3200" b="1" dirty="0"/>
               <a:t>MinimizeBox</a:t>
             </a:r>
             <a:r>
-              <a:rPr lang="en-US" sz="3000" dirty="0"/>
+              <a:rPr lang="en-US" sz="3200" dirty="0"/>
               <a:t> - </a:t>
             </a:r>
             <a:r>
-              <a:rPr lang="en-US" sz="3000" b="1" dirty="0">
+              <a:rPr lang="en-US" sz="3200" b="1" dirty="0">
                 <a:solidFill>
                   <a:schemeClr val="bg1"/>
                 </a:solidFill>
@@ -23705,11 +24961,11 @@
           <a:lstStyle/>
           <a:p>
             <a:r>
-              <a:rPr lang="bg-BG" sz="2400" dirty="0"/>
+              <a:rPr lang="bg-BG" sz="2800" dirty="0"/>
               <a:t>Добавяме </a:t>
             </a:r>
             <a:r>
-              <a:rPr lang="bg-BG" sz="2400" b="1" dirty="0">
+              <a:rPr lang="bg-BG" sz="2800" b="1" dirty="0">
                 <a:solidFill>
                   <a:schemeClr val="bg1"/>
                 </a:solidFill>
@@ -23717,7 +24973,7 @@
               <a:t>метод</a:t>
             </a:r>
             <a:r>
-              <a:rPr lang="en-US" sz="2400" b="1" dirty="0">
+              <a:rPr lang="en-US" sz="2800" b="1" dirty="0">
                 <a:solidFill>
                   <a:schemeClr val="bg1"/>
                 </a:solidFill>
@@ -23725,7 +24981,7 @@
               <a:t>-</a:t>
             </a:r>
             <a:r>
-              <a:rPr lang="bg-BG" sz="2400" b="1" dirty="0">
+              <a:rPr lang="bg-BG" sz="2800" b="1" dirty="0">
                 <a:solidFill>
                   <a:schemeClr val="bg1"/>
                 </a:solidFill>
@@ -23733,21 +24989,21 @@
               <a:t>обработчик </a:t>
             </a:r>
             <a:r>
-              <a:rPr lang="bg-BG" sz="2400" dirty="0"/>
+              <a:rPr lang="bg-BG" sz="2800" dirty="0"/>
               <a:t>на бутона за </a:t>
             </a:r>
             <a:r>
-              <a:rPr lang="bg-BG" sz="2400" b="1" dirty="0"/>
+              <a:rPr lang="bg-BG" sz="2800" b="1" dirty="0"/>
               <a:t>вход</a:t>
             </a:r>
           </a:p>
           <a:p>
             <a:r>
-              <a:rPr lang="bg-BG" sz="2400" dirty="0"/>
+              <a:rPr lang="bg-BG" sz="2800" dirty="0"/>
               <a:t>Проверяваме дали </a:t>
             </a:r>
             <a:r>
-              <a:rPr lang="bg-BG" sz="2400" b="1" dirty="0">
+              <a:rPr lang="bg-BG" sz="2800" b="1" dirty="0">
                 <a:solidFill>
                   <a:schemeClr val="bg1"/>
                 </a:solidFill>
@@ -23755,29 +25011,29 @@
               <a:t>въведените данни </a:t>
             </a:r>
             <a:r>
-              <a:rPr lang="bg-BG" sz="2400" dirty="0"/>
+              <a:rPr lang="bg-BG" sz="2800" dirty="0"/>
               <a:t>съответстват на </a:t>
             </a:r>
             <a:r>
-              <a:rPr lang="bg-BG" sz="2400" b="1" dirty="0"/>
+              <a:rPr lang="bg-BG" sz="2800" b="1" dirty="0"/>
               <a:t>запис</a:t>
             </a:r>
             <a:r>
-              <a:rPr lang="bg-BG" sz="2400" dirty="0"/>
+              <a:rPr lang="bg-BG" sz="2800" dirty="0"/>
               <a:t> в </a:t>
             </a:r>
             <a:r>
-              <a:rPr lang="bg-BG" sz="2400" b="1" dirty="0"/>
+              <a:rPr lang="bg-BG" sz="2800" b="1" dirty="0"/>
               <a:t>БД</a:t>
             </a:r>
           </a:p>
           <a:p>
             <a:r>
-              <a:rPr lang="bg-BG" sz="2400" dirty="0"/>
+              <a:rPr lang="bg-BG" sz="2800" dirty="0"/>
               <a:t>При </a:t>
             </a:r>
             <a:r>
-              <a:rPr lang="bg-BG" sz="2400" b="1" dirty="0">
+              <a:rPr lang="bg-BG" sz="2800" b="1" dirty="0">
                 <a:solidFill>
                   <a:schemeClr val="bg1"/>
                 </a:solidFill>
@@ -23785,21 +25041,21 @@
               <a:t>валидни данни </a:t>
             </a:r>
             <a:r>
-              <a:rPr lang="bg-BG" sz="2400" dirty="0"/>
+              <a:rPr lang="bg-BG" sz="2800" dirty="0"/>
               <a:t>показваме </a:t>
             </a:r>
             <a:r>
-              <a:rPr lang="bg-BG" sz="2400" b="1" dirty="0"/>
+              <a:rPr lang="bg-BG" sz="2800" b="1" dirty="0"/>
               <a:t>главната форма</a:t>
             </a:r>
           </a:p>
           <a:p>
             <a:r>
-              <a:rPr lang="bg-BG" sz="2400" dirty="0"/>
+              <a:rPr lang="bg-BG" sz="2800" dirty="0"/>
               <a:t>При </a:t>
             </a:r>
             <a:r>
-              <a:rPr lang="bg-BG" sz="2400" b="1" dirty="0">
+              <a:rPr lang="bg-BG" sz="2800" b="1" dirty="0">
                 <a:solidFill>
                   <a:schemeClr val="bg1"/>
                 </a:solidFill>
@@ -23807,11 +25063,11 @@
               <a:t>невалидни данни </a:t>
             </a:r>
             <a:r>
-              <a:rPr lang="bg-BG" sz="2400" dirty="0"/>
+              <a:rPr lang="bg-BG" sz="2800" dirty="0"/>
               <a:t>показваме съобщение за </a:t>
             </a:r>
             <a:r>
-              <a:rPr lang="bg-BG" sz="2400" b="1" dirty="0"/>
+              <a:rPr lang="bg-BG" sz="2800" b="1" dirty="0"/>
               <a:t>грешка</a:t>
             </a:r>
           </a:p>
@@ -23905,8 +25161,8 @@
         </p:nvSpPr>
         <p:spPr bwMode="auto">
           <a:xfrm>
-            <a:off x="7626000" y="3654000"/>
-            <a:ext cx="3120928" cy="408596"/>
+            <a:off x="7975670" y="3357379"/>
+            <a:ext cx="3120928" cy="919374"/>
           </a:xfrm>
           <a:prstGeom prst="wedgeRoundRectCallout">
             <a:avLst>
@@ -23957,7 +25213,7 @@
           <a:p>
             <a:pPr algn="ctr" eaLnBrk="0" hangingPunct="0"/>
             <a:r>
-              <a:rPr lang="bg-BG" b="1" noProof="1">
+              <a:rPr lang="bg-BG" sz="2400" b="1" noProof="1">
                 <a:solidFill>
                   <a:schemeClr val="bg2"/>
                 </a:solidFill>
@@ -23965,7 +25221,7 @@
               <a:t>Взимаме </a:t>
             </a:r>
             <a:r>
-              <a:rPr lang="bg-BG" b="1" noProof="1">
+              <a:rPr lang="bg-BG" sz="2400" b="1" noProof="1">
                 <a:solidFill>
                   <a:schemeClr val="accent1">
                     <a:lumMod val="60000"/>
@@ -23976,7 +25232,7 @@
               <a:t>въведените</a:t>
             </a:r>
             <a:r>
-              <a:rPr lang="bg-BG" b="1" noProof="1">
+              <a:rPr lang="bg-BG" sz="2400" b="1" noProof="1">
                 <a:solidFill>
                   <a:schemeClr val="bg2"/>
                 </a:solidFill>
@@ -23984,7 +25240,7 @@
               <a:t> </a:t>
             </a:r>
             <a:r>
-              <a:rPr lang="bg-BG" b="1" noProof="1">
+              <a:rPr lang="bg-BG" sz="2400" b="1" noProof="1">
                 <a:solidFill>
                   <a:schemeClr val="accent1">
                     <a:lumMod val="60000"/>
@@ -23994,7 +25250,7 @@
               </a:rPr>
               <a:t>данни</a:t>
             </a:r>
-            <a:endParaRPr lang="en-US" b="1" noProof="1">
+            <a:endParaRPr lang="en-US" sz="2400" b="1" noProof="1">
               <a:solidFill>
                 <a:schemeClr val="accent1">
                   <a:lumMod val="60000"/>
@@ -24021,8 +25277,221 @@
         </p:nvSpPr>
         <p:spPr bwMode="auto">
           <a:xfrm>
-            <a:off x="324435" y="3705064"/>
-            <a:ext cx="3120928" cy="715063"/>
+            <a:off x="190402" y="3645049"/>
+            <a:ext cx="3476565" cy="919374"/>
+          </a:xfrm>
+          <a:prstGeom prst="wedgeRoundRectCallout">
+            <a:avLst>
+              <a:gd name="adj1" fmla="val 75428"/>
+              <a:gd name="adj2" fmla="val 38811"/>
+              <a:gd name="adj3" fmla="val 16667"/>
+            </a:avLst>
+          </a:prstGeom>
+          <a:solidFill>
+            <a:schemeClr val="dk2">
+              <a:alpha val="80000"/>
+            </a:schemeClr>
+          </a:solidFill>
+          <a:ln w="19050">
+            <a:solidFill>
+              <a:schemeClr val="tx1">
+                <a:lumMod val="75000"/>
+                <a:alpha val="80000"/>
+              </a:schemeClr>
+            </a:solidFill>
+          </a:ln>
+          <a:effectLst/>
+        </p:spPr>
+        <p:style>
+          <a:lnRef idx="2">
+            <a:schemeClr val="accent1">
+              <a:shade val="50000"/>
+            </a:schemeClr>
+          </a:lnRef>
+          <a:fillRef idx="1001">
+            <a:schemeClr val="dk2"/>
+          </a:fillRef>
+          <a:effectRef idx="0">
+            <a:schemeClr val="accent1"/>
+          </a:effectRef>
+          <a:fontRef idx="minor">
+            <a:schemeClr val="lt1"/>
+          </a:fontRef>
+        </p:style>
+        <p:txBody>
+          <a:bodyPr rot="0" spcFirstLastPara="0" vertOverflow="overflow" horzOverflow="overflow" vert="horz" wrap="square" lIns="91416" tIns="45708" rIns="91416" bIns="45708" numCol="1" spcCol="0" rtlCol="0" fromWordArt="0" anchor="ctr" anchorCtr="0" forceAA="0" compatLnSpc="1">
+            <a:prstTxWarp prst="textNoShape">
+              <a:avLst/>
+            </a:prstTxWarp>
+            <a:spAutoFit/>
+          </a:bodyPr>
+          <a:lstStyle/>
+          <a:p>
+            <a:pPr algn="ctr" eaLnBrk="0" hangingPunct="0"/>
+            <a:r>
+              <a:rPr lang="bg-BG" sz="2400" b="1" noProof="1">
+                <a:solidFill>
+                  <a:schemeClr val="bg2"/>
+                </a:solidFill>
+              </a:rPr>
+              <a:t>Проверяваме има ли такъв </a:t>
+            </a:r>
+            <a:r>
+              <a:rPr lang="bg-BG" sz="2400" b="1" noProof="1">
+                <a:solidFill>
+                  <a:schemeClr val="accent1">
+                    <a:lumMod val="60000"/>
+                    <a:lumOff val="40000"/>
+                  </a:schemeClr>
+                </a:solidFill>
+              </a:rPr>
+              <a:t>потребител</a:t>
+            </a:r>
+            <a:r>
+              <a:rPr lang="bg-BG" sz="2400" b="1" noProof="1">
+                <a:solidFill>
+                  <a:schemeClr val="bg2"/>
+                </a:solidFill>
+              </a:rPr>
+              <a:t> в </a:t>
+            </a:r>
+            <a:r>
+              <a:rPr lang="bg-BG" sz="2400" b="1" noProof="1">
+                <a:solidFill>
+                  <a:schemeClr val="accent1">
+                    <a:lumMod val="60000"/>
+                    <a:lumOff val="40000"/>
+                  </a:schemeClr>
+                </a:solidFill>
+              </a:rPr>
+              <a:t>БД</a:t>
+            </a:r>
+            <a:endParaRPr lang="en-US" sz="2400" b="1" noProof="1">
+              <a:solidFill>
+                <a:schemeClr val="accent1">
+                  <a:lumMod val="60000"/>
+                  <a:lumOff val="40000"/>
+                </a:schemeClr>
+              </a:solidFill>
+            </a:endParaRPr>
+          </a:p>
+        </p:txBody>
+      </p:sp>
+      <p:sp>
+        <p:nvSpPr>
+          <p:cNvPr id="12" name="AutoShape 7">
+            <a:extLst>
+              <a:ext uri="{FF2B5EF4-FFF2-40B4-BE49-F238E27FC236}">
+                <a16:creationId xmlns:a16="http://schemas.microsoft.com/office/drawing/2014/main" id="{43C1F84D-FBAA-6E4C-E039-74D3FD649A6D}"/>
+              </a:ext>
+            </a:extLst>
+          </p:cNvPr>
+          <p:cNvSpPr>
+            <a:spLocks noChangeArrowheads="1"/>
+          </p:cNvSpPr>
+          <p:nvPr/>
+        </p:nvSpPr>
+        <p:spPr bwMode="auto">
+          <a:xfrm>
+            <a:off x="7986000" y="4470686"/>
+            <a:ext cx="3120928" cy="919374"/>
+          </a:xfrm>
+          <a:prstGeom prst="wedgeRoundRectCallout">
+            <a:avLst>
+              <a:gd name="adj1" fmla="val -96020"/>
+              <a:gd name="adj2" fmla="val 44727"/>
+              <a:gd name="adj3" fmla="val 16667"/>
+            </a:avLst>
+          </a:prstGeom>
+          <a:solidFill>
+            <a:schemeClr val="dk2">
+              <a:alpha val="80000"/>
+            </a:schemeClr>
+          </a:solidFill>
+          <a:ln w="19050">
+            <a:solidFill>
+              <a:schemeClr val="tx1">
+                <a:lumMod val="75000"/>
+                <a:alpha val="80000"/>
+              </a:schemeClr>
+            </a:solidFill>
+          </a:ln>
+          <a:effectLst/>
+        </p:spPr>
+        <p:style>
+          <a:lnRef idx="2">
+            <a:schemeClr val="accent1">
+              <a:shade val="50000"/>
+            </a:schemeClr>
+          </a:lnRef>
+          <a:fillRef idx="1001">
+            <a:schemeClr val="dk2"/>
+          </a:fillRef>
+          <a:effectRef idx="0">
+            <a:schemeClr val="accent1"/>
+          </a:effectRef>
+          <a:fontRef idx="minor">
+            <a:schemeClr val="lt1"/>
+          </a:fontRef>
+        </p:style>
+        <p:txBody>
+          <a:bodyPr rot="0" spcFirstLastPara="0" vertOverflow="overflow" horzOverflow="overflow" vert="horz" wrap="square" lIns="91416" tIns="45708" rIns="91416" bIns="45708" numCol="1" spcCol="0" rtlCol="0" fromWordArt="0" anchor="ctr" anchorCtr="0" forceAA="0" compatLnSpc="1">
+            <a:prstTxWarp prst="textNoShape">
+              <a:avLst/>
+            </a:prstTxWarp>
+            <a:spAutoFit/>
+          </a:bodyPr>
+          <a:lstStyle/>
+          <a:p>
+            <a:pPr algn="ctr" eaLnBrk="0" hangingPunct="0"/>
+            <a:r>
+              <a:rPr lang="bg-BG" sz="2400" b="1" noProof="1">
+                <a:solidFill>
+                  <a:schemeClr val="bg2"/>
+                </a:solidFill>
+              </a:rPr>
+              <a:t>Показваме </a:t>
+            </a:r>
+            <a:r>
+              <a:rPr lang="bg-BG" sz="2400" b="1" noProof="1">
+                <a:solidFill>
+                  <a:schemeClr val="accent1">
+                    <a:lumMod val="60000"/>
+                    <a:lumOff val="40000"/>
+                  </a:schemeClr>
+                </a:solidFill>
+              </a:rPr>
+              <a:t>главните форми</a:t>
+            </a:r>
+            <a:endParaRPr lang="en-US" sz="2400" b="1" noProof="1">
+              <a:solidFill>
+                <a:schemeClr val="accent1">
+                  <a:lumMod val="60000"/>
+                  <a:lumOff val="40000"/>
+                </a:schemeClr>
+              </a:solidFill>
+            </a:endParaRPr>
+          </a:p>
+        </p:txBody>
+      </p:sp>
+      <p:sp>
+        <p:nvSpPr>
+          <p:cNvPr id="13" name="AutoShape 7">
+            <a:extLst>
+              <a:ext uri="{FF2B5EF4-FFF2-40B4-BE49-F238E27FC236}">
+                <a16:creationId xmlns:a16="http://schemas.microsoft.com/office/drawing/2014/main" id="{362CE2B6-1BA4-9E19-32BC-872A61C1F80A}"/>
+              </a:ext>
+            </a:extLst>
+          </p:cNvPr>
+          <p:cNvSpPr>
+            <a:spLocks noChangeArrowheads="1"/>
+          </p:cNvSpPr>
+          <p:nvPr/>
+        </p:nvSpPr>
+        <p:spPr bwMode="auto">
+          <a:xfrm>
+            <a:off x="831000" y="5513611"/>
+            <a:ext cx="2340000" cy="919374"/>
           </a:xfrm>
           <a:prstGeom prst="wedgeRoundRectCallout">
             <a:avLst>
@@ -24073,15 +25542,15 @@
           <a:p>
             <a:pPr algn="ctr" eaLnBrk="0" hangingPunct="0"/>
             <a:r>
-              <a:rPr lang="bg-BG" b="1" noProof="1">
+              <a:rPr lang="bg-BG" sz="2400" b="1" noProof="1">
                 <a:solidFill>
                   <a:schemeClr val="bg2"/>
                 </a:solidFill>
               </a:rPr>
-              <a:t>Проверяваме има ли такъв </a:t>
-            </a:r>
-            <a:r>
-              <a:rPr lang="bg-BG" b="1" noProof="1">
+              <a:t>Показваме </a:t>
+            </a:r>
+            <a:r>
+              <a:rPr lang="bg-BG" sz="2400" b="1" noProof="1">
                 <a:solidFill>
                   <a:schemeClr val="accent1">
                     <a:lumMod val="60000"/>
@@ -24089,222 +25558,9 @@
                   </a:schemeClr>
                 </a:solidFill>
               </a:rPr>
-              <a:t>потребител</a:t>
-            </a:r>
-            <a:r>
-              <a:rPr lang="bg-BG" b="1" noProof="1">
-                <a:solidFill>
-                  <a:schemeClr val="bg2"/>
-                </a:solidFill>
-              </a:rPr>
-              <a:t> в </a:t>
-            </a:r>
-            <a:r>
-              <a:rPr lang="bg-BG" b="1" noProof="1">
-                <a:solidFill>
-                  <a:schemeClr val="accent1">
-                    <a:lumMod val="60000"/>
-                    <a:lumOff val="40000"/>
-                  </a:schemeClr>
-                </a:solidFill>
-              </a:rPr>
-              <a:t>БД</a:t>
-            </a:r>
-            <a:endParaRPr lang="en-US" b="1" noProof="1">
-              <a:solidFill>
-                <a:schemeClr val="accent1">
-                  <a:lumMod val="60000"/>
-                  <a:lumOff val="40000"/>
-                </a:schemeClr>
-              </a:solidFill>
-            </a:endParaRPr>
-          </a:p>
-        </p:txBody>
-      </p:sp>
-      <p:sp>
-        <p:nvSpPr>
-          <p:cNvPr id="12" name="AutoShape 7">
-            <a:extLst>
-              <a:ext uri="{FF2B5EF4-FFF2-40B4-BE49-F238E27FC236}">
-                <a16:creationId xmlns:a16="http://schemas.microsoft.com/office/drawing/2014/main" id="{43C1F84D-FBAA-6E4C-E039-74D3FD649A6D}"/>
-              </a:ext>
-            </a:extLst>
-          </p:cNvPr>
-          <p:cNvSpPr>
-            <a:spLocks noChangeArrowheads="1"/>
-          </p:cNvSpPr>
-          <p:nvPr/>
-        </p:nvSpPr>
-        <p:spPr bwMode="auto">
-          <a:xfrm>
-            <a:off x="7986000" y="4726075"/>
-            <a:ext cx="3120928" cy="408596"/>
-          </a:xfrm>
-          <a:prstGeom prst="wedgeRoundRectCallout">
-            <a:avLst>
-              <a:gd name="adj1" fmla="val -101563"/>
-              <a:gd name="adj2" fmla="val 87736"/>
-              <a:gd name="adj3" fmla="val 16667"/>
-            </a:avLst>
-          </a:prstGeom>
-          <a:solidFill>
-            <a:schemeClr val="dk2">
-              <a:alpha val="80000"/>
-            </a:schemeClr>
-          </a:solidFill>
-          <a:ln w="19050">
-            <a:solidFill>
-              <a:schemeClr val="tx1">
-                <a:lumMod val="75000"/>
-                <a:alpha val="80000"/>
-              </a:schemeClr>
-            </a:solidFill>
-          </a:ln>
-          <a:effectLst/>
-        </p:spPr>
-        <p:style>
-          <a:lnRef idx="2">
-            <a:schemeClr val="accent1">
-              <a:shade val="50000"/>
-            </a:schemeClr>
-          </a:lnRef>
-          <a:fillRef idx="1001">
-            <a:schemeClr val="dk2"/>
-          </a:fillRef>
-          <a:effectRef idx="0">
-            <a:schemeClr val="accent1"/>
-          </a:effectRef>
-          <a:fontRef idx="minor">
-            <a:schemeClr val="lt1"/>
-          </a:fontRef>
-        </p:style>
-        <p:txBody>
-          <a:bodyPr rot="0" spcFirstLastPara="0" vertOverflow="overflow" horzOverflow="overflow" vert="horz" wrap="square" lIns="91416" tIns="45708" rIns="91416" bIns="45708" numCol="1" spcCol="0" rtlCol="0" fromWordArt="0" anchor="ctr" anchorCtr="0" forceAA="0" compatLnSpc="1">
-            <a:prstTxWarp prst="textNoShape">
-              <a:avLst/>
-            </a:prstTxWarp>
-            <a:spAutoFit/>
-          </a:bodyPr>
-          <a:lstStyle/>
-          <a:p>
-            <a:pPr algn="ctr" eaLnBrk="0" hangingPunct="0"/>
-            <a:r>
-              <a:rPr lang="bg-BG" b="1" noProof="1">
-                <a:solidFill>
-                  <a:schemeClr val="bg2"/>
-                </a:solidFill>
-              </a:rPr>
-              <a:t>Показваме </a:t>
-            </a:r>
-            <a:r>
-              <a:rPr lang="bg-BG" b="1" noProof="1">
-                <a:solidFill>
-                  <a:schemeClr val="accent1">
-                    <a:lumMod val="60000"/>
-                    <a:lumOff val="40000"/>
-                  </a:schemeClr>
-                </a:solidFill>
-              </a:rPr>
-              <a:t>главните форми</a:t>
-            </a:r>
-            <a:endParaRPr lang="en-US" b="1" noProof="1">
-              <a:solidFill>
-                <a:schemeClr val="accent1">
-                  <a:lumMod val="60000"/>
-                  <a:lumOff val="40000"/>
-                </a:schemeClr>
-              </a:solidFill>
-            </a:endParaRPr>
-          </a:p>
-        </p:txBody>
-      </p:sp>
-      <p:sp>
-        <p:nvSpPr>
-          <p:cNvPr id="13" name="AutoShape 7">
-            <a:extLst>
-              <a:ext uri="{FF2B5EF4-FFF2-40B4-BE49-F238E27FC236}">
-                <a16:creationId xmlns:a16="http://schemas.microsoft.com/office/drawing/2014/main" id="{362CE2B6-1BA4-9E19-32BC-872A61C1F80A}"/>
-              </a:ext>
-            </a:extLst>
-          </p:cNvPr>
-          <p:cNvSpPr>
-            <a:spLocks noChangeArrowheads="1"/>
-          </p:cNvSpPr>
-          <p:nvPr/>
-        </p:nvSpPr>
-        <p:spPr bwMode="auto">
-          <a:xfrm>
-            <a:off x="831000" y="5769000"/>
-            <a:ext cx="2340000" cy="408596"/>
-          </a:xfrm>
-          <a:prstGeom prst="wedgeRoundRectCallout">
-            <a:avLst>
-              <a:gd name="adj1" fmla="val 87513"/>
-              <a:gd name="adj2" fmla="val 28059"/>
-              <a:gd name="adj3" fmla="val 16667"/>
-            </a:avLst>
-          </a:prstGeom>
-          <a:solidFill>
-            <a:schemeClr val="dk2">
-              <a:alpha val="80000"/>
-            </a:schemeClr>
-          </a:solidFill>
-          <a:ln w="19050">
-            <a:solidFill>
-              <a:schemeClr val="tx1">
-                <a:lumMod val="75000"/>
-                <a:alpha val="80000"/>
-              </a:schemeClr>
-            </a:solidFill>
-          </a:ln>
-          <a:effectLst/>
-        </p:spPr>
-        <p:style>
-          <a:lnRef idx="2">
-            <a:schemeClr val="accent1">
-              <a:shade val="50000"/>
-            </a:schemeClr>
-          </a:lnRef>
-          <a:fillRef idx="1001">
-            <a:schemeClr val="dk2"/>
-          </a:fillRef>
-          <a:effectRef idx="0">
-            <a:schemeClr val="accent1"/>
-          </a:effectRef>
-          <a:fontRef idx="minor">
-            <a:schemeClr val="lt1"/>
-          </a:fontRef>
-        </p:style>
-        <p:txBody>
-          <a:bodyPr rot="0" spcFirstLastPara="0" vertOverflow="overflow" horzOverflow="overflow" vert="horz" wrap="square" lIns="91416" tIns="45708" rIns="91416" bIns="45708" numCol="1" spcCol="0" rtlCol="0" fromWordArt="0" anchor="ctr" anchorCtr="0" forceAA="0" compatLnSpc="1">
-            <a:prstTxWarp prst="textNoShape">
-              <a:avLst/>
-            </a:prstTxWarp>
-            <a:spAutoFit/>
-          </a:bodyPr>
-          <a:lstStyle/>
-          <a:p>
-            <a:pPr algn="ctr" eaLnBrk="0" hangingPunct="0"/>
-            <a:r>
-              <a:rPr lang="bg-BG" b="1" noProof="1">
-                <a:solidFill>
-                  <a:schemeClr val="bg2"/>
-                </a:solidFill>
-              </a:rPr>
-              <a:t>Показваме </a:t>
-            </a:r>
-            <a:r>
-              <a:rPr lang="bg-BG" b="1" noProof="1">
-                <a:solidFill>
-                  <a:schemeClr val="accent1">
-                    <a:lumMod val="60000"/>
-                    <a:lumOff val="40000"/>
-                  </a:schemeClr>
-                </a:solidFill>
-              </a:rPr>
               <a:t>грешка</a:t>
             </a:r>
-            <a:endParaRPr lang="en-US" b="1" noProof="1">
+            <a:endParaRPr lang="en-US" sz="2400" b="1" noProof="1">
               <a:solidFill>
                 <a:schemeClr val="accent1">
                   <a:lumMod val="60000"/>
@@ -24770,19 +26026,19 @@
           <a:lstStyle/>
           <a:p>
             <a:r>
-              <a:rPr lang="bg-BG" sz="2400" dirty="0"/>
+              <a:rPr lang="bg-BG" sz="2800" dirty="0"/>
               <a:t>Показваме </a:t>
             </a:r>
             <a:r>
-              <a:rPr lang="bg-BG" sz="2400" b="1" dirty="0"/>
+              <a:rPr lang="bg-BG" sz="2800" b="1" dirty="0"/>
               <a:t>главните форми</a:t>
             </a:r>
             <a:r>
-              <a:rPr lang="bg-BG" sz="2400" dirty="0"/>
+              <a:rPr lang="bg-BG" sz="2800" dirty="0"/>
               <a:t> спрямо </a:t>
             </a:r>
             <a:r>
-              <a:rPr lang="bg-BG" sz="2400" b="1" dirty="0">
+              <a:rPr lang="bg-BG" sz="2800" b="1" dirty="0">
                 <a:solidFill>
                   <a:schemeClr val="bg1"/>
                 </a:solidFill>
@@ -24790,11 +26046,11 @@
               <a:t>ролята</a:t>
             </a:r>
             <a:r>
-              <a:rPr lang="bg-BG" sz="2400" dirty="0"/>
+              <a:rPr lang="bg-BG" sz="2800" dirty="0"/>
               <a:t> на </a:t>
             </a:r>
             <a:r>
-              <a:rPr lang="bg-BG" sz="2400" b="1" dirty="0"/>
+              <a:rPr lang="bg-BG" sz="2800" b="1" dirty="0"/>
               <a:t>потребителя</a:t>
             </a:r>
           </a:p>
@@ -24890,13 +26146,13 @@
         </p:nvSpPr>
         <p:spPr bwMode="auto">
           <a:xfrm>
-            <a:off x="6591000" y="2889000"/>
-            <a:ext cx="2745000" cy="408596"/>
+            <a:off x="6591000" y="2837922"/>
+            <a:ext cx="3780000" cy="510751"/>
           </a:xfrm>
           <a:prstGeom prst="wedgeRoundRectCallout">
             <a:avLst>
-              <a:gd name="adj1" fmla="val -42992"/>
-              <a:gd name="adj2" fmla="val 186204"/>
+              <a:gd name="adj1" fmla="val -48876"/>
+              <a:gd name="adj2" fmla="val 149914"/>
               <a:gd name="adj3" fmla="val 16667"/>
             </a:avLst>
           </a:prstGeom>
@@ -24942,7 +26198,7 @@
           <a:p>
             <a:pPr algn="ctr" eaLnBrk="0" hangingPunct="0"/>
             <a:r>
-              <a:rPr lang="bg-BG" b="1" noProof="1">
+              <a:rPr lang="bg-BG" sz="2400" b="1" noProof="1">
                 <a:solidFill>
                   <a:schemeClr val="bg2"/>
                 </a:solidFill>
@@ -24950,7 +26206,7 @@
               <a:t>Потребителят е </a:t>
             </a:r>
             <a:r>
-              <a:rPr lang="bg-BG" b="1" noProof="1">
+              <a:rPr lang="bg-BG" sz="2400" b="1" noProof="1">
                 <a:solidFill>
                   <a:schemeClr val="accent1">
                     <a:lumMod val="60000"/>
@@ -24960,7 +26216,7 @@
               </a:rPr>
               <a:t>админ</a:t>
             </a:r>
-            <a:endParaRPr lang="en-US" b="1" noProof="1">
+            <a:endParaRPr lang="en-US" sz="2400" b="1" noProof="1">
               <a:solidFill>
                 <a:schemeClr val="accent1">
                   <a:lumMod val="60000"/>
@@ -24987,13 +26243,13 @@
         </p:nvSpPr>
         <p:spPr bwMode="auto">
           <a:xfrm>
-            <a:off x="1821000" y="5457577"/>
-            <a:ext cx="2566392" cy="408596"/>
+            <a:off x="921000" y="5406499"/>
+            <a:ext cx="3466392" cy="510751"/>
           </a:xfrm>
           <a:prstGeom prst="wedgeRoundRectCallout">
             <a:avLst>
-              <a:gd name="adj1" fmla="val 44458"/>
-              <a:gd name="adj2" fmla="val -177829"/>
+              <a:gd name="adj1" fmla="val 45171"/>
+              <a:gd name="adj2" fmla="val -139120"/>
               <a:gd name="adj3" fmla="val 16667"/>
             </a:avLst>
           </a:prstGeom>
@@ -25039,7 +26295,7 @@
           <a:p>
             <a:pPr algn="ctr" eaLnBrk="0" hangingPunct="0"/>
             <a:r>
-              <a:rPr lang="bg-BG" b="1" noProof="1">
+              <a:rPr lang="bg-BG" sz="2400" b="1" noProof="1">
                 <a:solidFill>
                   <a:schemeClr val="bg2"/>
                 </a:solidFill>
@@ -25047,7 +26303,7 @@
               <a:t>Потребителят е </a:t>
             </a:r>
             <a:r>
-              <a:rPr lang="bg-BG" b="1" noProof="1">
+              <a:rPr lang="bg-BG" sz="2400" b="1" noProof="1">
                 <a:solidFill>
                   <a:schemeClr val="accent1">
                     <a:lumMod val="60000"/>
@@ -25057,7 +26313,7 @@
               </a:rPr>
               <a:t>лекар</a:t>
             </a:r>
-            <a:endParaRPr lang="en-US" b="1" noProof="1">
+            <a:endParaRPr lang="en-US" sz="2400" b="1" noProof="1">
               <a:solidFill>
                 <a:schemeClr val="accent1">
                   <a:lumMod val="60000"/>
